--- a/pre_wangyu.pptx
+++ b/pre_wangyu.pptx
@@ -7,6 +7,9 @@
     <p:sldMasterId id="2147483651" r:id="rId3"/>
     <p:sldMasterId id="2147483672" r:id="rId4"/>
   </p:sldMasterIdLst>
+  <p:notesMasterIdLst>
+    <p:notesMasterId r:id="rId31"/>
+  </p:notesMasterIdLst>
   <p:sldIdLst>
     <p:sldId id="256" r:id="rId5"/>
     <p:sldId id="258" r:id="rId6"/>
@@ -200,6 +203,440 @@
 </p:presentation>
 </file>
 
+<file path=ppt/notesMasters/notesMaster1.xml><?xml version="1.0" encoding="utf-8"?>
+<p:notesMaster xmlns:a="http://schemas.openxmlformats.org/drawingml/2006/main" xmlns:r="http://schemas.openxmlformats.org/officeDocument/2006/relationships" xmlns:p="http://schemas.openxmlformats.org/presentationml/2006/main">
+  <p:cSld>
+    <p:bg>
+      <p:bgRef idx="1001">
+        <a:schemeClr val="bg1"/>
+      </p:bgRef>
+    </p:bg>
+    <p:spTree>
+      <p:nvGrpSpPr>
+        <p:cNvPr id="1" name=""/>
+        <p:cNvGrpSpPr/>
+        <p:nvPr/>
+      </p:nvGrpSpPr>
+      <p:grpSpPr>
+        <a:xfrm>
+          <a:off x="0" y="0"/>
+          <a:ext cx="0" cy="0"/>
+          <a:chOff x="0" y="0"/>
+          <a:chExt cx="0" cy="0"/>
+        </a:xfrm>
+      </p:grpSpPr>
+      <p:sp>
+        <p:nvSpPr>
+          <p:cNvPr id="2" name="页眉占位符 1"/>
+          <p:cNvSpPr>
+            <a:spLocks noGrp="1"/>
+          </p:cNvSpPr>
+          <p:nvPr>
+            <p:ph type="hdr" sz="quarter"/>
+          </p:nvPr>
+        </p:nvSpPr>
+        <p:spPr>
+          <a:xfrm>
+            <a:off x="0" y="0"/>
+            <a:ext cx="2971800" cy="458788"/>
+          </a:xfrm>
+          <a:prstGeom prst="rect">
+            <a:avLst/>
+          </a:prstGeom>
+        </p:spPr>
+        <p:txBody>
+          <a:bodyPr vert="horz" lIns="91440" tIns="45720" rIns="91440" bIns="45720" rtlCol="0"/>
+          <a:lstStyle>
+            <a:lvl1pPr algn="l">
+              <a:defRPr sz="1200"/>
+            </a:lvl1pPr>
+          </a:lstStyle>
+          <a:p>
+            <a:endParaRPr kumimoji="1" lang="zh-CN" altLang="en-US"/>
+          </a:p>
+        </p:txBody>
+      </p:sp>
+      <p:sp>
+        <p:nvSpPr>
+          <p:cNvPr id="3" name="日期占位符 2"/>
+          <p:cNvSpPr>
+            <a:spLocks noGrp="1"/>
+          </p:cNvSpPr>
+          <p:nvPr>
+            <p:ph type="dt" idx="1"/>
+          </p:nvPr>
+        </p:nvSpPr>
+        <p:spPr>
+          <a:xfrm>
+            <a:off x="3884613" y="0"/>
+            <a:ext cx="2971800" cy="458788"/>
+          </a:xfrm>
+          <a:prstGeom prst="rect">
+            <a:avLst/>
+          </a:prstGeom>
+        </p:spPr>
+        <p:txBody>
+          <a:bodyPr vert="horz" lIns="91440" tIns="45720" rIns="91440" bIns="45720" rtlCol="0"/>
+          <a:lstStyle>
+            <a:lvl1pPr algn="r">
+              <a:defRPr sz="1200"/>
+            </a:lvl1pPr>
+          </a:lstStyle>
+          <a:p>
+            <a:fld id="{3C68E046-E994-FC45-BBEB-A014A753CD0F}" type="datetimeFigureOut">
+              <a:rPr kumimoji="1" lang="zh-CN" altLang="en-US" smtClean="0"/>
+              <a:t>17/4/20</a:t>
+            </a:fld>
+            <a:endParaRPr kumimoji="1" lang="zh-CN" altLang="en-US"/>
+          </a:p>
+        </p:txBody>
+      </p:sp>
+      <p:sp>
+        <p:nvSpPr>
+          <p:cNvPr id="4" name="幻灯片图像占位符 3"/>
+          <p:cNvSpPr>
+            <a:spLocks noGrp="1" noRot="1" noChangeAspect="1"/>
+          </p:cNvSpPr>
+          <p:nvPr>
+            <p:ph type="sldImg" idx="2"/>
+          </p:nvPr>
+        </p:nvSpPr>
+        <p:spPr>
+          <a:xfrm>
+            <a:off x="685800" y="1143000"/>
+            <a:ext cx="5486400" cy="3086100"/>
+          </a:xfrm>
+          <a:prstGeom prst="rect">
+            <a:avLst/>
+          </a:prstGeom>
+          <a:noFill/>
+          <a:ln w="12700">
+            <a:solidFill>
+              <a:prstClr val="black"/>
+            </a:solidFill>
+          </a:ln>
+        </p:spPr>
+        <p:txBody>
+          <a:bodyPr vert="horz" lIns="91440" tIns="45720" rIns="91440" bIns="45720" rtlCol="0" anchor="ctr"/>
+          <a:lstStyle/>
+          <a:p>
+            <a:endParaRPr lang="zh-CN" altLang="en-US"/>
+          </a:p>
+        </p:txBody>
+      </p:sp>
+      <p:sp>
+        <p:nvSpPr>
+          <p:cNvPr id="5" name="备注占位符 4"/>
+          <p:cNvSpPr>
+            <a:spLocks noGrp="1"/>
+          </p:cNvSpPr>
+          <p:nvPr>
+            <p:ph type="body" sz="quarter" idx="3"/>
+          </p:nvPr>
+        </p:nvSpPr>
+        <p:spPr>
+          <a:xfrm>
+            <a:off x="685800" y="4400550"/>
+            <a:ext cx="5486400" cy="3600450"/>
+          </a:xfrm>
+          <a:prstGeom prst="rect">
+            <a:avLst/>
+          </a:prstGeom>
+        </p:spPr>
+        <p:txBody>
+          <a:bodyPr vert="horz" lIns="91440" tIns="45720" rIns="91440" bIns="45720" rtlCol="0"/>
+          <a:lstStyle/>
+          <a:p>
+            <a:pPr lvl="0"/>
+            <a:r>
+              <a:rPr kumimoji="1" lang="zh-CN" altLang="en-US" smtClean="0"/>
+              <a:t>单击此处编辑母版文本样式</a:t>
+            </a:r>
+          </a:p>
+          <a:p>
+            <a:pPr lvl="1"/>
+            <a:r>
+              <a:rPr kumimoji="1" lang="zh-CN" altLang="en-US" smtClean="0"/>
+              <a:t>二级</a:t>
+            </a:r>
+          </a:p>
+          <a:p>
+            <a:pPr lvl="2"/>
+            <a:r>
+              <a:rPr kumimoji="1" lang="zh-CN" altLang="en-US" smtClean="0"/>
+              <a:t>三级</a:t>
+            </a:r>
+          </a:p>
+          <a:p>
+            <a:pPr lvl="3"/>
+            <a:r>
+              <a:rPr kumimoji="1" lang="zh-CN" altLang="en-US" smtClean="0"/>
+              <a:t>四级</a:t>
+            </a:r>
+          </a:p>
+          <a:p>
+            <a:pPr lvl="4"/>
+            <a:r>
+              <a:rPr kumimoji="1" lang="zh-CN" altLang="en-US" smtClean="0"/>
+              <a:t>五级</a:t>
+            </a:r>
+            <a:endParaRPr kumimoji="1" lang="zh-CN" altLang="en-US"/>
+          </a:p>
+        </p:txBody>
+      </p:sp>
+      <p:sp>
+        <p:nvSpPr>
+          <p:cNvPr id="6" name="页脚占位符 5"/>
+          <p:cNvSpPr>
+            <a:spLocks noGrp="1"/>
+          </p:cNvSpPr>
+          <p:nvPr>
+            <p:ph type="ftr" sz="quarter" idx="4"/>
+          </p:nvPr>
+        </p:nvSpPr>
+        <p:spPr>
+          <a:xfrm>
+            <a:off x="0" y="8685213"/>
+            <a:ext cx="2971800" cy="458787"/>
+          </a:xfrm>
+          <a:prstGeom prst="rect">
+            <a:avLst/>
+          </a:prstGeom>
+        </p:spPr>
+        <p:txBody>
+          <a:bodyPr vert="horz" lIns="91440" tIns="45720" rIns="91440" bIns="45720" rtlCol="0" anchor="b"/>
+          <a:lstStyle>
+            <a:lvl1pPr algn="l">
+              <a:defRPr sz="1200"/>
+            </a:lvl1pPr>
+          </a:lstStyle>
+          <a:p>
+            <a:endParaRPr kumimoji="1" lang="zh-CN" altLang="en-US"/>
+          </a:p>
+        </p:txBody>
+      </p:sp>
+      <p:sp>
+        <p:nvSpPr>
+          <p:cNvPr id="7" name="幻灯片编号占位符 6"/>
+          <p:cNvSpPr>
+            <a:spLocks noGrp="1"/>
+          </p:cNvSpPr>
+          <p:nvPr>
+            <p:ph type="sldNum" sz="quarter" idx="5"/>
+          </p:nvPr>
+        </p:nvSpPr>
+        <p:spPr>
+          <a:xfrm>
+            <a:off x="3884613" y="8685213"/>
+            <a:ext cx="2971800" cy="458787"/>
+          </a:xfrm>
+          <a:prstGeom prst="rect">
+            <a:avLst/>
+          </a:prstGeom>
+        </p:spPr>
+        <p:txBody>
+          <a:bodyPr vert="horz" lIns="91440" tIns="45720" rIns="91440" bIns="45720" rtlCol="0" anchor="b"/>
+          <a:lstStyle>
+            <a:lvl1pPr algn="r">
+              <a:defRPr sz="1200"/>
+            </a:lvl1pPr>
+          </a:lstStyle>
+          <a:p>
+            <a:fld id="{D8A2C7C0-D0C0-F541-BFFF-380FD9266A44}" type="slidenum">
+              <a:rPr kumimoji="1" lang="zh-CN" altLang="en-US" smtClean="0"/>
+              <a:t>‹#›</a:t>
+            </a:fld>
+            <a:endParaRPr kumimoji="1" lang="zh-CN" altLang="en-US"/>
+          </a:p>
+        </p:txBody>
+      </p:sp>
+    </p:spTree>
+    <p:extLst>
+      <p:ext uri="{BB962C8B-B14F-4D97-AF65-F5344CB8AC3E}">
+        <p14:creationId xmlns:p14="http://schemas.microsoft.com/office/powerpoint/2010/main" val="644322259"/>
+      </p:ext>
+    </p:extLst>
+  </p:cSld>
+  <p:clrMap bg1="lt1" tx1="dk1" bg2="lt2" tx2="dk2" accent1="accent1" accent2="accent2" accent3="accent3" accent4="accent4" accent5="accent5" accent6="accent6" hlink="hlink" folHlink="folHlink"/>
+  <p:notesStyle>
+    <a:lvl1pPr marL="0" algn="l" defTabSz="914400" rtl="0" eaLnBrk="1" latinLnBrk="0" hangingPunct="1">
+      <a:defRPr sz="1200" kern="1200">
+        <a:solidFill>
+          <a:schemeClr val="tx1"/>
+        </a:solidFill>
+        <a:latin typeface="+mn-lt"/>
+        <a:ea typeface="+mn-ea"/>
+        <a:cs typeface="+mn-cs"/>
+      </a:defRPr>
+    </a:lvl1pPr>
+    <a:lvl2pPr marL="457200" algn="l" defTabSz="914400" rtl="0" eaLnBrk="1" latinLnBrk="0" hangingPunct="1">
+      <a:defRPr sz="1200" kern="1200">
+        <a:solidFill>
+          <a:schemeClr val="tx1"/>
+        </a:solidFill>
+        <a:latin typeface="+mn-lt"/>
+        <a:ea typeface="+mn-ea"/>
+        <a:cs typeface="+mn-cs"/>
+      </a:defRPr>
+    </a:lvl2pPr>
+    <a:lvl3pPr marL="914400" algn="l" defTabSz="914400" rtl="0" eaLnBrk="1" latinLnBrk="0" hangingPunct="1">
+      <a:defRPr sz="1200" kern="1200">
+        <a:solidFill>
+          <a:schemeClr val="tx1"/>
+        </a:solidFill>
+        <a:latin typeface="+mn-lt"/>
+        <a:ea typeface="+mn-ea"/>
+        <a:cs typeface="+mn-cs"/>
+      </a:defRPr>
+    </a:lvl3pPr>
+    <a:lvl4pPr marL="1371600" algn="l" defTabSz="914400" rtl="0" eaLnBrk="1" latinLnBrk="0" hangingPunct="1">
+      <a:defRPr sz="1200" kern="1200">
+        <a:solidFill>
+          <a:schemeClr val="tx1"/>
+        </a:solidFill>
+        <a:latin typeface="+mn-lt"/>
+        <a:ea typeface="+mn-ea"/>
+        <a:cs typeface="+mn-cs"/>
+      </a:defRPr>
+    </a:lvl4pPr>
+    <a:lvl5pPr marL="1828800" algn="l" defTabSz="914400" rtl="0" eaLnBrk="1" latinLnBrk="0" hangingPunct="1">
+      <a:defRPr sz="1200" kern="1200">
+        <a:solidFill>
+          <a:schemeClr val="tx1"/>
+        </a:solidFill>
+        <a:latin typeface="+mn-lt"/>
+        <a:ea typeface="+mn-ea"/>
+        <a:cs typeface="+mn-cs"/>
+      </a:defRPr>
+    </a:lvl5pPr>
+    <a:lvl6pPr marL="2286000" algn="l" defTabSz="914400" rtl="0" eaLnBrk="1" latinLnBrk="0" hangingPunct="1">
+      <a:defRPr sz="1200" kern="1200">
+        <a:solidFill>
+          <a:schemeClr val="tx1"/>
+        </a:solidFill>
+        <a:latin typeface="+mn-lt"/>
+        <a:ea typeface="+mn-ea"/>
+        <a:cs typeface="+mn-cs"/>
+      </a:defRPr>
+    </a:lvl6pPr>
+    <a:lvl7pPr marL="2743200" algn="l" defTabSz="914400" rtl="0" eaLnBrk="1" latinLnBrk="0" hangingPunct="1">
+      <a:defRPr sz="1200" kern="1200">
+        <a:solidFill>
+          <a:schemeClr val="tx1"/>
+        </a:solidFill>
+        <a:latin typeface="+mn-lt"/>
+        <a:ea typeface="+mn-ea"/>
+        <a:cs typeface="+mn-cs"/>
+      </a:defRPr>
+    </a:lvl7pPr>
+    <a:lvl8pPr marL="3200400" algn="l" defTabSz="914400" rtl="0" eaLnBrk="1" latinLnBrk="0" hangingPunct="1">
+      <a:defRPr sz="1200" kern="1200">
+        <a:solidFill>
+          <a:schemeClr val="tx1"/>
+        </a:solidFill>
+        <a:latin typeface="+mn-lt"/>
+        <a:ea typeface="+mn-ea"/>
+        <a:cs typeface="+mn-cs"/>
+      </a:defRPr>
+    </a:lvl8pPr>
+    <a:lvl9pPr marL="3657600" algn="l" defTabSz="914400" rtl="0" eaLnBrk="1" latinLnBrk="0" hangingPunct="1">
+      <a:defRPr sz="1200" kern="1200">
+        <a:solidFill>
+          <a:schemeClr val="tx1"/>
+        </a:solidFill>
+        <a:latin typeface="+mn-lt"/>
+        <a:ea typeface="+mn-ea"/>
+        <a:cs typeface="+mn-cs"/>
+      </a:defRPr>
+    </a:lvl9pPr>
+  </p:notesStyle>
+</p:notesMaster>
+</file>
+
+<file path=ppt/notesSlides/notesSlide1.xml><?xml version="1.0" encoding="utf-8"?>
+<p:notes xmlns:a="http://schemas.openxmlformats.org/drawingml/2006/main" xmlns:r="http://schemas.openxmlformats.org/officeDocument/2006/relationships" xmlns:p="http://schemas.openxmlformats.org/presentationml/2006/main">
+  <p:cSld>
+    <p:spTree>
+      <p:nvGrpSpPr>
+        <p:cNvPr id="1" name=""/>
+        <p:cNvGrpSpPr/>
+        <p:nvPr/>
+      </p:nvGrpSpPr>
+      <p:grpSpPr>
+        <a:xfrm>
+          <a:off x="0" y="0"/>
+          <a:ext cx="0" cy="0"/>
+          <a:chOff x="0" y="0"/>
+          <a:chExt cx="0" cy="0"/>
+        </a:xfrm>
+      </p:grpSpPr>
+      <p:sp>
+        <p:nvSpPr>
+          <p:cNvPr id="2" name="幻灯片图像占位符 1"/>
+          <p:cNvSpPr>
+            <a:spLocks noGrp="1" noRot="1" noChangeAspect="1"/>
+          </p:cNvSpPr>
+          <p:nvPr>
+            <p:ph type="sldImg"/>
+          </p:nvPr>
+        </p:nvSpPr>
+        <p:spPr/>
+      </p:sp>
+      <p:sp>
+        <p:nvSpPr>
+          <p:cNvPr id="3" name="备注占位符 2"/>
+          <p:cNvSpPr>
+            <a:spLocks noGrp="1"/>
+          </p:cNvSpPr>
+          <p:nvPr>
+            <p:ph type="body" idx="1"/>
+          </p:nvPr>
+        </p:nvSpPr>
+        <p:spPr/>
+        <p:txBody>
+          <a:bodyPr/>
+          <a:lstStyle/>
+          <a:p>
+            <a:endParaRPr kumimoji="1" lang="zh-CN" altLang="en-US" dirty="0"/>
+          </a:p>
+        </p:txBody>
+      </p:sp>
+      <p:sp>
+        <p:nvSpPr>
+          <p:cNvPr id="4" name="幻灯片编号占位符 3"/>
+          <p:cNvSpPr>
+            <a:spLocks noGrp="1"/>
+          </p:cNvSpPr>
+          <p:nvPr>
+            <p:ph type="sldNum" sz="quarter" idx="10"/>
+          </p:nvPr>
+        </p:nvSpPr>
+        <p:spPr/>
+        <p:txBody>
+          <a:bodyPr/>
+          <a:lstStyle/>
+          <a:p>
+            <a:fld id="{D8A2C7C0-D0C0-F541-BFFF-380FD9266A44}" type="slidenum">
+              <a:rPr kumimoji="1" lang="zh-CN" altLang="en-US" smtClean="0"/>
+              <a:t>8</a:t>
+            </a:fld>
+            <a:endParaRPr kumimoji="1" lang="zh-CN" altLang="en-US"/>
+          </a:p>
+        </p:txBody>
+      </p:sp>
+    </p:spTree>
+    <p:extLst>
+      <p:ext uri="{BB962C8B-B14F-4D97-AF65-F5344CB8AC3E}">
+        <p14:creationId xmlns:p14="http://schemas.microsoft.com/office/powerpoint/2010/main" val="1511658839"/>
+      </p:ext>
+    </p:extLst>
+  </p:cSld>
+  <p:clrMapOvr>
+    <a:masterClrMapping/>
+  </p:clrMapOvr>
+</p:notes>
+</file>
+
 <file path=ppt/slideLayouts/slideLayout1.xml><?xml version="1.0" encoding="utf-8"?>
 <p:sldLayout xmlns:a="http://schemas.openxmlformats.org/drawingml/2006/main" xmlns:r="http://schemas.openxmlformats.org/officeDocument/2006/relationships" xmlns:p="http://schemas.openxmlformats.org/presentationml/2006/main" type="obj" preserve="1">
   <p:cSld name="标题和内容">
@@ -717,7 +1154,7 @@
           </a:ln>
           <a:extLst>
             <a:ext uri="{91240B29-F687-4f45-9708-019B960494DF}">
-              <a14:hiddenLine xmlns:a14="http://schemas.microsoft.com/office/drawing/2010/main" xmlns="" w="12700" cap="flat">
+              <a14:hiddenLine xmlns="" xmlns:a14="http://schemas.microsoft.com/office/drawing/2010/main" w="12700" cap="flat">
                 <a:solidFill>
                   <a:schemeClr val="tx1"/>
                 </a:solidFill>
@@ -760,7 +1197,7 @@
           </a:ln>
           <a:extLst>
             <a:ext uri="{91240B29-F687-4f45-9708-019B960494DF}">
-              <a14:hiddenLine xmlns:a14="http://schemas.microsoft.com/office/drawing/2010/main" xmlns="" w="12700" cap="flat">
+              <a14:hiddenLine xmlns="" xmlns:a14="http://schemas.microsoft.com/office/drawing/2010/main" w="12700" cap="flat">
                 <a:solidFill>
                   <a:schemeClr val="tx1"/>
                 </a:solidFill>
@@ -806,14 +1243,14 @@
               <ma14:placeholderFlag xmlns:ma14="http://schemas.microsoft.com/office/mac/drawingml/2011/main" val="1"/>
             </a:ext>
             <a:ext uri="{909E8E84-426E-40dd-AFC4-6F175D3DCCD1}">
-              <a14:hiddenFill xmlns:a14="http://schemas.microsoft.com/office/drawing/2010/main" xmlns="">
+              <a14:hiddenFill xmlns="" xmlns:a14="http://schemas.microsoft.com/office/drawing/2010/main">
                 <a:solidFill>
                   <a:srgbClr val="FFFFFF"/>
                 </a:solidFill>
               </a14:hiddenFill>
             </a:ext>
             <a:ext uri="{91240B29-F687-4f45-9708-019B960494DF}">
-              <a14:hiddenLine xmlns:a14="http://schemas.microsoft.com/office/drawing/2010/main" xmlns="" w="12700">
+              <a14:hiddenLine xmlns="" xmlns:a14="http://schemas.microsoft.com/office/drawing/2010/main" w="12700">
                 <a:solidFill>
                   <a:schemeClr val="tx1"/>
                 </a:solidFill>
@@ -872,14 +1309,14 @@
               <ma14:placeholderFlag xmlns:ma14="http://schemas.microsoft.com/office/mac/drawingml/2011/main" val="1"/>
             </a:ext>
             <a:ext uri="{909E8E84-426E-40dd-AFC4-6F175D3DCCD1}">
-              <a14:hiddenFill xmlns:a14="http://schemas.microsoft.com/office/drawing/2010/main" xmlns="">
+              <a14:hiddenFill xmlns="" xmlns:a14="http://schemas.microsoft.com/office/drawing/2010/main">
                 <a:solidFill>
                   <a:srgbClr val="FFFFFF"/>
                 </a:solidFill>
               </a14:hiddenFill>
             </a:ext>
             <a:ext uri="{91240B29-F687-4f45-9708-019B960494DF}">
-              <a14:hiddenLine xmlns:a14="http://schemas.microsoft.com/office/drawing/2010/main" xmlns="" w="12700">
+              <a14:hiddenLine xmlns="" xmlns:a14="http://schemas.microsoft.com/office/drawing/2010/main" w="12700">
                 <a:solidFill>
                   <a:schemeClr val="tx1"/>
                 </a:solidFill>
@@ -1451,7 +1888,7 @@
           </a:ln>
           <a:extLst>
             <a:ext uri="{91240B29-F687-4f45-9708-019B960494DF}">
-              <a14:hiddenLine xmlns:a14="http://schemas.microsoft.com/office/drawing/2010/main" xmlns="" w="12700" cap="flat">
+              <a14:hiddenLine xmlns="" xmlns:a14="http://schemas.microsoft.com/office/drawing/2010/main" w="12700" cap="flat">
                 <a:solidFill>
                   <a:schemeClr val="tx1"/>
                 </a:solidFill>
@@ -1494,7 +1931,7 @@
           </a:ln>
           <a:extLst>
             <a:ext uri="{91240B29-F687-4f45-9708-019B960494DF}">
-              <a14:hiddenLine xmlns:a14="http://schemas.microsoft.com/office/drawing/2010/main" xmlns="" w="12700" cap="flat">
+              <a14:hiddenLine xmlns="" xmlns:a14="http://schemas.microsoft.com/office/drawing/2010/main" w="12700" cap="flat">
                 <a:solidFill>
                   <a:schemeClr val="tx1"/>
                 </a:solidFill>
@@ -1540,14 +1977,14 @@
               <ma14:placeholderFlag xmlns:ma14="http://schemas.microsoft.com/office/mac/drawingml/2011/main" val="1"/>
             </a:ext>
             <a:ext uri="{909E8E84-426E-40dd-AFC4-6F175D3DCCD1}">
-              <a14:hiddenFill xmlns:a14="http://schemas.microsoft.com/office/drawing/2010/main" xmlns="">
+              <a14:hiddenFill xmlns="" xmlns:a14="http://schemas.microsoft.com/office/drawing/2010/main">
                 <a:solidFill>
                   <a:srgbClr val="FFFFFF"/>
                 </a:solidFill>
               </a14:hiddenFill>
             </a:ext>
             <a:ext uri="{91240B29-F687-4f45-9708-019B960494DF}">
-              <a14:hiddenLine xmlns:a14="http://schemas.microsoft.com/office/drawing/2010/main" xmlns="" w="12700">
+              <a14:hiddenLine xmlns="" xmlns:a14="http://schemas.microsoft.com/office/drawing/2010/main" w="12700">
                 <a:solidFill>
                   <a:schemeClr val="tx1"/>
                 </a:solidFill>
@@ -1603,14 +2040,14 @@
               <ma14:placeholderFlag xmlns:ma14="http://schemas.microsoft.com/office/mac/drawingml/2011/main" val="1"/>
             </a:ext>
             <a:ext uri="{909E8E84-426E-40dd-AFC4-6F175D3DCCD1}">
-              <a14:hiddenFill xmlns:a14="http://schemas.microsoft.com/office/drawing/2010/main" xmlns="">
+              <a14:hiddenFill xmlns="" xmlns:a14="http://schemas.microsoft.com/office/drawing/2010/main">
                 <a:solidFill>
                   <a:srgbClr val="FFFFFF"/>
                 </a:solidFill>
               </a14:hiddenFill>
             </a:ext>
             <a:ext uri="{91240B29-F687-4f45-9708-019B960494DF}">
-              <a14:hiddenLine xmlns:a14="http://schemas.microsoft.com/office/drawing/2010/main" xmlns="" w="12700">
+              <a14:hiddenLine xmlns="" xmlns:a14="http://schemas.microsoft.com/office/drawing/2010/main" w="12700">
                 <a:solidFill>
                   <a:schemeClr val="tx1"/>
                 </a:solidFill>
@@ -1699,7 +2136,7 @@
           </a:ln>
           <a:extLst>
             <a:ext uri="{91240B29-F687-4f45-9708-019B960494DF}">
-              <a14:hiddenLine xmlns:a14="http://schemas.microsoft.com/office/drawing/2010/main" xmlns="" w="12700" cap="flat">
+              <a14:hiddenLine xmlns="" xmlns:a14="http://schemas.microsoft.com/office/drawing/2010/main" w="12700" cap="flat">
                 <a:solidFill>
                   <a:schemeClr val="tx1"/>
                 </a:solidFill>
@@ -2383,7 +2820,7 @@
           </a:ln>
           <a:extLst>
             <a:ext uri="{91240B29-F687-4f45-9708-019B960494DF}">
-              <a14:hiddenLine xmlns:a14="http://schemas.microsoft.com/office/drawing/2010/main" xmlns="" w="12700" cap="flat">
+              <a14:hiddenLine xmlns="" xmlns:a14="http://schemas.microsoft.com/office/drawing/2010/main" w="12700" cap="flat">
                 <a:solidFill>
                   <a:schemeClr val="tx1"/>
                 </a:solidFill>
@@ -2426,7 +2863,7 @@
           </a:ln>
           <a:extLst>
             <a:ext uri="{91240B29-F687-4f45-9708-019B960494DF}">
-              <a14:hiddenLine xmlns:a14="http://schemas.microsoft.com/office/drawing/2010/main" xmlns="" w="12700" cap="flat">
+              <a14:hiddenLine xmlns="" xmlns:a14="http://schemas.microsoft.com/office/drawing/2010/main" w="12700" cap="flat">
                 <a:solidFill>
                   <a:schemeClr val="tx1"/>
                 </a:solidFill>
@@ -2472,14 +2909,14 @@
               <ma14:placeholderFlag xmlns:ma14="http://schemas.microsoft.com/office/mac/drawingml/2011/main" val="1"/>
             </a:ext>
             <a:ext uri="{909E8E84-426E-40dd-AFC4-6F175D3DCCD1}">
-              <a14:hiddenFill xmlns:a14="http://schemas.microsoft.com/office/drawing/2010/main" xmlns="">
+              <a14:hiddenFill xmlns="" xmlns:a14="http://schemas.microsoft.com/office/drawing/2010/main">
                 <a:solidFill>
                   <a:srgbClr val="FFFFFF"/>
                 </a:solidFill>
               </a14:hiddenFill>
             </a:ext>
             <a:ext uri="{91240B29-F687-4f45-9708-019B960494DF}">
-              <a14:hiddenLine xmlns:a14="http://schemas.microsoft.com/office/drawing/2010/main" xmlns="" w="12700">
+              <a14:hiddenLine xmlns="" xmlns:a14="http://schemas.microsoft.com/office/drawing/2010/main" w="12700">
                 <a:solidFill>
                   <a:schemeClr val="tx1"/>
                 </a:solidFill>
@@ -2535,14 +2972,14 @@
               <ma14:placeholderFlag xmlns:ma14="http://schemas.microsoft.com/office/mac/drawingml/2011/main" val="1"/>
             </a:ext>
             <a:ext uri="{909E8E84-426E-40dd-AFC4-6F175D3DCCD1}">
-              <a14:hiddenFill xmlns:a14="http://schemas.microsoft.com/office/drawing/2010/main" xmlns="">
+              <a14:hiddenFill xmlns="" xmlns:a14="http://schemas.microsoft.com/office/drawing/2010/main">
                 <a:solidFill>
                   <a:srgbClr val="FFFFFF"/>
                 </a:solidFill>
               </a14:hiddenFill>
             </a:ext>
             <a:ext uri="{91240B29-F687-4f45-9708-019B960494DF}">
-              <a14:hiddenLine xmlns:a14="http://schemas.microsoft.com/office/drawing/2010/main" xmlns="" w="12700">
+              <a14:hiddenLine xmlns="" xmlns:a14="http://schemas.microsoft.com/office/drawing/2010/main" w="12700">
                 <a:solidFill>
                   <a:schemeClr val="tx1"/>
                 </a:solidFill>
@@ -3272,7 +3709,7 @@
           </a:ln>
           <a:extLst>
             <a:ext uri="{91240B29-F687-4f45-9708-019B960494DF}">
-              <a14:hiddenLine xmlns:a14="http://schemas.microsoft.com/office/drawing/2010/main" xmlns="" w="12700" cap="flat">
+              <a14:hiddenLine xmlns="" xmlns:a14="http://schemas.microsoft.com/office/drawing/2010/main" w="12700" cap="flat">
                 <a:solidFill>
                   <a:schemeClr val="tx1"/>
                 </a:solidFill>
@@ -3315,7 +3752,7 @@
           </a:ln>
           <a:extLst>
             <a:ext uri="{91240B29-F687-4f45-9708-019B960494DF}">
-              <a14:hiddenLine xmlns:a14="http://schemas.microsoft.com/office/drawing/2010/main" xmlns="" w="12700" cap="flat">
+              <a14:hiddenLine xmlns="" xmlns:a14="http://schemas.microsoft.com/office/drawing/2010/main" w="12700" cap="flat">
                 <a:solidFill>
                   <a:schemeClr val="tx1"/>
                 </a:solidFill>
@@ -3361,14 +3798,14 @@
               <ma14:placeholderFlag xmlns:ma14="http://schemas.microsoft.com/office/mac/drawingml/2011/main" val="1"/>
             </a:ext>
             <a:ext uri="{909E8E84-426E-40dd-AFC4-6F175D3DCCD1}">
-              <a14:hiddenFill xmlns:a14="http://schemas.microsoft.com/office/drawing/2010/main" xmlns="">
+              <a14:hiddenFill xmlns="" xmlns:a14="http://schemas.microsoft.com/office/drawing/2010/main">
                 <a:solidFill>
                   <a:srgbClr val="FFFFFF"/>
                 </a:solidFill>
               </a14:hiddenFill>
             </a:ext>
             <a:ext uri="{91240B29-F687-4f45-9708-019B960494DF}">
-              <a14:hiddenLine xmlns:a14="http://schemas.microsoft.com/office/drawing/2010/main" xmlns="" w="12700">
+              <a14:hiddenLine xmlns="" xmlns:a14="http://schemas.microsoft.com/office/drawing/2010/main" w="12700">
                 <a:solidFill>
                   <a:schemeClr val="tx1"/>
                 </a:solidFill>
@@ -3424,14 +3861,14 @@
               <ma14:placeholderFlag xmlns:ma14="http://schemas.microsoft.com/office/mac/drawingml/2011/main" val="1"/>
             </a:ext>
             <a:ext uri="{909E8E84-426E-40dd-AFC4-6F175D3DCCD1}">
-              <a14:hiddenFill xmlns:a14="http://schemas.microsoft.com/office/drawing/2010/main" xmlns="">
+              <a14:hiddenFill xmlns="" xmlns:a14="http://schemas.microsoft.com/office/drawing/2010/main">
                 <a:solidFill>
                   <a:srgbClr val="FFFFFF"/>
                 </a:solidFill>
               </a14:hiddenFill>
             </a:ext>
             <a:ext uri="{91240B29-F687-4f45-9708-019B960494DF}">
-              <a14:hiddenLine xmlns:a14="http://schemas.microsoft.com/office/drawing/2010/main" xmlns="" w="12700">
+              <a14:hiddenLine xmlns="" xmlns:a14="http://schemas.microsoft.com/office/drawing/2010/main" w="12700">
                 <a:solidFill>
                   <a:schemeClr val="tx1"/>
                 </a:solidFill>
@@ -4365,14 +4802,14 @@
               <ma14:placeholderFlag xmlns:ma14="http://schemas.microsoft.com/office/mac/drawingml/2011/main" val="1"/>
             </a:ext>
             <a:ext uri="{909E8E84-426E-40dd-AFC4-6F175D3DCCD1}">
-              <a14:hiddenFill xmlns:a14="http://schemas.microsoft.com/office/drawing/2010/main" xmlns="">
+              <a14:hiddenFill xmlns="" xmlns:a14="http://schemas.microsoft.com/office/drawing/2010/main">
                 <a:solidFill>
                   <a:srgbClr val="FFFFFF"/>
                 </a:solidFill>
               </a14:hiddenFill>
             </a:ext>
             <a:ext uri="{91240B29-F687-4f45-9708-019B960494DF}">
-              <a14:hiddenLine xmlns:a14="http://schemas.microsoft.com/office/drawing/2010/main" xmlns="" w="12700">
+              <a14:hiddenLine xmlns="" xmlns:a14="http://schemas.microsoft.com/office/drawing/2010/main" w="12700">
                 <a:solidFill>
                   <a:schemeClr val="tx1"/>
                 </a:solidFill>
@@ -4587,7 +5024,7 @@
           <a:effectLst/>
           <a:extLst>
             <a:ext uri="{91240B29-F687-4f45-9708-019B960494DF}">
-              <a14:hiddenLine xmlns:a14="http://schemas.microsoft.com/office/drawing/2010/main" xmlns="" w="12700" cap="flat" cmpd="sng" algn="ctr">
+              <a14:hiddenLine xmlns="" xmlns:a14="http://schemas.microsoft.com/office/drawing/2010/main" w="12700" cap="flat" cmpd="sng" algn="ctr">
                 <a:solidFill>
                   <a:srgbClr val="000000"/>
                 </a:solidFill>
@@ -4598,7 +5035,7 @@
               </a14:hiddenLine>
             </a:ext>
             <a:ext uri="{AF507438-7753-43e0-B8FC-AC1667EBCBE1}">
-              <a14:hiddenEffects xmlns:a14="http://schemas.microsoft.com/office/drawing/2010/main" xmlns="">
+              <a14:hiddenEffects xmlns="" xmlns:a14="http://schemas.microsoft.com/office/drawing/2010/main">
                 <a:effectLst>
                   <a:outerShdw blurRad="63500" dist="38099" dir="2700000" algn="ctr" rotWithShape="0">
                     <a:schemeClr val="bg2">
@@ -4678,7 +5115,7 @@
             <a:effectLst/>
             <a:extLst>
               <a:ext uri="{91240B29-F687-4f45-9708-019B960494DF}">
-                <a14:hiddenLine xmlns:a14="http://schemas.microsoft.com/office/drawing/2010/main" xmlns="" w="12700" cap="flat" cmpd="sng" algn="ctr">
+                <a14:hiddenLine xmlns="" xmlns:a14="http://schemas.microsoft.com/office/drawing/2010/main" w="12700" cap="flat" cmpd="sng" algn="ctr">
                   <a:solidFill>
                     <a:srgbClr val="000000"/>
                   </a:solidFill>
@@ -4689,7 +5126,7 @@
                 </a14:hiddenLine>
               </a:ext>
               <a:ext uri="{AF507438-7753-43e0-B8FC-AC1667EBCBE1}">
-                <a14:hiddenEffects xmlns:a14="http://schemas.microsoft.com/office/drawing/2010/main" xmlns="">
+                <a14:hiddenEffects xmlns="" xmlns:a14="http://schemas.microsoft.com/office/drawing/2010/main">
                   <a:effectLst>
                     <a:outerShdw blurRad="63500" dist="38099" dir="2700000" algn="ctr" rotWithShape="0">
                       <a:schemeClr val="bg2">
@@ -4950,14 +5387,14 @@
               <ma14:placeholderFlag xmlns:ma14="http://schemas.microsoft.com/office/mac/drawingml/2011/main" val="1"/>
             </a:ext>
             <a:ext uri="{909E8E84-426E-40dd-AFC4-6F175D3DCCD1}">
-              <a14:hiddenFill xmlns:a14="http://schemas.microsoft.com/office/drawing/2010/main" xmlns="">
+              <a14:hiddenFill xmlns="" xmlns:a14="http://schemas.microsoft.com/office/drawing/2010/main">
                 <a:solidFill>
                   <a:srgbClr val="FFFFFF"/>
                 </a:solidFill>
               </a14:hiddenFill>
             </a:ext>
             <a:ext uri="{91240B29-F687-4f45-9708-019B960494DF}">
-              <a14:hiddenLine xmlns:a14="http://schemas.microsoft.com/office/drawing/2010/main" xmlns="" w="12700">
+              <a14:hiddenLine xmlns="" xmlns:a14="http://schemas.microsoft.com/office/drawing/2010/main" w="12700">
                 <a:solidFill>
                   <a:schemeClr val="tx1"/>
                 </a:solidFill>
@@ -5475,14 +5912,14 @@
               <ma14:placeholderFlag xmlns:ma14="http://schemas.microsoft.com/office/mac/drawingml/2011/main" val="1"/>
             </a:ext>
             <a:ext uri="{909E8E84-426E-40dd-AFC4-6F175D3DCCD1}">
-              <a14:hiddenFill xmlns:a14="http://schemas.microsoft.com/office/drawing/2010/main" xmlns="">
+              <a14:hiddenFill xmlns="" xmlns:a14="http://schemas.microsoft.com/office/drawing/2010/main">
                 <a:solidFill>
                   <a:srgbClr val="FFFFFF"/>
                 </a:solidFill>
               </a14:hiddenFill>
             </a:ext>
             <a:ext uri="{91240B29-F687-4f45-9708-019B960494DF}">
-              <a14:hiddenLine xmlns:a14="http://schemas.microsoft.com/office/drawing/2010/main" xmlns="" w="12700">
+              <a14:hiddenLine xmlns="" xmlns:a14="http://schemas.microsoft.com/office/drawing/2010/main" w="12700">
                 <a:solidFill>
                   <a:schemeClr val="tx1"/>
                 </a:solidFill>
@@ -5697,7 +6134,7 @@
           <a:effectLst/>
           <a:extLst>
             <a:ext uri="{91240B29-F687-4f45-9708-019B960494DF}">
-              <a14:hiddenLine xmlns:a14="http://schemas.microsoft.com/office/drawing/2010/main" xmlns="" w="12700" cap="flat" cmpd="sng" algn="ctr">
+              <a14:hiddenLine xmlns="" xmlns:a14="http://schemas.microsoft.com/office/drawing/2010/main" w="12700" cap="flat" cmpd="sng" algn="ctr">
                 <a:solidFill>
                   <a:srgbClr val="000000"/>
                 </a:solidFill>
@@ -5708,7 +6145,7 @@
               </a14:hiddenLine>
             </a:ext>
             <a:ext uri="{AF507438-7753-43e0-B8FC-AC1667EBCBE1}">
-              <a14:hiddenEffects xmlns:a14="http://schemas.microsoft.com/office/drawing/2010/main" xmlns="">
+              <a14:hiddenEffects xmlns="" xmlns:a14="http://schemas.microsoft.com/office/drawing/2010/main">
                 <a:effectLst>
                   <a:outerShdw blurRad="63500" dist="38099" dir="2700000" algn="ctr" rotWithShape="0">
                     <a:schemeClr val="bg2">
@@ -5746,14 +6183,14 @@
               <ma14:placeholderFlag xmlns:ma14="http://schemas.microsoft.com/office/mac/drawingml/2011/main" val="1"/>
             </a:ext>
             <a:ext uri="{909E8E84-426E-40dd-AFC4-6F175D3DCCD1}">
-              <a14:hiddenFill xmlns:a14="http://schemas.microsoft.com/office/drawing/2010/main" xmlns="">
+              <a14:hiddenFill xmlns="" xmlns:a14="http://schemas.microsoft.com/office/drawing/2010/main">
                 <a:solidFill>
                   <a:srgbClr val="FFFFFF"/>
                 </a:solidFill>
               </a14:hiddenFill>
             </a:ext>
             <a:ext uri="{91240B29-F687-4f45-9708-019B960494DF}">
-              <a14:hiddenLine xmlns:a14="http://schemas.microsoft.com/office/drawing/2010/main" xmlns="" w="12700">
+              <a14:hiddenLine xmlns="" xmlns:a14="http://schemas.microsoft.com/office/drawing/2010/main" w="12700">
                 <a:solidFill>
                   <a:schemeClr val="tx1"/>
                 </a:solidFill>
@@ -6181,14 +6618,14 @@
               <ma14:placeholderFlag xmlns:ma14="http://schemas.microsoft.com/office/mac/drawingml/2011/main" val="1"/>
             </a:ext>
             <a:ext uri="{909E8E84-426E-40dd-AFC4-6F175D3DCCD1}">
-              <a14:hiddenFill xmlns:a14="http://schemas.microsoft.com/office/drawing/2010/main" xmlns="">
+              <a14:hiddenFill xmlns="" xmlns:a14="http://schemas.microsoft.com/office/drawing/2010/main">
                 <a:solidFill>
                   <a:srgbClr val="FFFFFF"/>
                 </a:solidFill>
               </a14:hiddenFill>
             </a:ext>
             <a:ext uri="{91240B29-F687-4f45-9708-019B960494DF}">
-              <a14:hiddenLine xmlns:a14="http://schemas.microsoft.com/office/drawing/2010/main" xmlns="" w="12700">
+              <a14:hiddenLine xmlns="" xmlns:a14="http://schemas.microsoft.com/office/drawing/2010/main" w="12700">
                 <a:solidFill>
                   <a:schemeClr val="tx1"/>
                 </a:solidFill>
@@ -7014,14 +7451,14 @@
               <ma14:placeholderFlag xmlns:ma14="http://schemas.microsoft.com/office/mac/drawingml/2011/main" val="1"/>
             </a:ext>
             <a:ext uri="{909E8E84-426E-40dd-AFC4-6F175D3DCCD1}">
-              <a14:hiddenFill xmlns:a14="http://schemas.microsoft.com/office/drawing/2010/main" xmlns="">
+              <a14:hiddenFill xmlns="" xmlns:a14="http://schemas.microsoft.com/office/drawing/2010/main">
                 <a:solidFill>
                   <a:srgbClr val="FFFFFF"/>
                 </a:solidFill>
               </a14:hiddenFill>
             </a:ext>
             <a:ext uri="{91240B29-F687-4f45-9708-019B960494DF}">
-              <a14:hiddenLine xmlns:a14="http://schemas.microsoft.com/office/drawing/2010/main" xmlns="" w="12700">
+              <a14:hiddenLine xmlns="" xmlns:a14="http://schemas.microsoft.com/office/drawing/2010/main" w="12700">
                 <a:solidFill>
                   <a:schemeClr val="tx1"/>
                 </a:solidFill>
@@ -7236,7 +7673,7 @@
           <a:effectLst/>
           <a:extLst>
             <a:ext uri="{91240B29-F687-4f45-9708-019B960494DF}">
-              <a14:hiddenLine xmlns:a14="http://schemas.microsoft.com/office/drawing/2010/main" xmlns="" w="12700" cap="flat" cmpd="sng" algn="ctr">
+              <a14:hiddenLine xmlns="" xmlns:a14="http://schemas.microsoft.com/office/drawing/2010/main" w="12700" cap="flat" cmpd="sng" algn="ctr">
                 <a:solidFill>
                   <a:srgbClr val="000000"/>
                 </a:solidFill>
@@ -7247,7 +7684,7 @@
               </a14:hiddenLine>
             </a:ext>
             <a:ext uri="{AF507438-7753-43e0-B8FC-AC1667EBCBE1}">
-              <a14:hiddenEffects xmlns:a14="http://schemas.microsoft.com/office/drawing/2010/main" xmlns="">
+              <a14:hiddenEffects xmlns="" xmlns:a14="http://schemas.microsoft.com/office/drawing/2010/main">
                 <a:effectLst>
                   <a:outerShdw blurRad="63500" dist="38099" dir="2700000" algn="ctr" rotWithShape="0">
                     <a:schemeClr val="bg2">
@@ -7285,14 +7722,14 @@
               <ma14:placeholderFlag xmlns:ma14="http://schemas.microsoft.com/office/mac/drawingml/2011/main" val="1"/>
             </a:ext>
             <a:ext uri="{909E8E84-426E-40dd-AFC4-6F175D3DCCD1}">
-              <a14:hiddenFill xmlns:a14="http://schemas.microsoft.com/office/drawing/2010/main" xmlns="">
+              <a14:hiddenFill xmlns="" xmlns:a14="http://schemas.microsoft.com/office/drawing/2010/main">
                 <a:solidFill>
                   <a:srgbClr val="FFFFFF"/>
                 </a:solidFill>
               </a14:hiddenFill>
             </a:ext>
             <a:ext uri="{91240B29-F687-4f45-9708-019B960494DF}">
-              <a14:hiddenLine xmlns:a14="http://schemas.microsoft.com/office/drawing/2010/main" xmlns="" w="12700">
+              <a14:hiddenLine xmlns="" xmlns:a14="http://schemas.microsoft.com/office/drawing/2010/main" w="12700">
                 <a:solidFill>
                   <a:schemeClr val="tx1"/>
                 </a:solidFill>
@@ -7720,14 +8157,14 @@
               <ma14:placeholderFlag xmlns:ma14="http://schemas.microsoft.com/office/mac/drawingml/2011/main" val="1"/>
             </a:ext>
             <a:ext uri="{909E8E84-426E-40dd-AFC4-6F175D3DCCD1}">
-              <a14:hiddenFill xmlns:a14="http://schemas.microsoft.com/office/drawing/2010/main" xmlns="">
+              <a14:hiddenFill xmlns="" xmlns:a14="http://schemas.microsoft.com/office/drawing/2010/main">
                 <a:solidFill>
                   <a:srgbClr val="FFFFFF"/>
                 </a:solidFill>
               </a14:hiddenFill>
             </a:ext>
             <a:ext uri="{91240B29-F687-4f45-9708-019B960494DF}">
-              <a14:hiddenLine xmlns:a14="http://schemas.microsoft.com/office/drawing/2010/main" xmlns="" w="12700">
+              <a14:hiddenLine xmlns="" xmlns:a14="http://schemas.microsoft.com/office/drawing/2010/main" w="12700">
                 <a:solidFill>
                   <a:schemeClr val="tx1"/>
                 </a:solidFill>
@@ -8276,14 +8713,14 @@
               <ma14:placeholderFlag xmlns:ma14="http://schemas.microsoft.com/office/mac/drawingml/2011/main" val="1"/>
             </a:ext>
             <a:ext uri="{909E8E84-426E-40dd-AFC4-6F175D3DCCD1}">
-              <a14:hiddenFill xmlns:a14="http://schemas.microsoft.com/office/drawing/2010/main" xmlns="">
+              <a14:hiddenFill xmlns="" xmlns:a14="http://schemas.microsoft.com/office/drawing/2010/main">
                 <a:solidFill>
                   <a:srgbClr val="FFFFFF"/>
                 </a:solidFill>
               </a14:hiddenFill>
             </a:ext>
             <a:ext uri="{91240B29-F687-4f45-9708-019B960494DF}">
-              <a14:hiddenLine xmlns:a14="http://schemas.microsoft.com/office/drawing/2010/main" xmlns="" w="12700">
+              <a14:hiddenLine xmlns="" xmlns:a14="http://schemas.microsoft.com/office/drawing/2010/main" w="12700">
                 <a:solidFill>
                   <a:schemeClr val="tx1"/>
                 </a:solidFill>
@@ -8498,7 +8935,7 @@
           <a:effectLst/>
           <a:extLst>
             <a:ext uri="{91240B29-F687-4f45-9708-019B960494DF}">
-              <a14:hiddenLine xmlns:a14="http://schemas.microsoft.com/office/drawing/2010/main" xmlns="" w="12700" cap="flat" cmpd="sng" algn="ctr">
+              <a14:hiddenLine xmlns="" xmlns:a14="http://schemas.microsoft.com/office/drawing/2010/main" w="12700" cap="flat" cmpd="sng" algn="ctr">
                 <a:solidFill>
                   <a:srgbClr val="000000"/>
                 </a:solidFill>
@@ -8509,7 +8946,7 @@
               </a14:hiddenLine>
             </a:ext>
             <a:ext uri="{AF507438-7753-43e0-B8FC-AC1667EBCBE1}">
-              <a14:hiddenEffects xmlns:a14="http://schemas.microsoft.com/office/drawing/2010/main" xmlns="">
+              <a14:hiddenEffects xmlns="" xmlns:a14="http://schemas.microsoft.com/office/drawing/2010/main">
                 <a:effectLst>
                   <a:outerShdw blurRad="63500" dist="38099" dir="2700000" algn="ctr" rotWithShape="0">
                     <a:schemeClr val="bg2">
@@ -8547,14 +8984,14 @@
               <ma14:placeholderFlag xmlns:ma14="http://schemas.microsoft.com/office/mac/drawingml/2011/main" val="1"/>
             </a:ext>
             <a:ext uri="{909E8E84-426E-40dd-AFC4-6F175D3DCCD1}">
-              <a14:hiddenFill xmlns:a14="http://schemas.microsoft.com/office/drawing/2010/main" xmlns="">
+              <a14:hiddenFill xmlns="" xmlns:a14="http://schemas.microsoft.com/office/drawing/2010/main">
                 <a:solidFill>
                   <a:srgbClr val="FFFFFF"/>
                 </a:solidFill>
               </a14:hiddenFill>
             </a:ext>
             <a:ext uri="{91240B29-F687-4f45-9708-019B960494DF}">
-              <a14:hiddenLine xmlns:a14="http://schemas.microsoft.com/office/drawing/2010/main" xmlns="" w="12700">
+              <a14:hiddenLine xmlns="" xmlns:a14="http://schemas.microsoft.com/office/drawing/2010/main" w="12700">
                 <a:solidFill>
                   <a:schemeClr val="tx1"/>
                 </a:solidFill>
@@ -8982,14 +9419,14 @@
               <ma14:placeholderFlag xmlns:ma14="http://schemas.microsoft.com/office/mac/drawingml/2011/main" val="1"/>
             </a:ext>
             <a:ext uri="{909E8E84-426E-40dd-AFC4-6F175D3DCCD1}">
-              <a14:hiddenFill xmlns:a14="http://schemas.microsoft.com/office/drawing/2010/main" xmlns="">
+              <a14:hiddenFill xmlns="" xmlns:a14="http://schemas.microsoft.com/office/drawing/2010/main">
                 <a:solidFill>
                   <a:srgbClr val="FFFFFF"/>
                 </a:solidFill>
               </a14:hiddenFill>
             </a:ext>
             <a:ext uri="{91240B29-F687-4f45-9708-019B960494DF}">
-              <a14:hiddenLine xmlns:a14="http://schemas.microsoft.com/office/drawing/2010/main" xmlns="" w="12700">
+              <a14:hiddenLine xmlns="" xmlns:a14="http://schemas.microsoft.com/office/drawing/2010/main" w="12700">
                 <a:solidFill>
                   <a:schemeClr val="tx1"/>
                 </a:solidFill>
@@ -9485,7 +9922,7 @@
             <a:effectLst/>
             <a:extLst>
               <a:ext uri="{91240B29-F687-4f45-9708-019B960494DF}">
-                <a14:hiddenLine xmlns:a14="http://schemas.microsoft.com/office/drawing/2010/main" xmlns="" w="12700" cap="flat" cmpd="sng" algn="ctr">
+                <a14:hiddenLine xmlns="" xmlns:a14="http://schemas.microsoft.com/office/drawing/2010/main" w="12700" cap="flat" cmpd="sng" algn="ctr">
                   <a:solidFill>
                     <a:srgbClr val="000000"/>
                   </a:solidFill>
@@ -9496,7 +9933,7 @@
                 </a14:hiddenLine>
               </a:ext>
               <a:ext uri="{AF507438-7753-43e0-B8FC-AC1667EBCBE1}">
-                <a14:hiddenEffects xmlns:a14="http://schemas.microsoft.com/office/drawing/2010/main" xmlns="">
+                <a14:hiddenEffects xmlns="" xmlns:a14="http://schemas.microsoft.com/office/drawing/2010/main">
                   <a:effectLst>
                     <a:outerShdw blurRad="63500" dist="38099" dir="2700000" algn="ctr" rotWithShape="0">
                       <a:schemeClr val="bg2">
@@ -9734,14 +10171,14 @@
               <ma14:placeholderFlag xmlns:ma14="http://schemas.microsoft.com/office/mac/drawingml/2011/main" val="1"/>
             </a:ext>
             <a:ext uri="{909E8E84-426E-40dd-AFC4-6F175D3DCCD1}">
-              <a14:hiddenFill xmlns:a14="http://schemas.microsoft.com/office/drawing/2010/main" xmlns="">
+              <a14:hiddenFill xmlns="" xmlns:a14="http://schemas.microsoft.com/office/drawing/2010/main">
                 <a:solidFill>
                   <a:srgbClr val="FFFFFF"/>
                 </a:solidFill>
               </a14:hiddenFill>
             </a:ext>
             <a:ext uri="{91240B29-F687-4f45-9708-019B960494DF}">
-              <a14:hiddenLine xmlns:a14="http://schemas.microsoft.com/office/drawing/2010/main" xmlns="" w="12700">
+              <a14:hiddenLine xmlns="" xmlns:a14="http://schemas.microsoft.com/office/drawing/2010/main" w="12700">
                 <a:solidFill>
                   <a:schemeClr val="tx1"/>
                 </a:solidFill>
@@ -9956,7 +10393,7 @@
           <a:effectLst/>
           <a:extLst>
             <a:ext uri="{91240B29-F687-4f45-9708-019B960494DF}">
-              <a14:hiddenLine xmlns:a14="http://schemas.microsoft.com/office/drawing/2010/main" xmlns="" w="12700" cap="flat" cmpd="sng" algn="ctr">
+              <a14:hiddenLine xmlns="" xmlns:a14="http://schemas.microsoft.com/office/drawing/2010/main" w="12700" cap="flat" cmpd="sng" algn="ctr">
                 <a:solidFill>
                   <a:srgbClr val="000000"/>
                 </a:solidFill>
@@ -9967,7 +10404,7 @@
               </a14:hiddenLine>
             </a:ext>
             <a:ext uri="{AF507438-7753-43e0-B8FC-AC1667EBCBE1}">
-              <a14:hiddenEffects xmlns:a14="http://schemas.microsoft.com/office/drawing/2010/main" xmlns="">
+              <a14:hiddenEffects xmlns="" xmlns:a14="http://schemas.microsoft.com/office/drawing/2010/main">
                 <a:effectLst>
                   <a:outerShdw blurRad="63500" dist="38099" dir="2700000" algn="ctr" rotWithShape="0">
                     <a:schemeClr val="bg2">
@@ -10005,14 +10442,14 @@
               <ma14:placeholderFlag xmlns:ma14="http://schemas.microsoft.com/office/mac/drawingml/2011/main" val="1"/>
             </a:ext>
             <a:ext uri="{909E8E84-426E-40dd-AFC4-6F175D3DCCD1}">
-              <a14:hiddenFill xmlns:a14="http://schemas.microsoft.com/office/drawing/2010/main" xmlns="">
+              <a14:hiddenFill xmlns="" xmlns:a14="http://schemas.microsoft.com/office/drawing/2010/main">
                 <a:solidFill>
                   <a:srgbClr val="FFFFFF"/>
                 </a:solidFill>
               </a14:hiddenFill>
             </a:ext>
             <a:ext uri="{91240B29-F687-4f45-9708-019B960494DF}">
-              <a14:hiddenLine xmlns:a14="http://schemas.microsoft.com/office/drawing/2010/main" xmlns="" w="12700">
+              <a14:hiddenLine xmlns="" xmlns:a14="http://schemas.microsoft.com/office/drawing/2010/main" w="12700">
                 <a:solidFill>
                   <a:schemeClr val="tx1"/>
                 </a:solidFill>
@@ -10440,14 +10877,14 @@
               <ma14:placeholderFlag xmlns:ma14="http://schemas.microsoft.com/office/mac/drawingml/2011/main" val="1"/>
             </a:ext>
             <a:ext uri="{909E8E84-426E-40dd-AFC4-6F175D3DCCD1}">
-              <a14:hiddenFill xmlns:a14="http://schemas.microsoft.com/office/drawing/2010/main" xmlns="">
+              <a14:hiddenFill xmlns="" xmlns:a14="http://schemas.microsoft.com/office/drawing/2010/main">
                 <a:solidFill>
                   <a:srgbClr val="FFFFFF"/>
                 </a:solidFill>
               </a14:hiddenFill>
             </a:ext>
             <a:ext uri="{91240B29-F687-4f45-9708-019B960494DF}">
-              <a14:hiddenLine xmlns:a14="http://schemas.microsoft.com/office/drawing/2010/main" xmlns="" w="12700">
+              <a14:hiddenLine xmlns="" xmlns:a14="http://schemas.microsoft.com/office/drawing/2010/main" w="12700">
                 <a:solidFill>
                   <a:schemeClr val="tx1"/>
                 </a:solidFill>
@@ -10956,7 +11393,7 @@
             <a:effectLst/>
             <a:extLst>
               <a:ext uri="{91240B29-F687-4f45-9708-019B960494DF}">
-                <a14:hiddenLine xmlns:a14="http://schemas.microsoft.com/office/drawing/2010/main" xmlns="" w="12700" cap="flat" cmpd="sng" algn="ctr">
+                <a14:hiddenLine xmlns="" xmlns:a14="http://schemas.microsoft.com/office/drawing/2010/main" w="12700" cap="flat" cmpd="sng" algn="ctr">
                   <a:solidFill>
                     <a:srgbClr val="000000"/>
                   </a:solidFill>
@@ -10967,7 +11404,7 @@
                 </a14:hiddenLine>
               </a:ext>
               <a:ext uri="{AF507438-7753-43e0-B8FC-AC1667EBCBE1}">
-                <a14:hiddenEffects xmlns:a14="http://schemas.microsoft.com/office/drawing/2010/main" xmlns="">
+                <a14:hiddenEffects xmlns="" xmlns:a14="http://schemas.microsoft.com/office/drawing/2010/main">
                   <a:effectLst>
                     <a:outerShdw blurRad="63500" dist="38099" dir="2700000" algn="ctr" rotWithShape="0">
                       <a:schemeClr val="bg2">
@@ -11380,14 +11817,14 @@
               <ma14:placeholderFlag xmlns:ma14="http://schemas.microsoft.com/office/mac/drawingml/2011/main" val="1"/>
             </a:ext>
             <a:ext uri="{909E8E84-426E-40dd-AFC4-6F175D3DCCD1}">
-              <a14:hiddenFill xmlns:a14="http://schemas.microsoft.com/office/drawing/2010/main" xmlns="">
+              <a14:hiddenFill xmlns="" xmlns:a14="http://schemas.microsoft.com/office/drawing/2010/main">
                 <a:solidFill>
                   <a:srgbClr val="FFFFFF"/>
                 </a:solidFill>
               </a14:hiddenFill>
             </a:ext>
             <a:ext uri="{91240B29-F687-4f45-9708-019B960494DF}">
-              <a14:hiddenLine xmlns:a14="http://schemas.microsoft.com/office/drawing/2010/main" xmlns="" w="12700">
+              <a14:hiddenLine xmlns="" xmlns:a14="http://schemas.microsoft.com/office/drawing/2010/main" w="12700">
                 <a:solidFill>
                   <a:schemeClr val="tx1"/>
                 </a:solidFill>
@@ -11602,7 +12039,7 @@
           <a:effectLst/>
           <a:extLst>
             <a:ext uri="{91240B29-F687-4f45-9708-019B960494DF}">
-              <a14:hiddenLine xmlns:a14="http://schemas.microsoft.com/office/drawing/2010/main" xmlns="" w="12700" cap="flat" cmpd="sng" algn="ctr">
+              <a14:hiddenLine xmlns="" xmlns:a14="http://schemas.microsoft.com/office/drawing/2010/main" w="12700" cap="flat" cmpd="sng" algn="ctr">
                 <a:solidFill>
                   <a:srgbClr val="000000"/>
                 </a:solidFill>
@@ -11613,7 +12050,7 @@
               </a14:hiddenLine>
             </a:ext>
             <a:ext uri="{AF507438-7753-43e0-B8FC-AC1667EBCBE1}">
-              <a14:hiddenEffects xmlns:a14="http://schemas.microsoft.com/office/drawing/2010/main" xmlns="">
+              <a14:hiddenEffects xmlns="" xmlns:a14="http://schemas.microsoft.com/office/drawing/2010/main">
                 <a:effectLst>
                   <a:outerShdw blurRad="63500" dist="38099" dir="2700000" algn="ctr" rotWithShape="0">
                     <a:schemeClr val="bg2">
@@ -11651,14 +12088,14 @@
               <ma14:placeholderFlag xmlns:ma14="http://schemas.microsoft.com/office/mac/drawingml/2011/main" val="1"/>
             </a:ext>
             <a:ext uri="{909E8E84-426E-40dd-AFC4-6F175D3DCCD1}">
-              <a14:hiddenFill xmlns:a14="http://schemas.microsoft.com/office/drawing/2010/main" xmlns="">
+              <a14:hiddenFill xmlns="" xmlns:a14="http://schemas.microsoft.com/office/drawing/2010/main">
                 <a:solidFill>
                   <a:srgbClr val="FFFFFF"/>
                 </a:solidFill>
               </a14:hiddenFill>
             </a:ext>
             <a:ext uri="{91240B29-F687-4f45-9708-019B960494DF}">
-              <a14:hiddenLine xmlns:a14="http://schemas.microsoft.com/office/drawing/2010/main" xmlns="" w="12700">
+              <a14:hiddenLine xmlns="" xmlns:a14="http://schemas.microsoft.com/office/drawing/2010/main" w="12700">
                 <a:solidFill>
                   <a:schemeClr val="tx1"/>
                 </a:solidFill>
@@ -12086,14 +12523,14 @@
               <ma14:placeholderFlag xmlns:ma14="http://schemas.microsoft.com/office/mac/drawingml/2011/main" val="1"/>
             </a:ext>
             <a:ext uri="{909E8E84-426E-40dd-AFC4-6F175D3DCCD1}">
-              <a14:hiddenFill xmlns:a14="http://schemas.microsoft.com/office/drawing/2010/main" xmlns="">
+              <a14:hiddenFill xmlns="" xmlns:a14="http://schemas.microsoft.com/office/drawing/2010/main">
                 <a:solidFill>
                   <a:srgbClr val="FFFFFF"/>
                 </a:solidFill>
               </a14:hiddenFill>
             </a:ext>
             <a:ext uri="{91240B29-F687-4f45-9708-019B960494DF}">
-              <a14:hiddenLine xmlns:a14="http://schemas.microsoft.com/office/drawing/2010/main" xmlns="" w="12700">
+              <a14:hiddenLine xmlns="" xmlns:a14="http://schemas.microsoft.com/office/drawing/2010/main" w="12700">
                 <a:solidFill>
                   <a:schemeClr val="tx1"/>
                 </a:solidFill>
@@ -12484,14 +12921,14 @@
               <ma14:placeholderFlag xmlns:ma14="http://schemas.microsoft.com/office/mac/drawingml/2011/main" val="1"/>
             </a:ext>
             <a:ext uri="{909E8E84-426E-40dd-AFC4-6F175D3DCCD1}">
-              <a14:hiddenFill xmlns:a14="http://schemas.microsoft.com/office/drawing/2010/main" xmlns="">
+              <a14:hiddenFill xmlns="" xmlns:a14="http://schemas.microsoft.com/office/drawing/2010/main">
                 <a:solidFill>
                   <a:srgbClr val="FFFFFF"/>
                 </a:solidFill>
               </a14:hiddenFill>
             </a:ext>
             <a:ext uri="{91240B29-F687-4f45-9708-019B960494DF}">
-              <a14:hiddenLine xmlns:a14="http://schemas.microsoft.com/office/drawing/2010/main" xmlns="" w="12700">
+              <a14:hiddenLine xmlns="" xmlns:a14="http://schemas.microsoft.com/office/drawing/2010/main" w="12700">
                 <a:solidFill>
                   <a:schemeClr val="tx1"/>
                 </a:solidFill>
@@ -12706,7 +13143,7 @@
           <a:effectLst/>
           <a:extLst>
             <a:ext uri="{91240B29-F687-4f45-9708-019B960494DF}">
-              <a14:hiddenLine xmlns:a14="http://schemas.microsoft.com/office/drawing/2010/main" xmlns="" w="12700" cap="flat" cmpd="sng" algn="ctr">
+              <a14:hiddenLine xmlns="" xmlns:a14="http://schemas.microsoft.com/office/drawing/2010/main" w="12700" cap="flat" cmpd="sng" algn="ctr">
                 <a:solidFill>
                   <a:srgbClr val="000000"/>
                 </a:solidFill>
@@ -12717,7 +13154,7 @@
               </a14:hiddenLine>
             </a:ext>
             <a:ext uri="{AF507438-7753-43e0-B8FC-AC1667EBCBE1}">
-              <a14:hiddenEffects xmlns:a14="http://schemas.microsoft.com/office/drawing/2010/main" xmlns="">
+              <a14:hiddenEffects xmlns="" xmlns:a14="http://schemas.microsoft.com/office/drawing/2010/main">
                 <a:effectLst>
                   <a:outerShdw blurRad="63500" dist="38099" dir="2700000" algn="ctr" rotWithShape="0">
                     <a:schemeClr val="bg2">
@@ -12755,14 +13192,14 @@
               <ma14:placeholderFlag xmlns:ma14="http://schemas.microsoft.com/office/mac/drawingml/2011/main" val="1"/>
             </a:ext>
             <a:ext uri="{909E8E84-426E-40dd-AFC4-6F175D3DCCD1}">
-              <a14:hiddenFill xmlns:a14="http://schemas.microsoft.com/office/drawing/2010/main" xmlns="">
+              <a14:hiddenFill xmlns="" xmlns:a14="http://schemas.microsoft.com/office/drawing/2010/main">
                 <a:solidFill>
                   <a:srgbClr val="FFFFFF"/>
                 </a:solidFill>
               </a14:hiddenFill>
             </a:ext>
             <a:ext uri="{91240B29-F687-4f45-9708-019B960494DF}">
-              <a14:hiddenLine xmlns:a14="http://schemas.microsoft.com/office/drawing/2010/main" xmlns="" w="12700">
+              <a14:hiddenLine xmlns="" xmlns:a14="http://schemas.microsoft.com/office/drawing/2010/main" w="12700">
                 <a:solidFill>
                   <a:schemeClr val="tx1"/>
                 </a:solidFill>
@@ -13190,14 +13627,14 @@
               <ma14:placeholderFlag xmlns:ma14="http://schemas.microsoft.com/office/mac/drawingml/2011/main" val="1"/>
             </a:ext>
             <a:ext uri="{909E8E84-426E-40dd-AFC4-6F175D3DCCD1}">
-              <a14:hiddenFill xmlns:a14="http://schemas.microsoft.com/office/drawing/2010/main" xmlns="">
+              <a14:hiddenFill xmlns="" xmlns:a14="http://schemas.microsoft.com/office/drawing/2010/main">
                 <a:solidFill>
                   <a:srgbClr val="FFFFFF"/>
                 </a:solidFill>
               </a14:hiddenFill>
             </a:ext>
             <a:ext uri="{91240B29-F687-4f45-9708-019B960494DF}">
-              <a14:hiddenLine xmlns:a14="http://schemas.microsoft.com/office/drawing/2010/main" xmlns="" w="12700">
+              <a14:hiddenLine xmlns="" xmlns:a14="http://schemas.microsoft.com/office/drawing/2010/main" w="12700">
                 <a:solidFill>
                   <a:schemeClr val="tx1"/>
                 </a:solidFill>
@@ -13748,14 +14185,14 @@
               <ma14:placeholderFlag xmlns:ma14="http://schemas.microsoft.com/office/mac/drawingml/2011/main" val="1"/>
             </a:ext>
             <a:ext uri="{909E8E84-426E-40dd-AFC4-6F175D3DCCD1}">
-              <a14:hiddenFill xmlns:a14="http://schemas.microsoft.com/office/drawing/2010/main" xmlns="">
+              <a14:hiddenFill xmlns="" xmlns:a14="http://schemas.microsoft.com/office/drawing/2010/main">
                 <a:solidFill>
                   <a:srgbClr val="FFFFFF"/>
                 </a:solidFill>
               </a14:hiddenFill>
             </a:ext>
             <a:ext uri="{91240B29-F687-4f45-9708-019B960494DF}">
-              <a14:hiddenLine xmlns:a14="http://schemas.microsoft.com/office/drawing/2010/main" xmlns="" w="12700">
+              <a14:hiddenLine xmlns="" xmlns:a14="http://schemas.microsoft.com/office/drawing/2010/main" w="12700">
                 <a:solidFill>
                   <a:schemeClr val="tx1"/>
                 </a:solidFill>
@@ -13970,7 +14407,7 @@
           <a:effectLst/>
           <a:extLst>
             <a:ext uri="{91240B29-F687-4f45-9708-019B960494DF}">
-              <a14:hiddenLine xmlns:a14="http://schemas.microsoft.com/office/drawing/2010/main" xmlns="" w="12700" cap="flat" cmpd="sng" algn="ctr">
+              <a14:hiddenLine xmlns="" xmlns:a14="http://schemas.microsoft.com/office/drawing/2010/main" w="12700" cap="flat" cmpd="sng" algn="ctr">
                 <a:solidFill>
                   <a:srgbClr val="000000"/>
                 </a:solidFill>
@@ -13981,7 +14418,7 @@
               </a14:hiddenLine>
             </a:ext>
             <a:ext uri="{AF507438-7753-43e0-B8FC-AC1667EBCBE1}">
-              <a14:hiddenEffects xmlns:a14="http://schemas.microsoft.com/office/drawing/2010/main" xmlns="">
+              <a14:hiddenEffects xmlns="" xmlns:a14="http://schemas.microsoft.com/office/drawing/2010/main">
                 <a:effectLst>
                   <a:outerShdw blurRad="63500" dist="38099" dir="2700000" algn="ctr" rotWithShape="0">
                     <a:schemeClr val="bg2">
@@ -14019,14 +14456,14 @@
               <ma14:placeholderFlag xmlns:ma14="http://schemas.microsoft.com/office/mac/drawingml/2011/main" val="1"/>
             </a:ext>
             <a:ext uri="{909E8E84-426E-40dd-AFC4-6F175D3DCCD1}">
-              <a14:hiddenFill xmlns:a14="http://schemas.microsoft.com/office/drawing/2010/main" xmlns="">
+              <a14:hiddenFill xmlns="" xmlns:a14="http://schemas.microsoft.com/office/drawing/2010/main">
                 <a:solidFill>
                   <a:srgbClr val="FFFFFF"/>
                 </a:solidFill>
               </a14:hiddenFill>
             </a:ext>
             <a:ext uri="{91240B29-F687-4f45-9708-019B960494DF}">
-              <a14:hiddenLine xmlns:a14="http://schemas.microsoft.com/office/drawing/2010/main" xmlns="" w="12700">
+              <a14:hiddenLine xmlns="" xmlns:a14="http://schemas.microsoft.com/office/drawing/2010/main" w="12700">
                 <a:solidFill>
                   <a:schemeClr val="tx1"/>
                 </a:solidFill>
@@ -14454,14 +14891,14 @@
               <ma14:placeholderFlag xmlns:ma14="http://schemas.microsoft.com/office/mac/drawingml/2011/main" val="1"/>
             </a:ext>
             <a:ext uri="{909E8E84-426E-40dd-AFC4-6F175D3DCCD1}">
-              <a14:hiddenFill xmlns:a14="http://schemas.microsoft.com/office/drawing/2010/main" xmlns="">
+              <a14:hiddenFill xmlns="" xmlns:a14="http://schemas.microsoft.com/office/drawing/2010/main">
                 <a:solidFill>
                   <a:srgbClr val="FFFFFF"/>
                 </a:solidFill>
               </a14:hiddenFill>
             </a:ext>
             <a:ext uri="{91240B29-F687-4f45-9708-019B960494DF}">
-              <a14:hiddenLine xmlns:a14="http://schemas.microsoft.com/office/drawing/2010/main" xmlns="" w="12700">
+              <a14:hiddenLine xmlns="" xmlns:a14="http://schemas.microsoft.com/office/drawing/2010/main" w="12700">
                 <a:solidFill>
                   <a:schemeClr val="tx1"/>
                 </a:solidFill>
@@ -15317,14 +15754,14 @@
               <ma14:placeholderFlag xmlns:ma14="http://schemas.microsoft.com/office/mac/drawingml/2011/main" val="1"/>
             </a:ext>
             <a:ext uri="{909E8E84-426E-40dd-AFC4-6F175D3DCCD1}">
-              <a14:hiddenFill xmlns:a14="http://schemas.microsoft.com/office/drawing/2010/main" xmlns="">
+              <a14:hiddenFill xmlns="" xmlns:a14="http://schemas.microsoft.com/office/drawing/2010/main">
                 <a:solidFill>
                   <a:srgbClr val="FFFFFF"/>
                 </a:solidFill>
               </a14:hiddenFill>
             </a:ext>
             <a:ext uri="{91240B29-F687-4f45-9708-019B960494DF}">
-              <a14:hiddenLine xmlns:a14="http://schemas.microsoft.com/office/drawing/2010/main" xmlns="" w="12700">
+              <a14:hiddenLine xmlns="" xmlns:a14="http://schemas.microsoft.com/office/drawing/2010/main" w="12700">
                 <a:solidFill>
                   <a:schemeClr val="tx1"/>
                 </a:solidFill>
@@ -15539,7 +15976,7 @@
           <a:effectLst/>
           <a:extLst>
             <a:ext uri="{91240B29-F687-4f45-9708-019B960494DF}">
-              <a14:hiddenLine xmlns:a14="http://schemas.microsoft.com/office/drawing/2010/main" xmlns="" w="12700" cap="flat" cmpd="sng" algn="ctr">
+              <a14:hiddenLine xmlns="" xmlns:a14="http://schemas.microsoft.com/office/drawing/2010/main" w="12700" cap="flat" cmpd="sng" algn="ctr">
                 <a:solidFill>
                   <a:srgbClr val="000000"/>
                 </a:solidFill>
@@ -15550,7 +15987,7 @@
               </a14:hiddenLine>
             </a:ext>
             <a:ext uri="{AF507438-7753-43e0-B8FC-AC1667EBCBE1}">
-              <a14:hiddenEffects xmlns:a14="http://schemas.microsoft.com/office/drawing/2010/main" xmlns="">
+              <a14:hiddenEffects xmlns="" xmlns:a14="http://schemas.microsoft.com/office/drawing/2010/main">
                 <a:effectLst>
                   <a:outerShdw blurRad="63500" dist="38099" dir="2700000" algn="ctr" rotWithShape="0">
                     <a:schemeClr val="bg2">
@@ -15588,14 +16025,14 @@
               <ma14:placeholderFlag xmlns:ma14="http://schemas.microsoft.com/office/mac/drawingml/2011/main" val="1"/>
             </a:ext>
             <a:ext uri="{909E8E84-426E-40dd-AFC4-6F175D3DCCD1}">
-              <a14:hiddenFill xmlns:a14="http://schemas.microsoft.com/office/drawing/2010/main" xmlns="">
+              <a14:hiddenFill xmlns="" xmlns:a14="http://schemas.microsoft.com/office/drawing/2010/main">
                 <a:solidFill>
                   <a:srgbClr val="FFFFFF"/>
                 </a:solidFill>
               </a14:hiddenFill>
             </a:ext>
             <a:ext uri="{91240B29-F687-4f45-9708-019B960494DF}">
-              <a14:hiddenLine xmlns:a14="http://schemas.microsoft.com/office/drawing/2010/main" xmlns="" w="12700">
+              <a14:hiddenLine xmlns="" xmlns:a14="http://schemas.microsoft.com/office/drawing/2010/main" w="12700">
                 <a:solidFill>
                   <a:schemeClr val="tx1"/>
                 </a:solidFill>
@@ -16023,14 +16460,14 @@
               <ma14:placeholderFlag xmlns:ma14="http://schemas.microsoft.com/office/mac/drawingml/2011/main" val="1"/>
             </a:ext>
             <a:ext uri="{909E8E84-426E-40dd-AFC4-6F175D3DCCD1}">
-              <a14:hiddenFill xmlns:a14="http://schemas.microsoft.com/office/drawing/2010/main" xmlns="">
+              <a14:hiddenFill xmlns="" xmlns:a14="http://schemas.microsoft.com/office/drawing/2010/main">
                 <a:solidFill>
                   <a:srgbClr val="FFFFFF"/>
                 </a:solidFill>
               </a14:hiddenFill>
             </a:ext>
             <a:ext uri="{91240B29-F687-4f45-9708-019B960494DF}">
-              <a14:hiddenLine xmlns:a14="http://schemas.microsoft.com/office/drawing/2010/main" xmlns="" w="12700">
+              <a14:hiddenLine xmlns="" xmlns:a14="http://schemas.microsoft.com/office/drawing/2010/main" w="12700">
                 <a:solidFill>
                   <a:schemeClr val="tx1"/>
                 </a:solidFill>
@@ -16517,14 +16954,14 @@
               <ma14:placeholderFlag xmlns:ma14="http://schemas.microsoft.com/office/mac/drawingml/2011/main" val="1"/>
             </a:ext>
             <a:ext uri="{909E8E84-426E-40dd-AFC4-6F175D3DCCD1}">
-              <a14:hiddenFill xmlns:a14="http://schemas.microsoft.com/office/drawing/2010/main" xmlns="">
+              <a14:hiddenFill xmlns="" xmlns:a14="http://schemas.microsoft.com/office/drawing/2010/main">
                 <a:solidFill>
                   <a:srgbClr val="FFFFFF"/>
                 </a:solidFill>
               </a14:hiddenFill>
             </a:ext>
             <a:ext uri="{91240B29-F687-4f45-9708-019B960494DF}">
-              <a14:hiddenLine xmlns:a14="http://schemas.microsoft.com/office/drawing/2010/main" xmlns="" w="12700">
+              <a14:hiddenLine xmlns="" xmlns:a14="http://schemas.microsoft.com/office/drawing/2010/main" w="12700">
                 <a:solidFill>
                   <a:schemeClr val="tx1"/>
                 </a:solidFill>
@@ -16951,14 +17388,14 @@
               <ma14:placeholderFlag xmlns:ma14="http://schemas.microsoft.com/office/mac/drawingml/2011/main" val="1"/>
             </a:ext>
             <a:ext uri="{909E8E84-426E-40dd-AFC4-6F175D3DCCD1}">
-              <a14:hiddenFill xmlns:a14="http://schemas.microsoft.com/office/drawing/2010/main" xmlns="">
+              <a14:hiddenFill xmlns="" xmlns:a14="http://schemas.microsoft.com/office/drawing/2010/main">
                 <a:solidFill>
                   <a:srgbClr val="FFFFFF"/>
                 </a:solidFill>
               </a14:hiddenFill>
             </a:ext>
             <a:ext uri="{91240B29-F687-4f45-9708-019B960494DF}">
-              <a14:hiddenLine xmlns:a14="http://schemas.microsoft.com/office/drawing/2010/main" xmlns="" w="12700">
+              <a14:hiddenLine xmlns="" xmlns:a14="http://schemas.microsoft.com/office/drawing/2010/main" w="12700">
                 <a:solidFill>
                   <a:schemeClr val="tx1"/>
                 </a:solidFill>
@@ -17173,7 +17610,7 @@
           <a:effectLst/>
           <a:extLst>
             <a:ext uri="{91240B29-F687-4f45-9708-019B960494DF}">
-              <a14:hiddenLine xmlns:a14="http://schemas.microsoft.com/office/drawing/2010/main" xmlns="" w="12700" cap="flat" cmpd="sng" algn="ctr">
+              <a14:hiddenLine xmlns="" xmlns:a14="http://schemas.microsoft.com/office/drawing/2010/main" w="12700" cap="flat" cmpd="sng" algn="ctr">
                 <a:solidFill>
                   <a:srgbClr val="000000"/>
                 </a:solidFill>
@@ -17184,7 +17621,7 @@
               </a14:hiddenLine>
             </a:ext>
             <a:ext uri="{AF507438-7753-43e0-B8FC-AC1667EBCBE1}">
-              <a14:hiddenEffects xmlns:a14="http://schemas.microsoft.com/office/drawing/2010/main" xmlns="">
+              <a14:hiddenEffects xmlns="" xmlns:a14="http://schemas.microsoft.com/office/drawing/2010/main">
                 <a:effectLst>
                   <a:outerShdw blurRad="63500" dist="38099" dir="2700000" algn="ctr" rotWithShape="0">
                     <a:schemeClr val="bg2">
@@ -17222,14 +17659,14 @@
               <ma14:placeholderFlag xmlns:ma14="http://schemas.microsoft.com/office/mac/drawingml/2011/main" val="1"/>
             </a:ext>
             <a:ext uri="{909E8E84-426E-40dd-AFC4-6F175D3DCCD1}">
-              <a14:hiddenFill xmlns:a14="http://schemas.microsoft.com/office/drawing/2010/main" xmlns="">
+              <a14:hiddenFill xmlns="" xmlns:a14="http://schemas.microsoft.com/office/drawing/2010/main">
                 <a:solidFill>
                   <a:srgbClr val="FFFFFF"/>
                 </a:solidFill>
               </a14:hiddenFill>
             </a:ext>
             <a:ext uri="{91240B29-F687-4f45-9708-019B960494DF}">
-              <a14:hiddenLine xmlns:a14="http://schemas.microsoft.com/office/drawing/2010/main" xmlns="" w="12700">
+              <a14:hiddenLine xmlns="" xmlns:a14="http://schemas.microsoft.com/office/drawing/2010/main" w="12700">
                 <a:solidFill>
                   <a:schemeClr val="tx1"/>
                 </a:solidFill>
@@ -17791,14 +18228,14 @@
               <ma14:placeholderFlag xmlns:ma14="http://schemas.microsoft.com/office/mac/drawingml/2011/main" val="1"/>
             </a:ext>
             <a:ext uri="{909E8E84-426E-40dd-AFC4-6F175D3DCCD1}">
-              <a14:hiddenFill xmlns:a14="http://schemas.microsoft.com/office/drawing/2010/main" xmlns="">
+              <a14:hiddenFill xmlns="" xmlns:a14="http://schemas.microsoft.com/office/drawing/2010/main">
                 <a:solidFill>
                   <a:srgbClr val="FFFFFF"/>
                 </a:solidFill>
               </a14:hiddenFill>
             </a:ext>
             <a:ext uri="{91240B29-F687-4f45-9708-019B960494DF}">
-              <a14:hiddenLine xmlns:a14="http://schemas.microsoft.com/office/drawing/2010/main" xmlns="" w="12700">
+              <a14:hiddenLine xmlns="" xmlns:a14="http://schemas.microsoft.com/office/drawing/2010/main" w="12700">
                 <a:solidFill>
                   <a:schemeClr val="tx1"/>
                 </a:solidFill>
@@ -18013,7 +18450,7 @@
           <a:effectLst/>
           <a:extLst>
             <a:ext uri="{91240B29-F687-4f45-9708-019B960494DF}">
-              <a14:hiddenLine xmlns:a14="http://schemas.microsoft.com/office/drawing/2010/main" xmlns="" w="12700" cap="flat" cmpd="sng" algn="ctr">
+              <a14:hiddenLine xmlns="" xmlns:a14="http://schemas.microsoft.com/office/drawing/2010/main" w="12700" cap="flat" cmpd="sng" algn="ctr">
                 <a:solidFill>
                   <a:srgbClr val="000000"/>
                 </a:solidFill>
@@ -18024,7 +18461,7 @@
               </a14:hiddenLine>
             </a:ext>
             <a:ext uri="{AF507438-7753-43e0-B8FC-AC1667EBCBE1}">
-              <a14:hiddenEffects xmlns:a14="http://schemas.microsoft.com/office/drawing/2010/main" xmlns="">
+              <a14:hiddenEffects xmlns="" xmlns:a14="http://schemas.microsoft.com/office/drawing/2010/main">
                 <a:effectLst>
                   <a:outerShdw blurRad="63500" dist="38099" dir="2700000" algn="ctr" rotWithShape="0">
                     <a:schemeClr val="bg2">
@@ -18062,14 +18499,14 @@
               <ma14:placeholderFlag xmlns:ma14="http://schemas.microsoft.com/office/mac/drawingml/2011/main" val="1"/>
             </a:ext>
             <a:ext uri="{909E8E84-426E-40dd-AFC4-6F175D3DCCD1}">
-              <a14:hiddenFill xmlns:a14="http://schemas.microsoft.com/office/drawing/2010/main" xmlns="">
+              <a14:hiddenFill xmlns="" xmlns:a14="http://schemas.microsoft.com/office/drawing/2010/main">
                 <a:solidFill>
                   <a:srgbClr val="FFFFFF"/>
                 </a:solidFill>
               </a14:hiddenFill>
             </a:ext>
             <a:ext uri="{91240B29-F687-4f45-9708-019B960494DF}">
-              <a14:hiddenLine xmlns:a14="http://schemas.microsoft.com/office/drawing/2010/main" xmlns="" w="12700">
+              <a14:hiddenLine xmlns="" xmlns:a14="http://schemas.microsoft.com/office/drawing/2010/main" w="12700">
                 <a:solidFill>
                   <a:schemeClr val="tx1"/>
                 </a:solidFill>
@@ -18491,14 +18928,14 @@
               <ma14:placeholderFlag xmlns:ma14="http://schemas.microsoft.com/office/mac/drawingml/2011/main" val="1"/>
             </a:ext>
             <a:ext uri="{909E8E84-426E-40dd-AFC4-6F175D3DCCD1}">
-              <a14:hiddenFill xmlns:a14="http://schemas.microsoft.com/office/drawing/2010/main" xmlns="">
+              <a14:hiddenFill xmlns="" xmlns:a14="http://schemas.microsoft.com/office/drawing/2010/main">
                 <a:solidFill>
                   <a:srgbClr val="FFFFFF"/>
                 </a:solidFill>
               </a14:hiddenFill>
             </a:ext>
             <a:ext uri="{91240B29-F687-4f45-9708-019B960494DF}">
-              <a14:hiddenLine xmlns:a14="http://schemas.microsoft.com/office/drawing/2010/main" xmlns="" w="12700">
+              <a14:hiddenLine xmlns="" xmlns:a14="http://schemas.microsoft.com/office/drawing/2010/main" w="12700">
                 <a:solidFill>
                   <a:schemeClr val="tx1"/>
                 </a:solidFill>
@@ -19703,14 +20140,14 @@
               <ma14:placeholderFlag xmlns:ma14="http://schemas.microsoft.com/office/mac/drawingml/2011/main" val="1"/>
             </a:ext>
             <a:ext uri="{909E8E84-426E-40dd-AFC4-6F175D3DCCD1}">
-              <a14:hiddenFill xmlns:a14="http://schemas.microsoft.com/office/drawing/2010/main" xmlns="">
+              <a14:hiddenFill xmlns="" xmlns:a14="http://schemas.microsoft.com/office/drawing/2010/main">
                 <a:solidFill>
                   <a:srgbClr val="FFFFFF"/>
                 </a:solidFill>
               </a14:hiddenFill>
             </a:ext>
             <a:ext uri="{91240B29-F687-4f45-9708-019B960494DF}">
-              <a14:hiddenLine xmlns:a14="http://schemas.microsoft.com/office/drawing/2010/main" xmlns="" w="12700">
+              <a14:hiddenLine xmlns="" xmlns:a14="http://schemas.microsoft.com/office/drawing/2010/main" w="12700">
                 <a:solidFill>
                   <a:schemeClr val="tx1"/>
                 </a:solidFill>
@@ -19925,7 +20362,7 @@
           <a:effectLst/>
           <a:extLst>
             <a:ext uri="{91240B29-F687-4f45-9708-019B960494DF}">
-              <a14:hiddenLine xmlns:a14="http://schemas.microsoft.com/office/drawing/2010/main" xmlns="" w="12700" cap="flat" cmpd="sng" algn="ctr">
+              <a14:hiddenLine xmlns="" xmlns:a14="http://schemas.microsoft.com/office/drawing/2010/main" w="12700" cap="flat" cmpd="sng" algn="ctr">
                 <a:solidFill>
                   <a:srgbClr val="000000"/>
                 </a:solidFill>
@@ -19936,7 +20373,7 @@
               </a14:hiddenLine>
             </a:ext>
             <a:ext uri="{AF507438-7753-43e0-B8FC-AC1667EBCBE1}">
-              <a14:hiddenEffects xmlns:a14="http://schemas.microsoft.com/office/drawing/2010/main" xmlns="">
+              <a14:hiddenEffects xmlns="" xmlns:a14="http://schemas.microsoft.com/office/drawing/2010/main">
                 <a:effectLst>
                   <a:outerShdw blurRad="63500" dist="38099" dir="2700000" algn="ctr" rotWithShape="0">
                     <a:schemeClr val="bg2">
@@ -19974,14 +20411,14 @@
               <ma14:placeholderFlag xmlns:ma14="http://schemas.microsoft.com/office/mac/drawingml/2011/main" val="1"/>
             </a:ext>
             <a:ext uri="{909E8E84-426E-40dd-AFC4-6F175D3DCCD1}">
-              <a14:hiddenFill xmlns:a14="http://schemas.microsoft.com/office/drawing/2010/main" xmlns="">
+              <a14:hiddenFill xmlns="" xmlns:a14="http://schemas.microsoft.com/office/drawing/2010/main">
                 <a:solidFill>
                   <a:srgbClr val="FFFFFF"/>
                 </a:solidFill>
               </a14:hiddenFill>
             </a:ext>
             <a:ext uri="{91240B29-F687-4f45-9708-019B960494DF}">
-              <a14:hiddenLine xmlns:a14="http://schemas.microsoft.com/office/drawing/2010/main" xmlns="" w="12700">
+              <a14:hiddenLine xmlns="" xmlns:a14="http://schemas.microsoft.com/office/drawing/2010/main" w="12700">
                 <a:solidFill>
                   <a:schemeClr val="tx1"/>
                 </a:solidFill>
@@ -20415,7 +20852,7 @@
             <a:effectLst/>
             <a:extLst>
               <a:ext uri="{91240B29-F687-4f45-9708-019B960494DF}">
-                <a14:hiddenLine xmlns:a14="http://schemas.microsoft.com/office/drawing/2010/main" xmlns="" w="12700" cap="flat" cmpd="sng" algn="ctr">
+                <a14:hiddenLine xmlns="" xmlns:a14="http://schemas.microsoft.com/office/drawing/2010/main" w="12700" cap="flat" cmpd="sng" algn="ctr">
                   <a:solidFill>
                     <a:srgbClr val="000000"/>
                   </a:solidFill>
@@ -20426,7 +20863,7 @@
                 </a14:hiddenLine>
               </a:ext>
               <a:ext uri="{AF507438-7753-43e0-B8FC-AC1667EBCBE1}">
-                <a14:hiddenEffects xmlns:a14="http://schemas.microsoft.com/office/drawing/2010/main" xmlns="">
+                <a14:hiddenEffects xmlns="" xmlns:a14="http://schemas.microsoft.com/office/drawing/2010/main">
                   <a:effectLst>
                     <a:outerShdw blurRad="63500" dist="38099" dir="2700000" algn="ctr" rotWithShape="0">
                       <a:schemeClr val="bg2">
@@ -20694,14 +21131,14 @@
               <ma14:placeholderFlag xmlns:ma14="http://schemas.microsoft.com/office/mac/drawingml/2011/main" val="1"/>
             </a:ext>
             <a:ext uri="{909E8E84-426E-40dd-AFC4-6F175D3DCCD1}">
-              <a14:hiddenFill xmlns:a14="http://schemas.microsoft.com/office/drawing/2010/main" xmlns="">
+              <a14:hiddenFill xmlns="" xmlns:a14="http://schemas.microsoft.com/office/drawing/2010/main">
                 <a:solidFill>
                   <a:srgbClr val="FFFFFF"/>
                 </a:solidFill>
               </a14:hiddenFill>
             </a:ext>
             <a:ext uri="{91240B29-F687-4f45-9708-019B960494DF}">
-              <a14:hiddenLine xmlns:a14="http://schemas.microsoft.com/office/drawing/2010/main" xmlns="" w="12700">
+              <a14:hiddenLine xmlns="" xmlns:a14="http://schemas.microsoft.com/office/drawing/2010/main" w="12700">
                 <a:solidFill>
                   <a:schemeClr val="tx1"/>
                 </a:solidFill>
@@ -20916,7 +21353,7 @@
           <a:effectLst/>
           <a:extLst>
             <a:ext uri="{91240B29-F687-4f45-9708-019B960494DF}">
-              <a14:hiddenLine xmlns:a14="http://schemas.microsoft.com/office/drawing/2010/main" xmlns="" w="12700" cap="flat" cmpd="sng" algn="ctr">
+              <a14:hiddenLine xmlns="" xmlns:a14="http://schemas.microsoft.com/office/drawing/2010/main" w="12700" cap="flat" cmpd="sng" algn="ctr">
                 <a:solidFill>
                   <a:srgbClr val="000000"/>
                 </a:solidFill>
@@ -20927,7 +21364,7 @@
               </a14:hiddenLine>
             </a:ext>
             <a:ext uri="{AF507438-7753-43e0-B8FC-AC1667EBCBE1}">
-              <a14:hiddenEffects xmlns:a14="http://schemas.microsoft.com/office/drawing/2010/main" xmlns="">
+              <a14:hiddenEffects xmlns="" xmlns:a14="http://schemas.microsoft.com/office/drawing/2010/main">
                 <a:effectLst>
                   <a:outerShdw blurRad="63500" dist="38099" dir="2700000" algn="ctr" rotWithShape="0">
                     <a:schemeClr val="bg2">
@@ -20965,14 +21402,14 @@
               <ma14:placeholderFlag xmlns:ma14="http://schemas.microsoft.com/office/mac/drawingml/2011/main" val="1"/>
             </a:ext>
             <a:ext uri="{909E8E84-426E-40dd-AFC4-6F175D3DCCD1}">
-              <a14:hiddenFill xmlns:a14="http://schemas.microsoft.com/office/drawing/2010/main" xmlns="">
+              <a14:hiddenFill xmlns="" xmlns:a14="http://schemas.microsoft.com/office/drawing/2010/main">
                 <a:solidFill>
                   <a:srgbClr val="FFFFFF"/>
                 </a:solidFill>
               </a14:hiddenFill>
             </a:ext>
             <a:ext uri="{91240B29-F687-4f45-9708-019B960494DF}">
-              <a14:hiddenLine xmlns:a14="http://schemas.microsoft.com/office/drawing/2010/main" xmlns="" w="12700">
+              <a14:hiddenLine xmlns="" xmlns:a14="http://schemas.microsoft.com/office/drawing/2010/main" w="12700">
                 <a:solidFill>
                   <a:schemeClr val="tx1"/>
                 </a:solidFill>
@@ -21768,14 +22205,14 @@
               <ma14:placeholderFlag xmlns:ma14="http://schemas.microsoft.com/office/mac/drawingml/2011/main" val="1"/>
             </a:ext>
             <a:ext uri="{909E8E84-426E-40dd-AFC4-6F175D3DCCD1}">
-              <a14:hiddenFill xmlns:a14="http://schemas.microsoft.com/office/drawing/2010/main" xmlns="">
+              <a14:hiddenFill xmlns="" xmlns:a14="http://schemas.microsoft.com/office/drawing/2010/main">
                 <a:solidFill>
                   <a:srgbClr val="FFFFFF"/>
                 </a:solidFill>
               </a14:hiddenFill>
             </a:ext>
             <a:ext uri="{91240B29-F687-4f45-9708-019B960494DF}">
-              <a14:hiddenLine xmlns:a14="http://schemas.microsoft.com/office/drawing/2010/main" xmlns="" w="12700">
+              <a14:hiddenLine xmlns="" xmlns:a14="http://schemas.microsoft.com/office/drawing/2010/main" w="12700">
                 <a:solidFill>
                   <a:schemeClr val="tx1"/>
                 </a:solidFill>
@@ -21990,7 +22427,7 @@
           <a:effectLst/>
           <a:extLst>
             <a:ext uri="{91240B29-F687-4f45-9708-019B960494DF}">
-              <a14:hiddenLine xmlns:a14="http://schemas.microsoft.com/office/drawing/2010/main" xmlns="" w="12700" cap="flat" cmpd="sng" algn="ctr">
+              <a14:hiddenLine xmlns="" xmlns:a14="http://schemas.microsoft.com/office/drawing/2010/main" w="12700" cap="flat" cmpd="sng" algn="ctr">
                 <a:solidFill>
                   <a:srgbClr val="000000"/>
                 </a:solidFill>
@@ -22001,7 +22438,7 @@
               </a14:hiddenLine>
             </a:ext>
             <a:ext uri="{AF507438-7753-43e0-B8FC-AC1667EBCBE1}">
-              <a14:hiddenEffects xmlns:a14="http://schemas.microsoft.com/office/drawing/2010/main" xmlns="">
+              <a14:hiddenEffects xmlns="" xmlns:a14="http://schemas.microsoft.com/office/drawing/2010/main">
                 <a:effectLst>
                   <a:outerShdw blurRad="63500" dist="38099" dir="2700000" algn="ctr" rotWithShape="0">
                     <a:schemeClr val="bg2">
@@ -22039,14 +22476,14 @@
               <ma14:placeholderFlag xmlns:ma14="http://schemas.microsoft.com/office/mac/drawingml/2011/main" val="1"/>
             </a:ext>
             <a:ext uri="{909E8E84-426E-40dd-AFC4-6F175D3DCCD1}">
-              <a14:hiddenFill xmlns:a14="http://schemas.microsoft.com/office/drawing/2010/main" xmlns="">
+              <a14:hiddenFill xmlns="" xmlns:a14="http://schemas.microsoft.com/office/drawing/2010/main">
                 <a:solidFill>
                   <a:srgbClr val="FFFFFF"/>
                 </a:solidFill>
               </a14:hiddenFill>
             </a:ext>
             <a:ext uri="{91240B29-F687-4f45-9708-019B960494DF}">
-              <a14:hiddenLine xmlns:a14="http://schemas.microsoft.com/office/drawing/2010/main" xmlns="" w="12700">
+              <a14:hiddenLine xmlns="" xmlns:a14="http://schemas.microsoft.com/office/drawing/2010/main" w="12700">
                 <a:solidFill>
                   <a:schemeClr val="tx1"/>
                 </a:solidFill>
@@ -22462,14 +22899,14 @@
               <ma14:placeholderFlag xmlns:ma14="http://schemas.microsoft.com/office/mac/drawingml/2011/main" val="1"/>
             </a:ext>
             <a:ext uri="{909E8E84-426E-40dd-AFC4-6F175D3DCCD1}">
-              <a14:hiddenFill xmlns:a14="http://schemas.microsoft.com/office/drawing/2010/main" xmlns="">
+              <a14:hiddenFill xmlns="" xmlns:a14="http://schemas.microsoft.com/office/drawing/2010/main">
                 <a:solidFill>
                   <a:srgbClr val="FFFFFF"/>
                 </a:solidFill>
               </a14:hiddenFill>
             </a:ext>
             <a:ext uri="{91240B29-F687-4f45-9708-019B960494DF}">
-              <a14:hiddenLine xmlns:a14="http://schemas.microsoft.com/office/drawing/2010/main" xmlns="" w="12700">
+              <a14:hiddenLine xmlns="" xmlns:a14="http://schemas.microsoft.com/office/drawing/2010/main" w="12700">
                 <a:solidFill>
                   <a:schemeClr val="tx1"/>
                 </a:solidFill>
@@ -22761,7 +23198,99 @@
             </a:r>
             <a:r>
               <a:rPr lang="en-US" altLang="zh-CN" b="1" dirty="0" smtClean="0"/>
-              <a:t>method.</a:t>
+              <a:t>methods,</a:t>
+            </a:r>
+            <a:r>
+              <a:rPr lang="zh-CN" altLang="en-US" b="1" dirty="0" smtClean="0"/>
+              <a:t> </a:t>
+            </a:r>
+            <a:r>
+              <a:rPr lang="en-US" altLang="zh-CN" b="1" dirty="0" smtClean="0"/>
+              <a:t>the</a:t>
+            </a:r>
+            <a:r>
+              <a:rPr lang="zh-CN" altLang="en-US" b="1" dirty="0" smtClean="0"/>
+              <a:t> </a:t>
+            </a:r>
+            <a:r>
+              <a:rPr lang="en-US" altLang="zh-CN" b="1" dirty="0" smtClean="0"/>
+              <a:t>possible</a:t>
+            </a:r>
+            <a:r>
+              <a:rPr lang="zh-CN" altLang="en-US" b="1" dirty="0" smtClean="0"/>
+              <a:t> </a:t>
+            </a:r>
+            <a:r>
+              <a:rPr lang="en-US" altLang="zh-CN" b="1" dirty="0" smtClean="0"/>
+              <a:t>reason</a:t>
+            </a:r>
+            <a:r>
+              <a:rPr lang="zh-CN" altLang="en-US" b="1" dirty="0" smtClean="0"/>
+              <a:t> </a:t>
+            </a:r>
+            <a:r>
+              <a:rPr lang="en-US" altLang="zh-CN" b="1" dirty="0" smtClean="0"/>
+              <a:t>is</a:t>
+            </a:r>
+            <a:r>
+              <a:rPr lang="zh-CN" altLang="en-US" b="1" dirty="0" smtClean="0"/>
+              <a:t> </a:t>
+            </a:r>
+            <a:r>
+              <a:rPr lang="en-US" altLang="zh-CN" b="1" dirty="0" smtClean="0"/>
+              <a:t>that</a:t>
+            </a:r>
+            <a:r>
+              <a:rPr lang="zh-CN" altLang="en-US" b="1" dirty="0" smtClean="0"/>
+              <a:t> </a:t>
+            </a:r>
+            <a:r>
+              <a:rPr lang="en-US" altLang="zh-CN" b="1" dirty="0" smtClean="0"/>
+              <a:t>the</a:t>
+            </a:r>
+            <a:r>
+              <a:rPr lang="zh-CN" altLang="en-US" b="1" dirty="0" smtClean="0"/>
+              <a:t> </a:t>
+            </a:r>
+            <a:r>
+              <a:rPr lang="en-US" altLang="zh-CN" b="1" dirty="0" smtClean="0"/>
+              <a:t>dataset</a:t>
+            </a:r>
+            <a:r>
+              <a:rPr lang="zh-CN" altLang="en-US" b="1" dirty="0" smtClean="0"/>
+              <a:t> </a:t>
+            </a:r>
+            <a:r>
+              <a:rPr lang="en-US" altLang="zh-CN" b="1" dirty="0" smtClean="0"/>
+              <a:t>is</a:t>
+            </a:r>
+            <a:r>
+              <a:rPr lang="zh-CN" altLang="en-US" b="1" dirty="0" smtClean="0"/>
+              <a:t> </a:t>
+            </a:r>
+            <a:r>
+              <a:rPr lang="en-US" altLang="zh-CN" b="1" dirty="0" smtClean="0"/>
+              <a:t>not</a:t>
+            </a:r>
+            <a:r>
+              <a:rPr lang="zh-CN" altLang="en-US" b="1" dirty="0" smtClean="0"/>
+              <a:t> </a:t>
+            </a:r>
+            <a:r>
+              <a:rPr lang="en-US" altLang="zh-CN" b="1" dirty="0" smtClean="0"/>
+              <a:t>larger</a:t>
+            </a:r>
+            <a:r>
+              <a:rPr lang="zh-CN" altLang="en-US" b="1" dirty="0" smtClean="0"/>
+              <a:t> </a:t>
+            </a:r>
+            <a:r>
+              <a:rPr lang="en-US" altLang="zh-CN" b="1" dirty="0" smtClean="0"/>
+              <a:t>enough</a:t>
+            </a:r>
+            <a:r>
+              <a:rPr lang="en-US" altLang="zh-CN" b="1" dirty="0" smtClean="0"/>
+              <a:t>.</a:t>
             </a:r>
             <a:r>
               <a:rPr lang="zh-CN" altLang="en-US" b="1" dirty="0" smtClean="0"/>
@@ -22784,7 +23313,15 @@
             </a:r>
             <a:r>
               <a:rPr lang="en-US" altLang="zh-CN" b="1" dirty="0" smtClean="0"/>
-              <a:t>processing</a:t>
+              <a:t>processing/feature</a:t>
+            </a:r>
+            <a:r>
+              <a:rPr lang="zh-CN" altLang="en-US" b="1" dirty="0" smtClean="0"/>
+              <a:t> </a:t>
+            </a:r>
+            <a:r>
+              <a:rPr lang="en-US" altLang="zh-CN" b="1" dirty="0" smtClean="0"/>
+              <a:t>engineering</a:t>
             </a:r>
             <a:r>
               <a:rPr lang="zh-CN" altLang="en-US" b="1" dirty="0" smtClean="0"/>
@@ -23204,14 +23741,14 @@
               <ma14:placeholderFlag xmlns:ma14="http://schemas.microsoft.com/office/mac/drawingml/2011/main" val="1"/>
             </a:ext>
             <a:ext uri="{909E8E84-426E-40dd-AFC4-6F175D3DCCD1}">
-              <a14:hiddenFill xmlns:a14="http://schemas.microsoft.com/office/drawing/2010/main" xmlns="">
+              <a14:hiddenFill xmlns="" xmlns:a14="http://schemas.microsoft.com/office/drawing/2010/main">
                 <a:solidFill>
                   <a:srgbClr val="FFFFFF"/>
                 </a:solidFill>
               </a14:hiddenFill>
             </a:ext>
             <a:ext uri="{91240B29-F687-4f45-9708-019B960494DF}">
-              <a14:hiddenLine xmlns:a14="http://schemas.microsoft.com/office/drawing/2010/main" xmlns="" w="12700">
+              <a14:hiddenLine xmlns="" xmlns:a14="http://schemas.microsoft.com/office/drawing/2010/main" w="12700">
                 <a:solidFill>
                   <a:schemeClr val="tx1"/>
                 </a:solidFill>
@@ -23417,14 +23954,14 @@
               <ma14:placeholderFlag xmlns:ma14="http://schemas.microsoft.com/office/mac/drawingml/2011/main" val="1"/>
             </a:ext>
             <a:ext uri="{909E8E84-426E-40dd-AFC4-6F175D3DCCD1}">
-              <a14:hiddenFill xmlns:a14="http://schemas.microsoft.com/office/drawing/2010/main" xmlns="">
+              <a14:hiddenFill xmlns="" xmlns:a14="http://schemas.microsoft.com/office/drawing/2010/main">
                 <a:solidFill>
                   <a:srgbClr val="FFFFFF"/>
                 </a:solidFill>
               </a14:hiddenFill>
             </a:ext>
             <a:ext uri="{91240B29-F687-4f45-9708-019B960494DF}">
-              <a14:hiddenLine xmlns:a14="http://schemas.microsoft.com/office/drawing/2010/main" xmlns="" w="12700">
+              <a14:hiddenLine xmlns="" xmlns:a14="http://schemas.microsoft.com/office/drawing/2010/main" w="12700">
                 <a:solidFill>
                   <a:schemeClr val="tx1"/>
                 </a:solidFill>
@@ -23850,7 +24387,7 @@
           <a:effectLst/>
           <a:extLst>
             <a:ext uri="{91240B29-F687-4f45-9708-019B960494DF}">
-              <a14:hiddenLine xmlns:a14="http://schemas.microsoft.com/office/drawing/2010/main" xmlns="" w="12700" cap="flat" cmpd="sng" algn="ctr">
+              <a14:hiddenLine xmlns="" xmlns:a14="http://schemas.microsoft.com/office/drawing/2010/main" w="12700" cap="flat" cmpd="sng" algn="ctr">
                 <a:solidFill>
                   <a:srgbClr val="000000"/>
                 </a:solidFill>
@@ -23861,7 +24398,7 @@
               </a14:hiddenLine>
             </a:ext>
             <a:ext uri="{AF507438-7753-43e0-B8FC-AC1667EBCBE1}">
-              <a14:hiddenEffects xmlns:a14="http://schemas.microsoft.com/office/drawing/2010/main" xmlns="">
+              <a14:hiddenEffects xmlns="" xmlns:a14="http://schemas.microsoft.com/office/drawing/2010/main">
                 <a:effectLst>
                   <a:outerShdw blurRad="63500" dist="38099" dir="2700000" algn="ctr" rotWithShape="0">
                     <a:schemeClr val="bg2">
@@ -24046,14 +24583,14 @@
               <ma14:placeholderFlag xmlns:ma14="http://schemas.microsoft.com/office/mac/drawingml/2011/main" val="1"/>
             </a:ext>
             <a:ext uri="{909E8E84-426E-40dd-AFC4-6F175D3DCCD1}">
-              <a14:hiddenFill xmlns:a14="http://schemas.microsoft.com/office/drawing/2010/main" xmlns="">
+              <a14:hiddenFill xmlns="" xmlns:a14="http://schemas.microsoft.com/office/drawing/2010/main">
                 <a:solidFill>
                   <a:srgbClr val="FFFFFF"/>
                 </a:solidFill>
               </a14:hiddenFill>
             </a:ext>
             <a:ext uri="{91240B29-F687-4f45-9708-019B960494DF}">
-              <a14:hiddenLine xmlns:a14="http://schemas.microsoft.com/office/drawing/2010/main" xmlns="" w="12700">
+              <a14:hiddenLine xmlns="" xmlns:a14="http://schemas.microsoft.com/office/drawing/2010/main" w="12700">
                 <a:solidFill>
                   <a:schemeClr val="tx1"/>
                 </a:solidFill>
@@ -24268,7 +24805,7 @@
           <a:effectLst/>
           <a:extLst>
             <a:ext uri="{91240B29-F687-4f45-9708-019B960494DF}">
-              <a14:hiddenLine xmlns:a14="http://schemas.microsoft.com/office/drawing/2010/main" xmlns="" w="12700" cap="flat" cmpd="sng" algn="ctr">
+              <a14:hiddenLine xmlns="" xmlns:a14="http://schemas.microsoft.com/office/drawing/2010/main" w="12700" cap="flat" cmpd="sng" algn="ctr">
                 <a:solidFill>
                   <a:srgbClr val="000000"/>
                 </a:solidFill>
@@ -24279,7 +24816,7 @@
               </a14:hiddenLine>
             </a:ext>
             <a:ext uri="{AF507438-7753-43e0-B8FC-AC1667EBCBE1}">
-              <a14:hiddenEffects xmlns:a14="http://schemas.microsoft.com/office/drawing/2010/main" xmlns="">
+              <a14:hiddenEffects xmlns="" xmlns:a14="http://schemas.microsoft.com/office/drawing/2010/main">
                 <a:effectLst>
                   <a:outerShdw blurRad="63500" dist="38099" dir="2700000" algn="ctr" rotWithShape="0">
                     <a:schemeClr val="bg2">
@@ -24317,14 +24854,14 @@
               <ma14:placeholderFlag xmlns:ma14="http://schemas.microsoft.com/office/mac/drawingml/2011/main" val="1"/>
             </a:ext>
             <a:ext uri="{909E8E84-426E-40dd-AFC4-6F175D3DCCD1}">
-              <a14:hiddenFill xmlns:a14="http://schemas.microsoft.com/office/drawing/2010/main" xmlns="">
+              <a14:hiddenFill xmlns="" xmlns:a14="http://schemas.microsoft.com/office/drawing/2010/main">
                 <a:solidFill>
                   <a:srgbClr val="FFFFFF"/>
                 </a:solidFill>
               </a14:hiddenFill>
             </a:ext>
             <a:ext uri="{91240B29-F687-4f45-9708-019B960494DF}">
-              <a14:hiddenLine xmlns:a14="http://schemas.microsoft.com/office/drawing/2010/main" xmlns="" w="12700">
+              <a14:hiddenLine xmlns="" xmlns:a14="http://schemas.microsoft.com/office/drawing/2010/main" w="12700">
                 <a:solidFill>
                   <a:schemeClr val="tx1"/>
                 </a:solidFill>
@@ -25631,14 +26168,14 @@
               <ma14:placeholderFlag xmlns:ma14="http://schemas.microsoft.com/office/mac/drawingml/2011/main" val="1"/>
             </a:ext>
             <a:ext uri="{909E8E84-426E-40dd-AFC4-6F175D3DCCD1}">
-              <a14:hiddenFill xmlns:a14="http://schemas.microsoft.com/office/drawing/2010/main" xmlns="">
+              <a14:hiddenFill xmlns="" xmlns:a14="http://schemas.microsoft.com/office/drawing/2010/main">
                 <a:solidFill>
                   <a:srgbClr val="FFFFFF"/>
                 </a:solidFill>
               </a14:hiddenFill>
             </a:ext>
             <a:ext uri="{91240B29-F687-4f45-9708-019B960494DF}">
-              <a14:hiddenLine xmlns:a14="http://schemas.microsoft.com/office/drawing/2010/main" xmlns="" w="12700">
+              <a14:hiddenLine xmlns="" xmlns:a14="http://schemas.microsoft.com/office/drawing/2010/main" w="12700">
                 <a:solidFill>
                   <a:schemeClr val="tx1"/>
                 </a:solidFill>
@@ -25853,7 +26390,7 @@
           <a:effectLst/>
           <a:extLst>
             <a:ext uri="{91240B29-F687-4f45-9708-019B960494DF}">
-              <a14:hiddenLine xmlns:a14="http://schemas.microsoft.com/office/drawing/2010/main" xmlns="" w="12700" cap="flat" cmpd="sng" algn="ctr">
+              <a14:hiddenLine xmlns="" xmlns:a14="http://schemas.microsoft.com/office/drawing/2010/main" w="12700" cap="flat" cmpd="sng" algn="ctr">
                 <a:solidFill>
                   <a:srgbClr val="000000"/>
                 </a:solidFill>
@@ -25864,7 +26401,7 @@
               </a14:hiddenLine>
             </a:ext>
             <a:ext uri="{AF507438-7753-43e0-B8FC-AC1667EBCBE1}">
-              <a14:hiddenEffects xmlns:a14="http://schemas.microsoft.com/office/drawing/2010/main" xmlns="">
+              <a14:hiddenEffects xmlns="" xmlns:a14="http://schemas.microsoft.com/office/drawing/2010/main">
                 <a:effectLst>
                   <a:outerShdw blurRad="63500" dist="38099" dir="2700000" algn="ctr" rotWithShape="0">
                     <a:schemeClr val="bg2">
@@ -25902,14 +26439,14 @@
               <ma14:placeholderFlag xmlns:ma14="http://schemas.microsoft.com/office/mac/drawingml/2011/main" val="1"/>
             </a:ext>
             <a:ext uri="{909E8E84-426E-40dd-AFC4-6F175D3DCCD1}">
-              <a14:hiddenFill xmlns:a14="http://schemas.microsoft.com/office/drawing/2010/main" xmlns="">
+              <a14:hiddenFill xmlns="" xmlns:a14="http://schemas.microsoft.com/office/drawing/2010/main">
                 <a:solidFill>
                   <a:srgbClr val="FFFFFF"/>
                 </a:solidFill>
               </a14:hiddenFill>
             </a:ext>
             <a:ext uri="{91240B29-F687-4f45-9708-019B960494DF}">
-              <a14:hiddenLine xmlns:a14="http://schemas.microsoft.com/office/drawing/2010/main" xmlns="" w="12700">
+              <a14:hiddenLine xmlns="" xmlns:a14="http://schemas.microsoft.com/office/drawing/2010/main" w="12700">
                 <a:solidFill>
                   <a:schemeClr val="tx1"/>
                 </a:solidFill>
@@ -27632,7 +28169,141 @@
                   <a:schemeClr val="tx1"/>
                 </a:solidFill>
               </a:rPr>
-              <a:t>word.</a:t>
+              <a:t>word</a:t>
+            </a:r>
+            <a:r>
+              <a:rPr lang="en-US" altLang="zh-CN" sz="1400" dirty="0" smtClean="0">
+                <a:solidFill>
+                  <a:schemeClr val="tx1"/>
+                </a:solidFill>
+              </a:rPr>
+              <a:t>.</a:t>
+            </a:r>
+          </a:p>
+          <a:p>
+            <a:pPr marL="285750" lvl="1" indent="-285750">
+              <a:buFont typeface="Wingdings" charset="2"/>
+              <a:buChar char="n"/>
+            </a:pPr>
+            <a:r>
+              <a:rPr lang="en-US" altLang="zh-CN" sz="1400" dirty="0" err="1" smtClean="0">
+                <a:solidFill>
+                  <a:schemeClr val="tx1"/>
+                </a:solidFill>
+              </a:rPr>
+              <a:t>E.g</a:t>
+            </a:r>
+            <a:r>
+              <a:rPr lang="zh-CN" altLang="en-US" sz="1400" dirty="0" smtClean="0">
+                <a:solidFill>
+                  <a:schemeClr val="tx1"/>
+                </a:solidFill>
+              </a:rPr>
+              <a:t> </a:t>
+            </a:r>
+            <a:r>
+              <a:rPr lang="en-US" altLang="zh-CN" sz="1400" dirty="0" smtClean="0">
+                <a:solidFill>
+                  <a:schemeClr val="tx1"/>
+                </a:solidFill>
+              </a:rPr>
+              <a:t>ABC</a:t>
+            </a:r>
+            <a:r>
+              <a:rPr lang="zh-CN" altLang="en-US" sz="1400" dirty="0" smtClean="0">
+                <a:solidFill>
+                  <a:schemeClr val="tx1"/>
+                </a:solidFill>
+              </a:rPr>
+              <a:t>， </a:t>
+            </a:r>
+            <a:r>
+              <a:rPr lang="en-US" altLang="zh-CN" sz="1400" dirty="0" smtClean="0">
+                <a:solidFill>
+                  <a:schemeClr val="tx1"/>
+                </a:solidFill>
+              </a:rPr>
+              <a:t>segmentation</a:t>
+            </a:r>
+            <a:r>
+              <a:rPr lang="zh-CN" altLang="en-US" sz="1400" dirty="0">
+                <a:solidFill>
+                  <a:schemeClr val="tx1"/>
+                </a:solidFill>
+              </a:rPr>
+              <a:t> </a:t>
+            </a:r>
+            <a:r>
+              <a:rPr lang="en-US" altLang="zh-CN" sz="1400" dirty="0" smtClean="0">
+                <a:solidFill>
+                  <a:schemeClr val="tx1"/>
+                </a:solidFill>
+              </a:rPr>
+              <a:t>approaches:</a:t>
+            </a:r>
+            <a:r>
+              <a:rPr lang="zh-CN" altLang="en-US" sz="1400" dirty="0" smtClean="0">
+                <a:solidFill>
+                  <a:schemeClr val="tx1"/>
+                </a:solidFill>
+              </a:rPr>
+              <a:t> </a:t>
+            </a:r>
+            <a:r>
+              <a:rPr lang="en-US" altLang="zh-CN" sz="1400" dirty="0" smtClean="0">
+                <a:solidFill>
+                  <a:schemeClr val="tx1"/>
+                </a:solidFill>
+              </a:rPr>
+              <a:t>A/BC,</a:t>
+            </a:r>
+            <a:r>
+              <a:rPr lang="zh-CN" altLang="en-US" sz="1400" dirty="0" smtClean="0">
+                <a:solidFill>
+                  <a:schemeClr val="tx1"/>
+                </a:solidFill>
+              </a:rPr>
+              <a:t> </a:t>
+            </a:r>
+            <a:r>
+              <a:rPr lang="en-US" altLang="zh-CN" sz="1400" dirty="0" smtClean="0">
+                <a:solidFill>
+                  <a:schemeClr val="tx1"/>
+                </a:solidFill>
+              </a:rPr>
+              <a:t>AB/C,</a:t>
+            </a:r>
+            <a:r>
+              <a:rPr lang="zh-CN" altLang="en-US" sz="1400" dirty="0" smtClean="0">
+                <a:solidFill>
+                  <a:schemeClr val="tx1"/>
+                </a:solidFill>
+              </a:rPr>
+              <a:t> </a:t>
+            </a:r>
+            <a:r>
+              <a:rPr lang="en-US" altLang="zh-CN" sz="1400" dirty="0" smtClean="0">
+                <a:solidFill>
+                  <a:schemeClr val="tx1"/>
+                </a:solidFill>
+              </a:rPr>
+              <a:t>ABC,</a:t>
+            </a:r>
+            <a:r>
+              <a:rPr lang="zh-CN" altLang="en-US" sz="1400" dirty="0" smtClean="0">
+                <a:solidFill>
+                  <a:schemeClr val="tx1"/>
+                </a:solidFill>
+              </a:rPr>
+              <a:t> </a:t>
+            </a:r>
+            <a:r>
+              <a:rPr lang="en-US" altLang="zh-CN" sz="1400" dirty="0" smtClean="0">
+                <a:solidFill>
+                  <a:schemeClr val="tx1"/>
+                </a:solidFill>
+              </a:rPr>
+              <a:t>A/B/C</a:t>
             </a:r>
             <a:endParaRPr lang="en-US" altLang="zh-CN" dirty="0"/>
           </a:p>
@@ -27684,14 +28355,14 @@
               <ma14:placeholderFlag xmlns:ma14="http://schemas.microsoft.com/office/mac/drawingml/2011/main" val="1"/>
             </a:ext>
             <a:ext uri="{909E8E84-426E-40dd-AFC4-6F175D3DCCD1}">
-              <a14:hiddenFill xmlns:a14="http://schemas.microsoft.com/office/drawing/2010/main" xmlns="">
+              <a14:hiddenFill xmlns="" xmlns:a14="http://schemas.microsoft.com/office/drawing/2010/main">
                 <a:solidFill>
                   <a:srgbClr val="FFFFFF"/>
                 </a:solidFill>
               </a14:hiddenFill>
             </a:ext>
             <a:ext uri="{91240B29-F687-4f45-9708-019B960494DF}">
-              <a14:hiddenLine xmlns:a14="http://schemas.microsoft.com/office/drawing/2010/main" xmlns="" w="12700">
+              <a14:hiddenLine xmlns="" xmlns:a14="http://schemas.microsoft.com/office/drawing/2010/main" w="12700">
                 <a:solidFill>
                   <a:schemeClr val="tx1"/>
                 </a:solidFill>
@@ -27906,7 +28577,7 @@
           <a:effectLst/>
           <a:extLst>
             <a:ext uri="{91240B29-F687-4f45-9708-019B960494DF}">
-              <a14:hiddenLine xmlns:a14="http://schemas.microsoft.com/office/drawing/2010/main" xmlns="" w="12700" cap="flat" cmpd="sng" algn="ctr">
+              <a14:hiddenLine xmlns="" xmlns:a14="http://schemas.microsoft.com/office/drawing/2010/main" w="12700" cap="flat" cmpd="sng" algn="ctr">
                 <a:solidFill>
                   <a:srgbClr val="000000"/>
                 </a:solidFill>
@@ -27917,7 +28588,7 @@
               </a14:hiddenLine>
             </a:ext>
             <a:ext uri="{AF507438-7753-43e0-B8FC-AC1667EBCBE1}">
-              <a14:hiddenEffects xmlns:a14="http://schemas.microsoft.com/office/drawing/2010/main" xmlns="">
+              <a14:hiddenEffects xmlns="" xmlns:a14="http://schemas.microsoft.com/office/drawing/2010/main">
                 <a:effectLst>
                   <a:outerShdw blurRad="63500" dist="38099" dir="2700000" algn="ctr" rotWithShape="0">
                     <a:schemeClr val="bg2">
@@ -27955,14 +28626,14 @@
               <ma14:placeholderFlag xmlns:ma14="http://schemas.microsoft.com/office/mac/drawingml/2011/main" val="1"/>
             </a:ext>
             <a:ext uri="{909E8E84-426E-40dd-AFC4-6F175D3DCCD1}">
-              <a14:hiddenFill xmlns:a14="http://schemas.microsoft.com/office/drawing/2010/main" xmlns="">
+              <a14:hiddenFill xmlns="" xmlns:a14="http://schemas.microsoft.com/office/drawing/2010/main">
                 <a:solidFill>
                   <a:srgbClr val="FFFFFF"/>
                 </a:solidFill>
               </a14:hiddenFill>
             </a:ext>
             <a:ext uri="{91240B29-F687-4f45-9708-019B960494DF}">
-              <a14:hiddenLine xmlns:a14="http://schemas.microsoft.com/office/drawing/2010/main" xmlns="" w="12700">
+              <a14:hiddenLine xmlns="" xmlns:a14="http://schemas.microsoft.com/office/drawing/2010/main" w="12700">
                 <a:solidFill>
                   <a:schemeClr val="tx1"/>
                 </a:solidFill>
@@ -28480,14 +29151,14 @@
               <ma14:placeholderFlag xmlns:ma14="http://schemas.microsoft.com/office/mac/drawingml/2011/main" val="1"/>
             </a:ext>
             <a:ext uri="{909E8E84-426E-40dd-AFC4-6F175D3DCCD1}">
-              <a14:hiddenFill xmlns:a14="http://schemas.microsoft.com/office/drawing/2010/main" xmlns="">
+              <a14:hiddenFill xmlns="" xmlns:a14="http://schemas.microsoft.com/office/drawing/2010/main">
                 <a:solidFill>
                   <a:srgbClr val="FFFFFF"/>
                 </a:solidFill>
               </a14:hiddenFill>
             </a:ext>
             <a:ext uri="{91240B29-F687-4f45-9708-019B960494DF}">
-              <a14:hiddenLine xmlns:a14="http://schemas.microsoft.com/office/drawing/2010/main" xmlns="" w="12700">
+              <a14:hiddenLine xmlns="" xmlns:a14="http://schemas.microsoft.com/office/drawing/2010/main" w="12700">
                 <a:solidFill>
                   <a:schemeClr val="tx1"/>
                 </a:solidFill>
@@ -28702,7 +29373,7 @@
           <a:effectLst/>
           <a:extLst>
             <a:ext uri="{91240B29-F687-4f45-9708-019B960494DF}">
-              <a14:hiddenLine xmlns:a14="http://schemas.microsoft.com/office/drawing/2010/main" xmlns="" w="12700" cap="flat" cmpd="sng" algn="ctr">
+              <a14:hiddenLine xmlns="" xmlns:a14="http://schemas.microsoft.com/office/drawing/2010/main" w="12700" cap="flat" cmpd="sng" algn="ctr">
                 <a:solidFill>
                   <a:srgbClr val="000000"/>
                 </a:solidFill>
@@ -28713,7 +29384,7 @@
               </a14:hiddenLine>
             </a:ext>
             <a:ext uri="{AF507438-7753-43e0-B8FC-AC1667EBCBE1}">
-              <a14:hiddenEffects xmlns:a14="http://schemas.microsoft.com/office/drawing/2010/main" xmlns="">
+              <a14:hiddenEffects xmlns="" xmlns:a14="http://schemas.microsoft.com/office/drawing/2010/main">
                 <a:effectLst>
                   <a:outerShdw blurRad="63500" dist="38099" dir="2700000" algn="ctr" rotWithShape="0">
                     <a:schemeClr val="bg2">
@@ -28751,14 +29422,14 @@
               <ma14:placeholderFlag xmlns:ma14="http://schemas.microsoft.com/office/mac/drawingml/2011/main" val="1"/>
             </a:ext>
             <a:ext uri="{909E8E84-426E-40dd-AFC4-6F175D3DCCD1}">
-              <a14:hiddenFill xmlns:a14="http://schemas.microsoft.com/office/drawing/2010/main" xmlns="">
+              <a14:hiddenFill xmlns="" xmlns:a14="http://schemas.microsoft.com/office/drawing/2010/main">
                 <a:solidFill>
                   <a:srgbClr val="FFFFFF"/>
                 </a:solidFill>
               </a14:hiddenFill>
             </a:ext>
             <a:ext uri="{91240B29-F687-4f45-9708-019B960494DF}">
-              <a14:hiddenLine xmlns:a14="http://schemas.microsoft.com/office/drawing/2010/main" xmlns="" w="12700">
+              <a14:hiddenLine xmlns="" xmlns:a14="http://schemas.microsoft.com/office/drawing/2010/main" w="12700">
                 <a:solidFill>
                   <a:schemeClr val="tx1"/>
                 </a:solidFill>
@@ -29220,7 +29891,7 @@
             <a:effectLst/>
             <a:extLst>
               <a:ext uri="{91240B29-F687-4f45-9708-019B960494DF}">
-                <a14:hiddenLine xmlns:a14="http://schemas.microsoft.com/office/drawing/2010/main" xmlns="" w="12700" cap="flat" cmpd="sng" algn="ctr">
+                <a14:hiddenLine xmlns="" xmlns:a14="http://schemas.microsoft.com/office/drawing/2010/main" w="12700" cap="flat" cmpd="sng" algn="ctr">
                   <a:solidFill>
                     <a:srgbClr val="000000"/>
                   </a:solidFill>
@@ -29231,7 +29902,7 @@
                 </a14:hiddenLine>
               </a:ext>
               <a:ext uri="{AF507438-7753-43e0-B8FC-AC1667EBCBE1}">
-                <a14:hiddenEffects xmlns:a14="http://schemas.microsoft.com/office/drawing/2010/main" xmlns="">
+                <a14:hiddenEffects xmlns="" xmlns:a14="http://schemas.microsoft.com/office/drawing/2010/main">
                   <a:effectLst>
                     <a:outerShdw blurRad="63500" dist="38099" dir="2700000" algn="ctr" rotWithShape="0">
                       <a:schemeClr val="bg2">
@@ -29638,7 +30309,7 @@
         <a:effectLst/>
         <a:extLst>
           <a:ext uri="{91240B29-F687-4f45-9708-019B960494DF}">
-            <a14:hiddenLine xmlns:a14="http://schemas.microsoft.com/office/drawing/2010/main" xmlns="" w="12700" cap="flat" cmpd="sng" algn="ctr">
+            <a14:hiddenLine xmlns="" xmlns:a14="http://schemas.microsoft.com/office/drawing/2010/main" w="12700" cap="flat" cmpd="sng" algn="ctr">
               <a:solidFill>
                 <a:srgbClr val="000000"/>
               </a:solidFill>
@@ -29649,7 +30320,7 @@
             </a14:hiddenLine>
           </a:ext>
           <a:ext uri="{AF507438-7753-43e0-B8FC-AC1667EBCBE1}">
-            <a14:hiddenEffects xmlns:a14="http://schemas.microsoft.com/office/drawing/2010/main" xmlns="">
+            <a14:hiddenEffects xmlns="" xmlns:a14="http://schemas.microsoft.com/office/drawing/2010/main">
               <a:effectLst>
                 <a:outerShdw blurRad="63500" dist="38099" dir="2700000" algn="ctr" rotWithShape="0">
                   <a:schemeClr val="bg2">
@@ -29721,7 +30392,7 @@
         <a:effectLst/>
         <a:extLst>
           <a:ext uri="{91240B29-F687-4f45-9708-019B960494DF}">
-            <a14:hiddenLine xmlns:a14="http://schemas.microsoft.com/office/drawing/2010/main" xmlns="" w="12700" cap="flat" cmpd="sng" algn="ctr">
+            <a14:hiddenLine xmlns="" xmlns:a14="http://schemas.microsoft.com/office/drawing/2010/main" w="12700" cap="flat" cmpd="sng" algn="ctr">
               <a:solidFill>
                 <a:srgbClr val="000000"/>
               </a:solidFill>
@@ -29732,7 +30403,7 @@
             </a14:hiddenLine>
           </a:ext>
           <a:ext uri="{AF507438-7753-43e0-B8FC-AC1667EBCBE1}">
-            <a14:hiddenEffects xmlns:a14="http://schemas.microsoft.com/office/drawing/2010/main" xmlns="">
+            <a14:hiddenEffects xmlns="" xmlns:a14="http://schemas.microsoft.com/office/drawing/2010/main">
               <a:effectLst>
                 <a:outerShdw blurRad="63500" dist="38099" dir="2700000" algn="ctr" rotWithShape="0">
                   <a:schemeClr val="bg2">
@@ -30068,7 +30739,7 @@
         <a:effectLst/>
         <a:extLst>
           <a:ext uri="{91240B29-F687-4f45-9708-019B960494DF}">
-            <a14:hiddenLine xmlns:a14="http://schemas.microsoft.com/office/drawing/2010/main" xmlns="" w="12700" cap="flat" cmpd="sng" algn="ctr">
+            <a14:hiddenLine xmlns="" xmlns:a14="http://schemas.microsoft.com/office/drawing/2010/main" w="12700" cap="flat" cmpd="sng" algn="ctr">
               <a:solidFill>
                 <a:srgbClr val="000000"/>
               </a:solidFill>
@@ -30079,7 +30750,7 @@
             </a14:hiddenLine>
           </a:ext>
           <a:ext uri="{AF507438-7753-43e0-B8FC-AC1667EBCBE1}">
-            <a14:hiddenEffects xmlns:a14="http://schemas.microsoft.com/office/drawing/2010/main" xmlns="">
+            <a14:hiddenEffects xmlns="" xmlns:a14="http://schemas.microsoft.com/office/drawing/2010/main">
               <a:effectLst>
                 <a:outerShdw blurRad="63500" dist="38099" dir="2700000" algn="ctr" rotWithShape="0">
                   <a:schemeClr val="bg2">
@@ -30151,7 +30822,7 @@
         <a:effectLst/>
         <a:extLst>
           <a:ext uri="{91240B29-F687-4f45-9708-019B960494DF}">
-            <a14:hiddenLine xmlns:a14="http://schemas.microsoft.com/office/drawing/2010/main" xmlns="" w="12700" cap="flat" cmpd="sng" algn="ctr">
+            <a14:hiddenLine xmlns="" xmlns:a14="http://schemas.microsoft.com/office/drawing/2010/main" w="12700" cap="flat" cmpd="sng" algn="ctr">
               <a:solidFill>
                 <a:srgbClr val="000000"/>
               </a:solidFill>
@@ -30162,7 +30833,7 @@
             </a14:hiddenLine>
           </a:ext>
           <a:ext uri="{AF507438-7753-43e0-B8FC-AC1667EBCBE1}">
-            <a14:hiddenEffects xmlns:a14="http://schemas.microsoft.com/office/drawing/2010/main" xmlns="">
+            <a14:hiddenEffects xmlns="" xmlns:a14="http://schemas.microsoft.com/office/drawing/2010/main">
               <a:effectLst>
                 <a:outerShdw blurRad="63500" dist="38099" dir="2700000" algn="ctr" rotWithShape="0">
                   <a:schemeClr val="bg2">
@@ -30498,7 +31169,7 @@
         <a:effectLst/>
         <a:extLst>
           <a:ext uri="{91240B29-F687-4f45-9708-019B960494DF}">
-            <a14:hiddenLine xmlns:a14="http://schemas.microsoft.com/office/drawing/2010/main" xmlns="" w="12700" cap="flat" cmpd="sng" algn="ctr">
+            <a14:hiddenLine xmlns="" xmlns:a14="http://schemas.microsoft.com/office/drawing/2010/main" w="12700" cap="flat" cmpd="sng" algn="ctr">
               <a:solidFill>
                 <a:srgbClr val="000000"/>
               </a:solidFill>
@@ -30509,7 +31180,7 @@
             </a14:hiddenLine>
           </a:ext>
           <a:ext uri="{AF507438-7753-43e0-B8FC-AC1667EBCBE1}">
-            <a14:hiddenEffects xmlns:a14="http://schemas.microsoft.com/office/drawing/2010/main" xmlns="">
+            <a14:hiddenEffects xmlns="" xmlns:a14="http://schemas.microsoft.com/office/drawing/2010/main">
               <a:effectLst>
                 <a:outerShdw blurRad="63500" dist="38099" dir="2700000" algn="ctr" rotWithShape="0">
                   <a:schemeClr val="bg2">
@@ -30581,7 +31252,7 @@
         <a:effectLst/>
         <a:extLst>
           <a:ext uri="{91240B29-F687-4f45-9708-019B960494DF}">
-            <a14:hiddenLine xmlns:a14="http://schemas.microsoft.com/office/drawing/2010/main" xmlns="" w="12700" cap="flat" cmpd="sng" algn="ctr">
+            <a14:hiddenLine xmlns="" xmlns:a14="http://schemas.microsoft.com/office/drawing/2010/main" w="12700" cap="flat" cmpd="sng" algn="ctr">
               <a:solidFill>
                 <a:srgbClr val="000000"/>
               </a:solidFill>
@@ -30592,7 +31263,7 @@
             </a14:hiddenLine>
           </a:ext>
           <a:ext uri="{AF507438-7753-43e0-B8FC-AC1667EBCBE1}">
-            <a14:hiddenEffects xmlns:a14="http://schemas.microsoft.com/office/drawing/2010/main" xmlns="">
+            <a14:hiddenEffects xmlns="" xmlns:a14="http://schemas.microsoft.com/office/drawing/2010/main">
               <a:effectLst>
                 <a:outerShdw blurRad="63500" dist="38099" dir="2700000" algn="ctr" rotWithShape="0">
                   <a:schemeClr val="bg2">
@@ -30928,7 +31599,7 @@
         <a:effectLst/>
         <a:extLst>
           <a:ext uri="{91240B29-F687-4f45-9708-019B960494DF}">
-            <a14:hiddenLine xmlns:a14="http://schemas.microsoft.com/office/drawing/2010/main" xmlns="" w="12700" cap="flat" cmpd="sng" algn="ctr">
+            <a14:hiddenLine xmlns="" xmlns:a14="http://schemas.microsoft.com/office/drawing/2010/main" w="12700" cap="flat" cmpd="sng" algn="ctr">
               <a:solidFill>
                 <a:srgbClr val="000000"/>
               </a:solidFill>
@@ -30939,7 +31610,7 @@
             </a14:hiddenLine>
           </a:ext>
           <a:ext uri="{AF507438-7753-43e0-B8FC-AC1667EBCBE1}">
-            <a14:hiddenEffects xmlns:a14="http://schemas.microsoft.com/office/drawing/2010/main" xmlns="">
+            <a14:hiddenEffects xmlns="" xmlns:a14="http://schemas.microsoft.com/office/drawing/2010/main">
               <a:effectLst>
                 <a:outerShdw blurRad="63500" dist="38099" dir="2700000" algn="ctr" rotWithShape="0">
                   <a:schemeClr val="bg2">
@@ -31011,7 +31682,7 @@
         <a:effectLst/>
         <a:extLst>
           <a:ext uri="{91240B29-F687-4f45-9708-019B960494DF}">
-            <a14:hiddenLine xmlns:a14="http://schemas.microsoft.com/office/drawing/2010/main" xmlns="" w="12700" cap="flat" cmpd="sng" algn="ctr">
+            <a14:hiddenLine xmlns="" xmlns:a14="http://schemas.microsoft.com/office/drawing/2010/main" w="12700" cap="flat" cmpd="sng" algn="ctr">
               <a:solidFill>
                 <a:srgbClr val="000000"/>
               </a:solidFill>
@@ -31022,7 +31693,7 @@
             </a14:hiddenLine>
           </a:ext>
           <a:ext uri="{AF507438-7753-43e0-B8FC-AC1667EBCBE1}">
-            <a14:hiddenEffects xmlns:a14="http://schemas.microsoft.com/office/drawing/2010/main" xmlns="">
+            <a14:hiddenEffects xmlns="" xmlns:a14="http://schemas.microsoft.com/office/drawing/2010/main">
               <a:effectLst>
                 <a:outerShdw blurRad="63500" dist="38099" dir="2700000" algn="ctr" rotWithShape="0">
                   <a:schemeClr val="bg2">
@@ -31116,4 +31787,265 @@
     </a:extraClrScheme>
   </a:extraClrSchemeLst>
 </a:theme>
+</file>
+
+<file path=ppt/theme/theme5.xml><?xml version="1.0" encoding="utf-8"?>
+<a:theme xmlns:a="http://schemas.openxmlformats.org/drawingml/2006/main" name="Office 主题">
+  <a:themeElements>
+    <a:clrScheme name="Office">
+      <a:dk1>
+        <a:sysClr val="windowText" lastClr="000000"/>
+      </a:dk1>
+      <a:lt1>
+        <a:sysClr val="window" lastClr="FFFFFF"/>
+      </a:lt1>
+      <a:dk2>
+        <a:srgbClr val="44546A"/>
+      </a:dk2>
+      <a:lt2>
+        <a:srgbClr val="E7E6E6"/>
+      </a:lt2>
+      <a:accent1>
+        <a:srgbClr val="5B9BD5"/>
+      </a:accent1>
+      <a:accent2>
+        <a:srgbClr val="ED7D31"/>
+      </a:accent2>
+      <a:accent3>
+        <a:srgbClr val="A5A5A5"/>
+      </a:accent3>
+      <a:accent4>
+        <a:srgbClr val="FFC000"/>
+      </a:accent4>
+      <a:accent5>
+        <a:srgbClr val="4472C4"/>
+      </a:accent5>
+      <a:accent6>
+        <a:srgbClr val="70AD47"/>
+      </a:accent6>
+      <a:hlink>
+        <a:srgbClr val="0563C1"/>
+      </a:hlink>
+      <a:folHlink>
+        <a:srgbClr val="954F72"/>
+      </a:folHlink>
+    </a:clrScheme>
+    <a:fontScheme name="Office">
+      <a:majorFont>
+        <a:latin typeface="DengXian Light" panose="020F0302020204030204"/>
+        <a:ea typeface=""/>
+        <a:cs typeface=""/>
+        <a:font script="Jpan" typeface="Yu Gothic Light"/>
+        <a:font script="Hang" typeface="맑은 고딕"/>
+        <a:font script="Hans" typeface="DengXian Light"/>
+        <a:font script="Hant" typeface="新細明體"/>
+        <a:font script="Arab" typeface="Times New Roman"/>
+        <a:font script="Hebr" typeface="Times New Roman"/>
+        <a:font script="Thai" typeface="Angsana New"/>
+        <a:font script="Ethi" typeface="Nyala"/>
+        <a:font script="Beng" typeface="Vrinda"/>
+        <a:font script="Gujr" typeface="Shruti"/>
+        <a:font script="Khmr" typeface="MoolBoran"/>
+        <a:font script="Knda" typeface="Tunga"/>
+        <a:font script="Guru" typeface="Raavi"/>
+        <a:font script="Cans" typeface="Euphemia"/>
+        <a:font script="Cher" typeface="Plantagenet Cherokee"/>
+        <a:font script="Yiii" typeface="Microsoft Yi Baiti"/>
+        <a:font script="Tibt" typeface="Microsoft Himalaya"/>
+        <a:font script="Thaa" typeface="MV Boli"/>
+        <a:font script="Deva" typeface="Mangal"/>
+        <a:font script="Telu" typeface="Gautami"/>
+        <a:font script="Taml" typeface="Latha"/>
+        <a:font script="Syrc" typeface="Estrangelo Edessa"/>
+        <a:font script="Orya" typeface="Kalinga"/>
+        <a:font script="Mlym" typeface="Kartika"/>
+        <a:font script="Laoo" typeface="DokChampa"/>
+        <a:font script="Sinh" typeface="Iskoola Pota"/>
+        <a:font script="Mong" typeface="Mongolian Baiti"/>
+        <a:font script="Viet" typeface="Times New Roman"/>
+        <a:font script="Uigh" typeface="Microsoft Uighur"/>
+        <a:font script="Geor" typeface="Sylfaen"/>
+      </a:majorFont>
+      <a:minorFont>
+        <a:latin typeface="DengXian" panose="020F0502020204030204"/>
+        <a:ea typeface=""/>
+        <a:cs typeface=""/>
+        <a:font script="Jpan" typeface="Yu Gothic"/>
+        <a:font script="Hang" typeface="맑은 고딕"/>
+        <a:font script="Hans" typeface="DengXian"/>
+        <a:font script="Hant" typeface="新細明體"/>
+        <a:font script="Arab" typeface="Arial"/>
+        <a:font script="Hebr" typeface="Arial"/>
+        <a:font script="Thai" typeface="Cordia New"/>
+        <a:font script="Ethi" typeface="Nyala"/>
+        <a:font script="Beng" typeface="Vrinda"/>
+        <a:font script="Gujr" typeface="Shruti"/>
+        <a:font script="Khmr" typeface="DaunPenh"/>
+        <a:font script="Knda" typeface="Tunga"/>
+        <a:font script="Guru" typeface="Raavi"/>
+        <a:font script="Cans" typeface="Euphemia"/>
+        <a:font script="Cher" typeface="Plantagenet Cherokee"/>
+        <a:font script="Yiii" typeface="Microsoft Yi Baiti"/>
+        <a:font script="Tibt" typeface="Microsoft Himalaya"/>
+        <a:font script="Thaa" typeface="MV Boli"/>
+        <a:font script="Deva" typeface="Mangal"/>
+        <a:font script="Telu" typeface="Gautami"/>
+        <a:font script="Taml" typeface="Latha"/>
+        <a:font script="Syrc" typeface="Estrangelo Edessa"/>
+        <a:font script="Orya" typeface="Kalinga"/>
+        <a:font script="Mlym" typeface="Kartika"/>
+        <a:font script="Laoo" typeface="DokChampa"/>
+        <a:font script="Sinh" typeface="Iskoola Pota"/>
+        <a:font script="Mong" typeface="Mongolian Baiti"/>
+        <a:font script="Viet" typeface="Arial"/>
+        <a:font script="Uigh" typeface="Microsoft Uighur"/>
+        <a:font script="Geor" typeface="Sylfaen"/>
+      </a:minorFont>
+    </a:fontScheme>
+    <a:fmtScheme name="Office">
+      <a:fillStyleLst>
+        <a:solidFill>
+          <a:schemeClr val="phClr"/>
+        </a:solidFill>
+        <a:gradFill rotWithShape="1">
+          <a:gsLst>
+            <a:gs pos="0">
+              <a:schemeClr val="phClr">
+                <a:lumMod val="110000"/>
+                <a:satMod val="105000"/>
+                <a:tint val="67000"/>
+              </a:schemeClr>
+            </a:gs>
+            <a:gs pos="50000">
+              <a:schemeClr val="phClr">
+                <a:lumMod val="105000"/>
+                <a:satMod val="103000"/>
+                <a:tint val="73000"/>
+              </a:schemeClr>
+            </a:gs>
+            <a:gs pos="100000">
+              <a:schemeClr val="phClr">
+                <a:lumMod val="105000"/>
+                <a:satMod val="109000"/>
+                <a:tint val="81000"/>
+              </a:schemeClr>
+            </a:gs>
+          </a:gsLst>
+          <a:lin ang="5400000" scaled="0"/>
+        </a:gradFill>
+        <a:gradFill rotWithShape="1">
+          <a:gsLst>
+            <a:gs pos="0">
+              <a:schemeClr val="phClr">
+                <a:satMod val="103000"/>
+                <a:lumMod val="102000"/>
+                <a:tint val="94000"/>
+              </a:schemeClr>
+            </a:gs>
+            <a:gs pos="50000">
+              <a:schemeClr val="phClr">
+                <a:satMod val="110000"/>
+                <a:lumMod val="100000"/>
+                <a:shade val="100000"/>
+              </a:schemeClr>
+            </a:gs>
+            <a:gs pos="100000">
+              <a:schemeClr val="phClr">
+                <a:lumMod val="99000"/>
+                <a:satMod val="120000"/>
+                <a:shade val="78000"/>
+              </a:schemeClr>
+            </a:gs>
+          </a:gsLst>
+          <a:lin ang="5400000" scaled="0"/>
+        </a:gradFill>
+      </a:fillStyleLst>
+      <a:lnStyleLst>
+        <a:ln w="6350" cap="flat" cmpd="sng" algn="ctr">
+          <a:solidFill>
+            <a:schemeClr val="phClr"/>
+          </a:solidFill>
+          <a:prstDash val="solid"/>
+          <a:miter lim="800000"/>
+        </a:ln>
+        <a:ln w="12700" cap="flat" cmpd="sng" algn="ctr">
+          <a:solidFill>
+            <a:schemeClr val="phClr"/>
+          </a:solidFill>
+          <a:prstDash val="solid"/>
+          <a:miter lim="800000"/>
+        </a:ln>
+        <a:ln w="19050" cap="flat" cmpd="sng" algn="ctr">
+          <a:solidFill>
+            <a:schemeClr val="phClr"/>
+          </a:solidFill>
+          <a:prstDash val="solid"/>
+          <a:miter lim="800000"/>
+        </a:ln>
+      </a:lnStyleLst>
+      <a:effectStyleLst>
+        <a:effectStyle>
+          <a:effectLst/>
+        </a:effectStyle>
+        <a:effectStyle>
+          <a:effectLst/>
+        </a:effectStyle>
+        <a:effectStyle>
+          <a:effectLst>
+            <a:outerShdw blurRad="57150" dist="19050" dir="5400000" algn="ctr" rotWithShape="0">
+              <a:srgbClr val="000000">
+                <a:alpha val="63000"/>
+              </a:srgbClr>
+            </a:outerShdw>
+          </a:effectLst>
+        </a:effectStyle>
+      </a:effectStyleLst>
+      <a:bgFillStyleLst>
+        <a:solidFill>
+          <a:schemeClr val="phClr"/>
+        </a:solidFill>
+        <a:solidFill>
+          <a:schemeClr val="phClr">
+            <a:tint val="95000"/>
+            <a:satMod val="170000"/>
+          </a:schemeClr>
+        </a:solidFill>
+        <a:gradFill rotWithShape="1">
+          <a:gsLst>
+            <a:gs pos="0">
+              <a:schemeClr val="phClr">
+                <a:tint val="93000"/>
+                <a:satMod val="150000"/>
+                <a:shade val="98000"/>
+                <a:lumMod val="102000"/>
+              </a:schemeClr>
+            </a:gs>
+            <a:gs pos="50000">
+              <a:schemeClr val="phClr">
+                <a:tint val="98000"/>
+                <a:satMod val="130000"/>
+                <a:shade val="90000"/>
+                <a:lumMod val="103000"/>
+              </a:schemeClr>
+            </a:gs>
+            <a:gs pos="100000">
+              <a:schemeClr val="phClr">
+                <a:shade val="63000"/>
+                <a:satMod val="120000"/>
+              </a:schemeClr>
+            </a:gs>
+          </a:gsLst>
+          <a:lin ang="5400000" scaled="0"/>
+        </a:gradFill>
+      </a:bgFillStyleLst>
+    </a:fmtScheme>
+  </a:themeElements>
+  <a:objectDefaults/>
+  <a:extraClrSchemeLst/>
+  <a:extLst>
+    <a:ext uri="{05A4C25C-085E-4340-85A3-A5531E510DB2}">
+      <thm15:themeFamily xmlns:thm15="http://schemas.microsoft.com/office/thememl/2012/main" name="Office Theme" id="{62F939B6-93AF-4DB8-9C6B-D6C7DFDC589F}" vid="{4A3C46E8-61CC-4603-A589-7422A47A8E4A}"/>
+    </a:ext>
+  </a:extLst>
+</a:theme>
 </file>
--- a/pre_wangyu.pptx
+++ b/pre_wangyu.pptx
@@ -1154,7 +1154,7 @@
           </a:ln>
           <a:extLst>
             <a:ext uri="{91240B29-F687-4f45-9708-019B960494DF}">
-              <a14:hiddenLine xmlns="" xmlns:a14="http://schemas.microsoft.com/office/drawing/2010/main" w="12700" cap="flat">
+              <a14:hiddenLine xmlns:a14="http://schemas.microsoft.com/office/drawing/2010/main" xmlns="" w="12700" cap="flat">
                 <a:solidFill>
                   <a:schemeClr val="tx1"/>
                 </a:solidFill>
@@ -1197,7 +1197,7 @@
           </a:ln>
           <a:extLst>
             <a:ext uri="{91240B29-F687-4f45-9708-019B960494DF}">
-              <a14:hiddenLine xmlns="" xmlns:a14="http://schemas.microsoft.com/office/drawing/2010/main" w="12700" cap="flat">
+              <a14:hiddenLine xmlns:a14="http://schemas.microsoft.com/office/drawing/2010/main" xmlns="" w="12700" cap="flat">
                 <a:solidFill>
                   <a:schemeClr val="tx1"/>
                 </a:solidFill>
@@ -1243,14 +1243,14 @@
               <ma14:placeholderFlag xmlns:ma14="http://schemas.microsoft.com/office/mac/drawingml/2011/main" val="1"/>
             </a:ext>
             <a:ext uri="{909E8E84-426E-40dd-AFC4-6F175D3DCCD1}">
-              <a14:hiddenFill xmlns="" xmlns:a14="http://schemas.microsoft.com/office/drawing/2010/main">
+              <a14:hiddenFill xmlns:a14="http://schemas.microsoft.com/office/drawing/2010/main" xmlns="">
                 <a:solidFill>
                   <a:srgbClr val="FFFFFF"/>
                 </a:solidFill>
               </a14:hiddenFill>
             </a:ext>
             <a:ext uri="{91240B29-F687-4f45-9708-019B960494DF}">
-              <a14:hiddenLine xmlns="" xmlns:a14="http://schemas.microsoft.com/office/drawing/2010/main" w="12700">
+              <a14:hiddenLine xmlns:a14="http://schemas.microsoft.com/office/drawing/2010/main" xmlns="" w="12700">
                 <a:solidFill>
                   <a:schemeClr val="tx1"/>
                 </a:solidFill>
@@ -1309,14 +1309,14 @@
               <ma14:placeholderFlag xmlns:ma14="http://schemas.microsoft.com/office/mac/drawingml/2011/main" val="1"/>
             </a:ext>
             <a:ext uri="{909E8E84-426E-40dd-AFC4-6F175D3DCCD1}">
-              <a14:hiddenFill xmlns="" xmlns:a14="http://schemas.microsoft.com/office/drawing/2010/main">
+              <a14:hiddenFill xmlns:a14="http://schemas.microsoft.com/office/drawing/2010/main" xmlns="">
                 <a:solidFill>
                   <a:srgbClr val="FFFFFF"/>
                 </a:solidFill>
               </a14:hiddenFill>
             </a:ext>
             <a:ext uri="{91240B29-F687-4f45-9708-019B960494DF}">
-              <a14:hiddenLine xmlns="" xmlns:a14="http://schemas.microsoft.com/office/drawing/2010/main" w="12700">
+              <a14:hiddenLine xmlns:a14="http://schemas.microsoft.com/office/drawing/2010/main" xmlns="" w="12700">
                 <a:solidFill>
                   <a:schemeClr val="tx1"/>
                 </a:solidFill>
@@ -1888,7 +1888,7 @@
           </a:ln>
           <a:extLst>
             <a:ext uri="{91240B29-F687-4f45-9708-019B960494DF}">
-              <a14:hiddenLine xmlns="" xmlns:a14="http://schemas.microsoft.com/office/drawing/2010/main" w="12700" cap="flat">
+              <a14:hiddenLine xmlns:a14="http://schemas.microsoft.com/office/drawing/2010/main" xmlns="" w="12700" cap="flat">
                 <a:solidFill>
                   <a:schemeClr val="tx1"/>
                 </a:solidFill>
@@ -1931,7 +1931,7 @@
           </a:ln>
           <a:extLst>
             <a:ext uri="{91240B29-F687-4f45-9708-019B960494DF}">
-              <a14:hiddenLine xmlns="" xmlns:a14="http://schemas.microsoft.com/office/drawing/2010/main" w="12700" cap="flat">
+              <a14:hiddenLine xmlns:a14="http://schemas.microsoft.com/office/drawing/2010/main" xmlns="" w="12700" cap="flat">
                 <a:solidFill>
                   <a:schemeClr val="tx1"/>
                 </a:solidFill>
@@ -1977,14 +1977,14 @@
               <ma14:placeholderFlag xmlns:ma14="http://schemas.microsoft.com/office/mac/drawingml/2011/main" val="1"/>
             </a:ext>
             <a:ext uri="{909E8E84-426E-40dd-AFC4-6F175D3DCCD1}">
-              <a14:hiddenFill xmlns="" xmlns:a14="http://schemas.microsoft.com/office/drawing/2010/main">
+              <a14:hiddenFill xmlns:a14="http://schemas.microsoft.com/office/drawing/2010/main" xmlns="">
                 <a:solidFill>
                   <a:srgbClr val="FFFFFF"/>
                 </a:solidFill>
               </a14:hiddenFill>
             </a:ext>
             <a:ext uri="{91240B29-F687-4f45-9708-019B960494DF}">
-              <a14:hiddenLine xmlns="" xmlns:a14="http://schemas.microsoft.com/office/drawing/2010/main" w="12700">
+              <a14:hiddenLine xmlns:a14="http://schemas.microsoft.com/office/drawing/2010/main" xmlns="" w="12700">
                 <a:solidFill>
                   <a:schemeClr val="tx1"/>
                 </a:solidFill>
@@ -2040,14 +2040,14 @@
               <ma14:placeholderFlag xmlns:ma14="http://schemas.microsoft.com/office/mac/drawingml/2011/main" val="1"/>
             </a:ext>
             <a:ext uri="{909E8E84-426E-40dd-AFC4-6F175D3DCCD1}">
-              <a14:hiddenFill xmlns="" xmlns:a14="http://schemas.microsoft.com/office/drawing/2010/main">
+              <a14:hiddenFill xmlns:a14="http://schemas.microsoft.com/office/drawing/2010/main" xmlns="">
                 <a:solidFill>
                   <a:srgbClr val="FFFFFF"/>
                 </a:solidFill>
               </a14:hiddenFill>
             </a:ext>
             <a:ext uri="{91240B29-F687-4f45-9708-019B960494DF}">
-              <a14:hiddenLine xmlns="" xmlns:a14="http://schemas.microsoft.com/office/drawing/2010/main" w="12700">
+              <a14:hiddenLine xmlns:a14="http://schemas.microsoft.com/office/drawing/2010/main" xmlns="" w="12700">
                 <a:solidFill>
                   <a:schemeClr val="tx1"/>
                 </a:solidFill>
@@ -2136,7 +2136,7 @@
           </a:ln>
           <a:extLst>
             <a:ext uri="{91240B29-F687-4f45-9708-019B960494DF}">
-              <a14:hiddenLine xmlns="" xmlns:a14="http://schemas.microsoft.com/office/drawing/2010/main" w="12700" cap="flat">
+              <a14:hiddenLine xmlns:a14="http://schemas.microsoft.com/office/drawing/2010/main" xmlns="" w="12700" cap="flat">
                 <a:solidFill>
                   <a:schemeClr val="tx1"/>
                 </a:solidFill>
@@ -2820,7 +2820,7 @@
           </a:ln>
           <a:extLst>
             <a:ext uri="{91240B29-F687-4f45-9708-019B960494DF}">
-              <a14:hiddenLine xmlns="" xmlns:a14="http://schemas.microsoft.com/office/drawing/2010/main" w="12700" cap="flat">
+              <a14:hiddenLine xmlns:a14="http://schemas.microsoft.com/office/drawing/2010/main" xmlns="" w="12700" cap="flat">
                 <a:solidFill>
                   <a:schemeClr val="tx1"/>
                 </a:solidFill>
@@ -2863,7 +2863,7 @@
           </a:ln>
           <a:extLst>
             <a:ext uri="{91240B29-F687-4f45-9708-019B960494DF}">
-              <a14:hiddenLine xmlns="" xmlns:a14="http://schemas.microsoft.com/office/drawing/2010/main" w="12700" cap="flat">
+              <a14:hiddenLine xmlns:a14="http://schemas.microsoft.com/office/drawing/2010/main" xmlns="" w="12700" cap="flat">
                 <a:solidFill>
                   <a:schemeClr val="tx1"/>
                 </a:solidFill>
@@ -2909,14 +2909,14 @@
               <ma14:placeholderFlag xmlns:ma14="http://schemas.microsoft.com/office/mac/drawingml/2011/main" val="1"/>
             </a:ext>
             <a:ext uri="{909E8E84-426E-40dd-AFC4-6F175D3DCCD1}">
-              <a14:hiddenFill xmlns="" xmlns:a14="http://schemas.microsoft.com/office/drawing/2010/main">
+              <a14:hiddenFill xmlns:a14="http://schemas.microsoft.com/office/drawing/2010/main" xmlns="">
                 <a:solidFill>
                   <a:srgbClr val="FFFFFF"/>
                 </a:solidFill>
               </a14:hiddenFill>
             </a:ext>
             <a:ext uri="{91240B29-F687-4f45-9708-019B960494DF}">
-              <a14:hiddenLine xmlns="" xmlns:a14="http://schemas.microsoft.com/office/drawing/2010/main" w="12700">
+              <a14:hiddenLine xmlns:a14="http://schemas.microsoft.com/office/drawing/2010/main" xmlns="" w="12700">
                 <a:solidFill>
                   <a:schemeClr val="tx1"/>
                 </a:solidFill>
@@ -2972,14 +2972,14 @@
               <ma14:placeholderFlag xmlns:ma14="http://schemas.microsoft.com/office/mac/drawingml/2011/main" val="1"/>
             </a:ext>
             <a:ext uri="{909E8E84-426E-40dd-AFC4-6F175D3DCCD1}">
-              <a14:hiddenFill xmlns="" xmlns:a14="http://schemas.microsoft.com/office/drawing/2010/main">
+              <a14:hiddenFill xmlns:a14="http://schemas.microsoft.com/office/drawing/2010/main" xmlns="">
                 <a:solidFill>
                   <a:srgbClr val="FFFFFF"/>
                 </a:solidFill>
               </a14:hiddenFill>
             </a:ext>
             <a:ext uri="{91240B29-F687-4f45-9708-019B960494DF}">
-              <a14:hiddenLine xmlns="" xmlns:a14="http://schemas.microsoft.com/office/drawing/2010/main" w="12700">
+              <a14:hiddenLine xmlns:a14="http://schemas.microsoft.com/office/drawing/2010/main" xmlns="" w="12700">
                 <a:solidFill>
                   <a:schemeClr val="tx1"/>
                 </a:solidFill>
@@ -3709,7 +3709,7 @@
           </a:ln>
           <a:extLst>
             <a:ext uri="{91240B29-F687-4f45-9708-019B960494DF}">
-              <a14:hiddenLine xmlns="" xmlns:a14="http://schemas.microsoft.com/office/drawing/2010/main" w="12700" cap="flat">
+              <a14:hiddenLine xmlns:a14="http://schemas.microsoft.com/office/drawing/2010/main" xmlns="" w="12700" cap="flat">
                 <a:solidFill>
                   <a:schemeClr val="tx1"/>
                 </a:solidFill>
@@ -3752,7 +3752,7 @@
           </a:ln>
           <a:extLst>
             <a:ext uri="{91240B29-F687-4f45-9708-019B960494DF}">
-              <a14:hiddenLine xmlns="" xmlns:a14="http://schemas.microsoft.com/office/drawing/2010/main" w="12700" cap="flat">
+              <a14:hiddenLine xmlns:a14="http://schemas.microsoft.com/office/drawing/2010/main" xmlns="" w="12700" cap="flat">
                 <a:solidFill>
                   <a:schemeClr val="tx1"/>
                 </a:solidFill>
@@ -3798,14 +3798,14 @@
               <ma14:placeholderFlag xmlns:ma14="http://schemas.microsoft.com/office/mac/drawingml/2011/main" val="1"/>
             </a:ext>
             <a:ext uri="{909E8E84-426E-40dd-AFC4-6F175D3DCCD1}">
-              <a14:hiddenFill xmlns="" xmlns:a14="http://schemas.microsoft.com/office/drawing/2010/main">
+              <a14:hiddenFill xmlns:a14="http://schemas.microsoft.com/office/drawing/2010/main" xmlns="">
                 <a:solidFill>
                   <a:srgbClr val="FFFFFF"/>
                 </a:solidFill>
               </a14:hiddenFill>
             </a:ext>
             <a:ext uri="{91240B29-F687-4f45-9708-019B960494DF}">
-              <a14:hiddenLine xmlns="" xmlns:a14="http://schemas.microsoft.com/office/drawing/2010/main" w="12700">
+              <a14:hiddenLine xmlns:a14="http://schemas.microsoft.com/office/drawing/2010/main" xmlns="" w="12700">
                 <a:solidFill>
                   <a:schemeClr val="tx1"/>
                 </a:solidFill>
@@ -3861,14 +3861,14 @@
               <ma14:placeholderFlag xmlns:ma14="http://schemas.microsoft.com/office/mac/drawingml/2011/main" val="1"/>
             </a:ext>
             <a:ext uri="{909E8E84-426E-40dd-AFC4-6F175D3DCCD1}">
-              <a14:hiddenFill xmlns="" xmlns:a14="http://schemas.microsoft.com/office/drawing/2010/main">
+              <a14:hiddenFill xmlns:a14="http://schemas.microsoft.com/office/drawing/2010/main" xmlns="">
                 <a:solidFill>
                   <a:srgbClr val="FFFFFF"/>
                 </a:solidFill>
               </a14:hiddenFill>
             </a:ext>
             <a:ext uri="{91240B29-F687-4f45-9708-019B960494DF}">
-              <a14:hiddenLine xmlns="" xmlns:a14="http://schemas.microsoft.com/office/drawing/2010/main" w="12700">
+              <a14:hiddenLine xmlns:a14="http://schemas.microsoft.com/office/drawing/2010/main" xmlns="" w="12700">
                 <a:solidFill>
                   <a:schemeClr val="tx1"/>
                 </a:solidFill>
@@ -4802,14 +4802,14 @@
               <ma14:placeholderFlag xmlns:ma14="http://schemas.microsoft.com/office/mac/drawingml/2011/main" val="1"/>
             </a:ext>
             <a:ext uri="{909E8E84-426E-40dd-AFC4-6F175D3DCCD1}">
-              <a14:hiddenFill xmlns="" xmlns:a14="http://schemas.microsoft.com/office/drawing/2010/main">
+              <a14:hiddenFill xmlns:a14="http://schemas.microsoft.com/office/drawing/2010/main" xmlns="">
                 <a:solidFill>
                   <a:srgbClr val="FFFFFF"/>
                 </a:solidFill>
               </a14:hiddenFill>
             </a:ext>
             <a:ext uri="{91240B29-F687-4f45-9708-019B960494DF}">
-              <a14:hiddenLine xmlns="" xmlns:a14="http://schemas.microsoft.com/office/drawing/2010/main" w="12700">
+              <a14:hiddenLine xmlns:a14="http://schemas.microsoft.com/office/drawing/2010/main" xmlns="" w="12700">
                 <a:solidFill>
                   <a:schemeClr val="tx1"/>
                 </a:solidFill>
@@ -5024,7 +5024,7 @@
           <a:effectLst/>
           <a:extLst>
             <a:ext uri="{91240B29-F687-4f45-9708-019B960494DF}">
-              <a14:hiddenLine xmlns="" xmlns:a14="http://schemas.microsoft.com/office/drawing/2010/main" w="12700" cap="flat" cmpd="sng" algn="ctr">
+              <a14:hiddenLine xmlns:a14="http://schemas.microsoft.com/office/drawing/2010/main" xmlns="" w="12700" cap="flat" cmpd="sng" algn="ctr">
                 <a:solidFill>
                   <a:srgbClr val="000000"/>
                 </a:solidFill>
@@ -5035,7 +5035,7 @@
               </a14:hiddenLine>
             </a:ext>
             <a:ext uri="{AF507438-7753-43e0-B8FC-AC1667EBCBE1}">
-              <a14:hiddenEffects xmlns="" xmlns:a14="http://schemas.microsoft.com/office/drawing/2010/main">
+              <a14:hiddenEffects xmlns:a14="http://schemas.microsoft.com/office/drawing/2010/main" xmlns="">
                 <a:effectLst>
                   <a:outerShdw blurRad="63500" dist="38099" dir="2700000" algn="ctr" rotWithShape="0">
                     <a:schemeClr val="bg2">
@@ -5115,7 +5115,7 @@
             <a:effectLst/>
             <a:extLst>
               <a:ext uri="{91240B29-F687-4f45-9708-019B960494DF}">
-                <a14:hiddenLine xmlns="" xmlns:a14="http://schemas.microsoft.com/office/drawing/2010/main" w="12700" cap="flat" cmpd="sng" algn="ctr">
+                <a14:hiddenLine xmlns:a14="http://schemas.microsoft.com/office/drawing/2010/main" xmlns="" w="12700" cap="flat" cmpd="sng" algn="ctr">
                   <a:solidFill>
                     <a:srgbClr val="000000"/>
                   </a:solidFill>
@@ -5126,7 +5126,7 @@
                 </a14:hiddenLine>
               </a:ext>
               <a:ext uri="{AF507438-7753-43e0-B8FC-AC1667EBCBE1}">
-                <a14:hiddenEffects xmlns="" xmlns:a14="http://schemas.microsoft.com/office/drawing/2010/main">
+                <a14:hiddenEffects xmlns:a14="http://schemas.microsoft.com/office/drawing/2010/main" xmlns="">
                   <a:effectLst>
                     <a:outerShdw blurRad="63500" dist="38099" dir="2700000" algn="ctr" rotWithShape="0">
                       <a:schemeClr val="bg2">
@@ -5387,14 +5387,14 @@
               <ma14:placeholderFlag xmlns:ma14="http://schemas.microsoft.com/office/mac/drawingml/2011/main" val="1"/>
             </a:ext>
             <a:ext uri="{909E8E84-426E-40dd-AFC4-6F175D3DCCD1}">
-              <a14:hiddenFill xmlns="" xmlns:a14="http://schemas.microsoft.com/office/drawing/2010/main">
+              <a14:hiddenFill xmlns:a14="http://schemas.microsoft.com/office/drawing/2010/main" xmlns="">
                 <a:solidFill>
                   <a:srgbClr val="FFFFFF"/>
                 </a:solidFill>
               </a14:hiddenFill>
             </a:ext>
             <a:ext uri="{91240B29-F687-4f45-9708-019B960494DF}">
-              <a14:hiddenLine xmlns="" xmlns:a14="http://schemas.microsoft.com/office/drawing/2010/main" w="12700">
+              <a14:hiddenLine xmlns:a14="http://schemas.microsoft.com/office/drawing/2010/main" xmlns="" w="12700">
                 <a:solidFill>
                   <a:schemeClr val="tx1"/>
                 </a:solidFill>
@@ -5912,14 +5912,14 @@
               <ma14:placeholderFlag xmlns:ma14="http://schemas.microsoft.com/office/mac/drawingml/2011/main" val="1"/>
             </a:ext>
             <a:ext uri="{909E8E84-426E-40dd-AFC4-6F175D3DCCD1}">
-              <a14:hiddenFill xmlns="" xmlns:a14="http://schemas.microsoft.com/office/drawing/2010/main">
+              <a14:hiddenFill xmlns:a14="http://schemas.microsoft.com/office/drawing/2010/main" xmlns="">
                 <a:solidFill>
                   <a:srgbClr val="FFFFFF"/>
                 </a:solidFill>
               </a14:hiddenFill>
             </a:ext>
             <a:ext uri="{91240B29-F687-4f45-9708-019B960494DF}">
-              <a14:hiddenLine xmlns="" xmlns:a14="http://schemas.microsoft.com/office/drawing/2010/main" w="12700">
+              <a14:hiddenLine xmlns:a14="http://schemas.microsoft.com/office/drawing/2010/main" xmlns="" w="12700">
                 <a:solidFill>
                   <a:schemeClr val="tx1"/>
                 </a:solidFill>
@@ -6134,7 +6134,7 @@
           <a:effectLst/>
           <a:extLst>
             <a:ext uri="{91240B29-F687-4f45-9708-019B960494DF}">
-              <a14:hiddenLine xmlns="" xmlns:a14="http://schemas.microsoft.com/office/drawing/2010/main" w="12700" cap="flat" cmpd="sng" algn="ctr">
+              <a14:hiddenLine xmlns:a14="http://schemas.microsoft.com/office/drawing/2010/main" xmlns="" w="12700" cap="flat" cmpd="sng" algn="ctr">
                 <a:solidFill>
                   <a:srgbClr val="000000"/>
                 </a:solidFill>
@@ -6145,7 +6145,7 @@
               </a14:hiddenLine>
             </a:ext>
             <a:ext uri="{AF507438-7753-43e0-B8FC-AC1667EBCBE1}">
-              <a14:hiddenEffects xmlns="" xmlns:a14="http://schemas.microsoft.com/office/drawing/2010/main">
+              <a14:hiddenEffects xmlns:a14="http://schemas.microsoft.com/office/drawing/2010/main" xmlns="">
                 <a:effectLst>
                   <a:outerShdw blurRad="63500" dist="38099" dir="2700000" algn="ctr" rotWithShape="0">
                     <a:schemeClr val="bg2">
@@ -6183,14 +6183,14 @@
               <ma14:placeholderFlag xmlns:ma14="http://schemas.microsoft.com/office/mac/drawingml/2011/main" val="1"/>
             </a:ext>
             <a:ext uri="{909E8E84-426E-40dd-AFC4-6F175D3DCCD1}">
-              <a14:hiddenFill xmlns="" xmlns:a14="http://schemas.microsoft.com/office/drawing/2010/main">
+              <a14:hiddenFill xmlns:a14="http://schemas.microsoft.com/office/drawing/2010/main" xmlns="">
                 <a:solidFill>
                   <a:srgbClr val="FFFFFF"/>
                 </a:solidFill>
               </a14:hiddenFill>
             </a:ext>
             <a:ext uri="{91240B29-F687-4f45-9708-019B960494DF}">
-              <a14:hiddenLine xmlns="" xmlns:a14="http://schemas.microsoft.com/office/drawing/2010/main" w="12700">
+              <a14:hiddenLine xmlns:a14="http://schemas.microsoft.com/office/drawing/2010/main" xmlns="" w="12700">
                 <a:solidFill>
                   <a:schemeClr val="tx1"/>
                 </a:solidFill>
@@ -6618,14 +6618,14 @@
               <ma14:placeholderFlag xmlns:ma14="http://schemas.microsoft.com/office/mac/drawingml/2011/main" val="1"/>
             </a:ext>
             <a:ext uri="{909E8E84-426E-40dd-AFC4-6F175D3DCCD1}">
-              <a14:hiddenFill xmlns="" xmlns:a14="http://schemas.microsoft.com/office/drawing/2010/main">
+              <a14:hiddenFill xmlns:a14="http://schemas.microsoft.com/office/drawing/2010/main" xmlns="">
                 <a:solidFill>
                   <a:srgbClr val="FFFFFF"/>
                 </a:solidFill>
               </a14:hiddenFill>
             </a:ext>
             <a:ext uri="{91240B29-F687-4f45-9708-019B960494DF}">
-              <a14:hiddenLine xmlns="" xmlns:a14="http://schemas.microsoft.com/office/drawing/2010/main" w="12700">
+              <a14:hiddenLine xmlns:a14="http://schemas.microsoft.com/office/drawing/2010/main" xmlns="" w="12700">
                 <a:solidFill>
                   <a:schemeClr val="tx1"/>
                 </a:solidFill>
@@ -7451,14 +7451,14 @@
               <ma14:placeholderFlag xmlns:ma14="http://schemas.microsoft.com/office/mac/drawingml/2011/main" val="1"/>
             </a:ext>
             <a:ext uri="{909E8E84-426E-40dd-AFC4-6F175D3DCCD1}">
-              <a14:hiddenFill xmlns="" xmlns:a14="http://schemas.microsoft.com/office/drawing/2010/main">
+              <a14:hiddenFill xmlns:a14="http://schemas.microsoft.com/office/drawing/2010/main" xmlns="">
                 <a:solidFill>
                   <a:srgbClr val="FFFFFF"/>
                 </a:solidFill>
               </a14:hiddenFill>
             </a:ext>
             <a:ext uri="{91240B29-F687-4f45-9708-019B960494DF}">
-              <a14:hiddenLine xmlns="" xmlns:a14="http://schemas.microsoft.com/office/drawing/2010/main" w="12700">
+              <a14:hiddenLine xmlns:a14="http://schemas.microsoft.com/office/drawing/2010/main" xmlns="" w="12700">
                 <a:solidFill>
                   <a:schemeClr val="tx1"/>
                 </a:solidFill>
@@ -7673,7 +7673,7 @@
           <a:effectLst/>
           <a:extLst>
             <a:ext uri="{91240B29-F687-4f45-9708-019B960494DF}">
-              <a14:hiddenLine xmlns="" xmlns:a14="http://schemas.microsoft.com/office/drawing/2010/main" w="12700" cap="flat" cmpd="sng" algn="ctr">
+              <a14:hiddenLine xmlns:a14="http://schemas.microsoft.com/office/drawing/2010/main" xmlns="" w="12700" cap="flat" cmpd="sng" algn="ctr">
                 <a:solidFill>
                   <a:srgbClr val="000000"/>
                 </a:solidFill>
@@ -7684,7 +7684,7 @@
               </a14:hiddenLine>
             </a:ext>
             <a:ext uri="{AF507438-7753-43e0-B8FC-AC1667EBCBE1}">
-              <a14:hiddenEffects xmlns="" xmlns:a14="http://schemas.microsoft.com/office/drawing/2010/main">
+              <a14:hiddenEffects xmlns:a14="http://schemas.microsoft.com/office/drawing/2010/main" xmlns="">
                 <a:effectLst>
                   <a:outerShdw blurRad="63500" dist="38099" dir="2700000" algn="ctr" rotWithShape="0">
                     <a:schemeClr val="bg2">
@@ -7722,14 +7722,14 @@
               <ma14:placeholderFlag xmlns:ma14="http://schemas.microsoft.com/office/mac/drawingml/2011/main" val="1"/>
             </a:ext>
             <a:ext uri="{909E8E84-426E-40dd-AFC4-6F175D3DCCD1}">
-              <a14:hiddenFill xmlns="" xmlns:a14="http://schemas.microsoft.com/office/drawing/2010/main">
+              <a14:hiddenFill xmlns:a14="http://schemas.microsoft.com/office/drawing/2010/main" xmlns="">
                 <a:solidFill>
                   <a:srgbClr val="FFFFFF"/>
                 </a:solidFill>
               </a14:hiddenFill>
             </a:ext>
             <a:ext uri="{91240B29-F687-4f45-9708-019B960494DF}">
-              <a14:hiddenLine xmlns="" xmlns:a14="http://schemas.microsoft.com/office/drawing/2010/main" w="12700">
+              <a14:hiddenLine xmlns:a14="http://schemas.microsoft.com/office/drawing/2010/main" xmlns="" w="12700">
                 <a:solidFill>
                   <a:schemeClr val="tx1"/>
                 </a:solidFill>
@@ -8157,14 +8157,14 @@
               <ma14:placeholderFlag xmlns:ma14="http://schemas.microsoft.com/office/mac/drawingml/2011/main" val="1"/>
             </a:ext>
             <a:ext uri="{909E8E84-426E-40dd-AFC4-6F175D3DCCD1}">
-              <a14:hiddenFill xmlns="" xmlns:a14="http://schemas.microsoft.com/office/drawing/2010/main">
+              <a14:hiddenFill xmlns:a14="http://schemas.microsoft.com/office/drawing/2010/main" xmlns="">
                 <a:solidFill>
                   <a:srgbClr val="FFFFFF"/>
                 </a:solidFill>
               </a14:hiddenFill>
             </a:ext>
             <a:ext uri="{91240B29-F687-4f45-9708-019B960494DF}">
-              <a14:hiddenLine xmlns="" xmlns:a14="http://schemas.microsoft.com/office/drawing/2010/main" w="12700">
+              <a14:hiddenLine xmlns:a14="http://schemas.microsoft.com/office/drawing/2010/main" xmlns="" w="12700">
                 <a:solidFill>
                   <a:schemeClr val="tx1"/>
                 </a:solidFill>
@@ -8713,14 +8713,14 @@
               <ma14:placeholderFlag xmlns:ma14="http://schemas.microsoft.com/office/mac/drawingml/2011/main" val="1"/>
             </a:ext>
             <a:ext uri="{909E8E84-426E-40dd-AFC4-6F175D3DCCD1}">
-              <a14:hiddenFill xmlns="" xmlns:a14="http://schemas.microsoft.com/office/drawing/2010/main">
+              <a14:hiddenFill xmlns:a14="http://schemas.microsoft.com/office/drawing/2010/main" xmlns="">
                 <a:solidFill>
                   <a:srgbClr val="FFFFFF"/>
                 </a:solidFill>
               </a14:hiddenFill>
             </a:ext>
             <a:ext uri="{91240B29-F687-4f45-9708-019B960494DF}">
-              <a14:hiddenLine xmlns="" xmlns:a14="http://schemas.microsoft.com/office/drawing/2010/main" w="12700">
+              <a14:hiddenLine xmlns:a14="http://schemas.microsoft.com/office/drawing/2010/main" xmlns="" w="12700">
                 <a:solidFill>
                   <a:schemeClr val="tx1"/>
                 </a:solidFill>
@@ -8935,7 +8935,7 @@
           <a:effectLst/>
           <a:extLst>
             <a:ext uri="{91240B29-F687-4f45-9708-019B960494DF}">
-              <a14:hiddenLine xmlns="" xmlns:a14="http://schemas.microsoft.com/office/drawing/2010/main" w="12700" cap="flat" cmpd="sng" algn="ctr">
+              <a14:hiddenLine xmlns:a14="http://schemas.microsoft.com/office/drawing/2010/main" xmlns="" w="12700" cap="flat" cmpd="sng" algn="ctr">
                 <a:solidFill>
                   <a:srgbClr val="000000"/>
                 </a:solidFill>
@@ -8946,7 +8946,7 @@
               </a14:hiddenLine>
             </a:ext>
             <a:ext uri="{AF507438-7753-43e0-B8FC-AC1667EBCBE1}">
-              <a14:hiddenEffects xmlns="" xmlns:a14="http://schemas.microsoft.com/office/drawing/2010/main">
+              <a14:hiddenEffects xmlns:a14="http://schemas.microsoft.com/office/drawing/2010/main" xmlns="">
                 <a:effectLst>
                   <a:outerShdw blurRad="63500" dist="38099" dir="2700000" algn="ctr" rotWithShape="0">
                     <a:schemeClr val="bg2">
@@ -8984,14 +8984,14 @@
               <ma14:placeholderFlag xmlns:ma14="http://schemas.microsoft.com/office/mac/drawingml/2011/main" val="1"/>
             </a:ext>
             <a:ext uri="{909E8E84-426E-40dd-AFC4-6F175D3DCCD1}">
-              <a14:hiddenFill xmlns="" xmlns:a14="http://schemas.microsoft.com/office/drawing/2010/main">
+              <a14:hiddenFill xmlns:a14="http://schemas.microsoft.com/office/drawing/2010/main" xmlns="">
                 <a:solidFill>
                   <a:srgbClr val="FFFFFF"/>
                 </a:solidFill>
               </a14:hiddenFill>
             </a:ext>
             <a:ext uri="{91240B29-F687-4f45-9708-019B960494DF}">
-              <a14:hiddenLine xmlns="" xmlns:a14="http://schemas.microsoft.com/office/drawing/2010/main" w="12700">
+              <a14:hiddenLine xmlns:a14="http://schemas.microsoft.com/office/drawing/2010/main" xmlns="" w="12700">
                 <a:solidFill>
                   <a:schemeClr val="tx1"/>
                 </a:solidFill>
@@ -9419,14 +9419,14 @@
               <ma14:placeholderFlag xmlns:ma14="http://schemas.microsoft.com/office/mac/drawingml/2011/main" val="1"/>
             </a:ext>
             <a:ext uri="{909E8E84-426E-40dd-AFC4-6F175D3DCCD1}">
-              <a14:hiddenFill xmlns="" xmlns:a14="http://schemas.microsoft.com/office/drawing/2010/main">
+              <a14:hiddenFill xmlns:a14="http://schemas.microsoft.com/office/drawing/2010/main" xmlns="">
                 <a:solidFill>
                   <a:srgbClr val="FFFFFF"/>
                 </a:solidFill>
               </a14:hiddenFill>
             </a:ext>
             <a:ext uri="{91240B29-F687-4f45-9708-019B960494DF}">
-              <a14:hiddenLine xmlns="" xmlns:a14="http://schemas.microsoft.com/office/drawing/2010/main" w="12700">
+              <a14:hiddenLine xmlns:a14="http://schemas.microsoft.com/office/drawing/2010/main" xmlns="" w="12700">
                 <a:solidFill>
                   <a:schemeClr val="tx1"/>
                 </a:solidFill>
@@ -9922,7 +9922,7 @@
             <a:effectLst/>
             <a:extLst>
               <a:ext uri="{91240B29-F687-4f45-9708-019B960494DF}">
-                <a14:hiddenLine xmlns="" xmlns:a14="http://schemas.microsoft.com/office/drawing/2010/main" w="12700" cap="flat" cmpd="sng" algn="ctr">
+                <a14:hiddenLine xmlns:a14="http://schemas.microsoft.com/office/drawing/2010/main" xmlns="" w="12700" cap="flat" cmpd="sng" algn="ctr">
                   <a:solidFill>
                     <a:srgbClr val="000000"/>
                   </a:solidFill>
@@ -9933,7 +9933,7 @@
                 </a14:hiddenLine>
               </a:ext>
               <a:ext uri="{AF507438-7753-43e0-B8FC-AC1667EBCBE1}">
-                <a14:hiddenEffects xmlns="" xmlns:a14="http://schemas.microsoft.com/office/drawing/2010/main">
+                <a14:hiddenEffects xmlns:a14="http://schemas.microsoft.com/office/drawing/2010/main" xmlns="">
                   <a:effectLst>
                     <a:outerShdw blurRad="63500" dist="38099" dir="2700000" algn="ctr" rotWithShape="0">
                       <a:schemeClr val="bg2">
@@ -10171,14 +10171,14 @@
               <ma14:placeholderFlag xmlns:ma14="http://schemas.microsoft.com/office/mac/drawingml/2011/main" val="1"/>
             </a:ext>
             <a:ext uri="{909E8E84-426E-40dd-AFC4-6F175D3DCCD1}">
-              <a14:hiddenFill xmlns="" xmlns:a14="http://schemas.microsoft.com/office/drawing/2010/main">
+              <a14:hiddenFill xmlns:a14="http://schemas.microsoft.com/office/drawing/2010/main" xmlns="">
                 <a:solidFill>
                   <a:srgbClr val="FFFFFF"/>
                 </a:solidFill>
               </a14:hiddenFill>
             </a:ext>
             <a:ext uri="{91240B29-F687-4f45-9708-019B960494DF}">
-              <a14:hiddenLine xmlns="" xmlns:a14="http://schemas.microsoft.com/office/drawing/2010/main" w="12700">
+              <a14:hiddenLine xmlns:a14="http://schemas.microsoft.com/office/drawing/2010/main" xmlns="" w="12700">
                 <a:solidFill>
                   <a:schemeClr val="tx1"/>
                 </a:solidFill>
@@ -10393,7 +10393,7 @@
           <a:effectLst/>
           <a:extLst>
             <a:ext uri="{91240B29-F687-4f45-9708-019B960494DF}">
-              <a14:hiddenLine xmlns="" xmlns:a14="http://schemas.microsoft.com/office/drawing/2010/main" w="12700" cap="flat" cmpd="sng" algn="ctr">
+              <a14:hiddenLine xmlns:a14="http://schemas.microsoft.com/office/drawing/2010/main" xmlns="" w="12700" cap="flat" cmpd="sng" algn="ctr">
                 <a:solidFill>
                   <a:srgbClr val="000000"/>
                 </a:solidFill>
@@ -10404,7 +10404,7 @@
               </a14:hiddenLine>
             </a:ext>
             <a:ext uri="{AF507438-7753-43e0-B8FC-AC1667EBCBE1}">
-              <a14:hiddenEffects xmlns="" xmlns:a14="http://schemas.microsoft.com/office/drawing/2010/main">
+              <a14:hiddenEffects xmlns:a14="http://schemas.microsoft.com/office/drawing/2010/main" xmlns="">
                 <a:effectLst>
                   <a:outerShdw blurRad="63500" dist="38099" dir="2700000" algn="ctr" rotWithShape="0">
                     <a:schemeClr val="bg2">
@@ -10442,14 +10442,14 @@
               <ma14:placeholderFlag xmlns:ma14="http://schemas.microsoft.com/office/mac/drawingml/2011/main" val="1"/>
             </a:ext>
             <a:ext uri="{909E8E84-426E-40dd-AFC4-6F175D3DCCD1}">
-              <a14:hiddenFill xmlns="" xmlns:a14="http://schemas.microsoft.com/office/drawing/2010/main">
+              <a14:hiddenFill xmlns:a14="http://schemas.microsoft.com/office/drawing/2010/main" xmlns="">
                 <a:solidFill>
                   <a:srgbClr val="FFFFFF"/>
                 </a:solidFill>
               </a14:hiddenFill>
             </a:ext>
             <a:ext uri="{91240B29-F687-4f45-9708-019B960494DF}">
-              <a14:hiddenLine xmlns="" xmlns:a14="http://schemas.microsoft.com/office/drawing/2010/main" w="12700">
+              <a14:hiddenLine xmlns:a14="http://schemas.microsoft.com/office/drawing/2010/main" xmlns="" w="12700">
                 <a:solidFill>
                   <a:schemeClr val="tx1"/>
                 </a:solidFill>
@@ -10877,14 +10877,14 @@
               <ma14:placeholderFlag xmlns:ma14="http://schemas.microsoft.com/office/mac/drawingml/2011/main" val="1"/>
             </a:ext>
             <a:ext uri="{909E8E84-426E-40dd-AFC4-6F175D3DCCD1}">
-              <a14:hiddenFill xmlns="" xmlns:a14="http://schemas.microsoft.com/office/drawing/2010/main">
+              <a14:hiddenFill xmlns:a14="http://schemas.microsoft.com/office/drawing/2010/main" xmlns="">
                 <a:solidFill>
                   <a:srgbClr val="FFFFFF"/>
                 </a:solidFill>
               </a14:hiddenFill>
             </a:ext>
             <a:ext uri="{91240B29-F687-4f45-9708-019B960494DF}">
-              <a14:hiddenLine xmlns="" xmlns:a14="http://schemas.microsoft.com/office/drawing/2010/main" w="12700">
+              <a14:hiddenLine xmlns:a14="http://schemas.microsoft.com/office/drawing/2010/main" xmlns="" w="12700">
                 <a:solidFill>
                   <a:schemeClr val="tx1"/>
                 </a:solidFill>
@@ -11393,7 +11393,7 @@
             <a:effectLst/>
             <a:extLst>
               <a:ext uri="{91240B29-F687-4f45-9708-019B960494DF}">
-                <a14:hiddenLine xmlns="" xmlns:a14="http://schemas.microsoft.com/office/drawing/2010/main" w="12700" cap="flat" cmpd="sng" algn="ctr">
+                <a14:hiddenLine xmlns:a14="http://schemas.microsoft.com/office/drawing/2010/main" xmlns="" w="12700" cap="flat" cmpd="sng" algn="ctr">
                   <a:solidFill>
                     <a:srgbClr val="000000"/>
                   </a:solidFill>
@@ -11404,7 +11404,7 @@
                 </a14:hiddenLine>
               </a:ext>
               <a:ext uri="{AF507438-7753-43e0-B8FC-AC1667EBCBE1}">
-                <a14:hiddenEffects xmlns="" xmlns:a14="http://schemas.microsoft.com/office/drawing/2010/main">
+                <a14:hiddenEffects xmlns:a14="http://schemas.microsoft.com/office/drawing/2010/main" xmlns="">
                   <a:effectLst>
                     <a:outerShdw blurRad="63500" dist="38099" dir="2700000" algn="ctr" rotWithShape="0">
                       <a:schemeClr val="bg2">
@@ -11817,14 +11817,14 @@
               <ma14:placeholderFlag xmlns:ma14="http://schemas.microsoft.com/office/mac/drawingml/2011/main" val="1"/>
             </a:ext>
             <a:ext uri="{909E8E84-426E-40dd-AFC4-6F175D3DCCD1}">
-              <a14:hiddenFill xmlns="" xmlns:a14="http://schemas.microsoft.com/office/drawing/2010/main">
+              <a14:hiddenFill xmlns:a14="http://schemas.microsoft.com/office/drawing/2010/main" xmlns="">
                 <a:solidFill>
                   <a:srgbClr val="FFFFFF"/>
                 </a:solidFill>
               </a14:hiddenFill>
             </a:ext>
             <a:ext uri="{91240B29-F687-4f45-9708-019B960494DF}">
-              <a14:hiddenLine xmlns="" xmlns:a14="http://schemas.microsoft.com/office/drawing/2010/main" w="12700">
+              <a14:hiddenLine xmlns:a14="http://schemas.microsoft.com/office/drawing/2010/main" xmlns="" w="12700">
                 <a:solidFill>
                   <a:schemeClr val="tx1"/>
                 </a:solidFill>
@@ -12039,7 +12039,7 @@
           <a:effectLst/>
           <a:extLst>
             <a:ext uri="{91240B29-F687-4f45-9708-019B960494DF}">
-              <a14:hiddenLine xmlns="" xmlns:a14="http://schemas.microsoft.com/office/drawing/2010/main" w="12700" cap="flat" cmpd="sng" algn="ctr">
+              <a14:hiddenLine xmlns:a14="http://schemas.microsoft.com/office/drawing/2010/main" xmlns="" w="12700" cap="flat" cmpd="sng" algn="ctr">
                 <a:solidFill>
                   <a:srgbClr val="000000"/>
                 </a:solidFill>
@@ -12050,7 +12050,7 @@
               </a14:hiddenLine>
             </a:ext>
             <a:ext uri="{AF507438-7753-43e0-B8FC-AC1667EBCBE1}">
-              <a14:hiddenEffects xmlns="" xmlns:a14="http://schemas.microsoft.com/office/drawing/2010/main">
+              <a14:hiddenEffects xmlns:a14="http://schemas.microsoft.com/office/drawing/2010/main" xmlns="">
                 <a:effectLst>
                   <a:outerShdw blurRad="63500" dist="38099" dir="2700000" algn="ctr" rotWithShape="0">
                     <a:schemeClr val="bg2">
@@ -12088,14 +12088,14 @@
               <ma14:placeholderFlag xmlns:ma14="http://schemas.microsoft.com/office/mac/drawingml/2011/main" val="1"/>
             </a:ext>
             <a:ext uri="{909E8E84-426E-40dd-AFC4-6F175D3DCCD1}">
-              <a14:hiddenFill xmlns="" xmlns:a14="http://schemas.microsoft.com/office/drawing/2010/main">
+              <a14:hiddenFill xmlns:a14="http://schemas.microsoft.com/office/drawing/2010/main" xmlns="">
                 <a:solidFill>
                   <a:srgbClr val="FFFFFF"/>
                 </a:solidFill>
               </a14:hiddenFill>
             </a:ext>
             <a:ext uri="{91240B29-F687-4f45-9708-019B960494DF}">
-              <a14:hiddenLine xmlns="" xmlns:a14="http://schemas.microsoft.com/office/drawing/2010/main" w="12700">
+              <a14:hiddenLine xmlns:a14="http://schemas.microsoft.com/office/drawing/2010/main" xmlns="" w="12700">
                 <a:solidFill>
                   <a:schemeClr val="tx1"/>
                 </a:solidFill>
@@ -12523,14 +12523,14 @@
               <ma14:placeholderFlag xmlns:ma14="http://schemas.microsoft.com/office/mac/drawingml/2011/main" val="1"/>
             </a:ext>
             <a:ext uri="{909E8E84-426E-40dd-AFC4-6F175D3DCCD1}">
-              <a14:hiddenFill xmlns="" xmlns:a14="http://schemas.microsoft.com/office/drawing/2010/main">
+              <a14:hiddenFill xmlns:a14="http://schemas.microsoft.com/office/drawing/2010/main" xmlns="">
                 <a:solidFill>
                   <a:srgbClr val="FFFFFF"/>
                 </a:solidFill>
               </a14:hiddenFill>
             </a:ext>
             <a:ext uri="{91240B29-F687-4f45-9708-019B960494DF}">
-              <a14:hiddenLine xmlns="" xmlns:a14="http://schemas.microsoft.com/office/drawing/2010/main" w="12700">
+              <a14:hiddenLine xmlns:a14="http://schemas.microsoft.com/office/drawing/2010/main" xmlns="" w="12700">
                 <a:solidFill>
                   <a:schemeClr val="tx1"/>
                 </a:solidFill>
@@ -12921,14 +12921,14 @@
               <ma14:placeholderFlag xmlns:ma14="http://schemas.microsoft.com/office/mac/drawingml/2011/main" val="1"/>
             </a:ext>
             <a:ext uri="{909E8E84-426E-40dd-AFC4-6F175D3DCCD1}">
-              <a14:hiddenFill xmlns="" xmlns:a14="http://schemas.microsoft.com/office/drawing/2010/main">
+              <a14:hiddenFill xmlns:a14="http://schemas.microsoft.com/office/drawing/2010/main" xmlns="">
                 <a:solidFill>
                   <a:srgbClr val="FFFFFF"/>
                 </a:solidFill>
               </a14:hiddenFill>
             </a:ext>
             <a:ext uri="{91240B29-F687-4f45-9708-019B960494DF}">
-              <a14:hiddenLine xmlns="" xmlns:a14="http://schemas.microsoft.com/office/drawing/2010/main" w="12700">
+              <a14:hiddenLine xmlns:a14="http://schemas.microsoft.com/office/drawing/2010/main" xmlns="" w="12700">
                 <a:solidFill>
                   <a:schemeClr val="tx1"/>
                 </a:solidFill>
@@ -13143,7 +13143,7 @@
           <a:effectLst/>
           <a:extLst>
             <a:ext uri="{91240B29-F687-4f45-9708-019B960494DF}">
-              <a14:hiddenLine xmlns="" xmlns:a14="http://schemas.microsoft.com/office/drawing/2010/main" w="12700" cap="flat" cmpd="sng" algn="ctr">
+              <a14:hiddenLine xmlns:a14="http://schemas.microsoft.com/office/drawing/2010/main" xmlns="" w="12700" cap="flat" cmpd="sng" algn="ctr">
                 <a:solidFill>
                   <a:srgbClr val="000000"/>
                 </a:solidFill>
@@ -13154,7 +13154,7 @@
               </a14:hiddenLine>
             </a:ext>
             <a:ext uri="{AF507438-7753-43e0-B8FC-AC1667EBCBE1}">
-              <a14:hiddenEffects xmlns="" xmlns:a14="http://schemas.microsoft.com/office/drawing/2010/main">
+              <a14:hiddenEffects xmlns:a14="http://schemas.microsoft.com/office/drawing/2010/main" xmlns="">
                 <a:effectLst>
                   <a:outerShdw blurRad="63500" dist="38099" dir="2700000" algn="ctr" rotWithShape="0">
                     <a:schemeClr val="bg2">
@@ -13192,14 +13192,14 @@
               <ma14:placeholderFlag xmlns:ma14="http://schemas.microsoft.com/office/mac/drawingml/2011/main" val="1"/>
             </a:ext>
             <a:ext uri="{909E8E84-426E-40dd-AFC4-6F175D3DCCD1}">
-              <a14:hiddenFill xmlns="" xmlns:a14="http://schemas.microsoft.com/office/drawing/2010/main">
+              <a14:hiddenFill xmlns:a14="http://schemas.microsoft.com/office/drawing/2010/main" xmlns="">
                 <a:solidFill>
                   <a:srgbClr val="FFFFFF"/>
                 </a:solidFill>
               </a14:hiddenFill>
             </a:ext>
             <a:ext uri="{91240B29-F687-4f45-9708-019B960494DF}">
-              <a14:hiddenLine xmlns="" xmlns:a14="http://schemas.microsoft.com/office/drawing/2010/main" w="12700">
+              <a14:hiddenLine xmlns:a14="http://schemas.microsoft.com/office/drawing/2010/main" xmlns="" w="12700">
                 <a:solidFill>
                   <a:schemeClr val="tx1"/>
                 </a:solidFill>
@@ -13627,14 +13627,14 @@
               <ma14:placeholderFlag xmlns:ma14="http://schemas.microsoft.com/office/mac/drawingml/2011/main" val="1"/>
             </a:ext>
             <a:ext uri="{909E8E84-426E-40dd-AFC4-6F175D3DCCD1}">
-              <a14:hiddenFill xmlns="" xmlns:a14="http://schemas.microsoft.com/office/drawing/2010/main">
+              <a14:hiddenFill xmlns:a14="http://schemas.microsoft.com/office/drawing/2010/main" xmlns="">
                 <a:solidFill>
                   <a:srgbClr val="FFFFFF"/>
                 </a:solidFill>
               </a14:hiddenFill>
             </a:ext>
             <a:ext uri="{91240B29-F687-4f45-9708-019B960494DF}">
-              <a14:hiddenLine xmlns="" xmlns:a14="http://schemas.microsoft.com/office/drawing/2010/main" w="12700">
+              <a14:hiddenLine xmlns:a14="http://schemas.microsoft.com/office/drawing/2010/main" xmlns="" w="12700">
                 <a:solidFill>
                   <a:schemeClr val="tx1"/>
                 </a:solidFill>
@@ -14185,14 +14185,14 @@
               <ma14:placeholderFlag xmlns:ma14="http://schemas.microsoft.com/office/mac/drawingml/2011/main" val="1"/>
             </a:ext>
             <a:ext uri="{909E8E84-426E-40dd-AFC4-6F175D3DCCD1}">
-              <a14:hiddenFill xmlns="" xmlns:a14="http://schemas.microsoft.com/office/drawing/2010/main">
+              <a14:hiddenFill xmlns:a14="http://schemas.microsoft.com/office/drawing/2010/main" xmlns="">
                 <a:solidFill>
                   <a:srgbClr val="FFFFFF"/>
                 </a:solidFill>
               </a14:hiddenFill>
             </a:ext>
             <a:ext uri="{91240B29-F687-4f45-9708-019B960494DF}">
-              <a14:hiddenLine xmlns="" xmlns:a14="http://schemas.microsoft.com/office/drawing/2010/main" w="12700">
+              <a14:hiddenLine xmlns:a14="http://schemas.microsoft.com/office/drawing/2010/main" xmlns="" w="12700">
                 <a:solidFill>
                   <a:schemeClr val="tx1"/>
                 </a:solidFill>
@@ -14407,7 +14407,7 @@
           <a:effectLst/>
           <a:extLst>
             <a:ext uri="{91240B29-F687-4f45-9708-019B960494DF}">
-              <a14:hiddenLine xmlns="" xmlns:a14="http://schemas.microsoft.com/office/drawing/2010/main" w="12700" cap="flat" cmpd="sng" algn="ctr">
+              <a14:hiddenLine xmlns:a14="http://schemas.microsoft.com/office/drawing/2010/main" xmlns="" w="12700" cap="flat" cmpd="sng" algn="ctr">
                 <a:solidFill>
                   <a:srgbClr val="000000"/>
                 </a:solidFill>
@@ -14418,7 +14418,7 @@
               </a14:hiddenLine>
             </a:ext>
             <a:ext uri="{AF507438-7753-43e0-B8FC-AC1667EBCBE1}">
-              <a14:hiddenEffects xmlns="" xmlns:a14="http://schemas.microsoft.com/office/drawing/2010/main">
+              <a14:hiddenEffects xmlns:a14="http://schemas.microsoft.com/office/drawing/2010/main" xmlns="">
                 <a:effectLst>
                   <a:outerShdw blurRad="63500" dist="38099" dir="2700000" algn="ctr" rotWithShape="0">
                     <a:schemeClr val="bg2">
@@ -14456,14 +14456,14 @@
               <ma14:placeholderFlag xmlns:ma14="http://schemas.microsoft.com/office/mac/drawingml/2011/main" val="1"/>
             </a:ext>
             <a:ext uri="{909E8E84-426E-40dd-AFC4-6F175D3DCCD1}">
-              <a14:hiddenFill xmlns="" xmlns:a14="http://schemas.microsoft.com/office/drawing/2010/main">
+              <a14:hiddenFill xmlns:a14="http://schemas.microsoft.com/office/drawing/2010/main" xmlns="">
                 <a:solidFill>
                   <a:srgbClr val="FFFFFF"/>
                 </a:solidFill>
               </a14:hiddenFill>
             </a:ext>
             <a:ext uri="{91240B29-F687-4f45-9708-019B960494DF}">
-              <a14:hiddenLine xmlns="" xmlns:a14="http://schemas.microsoft.com/office/drawing/2010/main" w="12700">
+              <a14:hiddenLine xmlns:a14="http://schemas.microsoft.com/office/drawing/2010/main" xmlns="" w="12700">
                 <a:solidFill>
                   <a:schemeClr val="tx1"/>
                 </a:solidFill>
@@ -14891,14 +14891,14 @@
               <ma14:placeholderFlag xmlns:ma14="http://schemas.microsoft.com/office/mac/drawingml/2011/main" val="1"/>
             </a:ext>
             <a:ext uri="{909E8E84-426E-40dd-AFC4-6F175D3DCCD1}">
-              <a14:hiddenFill xmlns="" xmlns:a14="http://schemas.microsoft.com/office/drawing/2010/main">
+              <a14:hiddenFill xmlns:a14="http://schemas.microsoft.com/office/drawing/2010/main" xmlns="">
                 <a:solidFill>
                   <a:srgbClr val="FFFFFF"/>
                 </a:solidFill>
               </a14:hiddenFill>
             </a:ext>
             <a:ext uri="{91240B29-F687-4f45-9708-019B960494DF}">
-              <a14:hiddenLine xmlns="" xmlns:a14="http://schemas.microsoft.com/office/drawing/2010/main" w="12700">
+              <a14:hiddenLine xmlns:a14="http://schemas.microsoft.com/office/drawing/2010/main" xmlns="" w="12700">
                 <a:solidFill>
                   <a:schemeClr val="tx1"/>
                 </a:solidFill>
@@ -15754,14 +15754,14 @@
               <ma14:placeholderFlag xmlns:ma14="http://schemas.microsoft.com/office/mac/drawingml/2011/main" val="1"/>
             </a:ext>
             <a:ext uri="{909E8E84-426E-40dd-AFC4-6F175D3DCCD1}">
-              <a14:hiddenFill xmlns="" xmlns:a14="http://schemas.microsoft.com/office/drawing/2010/main">
+              <a14:hiddenFill xmlns:a14="http://schemas.microsoft.com/office/drawing/2010/main" xmlns="">
                 <a:solidFill>
                   <a:srgbClr val="FFFFFF"/>
                 </a:solidFill>
               </a14:hiddenFill>
             </a:ext>
             <a:ext uri="{91240B29-F687-4f45-9708-019B960494DF}">
-              <a14:hiddenLine xmlns="" xmlns:a14="http://schemas.microsoft.com/office/drawing/2010/main" w="12700">
+              <a14:hiddenLine xmlns:a14="http://schemas.microsoft.com/office/drawing/2010/main" xmlns="" w="12700">
                 <a:solidFill>
                   <a:schemeClr val="tx1"/>
                 </a:solidFill>
@@ -15976,7 +15976,7 @@
           <a:effectLst/>
           <a:extLst>
             <a:ext uri="{91240B29-F687-4f45-9708-019B960494DF}">
-              <a14:hiddenLine xmlns="" xmlns:a14="http://schemas.microsoft.com/office/drawing/2010/main" w="12700" cap="flat" cmpd="sng" algn="ctr">
+              <a14:hiddenLine xmlns:a14="http://schemas.microsoft.com/office/drawing/2010/main" xmlns="" w="12700" cap="flat" cmpd="sng" algn="ctr">
                 <a:solidFill>
                   <a:srgbClr val="000000"/>
                 </a:solidFill>
@@ -15987,7 +15987,7 @@
               </a14:hiddenLine>
             </a:ext>
             <a:ext uri="{AF507438-7753-43e0-B8FC-AC1667EBCBE1}">
-              <a14:hiddenEffects xmlns="" xmlns:a14="http://schemas.microsoft.com/office/drawing/2010/main">
+              <a14:hiddenEffects xmlns:a14="http://schemas.microsoft.com/office/drawing/2010/main" xmlns="">
                 <a:effectLst>
                   <a:outerShdw blurRad="63500" dist="38099" dir="2700000" algn="ctr" rotWithShape="0">
                     <a:schemeClr val="bg2">
@@ -16025,14 +16025,14 @@
               <ma14:placeholderFlag xmlns:ma14="http://schemas.microsoft.com/office/mac/drawingml/2011/main" val="1"/>
             </a:ext>
             <a:ext uri="{909E8E84-426E-40dd-AFC4-6F175D3DCCD1}">
-              <a14:hiddenFill xmlns="" xmlns:a14="http://schemas.microsoft.com/office/drawing/2010/main">
+              <a14:hiddenFill xmlns:a14="http://schemas.microsoft.com/office/drawing/2010/main" xmlns="">
                 <a:solidFill>
                   <a:srgbClr val="FFFFFF"/>
                 </a:solidFill>
               </a14:hiddenFill>
             </a:ext>
             <a:ext uri="{91240B29-F687-4f45-9708-019B960494DF}">
-              <a14:hiddenLine xmlns="" xmlns:a14="http://schemas.microsoft.com/office/drawing/2010/main" w="12700">
+              <a14:hiddenLine xmlns:a14="http://schemas.microsoft.com/office/drawing/2010/main" xmlns="" w="12700">
                 <a:solidFill>
                   <a:schemeClr val="tx1"/>
                 </a:solidFill>
@@ -16460,14 +16460,14 @@
               <ma14:placeholderFlag xmlns:ma14="http://schemas.microsoft.com/office/mac/drawingml/2011/main" val="1"/>
             </a:ext>
             <a:ext uri="{909E8E84-426E-40dd-AFC4-6F175D3DCCD1}">
-              <a14:hiddenFill xmlns="" xmlns:a14="http://schemas.microsoft.com/office/drawing/2010/main">
+              <a14:hiddenFill xmlns:a14="http://schemas.microsoft.com/office/drawing/2010/main" xmlns="">
                 <a:solidFill>
                   <a:srgbClr val="FFFFFF"/>
                 </a:solidFill>
               </a14:hiddenFill>
             </a:ext>
             <a:ext uri="{91240B29-F687-4f45-9708-019B960494DF}">
-              <a14:hiddenLine xmlns="" xmlns:a14="http://schemas.microsoft.com/office/drawing/2010/main" w="12700">
+              <a14:hiddenLine xmlns:a14="http://schemas.microsoft.com/office/drawing/2010/main" xmlns="" w="12700">
                 <a:solidFill>
                   <a:schemeClr val="tx1"/>
                 </a:solidFill>
@@ -16954,14 +16954,14 @@
               <ma14:placeholderFlag xmlns:ma14="http://schemas.microsoft.com/office/mac/drawingml/2011/main" val="1"/>
             </a:ext>
             <a:ext uri="{909E8E84-426E-40dd-AFC4-6F175D3DCCD1}">
-              <a14:hiddenFill xmlns="" xmlns:a14="http://schemas.microsoft.com/office/drawing/2010/main">
+              <a14:hiddenFill xmlns:a14="http://schemas.microsoft.com/office/drawing/2010/main" xmlns="">
                 <a:solidFill>
                   <a:srgbClr val="FFFFFF"/>
                 </a:solidFill>
               </a14:hiddenFill>
             </a:ext>
             <a:ext uri="{91240B29-F687-4f45-9708-019B960494DF}">
-              <a14:hiddenLine xmlns="" xmlns:a14="http://schemas.microsoft.com/office/drawing/2010/main" w="12700">
+              <a14:hiddenLine xmlns:a14="http://schemas.microsoft.com/office/drawing/2010/main" xmlns="" w="12700">
                 <a:solidFill>
                   <a:schemeClr val="tx1"/>
                 </a:solidFill>
@@ -17388,14 +17388,14 @@
               <ma14:placeholderFlag xmlns:ma14="http://schemas.microsoft.com/office/mac/drawingml/2011/main" val="1"/>
             </a:ext>
             <a:ext uri="{909E8E84-426E-40dd-AFC4-6F175D3DCCD1}">
-              <a14:hiddenFill xmlns="" xmlns:a14="http://schemas.microsoft.com/office/drawing/2010/main">
+              <a14:hiddenFill xmlns:a14="http://schemas.microsoft.com/office/drawing/2010/main" xmlns="">
                 <a:solidFill>
                   <a:srgbClr val="FFFFFF"/>
                 </a:solidFill>
               </a14:hiddenFill>
             </a:ext>
             <a:ext uri="{91240B29-F687-4f45-9708-019B960494DF}">
-              <a14:hiddenLine xmlns="" xmlns:a14="http://schemas.microsoft.com/office/drawing/2010/main" w="12700">
+              <a14:hiddenLine xmlns:a14="http://schemas.microsoft.com/office/drawing/2010/main" xmlns="" w="12700">
                 <a:solidFill>
                   <a:schemeClr val="tx1"/>
                 </a:solidFill>
@@ -17610,7 +17610,7 @@
           <a:effectLst/>
           <a:extLst>
             <a:ext uri="{91240B29-F687-4f45-9708-019B960494DF}">
-              <a14:hiddenLine xmlns="" xmlns:a14="http://schemas.microsoft.com/office/drawing/2010/main" w="12700" cap="flat" cmpd="sng" algn="ctr">
+              <a14:hiddenLine xmlns:a14="http://schemas.microsoft.com/office/drawing/2010/main" xmlns="" w="12700" cap="flat" cmpd="sng" algn="ctr">
                 <a:solidFill>
                   <a:srgbClr val="000000"/>
                 </a:solidFill>
@@ -17621,7 +17621,7 @@
               </a14:hiddenLine>
             </a:ext>
             <a:ext uri="{AF507438-7753-43e0-B8FC-AC1667EBCBE1}">
-              <a14:hiddenEffects xmlns="" xmlns:a14="http://schemas.microsoft.com/office/drawing/2010/main">
+              <a14:hiddenEffects xmlns:a14="http://schemas.microsoft.com/office/drawing/2010/main" xmlns="">
                 <a:effectLst>
                   <a:outerShdw blurRad="63500" dist="38099" dir="2700000" algn="ctr" rotWithShape="0">
                     <a:schemeClr val="bg2">
@@ -17659,14 +17659,14 @@
               <ma14:placeholderFlag xmlns:ma14="http://schemas.microsoft.com/office/mac/drawingml/2011/main" val="1"/>
             </a:ext>
             <a:ext uri="{909E8E84-426E-40dd-AFC4-6F175D3DCCD1}">
-              <a14:hiddenFill xmlns="" xmlns:a14="http://schemas.microsoft.com/office/drawing/2010/main">
+              <a14:hiddenFill xmlns:a14="http://schemas.microsoft.com/office/drawing/2010/main" xmlns="">
                 <a:solidFill>
                   <a:srgbClr val="FFFFFF"/>
                 </a:solidFill>
               </a14:hiddenFill>
             </a:ext>
             <a:ext uri="{91240B29-F687-4f45-9708-019B960494DF}">
-              <a14:hiddenLine xmlns="" xmlns:a14="http://schemas.microsoft.com/office/drawing/2010/main" w="12700">
+              <a14:hiddenLine xmlns:a14="http://schemas.microsoft.com/office/drawing/2010/main" xmlns="" w="12700">
                 <a:solidFill>
                   <a:schemeClr val="tx1"/>
                 </a:solidFill>
@@ -18228,14 +18228,14 @@
               <ma14:placeholderFlag xmlns:ma14="http://schemas.microsoft.com/office/mac/drawingml/2011/main" val="1"/>
             </a:ext>
             <a:ext uri="{909E8E84-426E-40dd-AFC4-6F175D3DCCD1}">
-              <a14:hiddenFill xmlns="" xmlns:a14="http://schemas.microsoft.com/office/drawing/2010/main">
+              <a14:hiddenFill xmlns:a14="http://schemas.microsoft.com/office/drawing/2010/main" xmlns="">
                 <a:solidFill>
                   <a:srgbClr val="FFFFFF"/>
                 </a:solidFill>
               </a14:hiddenFill>
             </a:ext>
             <a:ext uri="{91240B29-F687-4f45-9708-019B960494DF}">
-              <a14:hiddenLine xmlns="" xmlns:a14="http://schemas.microsoft.com/office/drawing/2010/main" w="12700">
+              <a14:hiddenLine xmlns:a14="http://schemas.microsoft.com/office/drawing/2010/main" xmlns="" w="12700">
                 <a:solidFill>
                   <a:schemeClr val="tx1"/>
                 </a:solidFill>
@@ -18450,7 +18450,7 @@
           <a:effectLst/>
           <a:extLst>
             <a:ext uri="{91240B29-F687-4f45-9708-019B960494DF}">
-              <a14:hiddenLine xmlns="" xmlns:a14="http://schemas.microsoft.com/office/drawing/2010/main" w="12700" cap="flat" cmpd="sng" algn="ctr">
+              <a14:hiddenLine xmlns:a14="http://schemas.microsoft.com/office/drawing/2010/main" xmlns="" w="12700" cap="flat" cmpd="sng" algn="ctr">
                 <a:solidFill>
                   <a:srgbClr val="000000"/>
                 </a:solidFill>
@@ -18461,7 +18461,7 @@
               </a14:hiddenLine>
             </a:ext>
             <a:ext uri="{AF507438-7753-43e0-B8FC-AC1667EBCBE1}">
-              <a14:hiddenEffects xmlns="" xmlns:a14="http://schemas.microsoft.com/office/drawing/2010/main">
+              <a14:hiddenEffects xmlns:a14="http://schemas.microsoft.com/office/drawing/2010/main" xmlns="">
                 <a:effectLst>
                   <a:outerShdw blurRad="63500" dist="38099" dir="2700000" algn="ctr" rotWithShape="0">
                     <a:schemeClr val="bg2">
@@ -18499,14 +18499,14 @@
               <ma14:placeholderFlag xmlns:ma14="http://schemas.microsoft.com/office/mac/drawingml/2011/main" val="1"/>
             </a:ext>
             <a:ext uri="{909E8E84-426E-40dd-AFC4-6F175D3DCCD1}">
-              <a14:hiddenFill xmlns="" xmlns:a14="http://schemas.microsoft.com/office/drawing/2010/main">
+              <a14:hiddenFill xmlns:a14="http://schemas.microsoft.com/office/drawing/2010/main" xmlns="">
                 <a:solidFill>
                   <a:srgbClr val="FFFFFF"/>
                 </a:solidFill>
               </a14:hiddenFill>
             </a:ext>
             <a:ext uri="{91240B29-F687-4f45-9708-019B960494DF}">
-              <a14:hiddenLine xmlns="" xmlns:a14="http://schemas.microsoft.com/office/drawing/2010/main" w="12700">
+              <a14:hiddenLine xmlns:a14="http://schemas.microsoft.com/office/drawing/2010/main" xmlns="" w="12700">
                 <a:solidFill>
                   <a:schemeClr val="tx1"/>
                 </a:solidFill>
@@ -18928,14 +18928,14 @@
               <ma14:placeholderFlag xmlns:ma14="http://schemas.microsoft.com/office/mac/drawingml/2011/main" val="1"/>
             </a:ext>
             <a:ext uri="{909E8E84-426E-40dd-AFC4-6F175D3DCCD1}">
-              <a14:hiddenFill xmlns="" xmlns:a14="http://schemas.microsoft.com/office/drawing/2010/main">
+              <a14:hiddenFill xmlns:a14="http://schemas.microsoft.com/office/drawing/2010/main" xmlns="">
                 <a:solidFill>
                   <a:srgbClr val="FFFFFF"/>
                 </a:solidFill>
               </a14:hiddenFill>
             </a:ext>
             <a:ext uri="{91240B29-F687-4f45-9708-019B960494DF}">
-              <a14:hiddenLine xmlns="" xmlns:a14="http://schemas.microsoft.com/office/drawing/2010/main" w="12700">
+              <a14:hiddenLine xmlns:a14="http://schemas.microsoft.com/office/drawing/2010/main" xmlns="" w="12700">
                 <a:solidFill>
                   <a:schemeClr val="tx1"/>
                 </a:solidFill>
@@ -20140,14 +20140,14 @@
               <ma14:placeholderFlag xmlns:ma14="http://schemas.microsoft.com/office/mac/drawingml/2011/main" val="1"/>
             </a:ext>
             <a:ext uri="{909E8E84-426E-40dd-AFC4-6F175D3DCCD1}">
-              <a14:hiddenFill xmlns="" xmlns:a14="http://schemas.microsoft.com/office/drawing/2010/main">
+              <a14:hiddenFill xmlns:a14="http://schemas.microsoft.com/office/drawing/2010/main" xmlns="">
                 <a:solidFill>
                   <a:srgbClr val="FFFFFF"/>
                 </a:solidFill>
               </a14:hiddenFill>
             </a:ext>
             <a:ext uri="{91240B29-F687-4f45-9708-019B960494DF}">
-              <a14:hiddenLine xmlns="" xmlns:a14="http://schemas.microsoft.com/office/drawing/2010/main" w="12700">
+              <a14:hiddenLine xmlns:a14="http://schemas.microsoft.com/office/drawing/2010/main" xmlns="" w="12700">
                 <a:solidFill>
                   <a:schemeClr val="tx1"/>
                 </a:solidFill>
@@ -20362,7 +20362,7 @@
           <a:effectLst/>
           <a:extLst>
             <a:ext uri="{91240B29-F687-4f45-9708-019B960494DF}">
-              <a14:hiddenLine xmlns="" xmlns:a14="http://schemas.microsoft.com/office/drawing/2010/main" w="12700" cap="flat" cmpd="sng" algn="ctr">
+              <a14:hiddenLine xmlns:a14="http://schemas.microsoft.com/office/drawing/2010/main" xmlns="" w="12700" cap="flat" cmpd="sng" algn="ctr">
                 <a:solidFill>
                   <a:srgbClr val="000000"/>
                 </a:solidFill>
@@ -20373,7 +20373,7 @@
               </a14:hiddenLine>
             </a:ext>
             <a:ext uri="{AF507438-7753-43e0-B8FC-AC1667EBCBE1}">
-              <a14:hiddenEffects xmlns="" xmlns:a14="http://schemas.microsoft.com/office/drawing/2010/main">
+              <a14:hiddenEffects xmlns:a14="http://schemas.microsoft.com/office/drawing/2010/main" xmlns="">
                 <a:effectLst>
                   <a:outerShdw blurRad="63500" dist="38099" dir="2700000" algn="ctr" rotWithShape="0">
                     <a:schemeClr val="bg2">
@@ -20411,14 +20411,14 @@
               <ma14:placeholderFlag xmlns:ma14="http://schemas.microsoft.com/office/mac/drawingml/2011/main" val="1"/>
             </a:ext>
             <a:ext uri="{909E8E84-426E-40dd-AFC4-6F175D3DCCD1}">
-              <a14:hiddenFill xmlns="" xmlns:a14="http://schemas.microsoft.com/office/drawing/2010/main">
+              <a14:hiddenFill xmlns:a14="http://schemas.microsoft.com/office/drawing/2010/main" xmlns="">
                 <a:solidFill>
                   <a:srgbClr val="FFFFFF"/>
                 </a:solidFill>
               </a14:hiddenFill>
             </a:ext>
             <a:ext uri="{91240B29-F687-4f45-9708-019B960494DF}">
-              <a14:hiddenLine xmlns="" xmlns:a14="http://schemas.microsoft.com/office/drawing/2010/main" w="12700">
+              <a14:hiddenLine xmlns:a14="http://schemas.microsoft.com/office/drawing/2010/main" xmlns="" w="12700">
                 <a:solidFill>
                   <a:schemeClr val="tx1"/>
                 </a:solidFill>
@@ -20852,7 +20852,7 @@
             <a:effectLst/>
             <a:extLst>
               <a:ext uri="{91240B29-F687-4f45-9708-019B960494DF}">
-                <a14:hiddenLine xmlns="" xmlns:a14="http://schemas.microsoft.com/office/drawing/2010/main" w="12700" cap="flat" cmpd="sng" algn="ctr">
+                <a14:hiddenLine xmlns:a14="http://schemas.microsoft.com/office/drawing/2010/main" xmlns="" w="12700" cap="flat" cmpd="sng" algn="ctr">
                   <a:solidFill>
                     <a:srgbClr val="000000"/>
                   </a:solidFill>
@@ -20863,7 +20863,7 @@
                 </a14:hiddenLine>
               </a:ext>
               <a:ext uri="{AF507438-7753-43e0-B8FC-AC1667EBCBE1}">
-                <a14:hiddenEffects xmlns="" xmlns:a14="http://schemas.microsoft.com/office/drawing/2010/main">
+                <a14:hiddenEffects xmlns:a14="http://schemas.microsoft.com/office/drawing/2010/main" xmlns="">
                   <a:effectLst>
                     <a:outerShdw blurRad="63500" dist="38099" dir="2700000" algn="ctr" rotWithShape="0">
                       <a:schemeClr val="bg2">
@@ -21131,14 +21131,14 @@
               <ma14:placeholderFlag xmlns:ma14="http://schemas.microsoft.com/office/mac/drawingml/2011/main" val="1"/>
             </a:ext>
             <a:ext uri="{909E8E84-426E-40dd-AFC4-6F175D3DCCD1}">
-              <a14:hiddenFill xmlns="" xmlns:a14="http://schemas.microsoft.com/office/drawing/2010/main">
+              <a14:hiddenFill xmlns:a14="http://schemas.microsoft.com/office/drawing/2010/main" xmlns="">
                 <a:solidFill>
                   <a:srgbClr val="FFFFFF"/>
                 </a:solidFill>
               </a14:hiddenFill>
             </a:ext>
             <a:ext uri="{91240B29-F687-4f45-9708-019B960494DF}">
-              <a14:hiddenLine xmlns="" xmlns:a14="http://schemas.microsoft.com/office/drawing/2010/main" w="12700">
+              <a14:hiddenLine xmlns:a14="http://schemas.microsoft.com/office/drawing/2010/main" xmlns="" w="12700">
                 <a:solidFill>
                   <a:schemeClr val="tx1"/>
                 </a:solidFill>
@@ -21353,7 +21353,7 @@
           <a:effectLst/>
           <a:extLst>
             <a:ext uri="{91240B29-F687-4f45-9708-019B960494DF}">
-              <a14:hiddenLine xmlns="" xmlns:a14="http://schemas.microsoft.com/office/drawing/2010/main" w="12700" cap="flat" cmpd="sng" algn="ctr">
+              <a14:hiddenLine xmlns:a14="http://schemas.microsoft.com/office/drawing/2010/main" xmlns="" w="12700" cap="flat" cmpd="sng" algn="ctr">
                 <a:solidFill>
                   <a:srgbClr val="000000"/>
                 </a:solidFill>
@@ -21364,7 +21364,7 @@
               </a14:hiddenLine>
             </a:ext>
             <a:ext uri="{AF507438-7753-43e0-B8FC-AC1667EBCBE1}">
-              <a14:hiddenEffects xmlns="" xmlns:a14="http://schemas.microsoft.com/office/drawing/2010/main">
+              <a14:hiddenEffects xmlns:a14="http://schemas.microsoft.com/office/drawing/2010/main" xmlns="">
                 <a:effectLst>
                   <a:outerShdw blurRad="63500" dist="38099" dir="2700000" algn="ctr" rotWithShape="0">
                     <a:schemeClr val="bg2">
@@ -21402,14 +21402,14 @@
               <ma14:placeholderFlag xmlns:ma14="http://schemas.microsoft.com/office/mac/drawingml/2011/main" val="1"/>
             </a:ext>
             <a:ext uri="{909E8E84-426E-40dd-AFC4-6F175D3DCCD1}">
-              <a14:hiddenFill xmlns="" xmlns:a14="http://schemas.microsoft.com/office/drawing/2010/main">
+              <a14:hiddenFill xmlns:a14="http://schemas.microsoft.com/office/drawing/2010/main" xmlns="">
                 <a:solidFill>
                   <a:srgbClr val="FFFFFF"/>
                 </a:solidFill>
               </a14:hiddenFill>
             </a:ext>
             <a:ext uri="{91240B29-F687-4f45-9708-019B960494DF}">
-              <a14:hiddenLine xmlns="" xmlns:a14="http://schemas.microsoft.com/office/drawing/2010/main" w="12700">
+              <a14:hiddenLine xmlns:a14="http://schemas.microsoft.com/office/drawing/2010/main" xmlns="" w="12700">
                 <a:solidFill>
                   <a:schemeClr val="tx1"/>
                 </a:solidFill>
@@ -22205,14 +22205,14 @@
               <ma14:placeholderFlag xmlns:ma14="http://schemas.microsoft.com/office/mac/drawingml/2011/main" val="1"/>
             </a:ext>
             <a:ext uri="{909E8E84-426E-40dd-AFC4-6F175D3DCCD1}">
-              <a14:hiddenFill xmlns="" xmlns:a14="http://schemas.microsoft.com/office/drawing/2010/main">
+              <a14:hiddenFill xmlns:a14="http://schemas.microsoft.com/office/drawing/2010/main" xmlns="">
                 <a:solidFill>
                   <a:srgbClr val="FFFFFF"/>
                 </a:solidFill>
               </a14:hiddenFill>
             </a:ext>
             <a:ext uri="{91240B29-F687-4f45-9708-019B960494DF}">
-              <a14:hiddenLine xmlns="" xmlns:a14="http://schemas.microsoft.com/office/drawing/2010/main" w="12700">
+              <a14:hiddenLine xmlns:a14="http://schemas.microsoft.com/office/drawing/2010/main" xmlns="" w="12700">
                 <a:solidFill>
                   <a:schemeClr val="tx1"/>
                 </a:solidFill>
@@ -22427,7 +22427,7 @@
           <a:effectLst/>
           <a:extLst>
             <a:ext uri="{91240B29-F687-4f45-9708-019B960494DF}">
-              <a14:hiddenLine xmlns="" xmlns:a14="http://schemas.microsoft.com/office/drawing/2010/main" w="12700" cap="flat" cmpd="sng" algn="ctr">
+              <a14:hiddenLine xmlns:a14="http://schemas.microsoft.com/office/drawing/2010/main" xmlns="" w="12700" cap="flat" cmpd="sng" algn="ctr">
                 <a:solidFill>
                   <a:srgbClr val="000000"/>
                 </a:solidFill>
@@ -22438,7 +22438,7 @@
               </a14:hiddenLine>
             </a:ext>
             <a:ext uri="{AF507438-7753-43e0-B8FC-AC1667EBCBE1}">
-              <a14:hiddenEffects xmlns="" xmlns:a14="http://schemas.microsoft.com/office/drawing/2010/main">
+              <a14:hiddenEffects xmlns:a14="http://schemas.microsoft.com/office/drawing/2010/main" xmlns="">
                 <a:effectLst>
                   <a:outerShdw blurRad="63500" dist="38099" dir="2700000" algn="ctr" rotWithShape="0">
                     <a:schemeClr val="bg2">
@@ -22476,14 +22476,14 @@
               <ma14:placeholderFlag xmlns:ma14="http://schemas.microsoft.com/office/mac/drawingml/2011/main" val="1"/>
             </a:ext>
             <a:ext uri="{909E8E84-426E-40dd-AFC4-6F175D3DCCD1}">
-              <a14:hiddenFill xmlns="" xmlns:a14="http://schemas.microsoft.com/office/drawing/2010/main">
+              <a14:hiddenFill xmlns:a14="http://schemas.microsoft.com/office/drawing/2010/main" xmlns="">
                 <a:solidFill>
                   <a:srgbClr val="FFFFFF"/>
                 </a:solidFill>
               </a14:hiddenFill>
             </a:ext>
             <a:ext uri="{91240B29-F687-4f45-9708-019B960494DF}">
-              <a14:hiddenLine xmlns="" xmlns:a14="http://schemas.microsoft.com/office/drawing/2010/main" w="12700">
+              <a14:hiddenLine xmlns:a14="http://schemas.microsoft.com/office/drawing/2010/main" xmlns="" w="12700">
                 <a:solidFill>
                   <a:schemeClr val="tx1"/>
                 </a:solidFill>
@@ -22899,14 +22899,14 @@
               <ma14:placeholderFlag xmlns:ma14="http://schemas.microsoft.com/office/mac/drawingml/2011/main" val="1"/>
             </a:ext>
             <a:ext uri="{909E8E84-426E-40dd-AFC4-6F175D3DCCD1}">
-              <a14:hiddenFill xmlns="" xmlns:a14="http://schemas.microsoft.com/office/drawing/2010/main">
+              <a14:hiddenFill xmlns:a14="http://schemas.microsoft.com/office/drawing/2010/main" xmlns="">
                 <a:solidFill>
                   <a:srgbClr val="FFFFFF"/>
                 </a:solidFill>
               </a14:hiddenFill>
             </a:ext>
             <a:ext uri="{91240B29-F687-4f45-9708-019B960494DF}">
-              <a14:hiddenLine xmlns="" xmlns:a14="http://schemas.microsoft.com/office/drawing/2010/main" w="12700">
+              <a14:hiddenLine xmlns:a14="http://schemas.microsoft.com/office/drawing/2010/main" xmlns="" w="12700">
                 <a:solidFill>
                   <a:schemeClr val="tx1"/>
                 </a:solidFill>
@@ -23278,7 +23278,7 @@
             </a:r>
             <a:r>
               <a:rPr lang="en-US" altLang="zh-CN" b="1" dirty="0" smtClean="0"/>
-              <a:t>larger</a:t>
+              <a:t>large</a:t>
             </a:r>
             <a:r>
               <a:rPr lang="zh-CN" altLang="en-US" b="1" dirty="0" smtClean="0"/>
@@ -23286,11 +23286,7 @@
             </a:r>
             <a:r>
               <a:rPr lang="en-US" altLang="zh-CN" b="1" dirty="0" smtClean="0"/>
-              <a:t>enough</a:t>
-            </a:r>
-            <a:r>
-              <a:rPr lang="en-US" altLang="zh-CN" b="1" dirty="0" smtClean="0"/>
-              <a:t>.</a:t>
+              <a:t>enough.</a:t>
             </a:r>
             <a:r>
               <a:rPr lang="zh-CN" altLang="en-US" b="1" dirty="0" smtClean="0"/>
@@ -23741,14 +23737,14 @@
               <ma14:placeholderFlag xmlns:ma14="http://schemas.microsoft.com/office/mac/drawingml/2011/main" val="1"/>
             </a:ext>
             <a:ext uri="{909E8E84-426E-40dd-AFC4-6F175D3DCCD1}">
-              <a14:hiddenFill xmlns="" xmlns:a14="http://schemas.microsoft.com/office/drawing/2010/main">
+              <a14:hiddenFill xmlns:a14="http://schemas.microsoft.com/office/drawing/2010/main" xmlns="">
                 <a:solidFill>
                   <a:srgbClr val="FFFFFF"/>
                 </a:solidFill>
               </a14:hiddenFill>
             </a:ext>
             <a:ext uri="{91240B29-F687-4f45-9708-019B960494DF}">
-              <a14:hiddenLine xmlns="" xmlns:a14="http://schemas.microsoft.com/office/drawing/2010/main" w="12700">
+              <a14:hiddenLine xmlns:a14="http://schemas.microsoft.com/office/drawing/2010/main" xmlns="" w="12700">
                 <a:solidFill>
                   <a:schemeClr val="tx1"/>
                 </a:solidFill>
@@ -23954,14 +23950,14 @@
               <ma14:placeholderFlag xmlns:ma14="http://schemas.microsoft.com/office/mac/drawingml/2011/main" val="1"/>
             </a:ext>
             <a:ext uri="{909E8E84-426E-40dd-AFC4-6F175D3DCCD1}">
-              <a14:hiddenFill xmlns="" xmlns:a14="http://schemas.microsoft.com/office/drawing/2010/main">
+              <a14:hiddenFill xmlns:a14="http://schemas.microsoft.com/office/drawing/2010/main" xmlns="">
                 <a:solidFill>
                   <a:srgbClr val="FFFFFF"/>
                 </a:solidFill>
               </a14:hiddenFill>
             </a:ext>
             <a:ext uri="{91240B29-F687-4f45-9708-019B960494DF}">
-              <a14:hiddenLine xmlns="" xmlns:a14="http://schemas.microsoft.com/office/drawing/2010/main" w="12700">
+              <a14:hiddenLine xmlns:a14="http://schemas.microsoft.com/office/drawing/2010/main" xmlns="" w="12700">
                 <a:solidFill>
                   <a:schemeClr val="tx1"/>
                 </a:solidFill>
@@ -24387,7 +24383,7 @@
           <a:effectLst/>
           <a:extLst>
             <a:ext uri="{91240B29-F687-4f45-9708-019B960494DF}">
-              <a14:hiddenLine xmlns="" xmlns:a14="http://schemas.microsoft.com/office/drawing/2010/main" w="12700" cap="flat" cmpd="sng" algn="ctr">
+              <a14:hiddenLine xmlns:a14="http://schemas.microsoft.com/office/drawing/2010/main" xmlns="" w="12700" cap="flat" cmpd="sng" algn="ctr">
                 <a:solidFill>
                   <a:srgbClr val="000000"/>
                 </a:solidFill>
@@ -24398,7 +24394,7 @@
               </a14:hiddenLine>
             </a:ext>
             <a:ext uri="{AF507438-7753-43e0-B8FC-AC1667EBCBE1}">
-              <a14:hiddenEffects xmlns="" xmlns:a14="http://schemas.microsoft.com/office/drawing/2010/main">
+              <a14:hiddenEffects xmlns:a14="http://schemas.microsoft.com/office/drawing/2010/main" xmlns="">
                 <a:effectLst>
                   <a:outerShdw blurRad="63500" dist="38099" dir="2700000" algn="ctr" rotWithShape="0">
                     <a:schemeClr val="bg2">
@@ -24583,14 +24579,14 @@
               <ma14:placeholderFlag xmlns:ma14="http://schemas.microsoft.com/office/mac/drawingml/2011/main" val="1"/>
             </a:ext>
             <a:ext uri="{909E8E84-426E-40dd-AFC4-6F175D3DCCD1}">
-              <a14:hiddenFill xmlns="" xmlns:a14="http://schemas.microsoft.com/office/drawing/2010/main">
+              <a14:hiddenFill xmlns:a14="http://schemas.microsoft.com/office/drawing/2010/main" xmlns="">
                 <a:solidFill>
                   <a:srgbClr val="FFFFFF"/>
                 </a:solidFill>
               </a14:hiddenFill>
             </a:ext>
             <a:ext uri="{91240B29-F687-4f45-9708-019B960494DF}">
-              <a14:hiddenLine xmlns="" xmlns:a14="http://schemas.microsoft.com/office/drawing/2010/main" w="12700">
+              <a14:hiddenLine xmlns:a14="http://schemas.microsoft.com/office/drawing/2010/main" xmlns="" w="12700">
                 <a:solidFill>
                   <a:schemeClr val="tx1"/>
                 </a:solidFill>
@@ -24805,7 +24801,7 @@
           <a:effectLst/>
           <a:extLst>
             <a:ext uri="{91240B29-F687-4f45-9708-019B960494DF}">
-              <a14:hiddenLine xmlns="" xmlns:a14="http://schemas.microsoft.com/office/drawing/2010/main" w="12700" cap="flat" cmpd="sng" algn="ctr">
+              <a14:hiddenLine xmlns:a14="http://schemas.microsoft.com/office/drawing/2010/main" xmlns="" w="12700" cap="flat" cmpd="sng" algn="ctr">
                 <a:solidFill>
                   <a:srgbClr val="000000"/>
                 </a:solidFill>
@@ -24816,7 +24812,7 @@
               </a14:hiddenLine>
             </a:ext>
             <a:ext uri="{AF507438-7753-43e0-B8FC-AC1667EBCBE1}">
-              <a14:hiddenEffects xmlns="" xmlns:a14="http://schemas.microsoft.com/office/drawing/2010/main">
+              <a14:hiddenEffects xmlns:a14="http://schemas.microsoft.com/office/drawing/2010/main" xmlns="">
                 <a:effectLst>
                   <a:outerShdw blurRad="63500" dist="38099" dir="2700000" algn="ctr" rotWithShape="0">
                     <a:schemeClr val="bg2">
@@ -24854,14 +24850,14 @@
               <ma14:placeholderFlag xmlns:ma14="http://schemas.microsoft.com/office/mac/drawingml/2011/main" val="1"/>
             </a:ext>
             <a:ext uri="{909E8E84-426E-40dd-AFC4-6F175D3DCCD1}">
-              <a14:hiddenFill xmlns="" xmlns:a14="http://schemas.microsoft.com/office/drawing/2010/main">
+              <a14:hiddenFill xmlns:a14="http://schemas.microsoft.com/office/drawing/2010/main" xmlns="">
                 <a:solidFill>
                   <a:srgbClr val="FFFFFF"/>
                 </a:solidFill>
               </a14:hiddenFill>
             </a:ext>
             <a:ext uri="{91240B29-F687-4f45-9708-019B960494DF}">
-              <a14:hiddenLine xmlns="" xmlns:a14="http://schemas.microsoft.com/office/drawing/2010/main" w="12700">
+              <a14:hiddenLine xmlns:a14="http://schemas.microsoft.com/office/drawing/2010/main" xmlns="" w="12700">
                 <a:solidFill>
                   <a:schemeClr val="tx1"/>
                 </a:solidFill>
@@ -26168,14 +26164,14 @@
               <ma14:placeholderFlag xmlns:ma14="http://schemas.microsoft.com/office/mac/drawingml/2011/main" val="1"/>
             </a:ext>
             <a:ext uri="{909E8E84-426E-40dd-AFC4-6F175D3DCCD1}">
-              <a14:hiddenFill xmlns="" xmlns:a14="http://schemas.microsoft.com/office/drawing/2010/main">
+              <a14:hiddenFill xmlns:a14="http://schemas.microsoft.com/office/drawing/2010/main" xmlns="">
                 <a:solidFill>
                   <a:srgbClr val="FFFFFF"/>
                 </a:solidFill>
               </a14:hiddenFill>
             </a:ext>
             <a:ext uri="{91240B29-F687-4f45-9708-019B960494DF}">
-              <a14:hiddenLine xmlns="" xmlns:a14="http://schemas.microsoft.com/office/drawing/2010/main" w="12700">
+              <a14:hiddenLine xmlns:a14="http://schemas.microsoft.com/office/drawing/2010/main" xmlns="" w="12700">
                 <a:solidFill>
                   <a:schemeClr val="tx1"/>
                 </a:solidFill>
@@ -26390,7 +26386,7 @@
           <a:effectLst/>
           <a:extLst>
             <a:ext uri="{91240B29-F687-4f45-9708-019B960494DF}">
-              <a14:hiddenLine xmlns="" xmlns:a14="http://schemas.microsoft.com/office/drawing/2010/main" w="12700" cap="flat" cmpd="sng" algn="ctr">
+              <a14:hiddenLine xmlns:a14="http://schemas.microsoft.com/office/drawing/2010/main" xmlns="" w="12700" cap="flat" cmpd="sng" algn="ctr">
                 <a:solidFill>
                   <a:srgbClr val="000000"/>
                 </a:solidFill>
@@ -26401,7 +26397,7 @@
               </a14:hiddenLine>
             </a:ext>
             <a:ext uri="{AF507438-7753-43e0-B8FC-AC1667EBCBE1}">
-              <a14:hiddenEffects xmlns="" xmlns:a14="http://schemas.microsoft.com/office/drawing/2010/main">
+              <a14:hiddenEffects xmlns:a14="http://schemas.microsoft.com/office/drawing/2010/main" xmlns="">
                 <a:effectLst>
                   <a:outerShdw blurRad="63500" dist="38099" dir="2700000" algn="ctr" rotWithShape="0">
                     <a:schemeClr val="bg2">
@@ -26439,14 +26435,14 @@
               <ma14:placeholderFlag xmlns:ma14="http://schemas.microsoft.com/office/mac/drawingml/2011/main" val="1"/>
             </a:ext>
             <a:ext uri="{909E8E84-426E-40dd-AFC4-6F175D3DCCD1}">
-              <a14:hiddenFill xmlns="" xmlns:a14="http://schemas.microsoft.com/office/drawing/2010/main">
+              <a14:hiddenFill xmlns:a14="http://schemas.microsoft.com/office/drawing/2010/main" xmlns="">
                 <a:solidFill>
                   <a:srgbClr val="FFFFFF"/>
                 </a:solidFill>
               </a14:hiddenFill>
             </a:ext>
             <a:ext uri="{91240B29-F687-4f45-9708-019B960494DF}">
-              <a14:hiddenLine xmlns="" xmlns:a14="http://schemas.microsoft.com/office/drawing/2010/main" w="12700">
+              <a14:hiddenLine xmlns:a14="http://schemas.microsoft.com/office/drawing/2010/main" xmlns="" w="12700">
                 <a:solidFill>
                   <a:schemeClr val="tx1"/>
                 </a:solidFill>
@@ -28169,15 +28165,7 @@
                   <a:schemeClr val="tx1"/>
                 </a:solidFill>
               </a:rPr>
-              <a:t>word</a:t>
-            </a:r>
-            <a:r>
-              <a:rPr lang="en-US" altLang="zh-CN" sz="1400" dirty="0" smtClean="0">
-                <a:solidFill>
-                  <a:schemeClr val="tx1"/>
-                </a:solidFill>
-              </a:rPr>
-              <a:t>.</a:t>
+              <a:t>word.</a:t>
             </a:r>
           </a:p>
           <a:p>
@@ -28355,14 +28343,14 @@
               <ma14:placeholderFlag xmlns:ma14="http://schemas.microsoft.com/office/mac/drawingml/2011/main" val="1"/>
             </a:ext>
             <a:ext uri="{909E8E84-426E-40dd-AFC4-6F175D3DCCD1}">
-              <a14:hiddenFill xmlns="" xmlns:a14="http://schemas.microsoft.com/office/drawing/2010/main">
+              <a14:hiddenFill xmlns:a14="http://schemas.microsoft.com/office/drawing/2010/main" xmlns="">
                 <a:solidFill>
                   <a:srgbClr val="FFFFFF"/>
                 </a:solidFill>
               </a14:hiddenFill>
             </a:ext>
             <a:ext uri="{91240B29-F687-4f45-9708-019B960494DF}">
-              <a14:hiddenLine xmlns="" xmlns:a14="http://schemas.microsoft.com/office/drawing/2010/main" w="12700">
+              <a14:hiddenLine xmlns:a14="http://schemas.microsoft.com/office/drawing/2010/main" xmlns="" w="12700">
                 <a:solidFill>
                   <a:schemeClr val="tx1"/>
                 </a:solidFill>
@@ -28577,7 +28565,7 @@
           <a:effectLst/>
           <a:extLst>
             <a:ext uri="{91240B29-F687-4f45-9708-019B960494DF}">
-              <a14:hiddenLine xmlns="" xmlns:a14="http://schemas.microsoft.com/office/drawing/2010/main" w="12700" cap="flat" cmpd="sng" algn="ctr">
+              <a14:hiddenLine xmlns:a14="http://schemas.microsoft.com/office/drawing/2010/main" xmlns="" w="12700" cap="flat" cmpd="sng" algn="ctr">
                 <a:solidFill>
                   <a:srgbClr val="000000"/>
                 </a:solidFill>
@@ -28588,7 +28576,7 @@
               </a14:hiddenLine>
             </a:ext>
             <a:ext uri="{AF507438-7753-43e0-B8FC-AC1667EBCBE1}">
-              <a14:hiddenEffects xmlns="" xmlns:a14="http://schemas.microsoft.com/office/drawing/2010/main">
+              <a14:hiddenEffects xmlns:a14="http://schemas.microsoft.com/office/drawing/2010/main" xmlns="">
                 <a:effectLst>
                   <a:outerShdw blurRad="63500" dist="38099" dir="2700000" algn="ctr" rotWithShape="0">
                     <a:schemeClr val="bg2">
@@ -28626,14 +28614,14 @@
               <ma14:placeholderFlag xmlns:ma14="http://schemas.microsoft.com/office/mac/drawingml/2011/main" val="1"/>
             </a:ext>
             <a:ext uri="{909E8E84-426E-40dd-AFC4-6F175D3DCCD1}">
-              <a14:hiddenFill xmlns="" xmlns:a14="http://schemas.microsoft.com/office/drawing/2010/main">
+              <a14:hiddenFill xmlns:a14="http://schemas.microsoft.com/office/drawing/2010/main" xmlns="">
                 <a:solidFill>
                   <a:srgbClr val="FFFFFF"/>
                 </a:solidFill>
               </a14:hiddenFill>
             </a:ext>
             <a:ext uri="{91240B29-F687-4f45-9708-019B960494DF}">
-              <a14:hiddenLine xmlns="" xmlns:a14="http://schemas.microsoft.com/office/drawing/2010/main" w="12700">
+              <a14:hiddenLine xmlns:a14="http://schemas.microsoft.com/office/drawing/2010/main" xmlns="" w="12700">
                 <a:solidFill>
                   <a:schemeClr val="tx1"/>
                 </a:solidFill>
@@ -29151,14 +29139,14 @@
               <ma14:placeholderFlag xmlns:ma14="http://schemas.microsoft.com/office/mac/drawingml/2011/main" val="1"/>
             </a:ext>
             <a:ext uri="{909E8E84-426E-40dd-AFC4-6F175D3DCCD1}">
-              <a14:hiddenFill xmlns="" xmlns:a14="http://schemas.microsoft.com/office/drawing/2010/main">
+              <a14:hiddenFill xmlns:a14="http://schemas.microsoft.com/office/drawing/2010/main" xmlns="">
                 <a:solidFill>
                   <a:srgbClr val="FFFFFF"/>
                 </a:solidFill>
               </a14:hiddenFill>
             </a:ext>
             <a:ext uri="{91240B29-F687-4f45-9708-019B960494DF}">
-              <a14:hiddenLine xmlns="" xmlns:a14="http://schemas.microsoft.com/office/drawing/2010/main" w="12700">
+              <a14:hiddenLine xmlns:a14="http://schemas.microsoft.com/office/drawing/2010/main" xmlns="" w="12700">
                 <a:solidFill>
                   <a:schemeClr val="tx1"/>
                 </a:solidFill>
@@ -29373,7 +29361,7 @@
           <a:effectLst/>
           <a:extLst>
             <a:ext uri="{91240B29-F687-4f45-9708-019B960494DF}">
-              <a14:hiddenLine xmlns="" xmlns:a14="http://schemas.microsoft.com/office/drawing/2010/main" w="12700" cap="flat" cmpd="sng" algn="ctr">
+              <a14:hiddenLine xmlns:a14="http://schemas.microsoft.com/office/drawing/2010/main" xmlns="" w="12700" cap="flat" cmpd="sng" algn="ctr">
                 <a:solidFill>
                   <a:srgbClr val="000000"/>
                 </a:solidFill>
@@ -29384,7 +29372,7 @@
               </a14:hiddenLine>
             </a:ext>
             <a:ext uri="{AF507438-7753-43e0-B8FC-AC1667EBCBE1}">
-              <a14:hiddenEffects xmlns="" xmlns:a14="http://schemas.microsoft.com/office/drawing/2010/main">
+              <a14:hiddenEffects xmlns:a14="http://schemas.microsoft.com/office/drawing/2010/main" xmlns="">
                 <a:effectLst>
                   <a:outerShdw blurRad="63500" dist="38099" dir="2700000" algn="ctr" rotWithShape="0">
                     <a:schemeClr val="bg2">
@@ -29422,14 +29410,14 @@
               <ma14:placeholderFlag xmlns:ma14="http://schemas.microsoft.com/office/mac/drawingml/2011/main" val="1"/>
             </a:ext>
             <a:ext uri="{909E8E84-426E-40dd-AFC4-6F175D3DCCD1}">
-              <a14:hiddenFill xmlns="" xmlns:a14="http://schemas.microsoft.com/office/drawing/2010/main">
+              <a14:hiddenFill xmlns:a14="http://schemas.microsoft.com/office/drawing/2010/main" xmlns="">
                 <a:solidFill>
                   <a:srgbClr val="FFFFFF"/>
                 </a:solidFill>
               </a14:hiddenFill>
             </a:ext>
             <a:ext uri="{91240B29-F687-4f45-9708-019B960494DF}">
-              <a14:hiddenLine xmlns="" xmlns:a14="http://schemas.microsoft.com/office/drawing/2010/main" w="12700">
+              <a14:hiddenLine xmlns:a14="http://schemas.microsoft.com/office/drawing/2010/main" xmlns="" w="12700">
                 <a:solidFill>
                   <a:schemeClr val="tx1"/>
                 </a:solidFill>
@@ -29891,7 +29879,7 @@
             <a:effectLst/>
             <a:extLst>
               <a:ext uri="{91240B29-F687-4f45-9708-019B960494DF}">
-                <a14:hiddenLine xmlns="" xmlns:a14="http://schemas.microsoft.com/office/drawing/2010/main" w="12700" cap="flat" cmpd="sng" algn="ctr">
+                <a14:hiddenLine xmlns:a14="http://schemas.microsoft.com/office/drawing/2010/main" xmlns="" w="12700" cap="flat" cmpd="sng" algn="ctr">
                   <a:solidFill>
                     <a:srgbClr val="000000"/>
                   </a:solidFill>
@@ -29902,7 +29890,7 @@
                 </a14:hiddenLine>
               </a:ext>
               <a:ext uri="{AF507438-7753-43e0-B8FC-AC1667EBCBE1}">
-                <a14:hiddenEffects xmlns="" xmlns:a14="http://schemas.microsoft.com/office/drawing/2010/main">
+                <a14:hiddenEffects xmlns:a14="http://schemas.microsoft.com/office/drawing/2010/main" xmlns="">
                   <a:effectLst>
                     <a:outerShdw blurRad="63500" dist="38099" dir="2700000" algn="ctr" rotWithShape="0">
                       <a:schemeClr val="bg2">
@@ -30309,7 +30297,7 @@
         <a:effectLst/>
         <a:extLst>
           <a:ext uri="{91240B29-F687-4f45-9708-019B960494DF}">
-            <a14:hiddenLine xmlns="" xmlns:a14="http://schemas.microsoft.com/office/drawing/2010/main" w="12700" cap="flat" cmpd="sng" algn="ctr">
+            <a14:hiddenLine xmlns:a14="http://schemas.microsoft.com/office/drawing/2010/main" xmlns="" w="12700" cap="flat" cmpd="sng" algn="ctr">
               <a:solidFill>
                 <a:srgbClr val="000000"/>
               </a:solidFill>
@@ -30320,7 +30308,7 @@
             </a14:hiddenLine>
           </a:ext>
           <a:ext uri="{AF507438-7753-43e0-B8FC-AC1667EBCBE1}">
-            <a14:hiddenEffects xmlns="" xmlns:a14="http://schemas.microsoft.com/office/drawing/2010/main">
+            <a14:hiddenEffects xmlns:a14="http://schemas.microsoft.com/office/drawing/2010/main" xmlns="">
               <a:effectLst>
                 <a:outerShdw blurRad="63500" dist="38099" dir="2700000" algn="ctr" rotWithShape="0">
                   <a:schemeClr val="bg2">
@@ -30392,7 +30380,7 @@
         <a:effectLst/>
         <a:extLst>
           <a:ext uri="{91240B29-F687-4f45-9708-019B960494DF}">
-            <a14:hiddenLine xmlns="" xmlns:a14="http://schemas.microsoft.com/office/drawing/2010/main" w="12700" cap="flat" cmpd="sng" algn="ctr">
+            <a14:hiddenLine xmlns:a14="http://schemas.microsoft.com/office/drawing/2010/main" xmlns="" w="12700" cap="flat" cmpd="sng" algn="ctr">
               <a:solidFill>
                 <a:srgbClr val="000000"/>
               </a:solidFill>
@@ -30403,7 +30391,7 @@
             </a14:hiddenLine>
           </a:ext>
           <a:ext uri="{AF507438-7753-43e0-B8FC-AC1667EBCBE1}">
-            <a14:hiddenEffects xmlns="" xmlns:a14="http://schemas.microsoft.com/office/drawing/2010/main">
+            <a14:hiddenEffects xmlns:a14="http://schemas.microsoft.com/office/drawing/2010/main" xmlns="">
               <a:effectLst>
                 <a:outerShdw blurRad="63500" dist="38099" dir="2700000" algn="ctr" rotWithShape="0">
                   <a:schemeClr val="bg2">
@@ -30739,7 +30727,7 @@
         <a:effectLst/>
         <a:extLst>
           <a:ext uri="{91240B29-F687-4f45-9708-019B960494DF}">
-            <a14:hiddenLine xmlns="" xmlns:a14="http://schemas.microsoft.com/office/drawing/2010/main" w="12700" cap="flat" cmpd="sng" algn="ctr">
+            <a14:hiddenLine xmlns:a14="http://schemas.microsoft.com/office/drawing/2010/main" xmlns="" w="12700" cap="flat" cmpd="sng" algn="ctr">
               <a:solidFill>
                 <a:srgbClr val="000000"/>
               </a:solidFill>
@@ -30750,7 +30738,7 @@
             </a14:hiddenLine>
           </a:ext>
           <a:ext uri="{AF507438-7753-43e0-B8FC-AC1667EBCBE1}">
-            <a14:hiddenEffects xmlns="" xmlns:a14="http://schemas.microsoft.com/office/drawing/2010/main">
+            <a14:hiddenEffects xmlns:a14="http://schemas.microsoft.com/office/drawing/2010/main" xmlns="">
               <a:effectLst>
                 <a:outerShdw blurRad="63500" dist="38099" dir="2700000" algn="ctr" rotWithShape="0">
                   <a:schemeClr val="bg2">
@@ -30822,7 +30810,7 @@
         <a:effectLst/>
         <a:extLst>
           <a:ext uri="{91240B29-F687-4f45-9708-019B960494DF}">
-            <a14:hiddenLine xmlns="" xmlns:a14="http://schemas.microsoft.com/office/drawing/2010/main" w="12700" cap="flat" cmpd="sng" algn="ctr">
+            <a14:hiddenLine xmlns:a14="http://schemas.microsoft.com/office/drawing/2010/main" xmlns="" w="12700" cap="flat" cmpd="sng" algn="ctr">
               <a:solidFill>
                 <a:srgbClr val="000000"/>
               </a:solidFill>
@@ -30833,7 +30821,7 @@
             </a14:hiddenLine>
           </a:ext>
           <a:ext uri="{AF507438-7753-43e0-B8FC-AC1667EBCBE1}">
-            <a14:hiddenEffects xmlns="" xmlns:a14="http://schemas.microsoft.com/office/drawing/2010/main">
+            <a14:hiddenEffects xmlns:a14="http://schemas.microsoft.com/office/drawing/2010/main" xmlns="">
               <a:effectLst>
                 <a:outerShdw blurRad="63500" dist="38099" dir="2700000" algn="ctr" rotWithShape="0">
                   <a:schemeClr val="bg2">
@@ -31169,7 +31157,7 @@
         <a:effectLst/>
         <a:extLst>
           <a:ext uri="{91240B29-F687-4f45-9708-019B960494DF}">
-            <a14:hiddenLine xmlns="" xmlns:a14="http://schemas.microsoft.com/office/drawing/2010/main" w="12700" cap="flat" cmpd="sng" algn="ctr">
+            <a14:hiddenLine xmlns:a14="http://schemas.microsoft.com/office/drawing/2010/main" xmlns="" w="12700" cap="flat" cmpd="sng" algn="ctr">
               <a:solidFill>
                 <a:srgbClr val="000000"/>
               </a:solidFill>
@@ -31180,7 +31168,7 @@
             </a14:hiddenLine>
           </a:ext>
           <a:ext uri="{AF507438-7753-43e0-B8FC-AC1667EBCBE1}">
-            <a14:hiddenEffects xmlns="" xmlns:a14="http://schemas.microsoft.com/office/drawing/2010/main">
+            <a14:hiddenEffects xmlns:a14="http://schemas.microsoft.com/office/drawing/2010/main" xmlns="">
               <a:effectLst>
                 <a:outerShdw blurRad="63500" dist="38099" dir="2700000" algn="ctr" rotWithShape="0">
                   <a:schemeClr val="bg2">
@@ -31252,7 +31240,7 @@
         <a:effectLst/>
         <a:extLst>
           <a:ext uri="{91240B29-F687-4f45-9708-019B960494DF}">
-            <a14:hiddenLine xmlns="" xmlns:a14="http://schemas.microsoft.com/office/drawing/2010/main" w="12700" cap="flat" cmpd="sng" algn="ctr">
+            <a14:hiddenLine xmlns:a14="http://schemas.microsoft.com/office/drawing/2010/main" xmlns="" w="12700" cap="flat" cmpd="sng" algn="ctr">
               <a:solidFill>
                 <a:srgbClr val="000000"/>
               </a:solidFill>
@@ -31263,7 +31251,7 @@
             </a14:hiddenLine>
           </a:ext>
           <a:ext uri="{AF507438-7753-43e0-B8FC-AC1667EBCBE1}">
-            <a14:hiddenEffects xmlns="" xmlns:a14="http://schemas.microsoft.com/office/drawing/2010/main">
+            <a14:hiddenEffects xmlns:a14="http://schemas.microsoft.com/office/drawing/2010/main" xmlns="">
               <a:effectLst>
                 <a:outerShdw blurRad="63500" dist="38099" dir="2700000" algn="ctr" rotWithShape="0">
                   <a:schemeClr val="bg2">
@@ -31599,7 +31587,7 @@
         <a:effectLst/>
         <a:extLst>
           <a:ext uri="{91240B29-F687-4f45-9708-019B960494DF}">
-            <a14:hiddenLine xmlns="" xmlns:a14="http://schemas.microsoft.com/office/drawing/2010/main" w="12700" cap="flat" cmpd="sng" algn="ctr">
+            <a14:hiddenLine xmlns:a14="http://schemas.microsoft.com/office/drawing/2010/main" xmlns="" w="12700" cap="flat" cmpd="sng" algn="ctr">
               <a:solidFill>
                 <a:srgbClr val="000000"/>
               </a:solidFill>
@@ -31610,7 +31598,7 @@
             </a14:hiddenLine>
           </a:ext>
           <a:ext uri="{AF507438-7753-43e0-B8FC-AC1667EBCBE1}">
-            <a14:hiddenEffects xmlns="" xmlns:a14="http://schemas.microsoft.com/office/drawing/2010/main">
+            <a14:hiddenEffects xmlns:a14="http://schemas.microsoft.com/office/drawing/2010/main" xmlns="">
               <a:effectLst>
                 <a:outerShdw blurRad="63500" dist="38099" dir="2700000" algn="ctr" rotWithShape="0">
                   <a:schemeClr val="bg2">
@@ -31682,7 +31670,7 @@
         <a:effectLst/>
         <a:extLst>
           <a:ext uri="{91240B29-F687-4f45-9708-019B960494DF}">
-            <a14:hiddenLine xmlns="" xmlns:a14="http://schemas.microsoft.com/office/drawing/2010/main" w="12700" cap="flat" cmpd="sng" algn="ctr">
+            <a14:hiddenLine xmlns:a14="http://schemas.microsoft.com/office/drawing/2010/main" xmlns="" w="12700" cap="flat" cmpd="sng" algn="ctr">
               <a:solidFill>
                 <a:srgbClr val="000000"/>
               </a:solidFill>
@@ -31693,7 +31681,7 @@
             </a14:hiddenLine>
           </a:ext>
           <a:ext uri="{AF507438-7753-43e0-B8FC-AC1667EBCBE1}">
-            <a14:hiddenEffects xmlns="" xmlns:a14="http://schemas.microsoft.com/office/drawing/2010/main">
+            <a14:hiddenEffects xmlns:a14="http://schemas.microsoft.com/office/drawing/2010/main" xmlns="">
               <a:effectLst>
                 <a:outerShdw blurRad="63500" dist="38099" dir="2700000" algn="ctr" rotWithShape="0">
                   <a:schemeClr val="bg2">

--- a/pre_wangyu.pptx
+++ b/pre_wangyu.pptx
@@ -1154,7 +1154,7 @@
           </a:ln>
           <a:extLst>
             <a:ext uri="{91240B29-F687-4f45-9708-019B960494DF}">
-              <a14:hiddenLine xmlns:a14="http://schemas.microsoft.com/office/drawing/2010/main" xmlns="" w="12700" cap="flat">
+              <a14:hiddenLine xmlns="" xmlns:a14="http://schemas.microsoft.com/office/drawing/2010/main" w="12700" cap="flat">
                 <a:solidFill>
                   <a:schemeClr val="tx1"/>
                 </a:solidFill>
@@ -1197,7 +1197,7 @@
           </a:ln>
           <a:extLst>
             <a:ext uri="{91240B29-F687-4f45-9708-019B960494DF}">
-              <a14:hiddenLine xmlns:a14="http://schemas.microsoft.com/office/drawing/2010/main" xmlns="" w="12700" cap="flat">
+              <a14:hiddenLine xmlns="" xmlns:a14="http://schemas.microsoft.com/office/drawing/2010/main" w="12700" cap="flat">
                 <a:solidFill>
                   <a:schemeClr val="tx1"/>
                 </a:solidFill>
@@ -1243,14 +1243,14 @@
               <ma14:placeholderFlag xmlns:ma14="http://schemas.microsoft.com/office/mac/drawingml/2011/main" val="1"/>
             </a:ext>
             <a:ext uri="{909E8E84-426E-40dd-AFC4-6F175D3DCCD1}">
-              <a14:hiddenFill xmlns:a14="http://schemas.microsoft.com/office/drawing/2010/main" xmlns="">
+              <a14:hiddenFill xmlns="" xmlns:a14="http://schemas.microsoft.com/office/drawing/2010/main">
                 <a:solidFill>
                   <a:srgbClr val="FFFFFF"/>
                 </a:solidFill>
               </a14:hiddenFill>
             </a:ext>
             <a:ext uri="{91240B29-F687-4f45-9708-019B960494DF}">
-              <a14:hiddenLine xmlns:a14="http://schemas.microsoft.com/office/drawing/2010/main" xmlns="" w="12700">
+              <a14:hiddenLine xmlns="" xmlns:a14="http://schemas.microsoft.com/office/drawing/2010/main" w="12700">
                 <a:solidFill>
                   <a:schemeClr val="tx1"/>
                 </a:solidFill>
@@ -1309,14 +1309,14 @@
               <ma14:placeholderFlag xmlns:ma14="http://schemas.microsoft.com/office/mac/drawingml/2011/main" val="1"/>
             </a:ext>
             <a:ext uri="{909E8E84-426E-40dd-AFC4-6F175D3DCCD1}">
-              <a14:hiddenFill xmlns:a14="http://schemas.microsoft.com/office/drawing/2010/main" xmlns="">
+              <a14:hiddenFill xmlns="" xmlns:a14="http://schemas.microsoft.com/office/drawing/2010/main">
                 <a:solidFill>
                   <a:srgbClr val="FFFFFF"/>
                 </a:solidFill>
               </a14:hiddenFill>
             </a:ext>
             <a:ext uri="{91240B29-F687-4f45-9708-019B960494DF}">
-              <a14:hiddenLine xmlns:a14="http://schemas.microsoft.com/office/drawing/2010/main" xmlns="" w="12700">
+              <a14:hiddenLine xmlns="" xmlns:a14="http://schemas.microsoft.com/office/drawing/2010/main" w="12700">
                 <a:solidFill>
                   <a:schemeClr val="tx1"/>
                 </a:solidFill>
@@ -1888,7 +1888,7 @@
           </a:ln>
           <a:extLst>
             <a:ext uri="{91240B29-F687-4f45-9708-019B960494DF}">
-              <a14:hiddenLine xmlns:a14="http://schemas.microsoft.com/office/drawing/2010/main" xmlns="" w="12700" cap="flat">
+              <a14:hiddenLine xmlns="" xmlns:a14="http://schemas.microsoft.com/office/drawing/2010/main" w="12700" cap="flat">
                 <a:solidFill>
                   <a:schemeClr val="tx1"/>
                 </a:solidFill>
@@ -1931,7 +1931,7 @@
           </a:ln>
           <a:extLst>
             <a:ext uri="{91240B29-F687-4f45-9708-019B960494DF}">
-              <a14:hiddenLine xmlns:a14="http://schemas.microsoft.com/office/drawing/2010/main" xmlns="" w="12700" cap="flat">
+              <a14:hiddenLine xmlns="" xmlns:a14="http://schemas.microsoft.com/office/drawing/2010/main" w="12700" cap="flat">
                 <a:solidFill>
                   <a:schemeClr val="tx1"/>
                 </a:solidFill>
@@ -1977,14 +1977,14 @@
               <ma14:placeholderFlag xmlns:ma14="http://schemas.microsoft.com/office/mac/drawingml/2011/main" val="1"/>
             </a:ext>
             <a:ext uri="{909E8E84-426E-40dd-AFC4-6F175D3DCCD1}">
-              <a14:hiddenFill xmlns:a14="http://schemas.microsoft.com/office/drawing/2010/main" xmlns="">
+              <a14:hiddenFill xmlns="" xmlns:a14="http://schemas.microsoft.com/office/drawing/2010/main">
                 <a:solidFill>
                   <a:srgbClr val="FFFFFF"/>
                 </a:solidFill>
               </a14:hiddenFill>
             </a:ext>
             <a:ext uri="{91240B29-F687-4f45-9708-019B960494DF}">
-              <a14:hiddenLine xmlns:a14="http://schemas.microsoft.com/office/drawing/2010/main" xmlns="" w="12700">
+              <a14:hiddenLine xmlns="" xmlns:a14="http://schemas.microsoft.com/office/drawing/2010/main" w="12700">
                 <a:solidFill>
                   <a:schemeClr val="tx1"/>
                 </a:solidFill>
@@ -2040,14 +2040,14 @@
               <ma14:placeholderFlag xmlns:ma14="http://schemas.microsoft.com/office/mac/drawingml/2011/main" val="1"/>
             </a:ext>
             <a:ext uri="{909E8E84-426E-40dd-AFC4-6F175D3DCCD1}">
-              <a14:hiddenFill xmlns:a14="http://schemas.microsoft.com/office/drawing/2010/main" xmlns="">
+              <a14:hiddenFill xmlns="" xmlns:a14="http://schemas.microsoft.com/office/drawing/2010/main">
                 <a:solidFill>
                   <a:srgbClr val="FFFFFF"/>
                 </a:solidFill>
               </a14:hiddenFill>
             </a:ext>
             <a:ext uri="{91240B29-F687-4f45-9708-019B960494DF}">
-              <a14:hiddenLine xmlns:a14="http://schemas.microsoft.com/office/drawing/2010/main" xmlns="" w="12700">
+              <a14:hiddenLine xmlns="" xmlns:a14="http://schemas.microsoft.com/office/drawing/2010/main" w="12700">
                 <a:solidFill>
                   <a:schemeClr val="tx1"/>
                 </a:solidFill>
@@ -2136,7 +2136,7 @@
           </a:ln>
           <a:extLst>
             <a:ext uri="{91240B29-F687-4f45-9708-019B960494DF}">
-              <a14:hiddenLine xmlns:a14="http://schemas.microsoft.com/office/drawing/2010/main" xmlns="" w="12700" cap="flat">
+              <a14:hiddenLine xmlns="" xmlns:a14="http://schemas.microsoft.com/office/drawing/2010/main" w="12700" cap="flat">
                 <a:solidFill>
                   <a:schemeClr val="tx1"/>
                 </a:solidFill>
@@ -2820,7 +2820,7 @@
           </a:ln>
           <a:extLst>
             <a:ext uri="{91240B29-F687-4f45-9708-019B960494DF}">
-              <a14:hiddenLine xmlns:a14="http://schemas.microsoft.com/office/drawing/2010/main" xmlns="" w="12700" cap="flat">
+              <a14:hiddenLine xmlns="" xmlns:a14="http://schemas.microsoft.com/office/drawing/2010/main" w="12700" cap="flat">
                 <a:solidFill>
                   <a:schemeClr val="tx1"/>
                 </a:solidFill>
@@ -2863,7 +2863,7 @@
           </a:ln>
           <a:extLst>
             <a:ext uri="{91240B29-F687-4f45-9708-019B960494DF}">
-              <a14:hiddenLine xmlns:a14="http://schemas.microsoft.com/office/drawing/2010/main" xmlns="" w="12700" cap="flat">
+              <a14:hiddenLine xmlns="" xmlns:a14="http://schemas.microsoft.com/office/drawing/2010/main" w="12700" cap="flat">
                 <a:solidFill>
                   <a:schemeClr val="tx1"/>
                 </a:solidFill>
@@ -2909,14 +2909,14 @@
               <ma14:placeholderFlag xmlns:ma14="http://schemas.microsoft.com/office/mac/drawingml/2011/main" val="1"/>
             </a:ext>
             <a:ext uri="{909E8E84-426E-40dd-AFC4-6F175D3DCCD1}">
-              <a14:hiddenFill xmlns:a14="http://schemas.microsoft.com/office/drawing/2010/main" xmlns="">
+              <a14:hiddenFill xmlns="" xmlns:a14="http://schemas.microsoft.com/office/drawing/2010/main">
                 <a:solidFill>
                   <a:srgbClr val="FFFFFF"/>
                 </a:solidFill>
               </a14:hiddenFill>
             </a:ext>
             <a:ext uri="{91240B29-F687-4f45-9708-019B960494DF}">
-              <a14:hiddenLine xmlns:a14="http://schemas.microsoft.com/office/drawing/2010/main" xmlns="" w="12700">
+              <a14:hiddenLine xmlns="" xmlns:a14="http://schemas.microsoft.com/office/drawing/2010/main" w="12700">
                 <a:solidFill>
                   <a:schemeClr val="tx1"/>
                 </a:solidFill>
@@ -2972,14 +2972,14 @@
               <ma14:placeholderFlag xmlns:ma14="http://schemas.microsoft.com/office/mac/drawingml/2011/main" val="1"/>
             </a:ext>
             <a:ext uri="{909E8E84-426E-40dd-AFC4-6F175D3DCCD1}">
-              <a14:hiddenFill xmlns:a14="http://schemas.microsoft.com/office/drawing/2010/main" xmlns="">
+              <a14:hiddenFill xmlns="" xmlns:a14="http://schemas.microsoft.com/office/drawing/2010/main">
                 <a:solidFill>
                   <a:srgbClr val="FFFFFF"/>
                 </a:solidFill>
               </a14:hiddenFill>
             </a:ext>
             <a:ext uri="{91240B29-F687-4f45-9708-019B960494DF}">
-              <a14:hiddenLine xmlns:a14="http://schemas.microsoft.com/office/drawing/2010/main" xmlns="" w="12700">
+              <a14:hiddenLine xmlns="" xmlns:a14="http://schemas.microsoft.com/office/drawing/2010/main" w="12700">
                 <a:solidFill>
                   <a:schemeClr val="tx1"/>
                 </a:solidFill>
@@ -3709,7 +3709,7 @@
           </a:ln>
           <a:extLst>
             <a:ext uri="{91240B29-F687-4f45-9708-019B960494DF}">
-              <a14:hiddenLine xmlns:a14="http://schemas.microsoft.com/office/drawing/2010/main" xmlns="" w="12700" cap="flat">
+              <a14:hiddenLine xmlns="" xmlns:a14="http://schemas.microsoft.com/office/drawing/2010/main" w="12700" cap="flat">
                 <a:solidFill>
                   <a:schemeClr val="tx1"/>
                 </a:solidFill>
@@ -3752,7 +3752,7 @@
           </a:ln>
           <a:extLst>
             <a:ext uri="{91240B29-F687-4f45-9708-019B960494DF}">
-              <a14:hiddenLine xmlns:a14="http://schemas.microsoft.com/office/drawing/2010/main" xmlns="" w="12700" cap="flat">
+              <a14:hiddenLine xmlns="" xmlns:a14="http://schemas.microsoft.com/office/drawing/2010/main" w="12700" cap="flat">
                 <a:solidFill>
                   <a:schemeClr val="tx1"/>
                 </a:solidFill>
@@ -3798,14 +3798,14 @@
               <ma14:placeholderFlag xmlns:ma14="http://schemas.microsoft.com/office/mac/drawingml/2011/main" val="1"/>
             </a:ext>
             <a:ext uri="{909E8E84-426E-40dd-AFC4-6F175D3DCCD1}">
-              <a14:hiddenFill xmlns:a14="http://schemas.microsoft.com/office/drawing/2010/main" xmlns="">
+              <a14:hiddenFill xmlns="" xmlns:a14="http://schemas.microsoft.com/office/drawing/2010/main">
                 <a:solidFill>
                   <a:srgbClr val="FFFFFF"/>
                 </a:solidFill>
               </a14:hiddenFill>
             </a:ext>
             <a:ext uri="{91240B29-F687-4f45-9708-019B960494DF}">
-              <a14:hiddenLine xmlns:a14="http://schemas.microsoft.com/office/drawing/2010/main" xmlns="" w="12700">
+              <a14:hiddenLine xmlns="" xmlns:a14="http://schemas.microsoft.com/office/drawing/2010/main" w="12700">
                 <a:solidFill>
                   <a:schemeClr val="tx1"/>
                 </a:solidFill>
@@ -3861,14 +3861,14 @@
               <ma14:placeholderFlag xmlns:ma14="http://schemas.microsoft.com/office/mac/drawingml/2011/main" val="1"/>
             </a:ext>
             <a:ext uri="{909E8E84-426E-40dd-AFC4-6F175D3DCCD1}">
-              <a14:hiddenFill xmlns:a14="http://schemas.microsoft.com/office/drawing/2010/main" xmlns="">
+              <a14:hiddenFill xmlns="" xmlns:a14="http://schemas.microsoft.com/office/drawing/2010/main">
                 <a:solidFill>
                   <a:srgbClr val="FFFFFF"/>
                 </a:solidFill>
               </a14:hiddenFill>
             </a:ext>
             <a:ext uri="{91240B29-F687-4f45-9708-019B960494DF}">
-              <a14:hiddenLine xmlns:a14="http://schemas.microsoft.com/office/drawing/2010/main" xmlns="" w="12700">
+              <a14:hiddenLine xmlns="" xmlns:a14="http://schemas.microsoft.com/office/drawing/2010/main" w="12700">
                 <a:solidFill>
                   <a:schemeClr val="tx1"/>
                 </a:solidFill>
@@ -4802,14 +4802,14 @@
               <ma14:placeholderFlag xmlns:ma14="http://schemas.microsoft.com/office/mac/drawingml/2011/main" val="1"/>
             </a:ext>
             <a:ext uri="{909E8E84-426E-40dd-AFC4-6F175D3DCCD1}">
-              <a14:hiddenFill xmlns:a14="http://schemas.microsoft.com/office/drawing/2010/main" xmlns="">
+              <a14:hiddenFill xmlns="" xmlns:a14="http://schemas.microsoft.com/office/drawing/2010/main">
                 <a:solidFill>
                   <a:srgbClr val="FFFFFF"/>
                 </a:solidFill>
               </a14:hiddenFill>
             </a:ext>
             <a:ext uri="{91240B29-F687-4f45-9708-019B960494DF}">
-              <a14:hiddenLine xmlns:a14="http://schemas.microsoft.com/office/drawing/2010/main" xmlns="" w="12700">
+              <a14:hiddenLine xmlns="" xmlns:a14="http://schemas.microsoft.com/office/drawing/2010/main" w="12700">
                 <a:solidFill>
                   <a:schemeClr val="tx1"/>
                 </a:solidFill>
@@ -5024,7 +5024,7 @@
           <a:effectLst/>
           <a:extLst>
             <a:ext uri="{91240B29-F687-4f45-9708-019B960494DF}">
-              <a14:hiddenLine xmlns:a14="http://schemas.microsoft.com/office/drawing/2010/main" xmlns="" w="12700" cap="flat" cmpd="sng" algn="ctr">
+              <a14:hiddenLine xmlns="" xmlns:a14="http://schemas.microsoft.com/office/drawing/2010/main" w="12700" cap="flat" cmpd="sng" algn="ctr">
                 <a:solidFill>
                   <a:srgbClr val="000000"/>
                 </a:solidFill>
@@ -5035,7 +5035,7 @@
               </a14:hiddenLine>
             </a:ext>
             <a:ext uri="{AF507438-7753-43e0-B8FC-AC1667EBCBE1}">
-              <a14:hiddenEffects xmlns:a14="http://schemas.microsoft.com/office/drawing/2010/main" xmlns="">
+              <a14:hiddenEffects xmlns="" xmlns:a14="http://schemas.microsoft.com/office/drawing/2010/main">
                 <a:effectLst>
                   <a:outerShdw blurRad="63500" dist="38099" dir="2700000" algn="ctr" rotWithShape="0">
                     <a:schemeClr val="bg2">
@@ -5115,7 +5115,7 @@
             <a:effectLst/>
             <a:extLst>
               <a:ext uri="{91240B29-F687-4f45-9708-019B960494DF}">
-                <a14:hiddenLine xmlns:a14="http://schemas.microsoft.com/office/drawing/2010/main" xmlns="" w="12700" cap="flat" cmpd="sng" algn="ctr">
+                <a14:hiddenLine xmlns="" xmlns:a14="http://schemas.microsoft.com/office/drawing/2010/main" w="12700" cap="flat" cmpd="sng" algn="ctr">
                   <a:solidFill>
                     <a:srgbClr val="000000"/>
                   </a:solidFill>
@@ -5126,7 +5126,7 @@
                 </a14:hiddenLine>
               </a:ext>
               <a:ext uri="{AF507438-7753-43e0-B8FC-AC1667EBCBE1}">
-                <a14:hiddenEffects xmlns:a14="http://schemas.microsoft.com/office/drawing/2010/main" xmlns="">
+                <a14:hiddenEffects xmlns="" xmlns:a14="http://schemas.microsoft.com/office/drawing/2010/main">
                   <a:effectLst>
                     <a:outerShdw blurRad="63500" dist="38099" dir="2700000" algn="ctr" rotWithShape="0">
                       <a:schemeClr val="bg2">
@@ -5387,14 +5387,14 @@
               <ma14:placeholderFlag xmlns:ma14="http://schemas.microsoft.com/office/mac/drawingml/2011/main" val="1"/>
             </a:ext>
             <a:ext uri="{909E8E84-426E-40dd-AFC4-6F175D3DCCD1}">
-              <a14:hiddenFill xmlns:a14="http://schemas.microsoft.com/office/drawing/2010/main" xmlns="">
+              <a14:hiddenFill xmlns="" xmlns:a14="http://schemas.microsoft.com/office/drawing/2010/main">
                 <a:solidFill>
                   <a:srgbClr val="FFFFFF"/>
                 </a:solidFill>
               </a14:hiddenFill>
             </a:ext>
             <a:ext uri="{91240B29-F687-4f45-9708-019B960494DF}">
-              <a14:hiddenLine xmlns:a14="http://schemas.microsoft.com/office/drawing/2010/main" xmlns="" w="12700">
+              <a14:hiddenLine xmlns="" xmlns:a14="http://schemas.microsoft.com/office/drawing/2010/main" w="12700">
                 <a:solidFill>
                   <a:schemeClr val="tx1"/>
                 </a:solidFill>
@@ -5912,14 +5912,14 @@
               <ma14:placeholderFlag xmlns:ma14="http://schemas.microsoft.com/office/mac/drawingml/2011/main" val="1"/>
             </a:ext>
             <a:ext uri="{909E8E84-426E-40dd-AFC4-6F175D3DCCD1}">
-              <a14:hiddenFill xmlns:a14="http://schemas.microsoft.com/office/drawing/2010/main" xmlns="">
+              <a14:hiddenFill xmlns="" xmlns:a14="http://schemas.microsoft.com/office/drawing/2010/main">
                 <a:solidFill>
                   <a:srgbClr val="FFFFFF"/>
                 </a:solidFill>
               </a14:hiddenFill>
             </a:ext>
             <a:ext uri="{91240B29-F687-4f45-9708-019B960494DF}">
-              <a14:hiddenLine xmlns:a14="http://schemas.microsoft.com/office/drawing/2010/main" xmlns="" w="12700">
+              <a14:hiddenLine xmlns="" xmlns:a14="http://schemas.microsoft.com/office/drawing/2010/main" w="12700">
                 <a:solidFill>
                   <a:schemeClr val="tx1"/>
                 </a:solidFill>
@@ -6134,7 +6134,7 @@
           <a:effectLst/>
           <a:extLst>
             <a:ext uri="{91240B29-F687-4f45-9708-019B960494DF}">
-              <a14:hiddenLine xmlns:a14="http://schemas.microsoft.com/office/drawing/2010/main" xmlns="" w="12700" cap="flat" cmpd="sng" algn="ctr">
+              <a14:hiddenLine xmlns="" xmlns:a14="http://schemas.microsoft.com/office/drawing/2010/main" w="12700" cap="flat" cmpd="sng" algn="ctr">
                 <a:solidFill>
                   <a:srgbClr val="000000"/>
                 </a:solidFill>
@@ -6145,7 +6145,7 @@
               </a14:hiddenLine>
             </a:ext>
             <a:ext uri="{AF507438-7753-43e0-B8FC-AC1667EBCBE1}">
-              <a14:hiddenEffects xmlns:a14="http://schemas.microsoft.com/office/drawing/2010/main" xmlns="">
+              <a14:hiddenEffects xmlns="" xmlns:a14="http://schemas.microsoft.com/office/drawing/2010/main">
                 <a:effectLst>
                   <a:outerShdw blurRad="63500" dist="38099" dir="2700000" algn="ctr" rotWithShape="0">
                     <a:schemeClr val="bg2">
@@ -6183,14 +6183,14 @@
               <ma14:placeholderFlag xmlns:ma14="http://schemas.microsoft.com/office/mac/drawingml/2011/main" val="1"/>
             </a:ext>
             <a:ext uri="{909E8E84-426E-40dd-AFC4-6F175D3DCCD1}">
-              <a14:hiddenFill xmlns:a14="http://schemas.microsoft.com/office/drawing/2010/main" xmlns="">
+              <a14:hiddenFill xmlns="" xmlns:a14="http://schemas.microsoft.com/office/drawing/2010/main">
                 <a:solidFill>
                   <a:srgbClr val="FFFFFF"/>
                 </a:solidFill>
               </a14:hiddenFill>
             </a:ext>
             <a:ext uri="{91240B29-F687-4f45-9708-019B960494DF}">
-              <a14:hiddenLine xmlns:a14="http://schemas.microsoft.com/office/drawing/2010/main" xmlns="" w="12700">
+              <a14:hiddenLine xmlns="" xmlns:a14="http://schemas.microsoft.com/office/drawing/2010/main" w="12700">
                 <a:solidFill>
                   <a:schemeClr val="tx1"/>
                 </a:solidFill>
@@ -6618,14 +6618,14 @@
               <ma14:placeholderFlag xmlns:ma14="http://schemas.microsoft.com/office/mac/drawingml/2011/main" val="1"/>
             </a:ext>
             <a:ext uri="{909E8E84-426E-40dd-AFC4-6F175D3DCCD1}">
-              <a14:hiddenFill xmlns:a14="http://schemas.microsoft.com/office/drawing/2010/main" xmlns="">
+              <a14:hiddenFill xmlns="" xmlns:a14="http://schemas.microsoft.com/office/drawing/2010/main">
                 <a:solidFill>
                   <a:srgbClr val="FFFFFF"/>
                 </a:solidFill>
               </a14:hiddenFill>
             </a:ext>
             <a:ext uri="{91240B29-F687-4f45-9708-019B960494DF}">
-              <a14:hiddenLine xmlns:a14="http://schemas.microsoft.com/office/drawing/2010/main" xmlns="" w="12700">
+              <a14:hiddenLine xmlns="" xmlns:a14="http://schemas.microsoft.com/office/drawing/2010/main" w="12700">
                 <a:solidFill>
                   <a:schemeClr val="tx1"/>
                 </a:solidFill>
@@ -7451,14 +7451,14 @@
               <ma14:placeholderFlag xmlns:ma14="http://schemas.microsoft.com/office/mac/drawingml/2011/main" val="1"/>
             </a:ext>
             <a:ext uri="{909E8E84-426E-40dd-AFC4-6F175D3DCCD1}">
-              <a14:hiddenFill xmlns:a14="http://schemas.microsoft.com/office/drawing/2010/main" xmlns="">
+              <a14:hiddenFill xmlns="" xmlns:a14="http://schemas.microsoft.com/office/drawing/2010/main">
                 <a:solidFill>
                   <a:srgbClr val="FFFFFF"/>
                 </a:solidFill>
               </a14:hiddenFill>
             </a:ext>
             <a:ext uri="{91240B29-F687-4f45-9708-019B960494DF}">
-              <a14:hiddenLine xmlns:a14="http://schemas.microsoft.com/office/drawing/2010/main" xmlns="" w="12700">
+              <a14:hiddenLine xmlns="" xmlns:a14="http://schemas.microsoft.com/office/drawing/2010/main" w="12700">
                 <a:solidFill>
                   <a:schemeClr val="tx1"/>
                 </a:solidFill>
@@ -7673,7 +7673,7 @@
           <a:effectLst/>
           <a:extLst>
             <a:ext uri="{91240B29-F687-4f45-9708-019B960494DF}">
-              <a14:hiddenLine xmlns:a14="http://schemas.microsoft.com/office/drawing/2010/main" xmlns="" w="12700" cap="flat" cmpd="sng" algn="ctr">
+              <a14:hiddenLine xmlns="" xmlns:a14="http://schemas.microsoft.com/office/drawing/2010/main" w="12700" cap="flat" cmpd="sng" algn="ctr">
                 <a:solidFill>
                   <a:srgbClr val="000000"/>
                 </a:solidFill>
@@ -7684,7 +7684,7 @@
               </a14:hiddenLine>
             </a:ext>
             <a:ext uri="{AF507438-7753-43e0-B8FC-AC1667EBCBE1}">
-              <a14:hiddenEffects xmlns:a14="http://schemas.microsoft.com/office/drawing/2010/main" xmlns="">
+              <a14:hiddenEffects xmlns="" xmlns:a14="http://schemas.microsoft.com/office/drawing/2010/main">
                 <a:effectLst>
                   <a:outerShdw blurRad="63500" dist="38099" dir="2700000" algn="ctr" rotWithShape="0">
                     <a:schemeClr val="bg2">
@@ -7722,14 +7722,14 @@
               <ma14:placeholderFlag xmlns:ma14="http://schemas.microsoft.com/office/mac/drawingml/2011/main" val="1"/>
             </a:ext>
             <a:ext uri="{909E8E84-426E-40dd-AFC4-6F175D3DCCD1}">
-              <a14:hiddenFill xmlns:a14="http://schemas.microsoft.com/office/drawing/2010/main" xmlns="">
+              <a14:hiddenFill xmlns="" xmlns:a14="http://schemas.microsoft.com/office/drawing/2010/main">
                 <a:solidFill>
                   <a:srgbClr val="FFFFFF"/>
                 </a:solidFill>
               </a14:hiddenFill>
             </a:ext>
             <a:ext uri="{91240B29-F687-4f45-9708-019B960494DF}">
-              <a14:hiddenLine xmlns:a14="http://schemas.microsoft.com/office/drawing/2010/main" xmlns="" w="12700">
+              <a14:hiddenLine xmlns="" xmlns:a14="http://schemas.microsoft.com/office/drawing/2010/main" w="12700">
                 <a:solidFill>
                   <a:schemeClr val="tx1"/>
                 </a:solidFill>
@@ -8157,14 +8157,14 @@
               <ma14:placeholderFlag xmlns:ma14="http://schemas.microsoft.com/office/mac/drawingml/2011/main" val="1"/>
             </a:ext>
             <a:ext uri="{909E8E84-426E-40dd-AFC4-6F175D3DCCD1}">
-              <a14:hiddenFill xmlns:a14="http://schemas.microsoft.com/office/drawing/2010/main" xmlns="">
+              <a14:hiddenFill xmlns="" xmlns:a14="http://schemas.microsoft.com/office/drawing/2010/main">
                 <a:solidFill>
                   <a:srgbClr val="FFFFFF"/>
                 </a:solidFill>
               </a14:hiddenFill>
             </a:ext>
             <a:ext uri="{91240B29-F687-4f45-9708-019B960494DF}">
-              <a14:hiddenLine xmlns:a14="http://schemas.microsoft.com/office/drawing/2010/main" xmlns="" w="12700">
+              <a14:hiddenLine xmlns="" xmlns:a14="http://schemas.microsoft.com/office/drawing/2010/main" w="12700">
                 <a:solidFill>
                   <a:schemeClr val="tx1"/>
                 </a:solidFill>
@@ -8713,14 +8713,14 @@
               <ma14:placeholderFlag xmlns:ma14="http://schemas.microsoft.com/office/mac/drawingml/2011/main" val="1"/>
             </a:ext>
             <a:ext uri="{909E8E84-426E-40dd-AFC4-6F175D3DCCD1}">
-              <a14:hiddenFill xmlns:a14="http://schemas.microsoft.com/office/drawing/2010/main" xmlns="">
+              <a14:hiddenFill xmlns="" xmlns:a14="http://schemas.microsoft.com/office/drawing/2010/main">
                 <a:solidFill>
                   <a:srgbClr val="FFFFFF"/>
                 </a:solidFill>
               </a14:hiddenFill>
             </a:ext>
             <a:ext uri="{91240B29-F687-4f45-9708-019B960494DF}">
-              <a14:hiddenLine xmlns:a14="http://schemas.microsoft.com/office/drawing/2010/main" xmlns="" w="12700">
+              <a14:hiddenLine xmlns="" xmlns:a14="http://schemas.microsoft.com/office/drawing/2010/main" w="12700">
                 <a:solidFill>
                   <a:schemeClr val="tx1"/>
                 </a:solidFill>
@@ -8935,7 +8935,7 @@
           <a:effectLst/>
           <a:extLst>
             <a:ext uri="{91240B29-F687-4f45-9708-019B960494DF}">
-              <a14:hiddenLine xmlns:a14="http://schemas.microsoft.com/office/drawing/2010/main" xmlns="" w="12700" cap="flat" cmpd="sng" algn="ctr">
+              <a14:hiddenLine xmlns="" xmlns:a14="http://schemas.microsoft.com/office/drawing/2010/main" w="12700" cap="flat" cmpd="sng" algn="ctr">
                 <a:solidFill>
                   <a:srgbClr val="000000"/>
                 </a:solidFill>
@@ -8946,7 +8946,7 @@
               </a14:hiddenLine>
             </a:ext>
             <a:ext uri="{AF507438-7753-43e0-B8FC-AC1667EBCBE1}">
-              <a14:hiddenEffects xmlns:a14="http://schemas.microsoft.com/office/drawing/2010/main" xmlns="">
+              <a14:hiddenEffects xmlns="" xmlns:a14="http://schemas.microsoft.com/office/drawing/2010/main">
                 <a:effectLst>
                   <a:outerShdw blurRad="63500" dist="38099" dir="2700000" algn="ctr" rotWithShape="0">
                     <a:schemeClr val="bg2">
@@ -8984,14 +8984,14 @@
               <ma14:placeholderFlag xmlns:ma14="http://schemas.microsoft.com/office/mac/drawingml/2011/main" val="1"/>
             </a:ext>
             <a:ext uri="{909E8E84-426E-40dd-AFC4-6F175D3DCCD1}">
-              <a14:hiddenFill xmlns:a14="http://schemas.microsoft.com/office/drawing/2010/main" xmlns="">
+              <a14:hiddenFill xmlns="" xmlns:a14="http://schemas.microsoft.com/office/drawing/2010/main">
                 <a:solidFill>
                   <a:srgbClr val="FFFFFF"/>
                 </a:solidFill>
               </a14:hiddenFill>
             </a:ext>
             <a:ext uri="{91240B29-F687-4f45-9708-019B960494DF}">
-              <a14:hiddenLine xmlns:a14="http://schemas.microsoft.com/office/drawing/2010/main" xmlns="" w="12700">
+              <a14:hiddenLine xmlns="" xmlns:a14="http://schemas.microsoft.com/office/drawing/2010/main" w="12700">
                 <a:solidFill>
                   <a:schemeClr val="tx1"/>
                 </a:solidFill>
@@ -9419,14 +9419,14 @@
               <ma14:placeholderFlag xmlns:ma14="http://schemas.microsoft.com/office/mac/drawingml/2011/main" val="1"/>
             </a:ext>
             <a:ext uri="{909E8E84-426E-40dd-AFC4-6F175D3DCCD1}">
-              <a14:hiddenFill xmlns:a14="http://schemas.microsoft.com/office/drawing/2010/main" xmlns="">
+              <a14:hiddenFill xmlns="" xmlns:a14="http://schemas.microsoft.com/office/drawing/2010/main">
                 <a:solidFill>
                   <a:srgbClr val="FFFFFF"/>
                 </a:solidFill>
               </a14:hiddenFill>
             </a:ext>
             <a:ext uri="{91240B29-F687-4f45-9708-019B960494DF}">
-              <a14:hiddenLine xmlns:a14="http://schemas.microsoft.com/office/drawing/2010/main" xmlns="" w="12700">
+              <a14:hiddenLine xmlns="" xmlns:a14="http://schemas.microsoft.com/office/drawing/2010/main" w="12700">
                 <a:solidFill>
                   <a:schemeClr val="tx1"/>
                 </a:solidFill>
@@ -9922,7 +9922,7 @@
             <a:effectLst/>
             <a:extLst>
               <a:ext uri="{91240B29-F687-4f45-9708-019B960494DF}">
-                <a14:hiddenLine xmlns:a14="http://schemas.microsoft.com/office/drawing/2010/main" xmlns="" w="12700" cap="flat" cmpd="sng" algn="ctr">
+                <a14:hiddenLine xmlns="" xmlns:a14="http://schemas.microsoft.com/office/drawing/2010/main" w="12700" cap="flat" cmpd="sng" algn="ctr">
                   <a:solidFill>
                     <a:srgbClr val="000000"/>
                   </a:solidFill>
@@ -9933,7 +9933,7 @@
                 </a14:hiddenLine>
               </a:ext>
               <a:ext uri="{AF507438-7753-43e0-B8FC-AC1667EBCBE1}">
-                <a14:hiddenEffects xmlns:a14="http://schemas.microsoft.com/office/drawing/2010/main" xmlns="">
+                <a14:hiddenEffects xmlns="" xmlns:a14="http://schemas.microsoft.com/office/drawing/2010/main">
                   <a:effectLst>
                     <a:outerShdw blurRad="63500" dist="38099" dir="2700000" algn="ctr" rotWithShape="0">
                       <a:schemeClr val="bg2">
@@ -10171,14 +10171,14 @@
               <ma14:placeholderFlag xmlns:ma14="http://schemas.microsoft.com/office/mac/drawingml/2011/main" val="1"/>
             </a:ext>
             <a:ext uri="{909E8E84-426E-40dd-AFC4-6F175D3DCCD1}">
-              <a14:hiddenFill xmlns:a14="http://schemas.microsoft.com/office/drawing/2010/main" xmlns="">
+              <a14:hiddenFill xmlns="" xmlns:a14="http://schemas.microsoft.com/office/drawing/2010/main">
                 <a:solidFill>
                   <a:srgbClr val="FFFFFF"/>
                 </a:solidFill>
               </a14:hiddenFill>
             </a:ext>
             <a:ext uri="{91240B29-F687-4f45-9708-019B960494DF}">
-              <a14:hiddenLine xmlns:a14="http://schemas.microsoft.com/office/drawing/2010/main" xmlns="" w="12700">
+              <a14:hiddenLine xmlns="" xmlns:a14="http://schemas.microsoft.com/office/drawing/2010/main" w="12700">
                 <a:solidFill>
                   <a:schemeClr val="tx1"/>
                 </a:solidFill>
@@ -10393,7 +10393,7 @@
           <a:effectLst/>
           <a:extLst>
             <a:ext uri="{91240B29-F687-4f45-9708-019B960494DF}">
-              <a14:hiddenLine xmlns:a14="http://schemas.microsoft.com/office/drawing/2010/main" xmlns="" w="12700" cap="flat" cmpd="sng" algn="ctr">
+              <a14:hiddenLine xmlns="" xmlns:a14="http://schemas.microsoft.com/office/drawing/2010/main" w="12700" cap="flat" cmpd="sng" algn="ctr">
                 <a:solidFill>
                   <a:srgbClr val="000000"/>
                 </a:solidFill>
@@ -10404,7 +10404,7 @@
               </a14:hiddenLine>
             </a:ext>
             <a:ext uri="{AF507438-7753-43e0-B8FC-AC1667EBCBE1}">
-              <a14:hiddenEffects xmlns:a14="http://schemas.microsoft.com/office/drawing/2010/main" xmlns="">
+              <a14:hiddenEffects xmlns="" xmlns:a14="http://schemas.microsoft.com/office/drawing/2010/main">
                 <a:effectLst>
                   <a:outerShdw blurRad="63500" dist="38099" dir="2700000" algn="ctr" rotWithShape="0">
                     <a:schemeClr val="bg2">
@@ -10442,14 +10442,14 @@
               <ma14:placeholderFlag xmlns:ma14="http://schemas.microsoft.com/office/mac/drawingml/2011/main" val="1"/>
             </a:ext>
             <a:ext uri="{909E8E84-426E-40dd-AFC4-6F175D3DCCD1}">
-              <a14:hiddenFill xmlns:a14="http://schemas.microsoft.com/office/drawing/2010/main" xmlns="">
+              <a14:hiddenFill xmlns="" xmlns:a14="http://schemas.microsoft.com/office/drawing/2010/main">
                 <a:solidFill>
                   <a:srgbClr val="FFFFFF"/>
                 </a:solidFill>
               </a14:hiddenFill>
             </a:ext>
             <a:ext uri="{91240B29-F687-4f45-9708-019B960494DF}">
-              <a14:hiddenLine xmlns:a14="http://schemas.microsoft.com/office/drawing/2010/main" xmlns="" w="12700">
+              <a14:hiddenLine xmlns="" xmlns:a14="http://schemas.microsoft.com/office/drawing/2010/main" w="12700">
                 <a:solidFill>
                   <a:schemeClr val="tx1"/>
                 </a:solidFill>
@@ -10877,14 +10877,14 @@
               <ma14:placeholderFlag xmlns:ma14="http://schemas.microsoft.com/office/mac/drawingml/2011/main" val="1"/>
             </a:ext>
             <a:ext uri="{909E8E84-426E-40dd-AFC4-6F175D3DCCD1}">
-              <a14:hiddenFill xmlns:a14="http://schemas.microsoft.com/office/drawing/2010/main" xmlns="">
+              <a14:hiddenFill xmlns="" xmlns:a14="http://schemas.microsoft.com/office/drawing/2010/main">
                 <a:solidFill>
                   <a:srgbClr val="FFFFFF"/>
                 </a:solidFill>
               </a14:hiddenFill>
             </a:ext>
             <a:ext uri="{91240B29-F687-4f45-9708-019B960494DF}">
-              <a14:hiddenLine xmlns:a14="http://schemas.microsoft.com/office/drawing/2010/main" xmlns="" w="12700">
+              <a14:hiddenLine xmlns="" xmlns:a14="http://schemas.microsoft.com/office/drawing/2010/main" w="12700">
                 <a:solidFill>
                   <a:schemeClr val="tx1"/>
                 </a:solidFill>
@@ -11393,7 +11393,7 @@
             <a:effectLst/>
             <a:extLst>
               <a:ext uri="{91240B29-F687-4f45-9708-019B960494DF}">
-                <a14:hiddenLine xmlns:a14="http://schemas.microsoft.com/office/drawing/2010/main" xmlns="" w="12700" cap="flat" cmpd="sng" algn="ctr">
+                <a14:hiddenLine xmlns="" xmlns:a14="http://schemas.microsoft.com/office/drawing/2010/main" w="12700" cap="flat" cmpd="sng" algn="ctr">
                   <a:solidFill>
                     <a:srgbClr val="000000"/>
                   </a:solidFill>
@@ -11404,7 +11404,7 @@
                 </a14:hiddenLine>
               </a:ext>
               <a:ext uri="{AF507438-7753-43e0-B8FC-AC1667EBCBE1}">
-                <a14:hiddenEffects xmlns:a14="http://schemas.microsoft.com/office/drawing/2010/main" xmlns="">
+                <a14:hiddenEffects xmlns="" xmlns:a14="http://schemas.microsoft.com/office/drawing/2010/main">
                   <a:effectLst>
                     <a:outerShdw blurRad="63500" dist="38099" dir="2700000" algn="ctr" rotWithShape="0">
                       <a:schemeClr val="bg2">
@@ -11817,14 +11817,14 @@
               <ma14:placeholderFlag xmlns:ma14="http://schemas.microsoft.com/office/mac/drawingml/2011/main" val="1"/>
             </a:ext>
             <a:ext uri="{909E8E84-426E-40dd-AFC4-6F175D3DCCD1}">
-              <a14:hiddenFill xmlns:a14="http://schemas.microsoft.com/office/drawing/2010/main" xmlns="">
+              <a14:hiddenFill xmlns="" xmlns:a14="http://schemas.microsoft.com/office/drawing/2010/main">
                 <a:solidFill>
                   <a:srgbClr val="FFFFFF"/>
                 </a:solidFill>
               </a14:hiddenFill>
             </a:ext>
             <a:ext uri="{91240B29-F687-4f45-9708-019B960494DF}">
-              <a14:hiddenLine xmlns:a14="http://schemas.microsoft.com/office/drawing/2010/main" xmlns="" w="12700">
+              <a14:hiddenLine xmlns="" xmlns:a14="http://schemas.microsoft.com/office/drawing/2010/main" w="12700">
                 <a:solidFill>
                   <a:schemeClr val="tx1"/>
                 </a:solidFill>
@@ -12039,7 +12039,7 @@
           <a:effectLst/>
           <a:extLst>
             <a:ext uri="{91240B29-F687-4f45-9708-019B960494DF}">
-              <a14:hiddenLine xmlns:a14="http://schemas.microsoft.com/office/drawing/2010/main" xmlns="" w="12700" cap="flat" cmpd="sng" algn="ctr">
+              <a14:hiddenLine xmlns="" xmlns:a14="http://schemas.microsoft.com/office/drawing/2010/main" w="12700" cap="flat" cmpd="sng" algn="ctr">
                 <a:solidFill>
                   <a:srgbClr val="000000"/>
                 </a:solidFill>
@@ -12050,7 +12050,7 @@
               </a14:hiddenLine>
             </a:ext>
             <a:ext uri="{AF507438-7753-43e0-B8FC-AC1667EBCBE1}">
-              <a14:hiddenEffects xmlns:a14="http://schemas.microsoft.com/office/drawing/2010/main" xmlns="">
+              <a14:hiddenEffects xmlns="" xmlns:a14="http://schemas.microsoft.com/office/drawing/2010/main">
                 <a:effectLst>
                   <a:outerShdw blurRad="63500" dist="38099" dir="2700000" algn="ctr" rotWithShape="0">
                     <a:schemeClr val="bg2">
@@ -12088,14 +12088,14 @@
               <ma14:placeholderFlag xmlns:ma14="http://schemas.microsoft.com/office/mac/drawingml/2011/main" val="1"/>
             </a:ext>
             <a:ext uri="{909E8E84-426E-40dd-AFC4-6F175D3DCCD1}">
-              <a14:hiddenFill xmlns:a14="http://schemas.microsoft.com/office/drawing/2010/main" xmlns="">
+              <a14:hiddenFill xmlns="" xmlns:a14="http://schemas.microsoft.com/office/drawing/2010/main">
                 <a:solidFill>
                   <a:srgbClr val="FFFFFF"/>
                 </a:solidFill>
               </a14:hiddenFill>
             </a:ext>
             <a:ext uri="{91240B29-F687-4f45-9708-019B960494DF}">
-              <a14:hiddenLine xmlns:a14="http://schemas.microsoft.com/office/drawing/2010/main" xmlns="" w="12700">
+              <a14:hiddenLine xmlns="" xmlns:a14="http://schemas.microsoft.com/office/drawing/2010/main" w="12700">
                 <a:solidFill>
                   <a:schemeClr val="tx1"/>
                 </a:solidFill>
@@ -12523,14 +12523,14 @@
               <ma14:placeholderFlag xmlns:ma14="http://schemas.microsoft.com/office/mac/drawingml/2011/main" val="1"/>
             </a:ext>
             <a:ext uri="{909E8E84-426E-40dd-AFC4-6F175D3DCCD1}">
-              <a14:hiddenFill xmlns:a14="http://schemas.microsoft.com/office/drawing/2010/main" xmlns="">
+              <a14:hiddenFill xmlns="" xmlns:a14="http://schemas.microsoft.com/office/drawing/2010/main">
                 <a:solidFill>
                   <a:srgbClr val="FFFFFF"/>
                 </a:solidFill>
               </a14:hiddenFill>
             </a:ext>
             <a:ext uri="{91240B29-F687-4f45-9708-019B960494DF}">
-              <a14:hiddenLine xmlns:a14="http://schemas.microsoft.com/office/drawing/2010/main" xmlns="" w="12700">
+              <a14:hiddenLine xmlns="" xmlns:a14="http://schemas.microsoft.com/office/drawing/2010/main" w="12700">
                 <a:solidFill>
                   <a:schemeClr val="tx1"/>
                 </a:solidFill>
@@ -12921,14 +12921,14 @@
               <ma14:placeholderFlag xmlns:ma14="http://schemas.microsoft.com/office/mac/drawingml/2011/main" val="1"/>
             </a:ext>
             <a:ext uri="{909E8E84-426E-40dd-AFC4-6F175D3DCCD1}">
-              <a14:hiddenFill xmlns:a14="http://schemas.microsoft.com/office/drawing/2010/main" xmlns="">
+              <a14:hiddenFill xmlns="" xmlns:a14="http://schemas.microsoft.com/office/drawing/2010/main">
                 <a:solidFill>
                   <a:srgbClr val="FFFFFF"/>
                 </a:solidFill>
               </a14:hiddenFill>
             </a:ext>
             <a:ext uri="{91240B29-F687-4f45-9708-019B960494DF}">
-              <a14:hiddenLine xmlns:a14="http://schemas.microsoft.com/office/drawing/2010/main" xmlns="" w="12700">
+              <a14:hiddenLine xmlns="" xmlns:a14="http://schemas.microsoft.com/office/drawing/2010/main" w="12700">
                 <a:solidFill>
                   <a:schemeClr val="tx1"/>
                 </a:solidFill>
@@ -13143,7 +13143,7 @@
           <a:effectLst/>
           <a:extLst>
             <a:ext uri="{91240B29-F687-4f45-9708-019B960494DF}">
-              <a14:hiddenLine xmlns:a14="http://schemas.microsoft.com/office/drawing/2010/main" xmlns="" w="12700" cap="flat" cmpd="sng" algn="ctr">
+              <a14:hiddenLine xmlns="" xmlns:a14="http://schemas.microsoft.com/office/drawing/2010/main" w="12700" cap="flat" cmpd="sng" algn="ctr">
                 <a:solidFill>
                   <a:srgbClr val="000000"/>
                 </a:solidFill>
@@ -13154,7 +13154,7 @@
               </a14:hiddenLine>
             </a:ext>
             <a:ext uri="{AF507438-7753-43e0-B8FC-AC1667EBCBE1}">
-              <a14:hiddenEffects xmlns:a14="http://schemas.microsoft.com/office/drawing/2010/main" xmlns="">
+              <a14:hiddenEffects xmlns="" xmlns:a14="http://schemas.microsoft.com/office/drawing/2010/main">
                 <a:effectLst>
                   <a:outerShdw blurRad="63500" dist="38099" dir="2700000" algn="ctr" rotWithShape="0">
                     <a:schemeClr val="bg2">
@@ -13192,14 +13192,14 @@
               <ma14:placeholderFlag xmlns:ma14="http://schemas.microsoft.com/office/mac/drawingml/2011/main" val="1"/>
             </a:ext>
             <a:ext uri="{909E8E84-426E-40dd-AFC4-6F175D3DCCD1}">
-              <a14:hiddenFill xmlns:a14="http://schemas.microsoft.com/office/drawing/2010/main" xmlns="">
+              <a14:hiddenFill xmlns="" xmlns:a14="http://schemas.microsoft.com/office/drawing/2010/main">
                 <a:solidFill>
                   <a:srgbClr val="FFFFFF"/>
                 </a:solidFill>
               </a14:hiddenFill>
             </a:ext>
             <a:ext uri="{91240B29-F687-4f45-9708-019B960494DF}">
-              <a14:hiddenLine xmlns:a14="http://schemas.microsoft.com/office/drawing/2010/main" xmlns="" w="12700">
+              <a14:hiddenLine xmlns="" xmlns:a14="http://schemas.microsoft.com/office/drawing/2010/main" w="12700">
                 <a:solidFill>
                   <a:schemeClr val="tx1"/>
                 </a:solidFill>
@@ -13627,14 +13627,14 @@
               <ma14:placeholderFlag xmlns:ma14="http://schemas.microsoft.com/office/mac/drawingml/2011/main" val="1"/>
             </a:ext>
             <a:ext uri="{909E8E84-426E-40dd-AFC4-6F175D3DCCD1}">
-              <a14:hiddenFill xmlns:a14="http://schemas.microsoft.com/office/drawing/2010/main" xmlns="">
+              <a14:hiddenFill xmlns="" xmlns:a14="http://schemas.microsoft.com/office/drawing/2010/main">
                 <a:solidFill>
                   <a:srgbClr val="FFFFFF"/>
                 </a:solidFill>
               </a14:hiddenFill>
             </a:ext>
             <a:ext uri="{91240B29-F687-4f45-9708-019B960494DF}">
-              <a14:hiddenLine xmlns:a14="http://schemas.microsoft.com/office/drawing/2010/main" xmlns="" w="12700">
+              <a14:hiddenLine xmlns="" xmlns:a14="http://schemas.microsoft.com/office/drawing/2010/main" w="12700">
                 <a:solidFill>
                   <a:schemeClr val="tx1"/>
                 </a:solidFill>
@@ -14185,14 +14185,14 @@
               <ma14:placeholderFlag xmlns:ma14="http://schemas.microsoft.com/office/mac/drawingml/2011/main" val="1"/>
             </a:ext>
             <a:ext uri="{909E8E84-426E-40dd-AFC4-6F175D3DCCD1}">
-              <a14:hiddenFill xmlns:a14="http://schemas.microsoft.com/office/drawing/2010/main" xmlns="">
+              <a14:hiddenFill xmlns="" xmlns:a14="http://schemas.microsoft.com/office/drawing/2010/main">
                 <a:solidFill>
                   <a:srgbClr val="FFFFFF"/>
                 </a:solidFill>
               </a14:hiddenFill>
             </a:ext>
             <a:ext uri="{91240B29-F687-4f45-9708-019B960494DF}">
-              <a14:hiddenLine xmlns:a14="http://schemas.microsoft.com/office/drawing/2010/main" xmlns="" w="12700">
+              <a14:hiddenLine xmlns="" xmlns:a14="http://schemas.microsoft.com/office/drawing/2010/main" w="12700">
                 <a:solidFill>
                   <a:schemeClr val="tx1"/>
                 </a:solidFill>
@@ -14407,7 +14407,7 @@
           <a:effectLst/>
           <a:extLst>
             <a:ext uri="{91240B29-F687-4f45-9708-019B960494DF}">
-              <a14:hiddenLine xmlns:a14="http://schemas.microsoft.com/office/drawing/2010/main" xmlns="" w="12700" cap="flat" cmpd="sng" algn="ctr">
+              <a14:hiddenLine xmlns="" xmlns:a14="http://schemas.microsoft.com/office/drawing/2010/main" w="12700" cap="flat" cmpd="sng" algn="ctr">
                 <a:solidFill>
                   <a:srgbClr val="000000"/>
                 </a:solidFill>
@@ -14418,7 +14418,7 @@
               </a14:hiddenLine>
             </a:ext>
             <a:ext uri="{AF507438-7753-43e0-B8FC-AC1667EBCBE1}">
-              <a14:hiddenEffects xmlns:a14="http://schemas.microsoft.com/office/drawing/2010/main" xmlns="">
+              <a14:hiddenEffects xmlns="" xmlns:a14="http://schemas.microsoft.com/office/drawing/2010/main">
                 <a:effectLst>
                   <a:outerShdw blurRad="63500" dist="38099" dir="2700000" algn="ctr" rotWithShape="0">
                     <a:schemeClr val="bg2">
@@ -14456,14 +14456,14 @@
               <ma14:placeholderFlag xmlns:ma14="http://schemas.microsoft.com/office/mac/drawingml/2011/main" val="1"/>
             </a:ext>
             <a:ext uri="{909E8E84-426E-40dd-AFC4-6F175D3DCCD1}">
-              <a14:hiddenFill xmlns:a14="http://schemas.microsoft.com/office/drawing/2010/main" xmlns="">
+              <a14:hiddenFill xmlns="" xmlns:a14="http://schemas.microsoft.com/office/drawing/2010/main">
                 <a:solidFill>
                   <a:srgbClr val="FFFFFF"/>
                 </a:solidFill>
               </a14:hiddenFill>
             </a:ext>
             <a:ext uri="{91240B29-F687-4f45-9708-019B960494DF}">
-              <a14:hiddenLine xmlns:a14="http://schemas.microsoft.com/office/drawing/2010/main" xmlns="" w="12700">
+              <a14:hiddenLine xmlns="" xmlns:a14="http://schemas.microsoft.com/office/drawing/2010/main" w="12700">
                 <a:solidFill>
                   <a:schemeClr val="tx1"/>
                 </a:solidFill>
@@ -14891,14 +14891,14 @@
               <ma14:placeholderFlag xmlns:ma14="http://schemas.microsoft.com/office/mac/drawingml/2011/main" val="1"/>
             </a:ext>
             <a:ext uri="{909E8E84-426E-40dd-AFC4-6F175D3DCCD1}">
-              <a14:hiddenFill xmlns:a14="http://schemas.microsoft.com/office/drawing/2010/main" xmlns="">
+              <a14:hiddenFill xmlns="" xmlns:a14="http://schemas.microsoft.com/office/drawing/2010/main">
                 <a:solidFill>
                   <a:srgbClr val="FFFFFF"/>
                 </a:solidFill>
               </a14:hiddenFill>
             </a:ext>
             <a:ext uri="{91240B29-F687-4f45-9708-019B960494DF}">
-              <a14:hiddenLine xmlns:a14="http://schemas.microsoft.com/office/drawing/2010/main" xmlns="" w="12700">
+              <a14:hiddenLine xmlns="" xmlns:a14="http://schemas.microsoft.com/office/drawing/2010/main" w="12700">
                 <a:solidFill>
                   <a:schemeClr val="tx1"/>
                 </a:solidFill>
@@ -15754,14 +15754,14 @@
               <ma14:placeholderFlag xmlns:ma14="http://schemas.microsoft.com/office/mac/drawingml/2011/main" val="1"/>
             </a:ext>
             <a:ext uri="{909E8E84-426E-40dd-AFC4-6F175D3DCCD1}">
-              <a14:hiddenFill xmlns:a14="http://schemas.microsoft.com/office/drawing/2010/main" xmlns="">
+              <a14:hiddenFill xmlns="" xmlns:a14="http://schemas.microsoft.com/office/drawing/2010/main">
                 <a:solidFill>
                   <a:srgbClr val="FFFFFF"/>
                 </a:solidFill>
               </a14:hiddenFill>
             </a:ext>
             <a:ext uri="{91240B29-F687-4f45-9708-019B960494DF}">
-              <a14:hiddenLine xmlns:a14="http://schemas.microsoft.com/office/drawing/2010/main" xmlns="" w="12700">
+              <a14:hiddenLine xmlns="" xmlns:a14="http://schemas.microsoft.com/office/drawing/2010/main" w="12700">
                 <a:solidFill>
                   <a:schemeClr val="tx1"/>
                 </a:solidFill>
@@ -15976,7 +15976,7 @@
           <a:effectLst/>
           <a:extLst>
             <a:ext uri="{91240B29-F687-4f45-9708-019B960494DF}">
-              <a14:hiddenLine xmlns:a14="http://schemas.microsoft.com/office/drawing/2010/main" xmlns="" w="12700" cap="flat" cmpd="sng" algn="ctr">
+              <a14:hiddenLine xmlns="" xmlns:a14="http://schemas.microsoft.com/office/drawing/2010/main" w="12700" cap="flat" cmpd="sng" algn="ctr">
                 <a:solidFill>
                   <a:srgbClr val="000000"/>
                 </a:solidFill>
@@ -15987,7 +15987,7 @@
               </a14:hiddenLine>
             </a:ext>
             <a:ext uri="{AF507438-7753-43e0-B8FC-AC1667EBCBE1}">
-              <a14:hiddenEffects xmlns:a14="http://schemas.microsoft.com/office/drawing/2010/main" xmlns="">
+              <a14:hiddenEffects xmlns="" xmlns:a14="http://schemas.microsoft.com/office/drawing/2010/main">
                 <a:effectLst>
                   <a:outerShdw blurRad="63500" dist="38099" dir="2700000" algn="ctr" rotWithShape="0">
                     <a:schemeClr val="bg2">
@@ -16025,14 +16025,14 @@
               <ma14:placeholderFlag xmlns:ma14="http://schemas.microsoft.com/office/mac/drawingml/2011/main" val="1"/>
             </a:ext>
             <a:ext uri="{909E8E84-426E-40dd-AFC4-6F175D3DCCD1}">
-              <a14:hiddenFill xmlns:a14="http://schemas.microsoft.com/office/drawing/2010/main" xmlns="">
+              <a14:hiddenFill xmlns="" xmlns:a14="http://schemas.microsoft.com/office/drawing/2010/main">
                 <a:solidFill>
                   <a:srgbClr val="FFFFFF"/>
                 </a:solidFill>
               </a14:hiddenFill>
             </a:ext>
             <a:ext uri="{91240B29-F687-4f45-9708-019B960494DF}">
-              <a14:hiddenLine xmlns:a14="http://schemas.microsoft.com/office/drawing/2010/main" xmlns="" w="12700">
+              <a14:hiddenLine xmlns="" xmlns:a14="http://schemas.microsoft.com/office/drawing/2010/main" w="12700">
                 <a:solidFill>
                   <a:schemeClr val="tx1"/>
                 </a:solidFill>
@@ -16460,14 +16460,14 @@
               <ma14:placeholderFlag xmlns:ma14="http://schemas.microsoft.com/office/mac/drawingml/2011/main" val="1"/>
             </a:ext>
             <a:ext uri="{909E8E84-426E-40dd-AFC4-6F175D3DCCD1}">
-              <a14:hiddenFill xmlns:a14="http://schemas.microsoft.com/office/drawing/2010/main" xmlns="">
+              <a14:hiddenFill xmlns="" xmlns:a14="http://schemas.microsoft.com/office/drawing/2010/main">
                 <a:solidFill>
                   <a:srgbClr val="FFFFFF"/>
                 </a:solidFill>
               </a14:hiddenFill>
             </a:ext>
             <a:ext uri="{91240B29-F687-4f45-9708-019B960494DF}">
-              <a14:hiddenLine xmlns:a14="http://schemas.microsoft.com/office/drawing/2010/main" xmlns="" w="12700">
+              <a14:hiddenLine xmlns="" xmlns:a14="http://schemas.microsoft.com/office/drawing/2010/main" w="12700">
                 <a:solidFill>
                   <a:schemeClr val="tx1"/>
                 </a:solidFill>
@@ -16954,14 +16954,14 @@
               <ma14:placeholderFlag xmlns:ma14="http://schemas.microsoft.com/office/mac/drawingml/2011/main" val="1"/>
             </a:ext>
             <a:ext uri="{909E8E84-426E-40dd-AFC4-6F175D3DCCD1}">
-              <a14:hiddenFill xmlns:a14="http://schemas.microsoft.com/office/drawing/2010/main" xmlns="">
+              <a14:hiddenFill xmlns="" xmlns:a14="http://schemas.microsoft.com/office/drawing/2010/main">
                 <a:solidFill>
                   <a:srgbClr val="FFFFFF"/>
                 </a:solidFill>
               </a14:hiddenFill>
             </a:ext>
             <a:ext uri="{91240B29-F687-4f45-9708-019B960494DF}">
-              <a14:hiddenLine xmlns:a14="http://schemas.microsoft.com/office/drawing/2010/main" xmlns="" w="12700">
+              <a14:hiddenLine xmlns="" xmlns:a14="http://schemas.microsoft.com/office/drawing/2010/main" w="12700">
                 <a:solidFill>
                   <a:schemeClr val="tx1"/>
                 </a:solidFill>
@@ -17388,14 +17388,14 @@
               <ma14:placeholderFlag xmlns:ma14="http://schemas.microsoft.com/office/mac/drawingml/2011/main" val="1"/>
             </a:ext>
             <a:ext uri="{909E8E84-426E-40dd-AFC4-6F175D3DCCD1}">
-              <a14:hiddenFill xmlns:a14="http://schemas.microsoft.com/office/drawing/2010/main" xmlns="">
+              <a14:hiddenFill xmlns="" xmlns:a14="http://schemas.microsoft.com/office/drawing/2010/main">
                 <a:solidFill>
                   <a:srgbClr val="FFFFFF"/>
                 </a:solidFill>
               </a14:hiddenFill>
             </a:ext>
             <a:ext uri="{91240B29-F687-4f45-9708-019B960494DF}">
-              <a14:hiddenLine xmlns:a14="http://schemas.microsoft.com/office/drawing/2010/main" xmlns="" w="12700">
+              <a14:hiddenLine xmlns="" xmlns:a14="http://schemas.microsoft.com/office/drawing/2010/main" w="12700">
                 <a:solidFill>
                   <a:schemeClr val="tx1"/>
                 </a:solidFill>
@@ -17610,7 +17610,7 @@
           <a:effectLst/>
           <a:extLst>
             <a:ext uri="{91240B29-F687-4f45-9708-019B960494DF}">
-              <a14:hiddenLine xmlns:a14="http://schemas.microsoft.com/office/drawing/2010/main" xmlns="" w="12700" cap="flat" cmpd="sng" algn="ctr">
+              <a14:hiddenLine xmlns="" xmlns:a14="http://schemas.microsoft.com/office/drawing/2010/main" w="12700" cap="flat" cmpd="sng" algn="ctr">
                 <a:solidFill>
                   <a:srgbClr val="000000"/>
                 </a:solidFill>
@@ -17621,7 +17621,7 @@
               </a14:hiddenLine>
             </a:ext>
             <a:ext uri="{AF507438-7753-43e0-B8FC-AC1667EBCBE1}">
-              <a14:hiddenEffects xmlns:a14="http://schemas.microsoft.com/office/drawing/2010/main" xmlns="">
+              <a14:hiddenEffects xmlns="" xmlns:a14="http://schemas.microsoft.com/office/drawing/2010/main">
                 <a:effectLst>
                   <a:outerShdw blurRad="63500" dist="38099" dir="2700000" algn="ctr" rotWithShape="0">
                     <a:schemeClr val="bg2">
@@ -17659,14 +17659,14 @@
               <ma14:placeholderFlag xmlns:ma14="http://schemas.microsoft.com/office/mac/drawingml/2011/main" val="1"/>
             </a:ext>
             <a:ext uri="{909E8E84-426E-40dd-AFC4-6F175D3DCCD1}">
-              <a14:hiddenFill xmlns:a14="http://schemas.microsoft.com/office/drawing/2010/main" xmlns="">
+              <a14:hiddenFill xmlns="" xmlns:a14="http://schemas.microsoft.com/office/drawing/2010/main">
                 <a:solidFill>
                   <a:srgbClr val="FFFFFF"/>
                 </a:solidFill>
               </a14:hiddenFill>
             </a:ext>
             <a:ext uri="{91240B29-F687-4f45-9708-019B960494DF}">
-              <a14:hiddenLine xmlns:a14="http://schemas.microsoft.com/office/drawing/2010/main" xmlns="" w="12700">
+              <a14:hiddenLine xmlns="" xmlns:a14="http://schemas.microsoft.com/office/drawing/2010/main" w="12700">
                 <a:solidFill>
                   <a:schemeClr val="tx1"/>
                 </a:solidFill>
@@ -18228,14 +18228,14 @@
               <ma14:placeholderFlag xmlns:ma14="http://schemas.microsoft.com/office/mac/drawingml/2011/main" val="1"/>
             </a:ext>
             <a:ext uri="{909E8E84-426E-40dd-AFC4-6F175D3DCCD1}">
-              <a14:hiddenFill xmlns:a14="http://schemas.microsoft.com/office/drawing/2010/main" xmlns="">
+              <a14:hiddenFill xmlns="" xmlns:a14="http://schemas.microsoft.com/office/drawing/2010/main">
                 <a:solidFill>
                   <a:srgbClr val="FFFFFF"/>
                 </a:solidFill>
               </a14:hiddenFill>
             </a:ext>
             <a:ext uri="{91240B29-F687-4f45-9708-019B960494DF}">
-              <a14:hiddenLine xmlns:a14="http://schemas.microsoft.com/office/drawing/2010/main" xmlns="" w="12700">
+              <a14:hiddenLine xmlns="" xmlns:a14="http://schemas.microsoft.com/office/drawing/2010/main" w="12700">
                 <a:solidFill>
                   <a:schemeClr val="tx1"/>
                 </a:solidFill>
@@ -18450,7 +18450,7 @@
           <a:effectLst/>
           <a:extLst>
             <a:ext uri="{91240B29-F687-4f45-9708-019B960494DF}">
-              <a14:hiddenLine xmlns:a14="http://schemas.microsoft.com/office/drawing/2010/main" xmlns="" w="12700" cap="flat" cmpd="sng" algn="ctr">
+              <a14:hiddenLine xmlns="" xmlns:a14="http://schemas.microsoft.com/office/drawing/2010/main" w="12700" cap="flat" cmpd="sng" algn="ctr">
                 <a:solidFill>
                   <a:srgbClr val="000000"/>
                 </a:solidFill>
@@ -18461,7 +18461,7 @@
               </a14:hiddenLine>
             </a:ext>
             <a:ext uri="{AF507438-7753-43e0-B8FC-AC1667EBCBE1}">
-              <a14:hiddenEffects xmlns:a14="http://schemas.microsoft.com/office/drawing/2010/main" xmlns="">
+              <a14:hiddenEffects xmlns="" xmlns:a14="http://schemas.microsoft.com/office/drawing/2010/main">
                 <a:effectLst>
                   <a:outerShdw blurRad="63500" dist="38099" dir="2700000" algn="ctr" rotWithShape="0">
                     <a:schemeClr val="bg2">
@@ -18499,14 +18499,14 @@
               <ma14:placeholderFlag xmlns:ma14="http://schemas.microsoft.com/office/mac/drawingml/2011/main" val="1"/>
             </a:ext>
             <a:ext uri="{909E8E84-426E-40dd-AFC4-6F175D3DCCD1}">
-              <a14:hiddenFill xmlns:a14="http://schemas.microsoft.com/office/drawing/2010/main" xmlns="">
+              <a14:hiddenFill xmlns="" xmlns:a14="http://schemas.microsoft.com/office/drawing/2010/main">
                 <a:solidFill>
                   <a:srgbClr val="FFFFFF"/>
                 </a:solidFill>
               </a14:hiddenFill>
             </a:ext>
             <a:ext uri="{91240B29-F687-4f45-9708-019B960494DF}">
-              <a14:hiddenLine xmlns:a14="http://schemas.microsoft.com/office/drawing/2010/main" xmlns="" w="12700">
+              <a14:hiddenLine xmlns="" xmlns:a14="http://schemas.microsoft.com/office/drawing/2010/main" w="12700">
                 <a:solidFill>
                   <a:schemeClr val="tx1"/>
                 </a:solidFill>
@@ -18913,8 +18913,8 @@
         </p:nvSpPr>
         <p:spPr bwMode="auto">
           <a:xfrm>
-            <a:off x="328614" y="1314450"/>
-            <a:ext cx="6008178" cy="3500438"/>
+            <a:off x="328613" y="1314450"/>
+            <a:ext cx="6382511" cy="3500438"/>
           </a:xfrm>
           <a:prstGeom prst="rect">
             <a:avLst/>
@@ -18928,14 +18928,14 @@
               <ma14:placeholderFlag xmlns:ma14="http://schemas.microsoft.com/office/mac/drawingml/2011/main" val="1"/>
             </a:ext>
             <a:ext uri="{909E8E84-426E-40dd-AFC4-6F175D3DCCD1}">
-              <a14:hiddenFill xmlns:a14="http://schemas.microsoft.com/office/drawing/2010/main" xmlns="">
+              <a14:hiddenFill xmlns="" xmlns:a14="http://schemas.microsoft.com/office/drawing/2010/main">
                 <a:solidFill>
                   <a:srgbClr val="FFFFFF"/>
                 </a:solidFill>
               </a14:hiddenFill>
             </a:ext>
             <a:ext uri="{91240B29-F687-4f45-9708-019B960494DF}">
-              <a14:hiddenLine xmlns:a14="http://schemas.microsoft.com/office/drawing/2010/main" xmlns="" w="12700">
+              <a14:hiddenLine xmlns="" xmlns:a14="http://schemas.microsoft.com/office/drawing/2010/main" w="12700">
                 <a:solidFill>
                   <a:schemeClr val="tx1"/>
                 </a:solidFill>
@@ -19456,6 +19456,22 @@
               <a:t> </a:t>
             </a:r>
             <a:r>
+              <a:rPr lang="zh-CN" altLang="en-US" dirty="0">
+                <a:solidFill>
+                  <a:schemeClr val="tx1"/>
+                </a:solidFill>
+              </a:rPr>
+              <a:t> </a:t>
+            </a:r>
+            <a:r>
+              <a:rPr lang="zh-CN" altLang="en-US" dirty="0" smtClean="0">
+                <a:solidFill>
+                  <a:schemeClr val="tx1"/>
+                </a:solidFill>
+              </a:rPr>
+              <a:t>  </a:t>
+            </a:r>
+            <a:r>
               <a:rPr lang="en-US" altLang="zh-CN" dirty="0" smtClean="0">
                 <a:solidFill>
                   <a:schemeClr val="tx1"/>
@@ -19700,6 +19716,38 @@
                 </a:solidFill>
               </a:rPr>
               <a:t>words</a:t>
+            </a:r>
+            <a:r>
+              <a:rPr lang="zh-CN" altLang="en-US" dirty="0" smtClean="0">
+                <a:solidFill>
+                  <a:schemeClr val="tx1"/>
+                </a:solidFill>
+              </a:rPr>
+              <a:t> </a:t>
+            </a:r>
+            <a:r>
+              <a:rPr lang="en-US" altLang="zh-CN" dirty="0" smtClean="0">
+                <a:solidFill>
+                  <a:schemeClr val="tx1"/>
+                </a:solidFill>
+              </a:rPr>
+              <a:t>in</a:t>
+            </a:r>
+            <a:r>
+              <a:rPr lang="zh-CN" altLang="en-US" dirty="0">
+                <a:solidFill>
+                  <a:schemeClr val="tx1"/>
+                </a:solidFill>
+              </a:rPr>
+              <a:t> </a:t>
+            </a:r>
+            <a:r>
+              <a:rPr lang="en-US" altLang="zh-CN" dirty="0" smtClean="0">
+                <a:solidFill>
+                  <a:schemeClr val="tx1"/>
+                </a:solidFill>
+              </a:rPr>
+              <a:t>sequence</a:t>
             </a:r>
             <a:r>
               <a:rPr lang="zh-CN" altLang="en-US" dirty="0" smtClean="0">
@@ -20140,14 +20188,14 @@
               <ma14:placeholderFlag xmlns:ma14="http://schemas.microsoft.com/office/mac/drawingml/2011/main" val="1"/>
             </a:ext>
             <a:ext uri="{909E8E84-426E-40dd-AFC4-6F175D3DCCD1}">
-              <a14:hiddenFill xmlns:a14="http://schemas.microsoft.com/office/drawing/2010/main" xmlns="">
+              <a14:hiddenFill xmlns="" xmlns:a14="http://schemas.microsoft.com/office/drawing/2010/main">
                 <a:solidFill>
                   <a:srgbClr val="FFFFFF"/>
                 </a:solidFill>
               </a14:hiddenFill>
             </a:ext>
             <a:ext uri="{91240B29-F687-4f45-9708-019B960494DF}">
-              <a14:hiddenLine xmlns:a14="http://schemas.microsoft.com/office/drawing/2010/main" xmlns="" w="12700">
+              <a14:hiddenLine xmlns="" xmlns:a14="http://schemas.microsoft.com/office/drawing/2010/main" w="12700">
                 <a:solidFill>
                   <a:schemeClr val="tx1"/>
                 </a:solidFill>
@@ -20362,7 +20410,7 @@
           <a:effectLst/>
           <a:extLst>
             <a:ext uri="{91240B29-F687-4f45-9708-019B960494DF}">
-              <a14:hiddenLine xmlns:a14="http://schemas.microsoft.com/office/drawing/2010/main" xmlns="" w="12700" cap="flat" cmpd="sng" algn="ctr">
+              <a14:hiddenLine xmlns="" xmlns:a14="http://schemas.microsoft.com/office/drawing/2010/main" w="12700" cap="flat" cmpd="sng" algn="ctr">
                 <a:solidFill>
                   <a:srgbClr val="000000"/>
                 </a:solidFill>
@@ -20373,7 +20421,7 @@
               </a14:hiddenLine>
             </a:ext>
             <a:ext uri="{AF507438-7753-43e0-B8FC-AC1667EBCBE1}">
-              <a14:hiddenEffects xmlns:a14="http://schemas.microsoft.com/office/drawing/2010/main" xmlns="">
+              <a14:hiddenEffects xmlns="" xmlns:a14="http://schemas.microsoft.com/office/drawing/2010/main">
                 <a:effectLst>
                   <a:outerShdw blurRad="63500" dist="38099" dir="2700000" algn="ctr" rotWithShape="0">
                     <a:schemeClr val="bg2">
@@ -20411,14 +20459,14 @@
               <ma14:placeholderFlag xmlns:ma14="http://schemas.microsoft.com/office/mac/drawingml/2011/main" val="1"/>
             </a:ext>
             <a:ext uri="{909E8E84-426E-40dd-AFC4-6F175D3DCCD1}">
-              <a14:hiddenFill xmlns:a14="http://schemas.microsoft.com/office/drawing/2010/main" xmlns="">
+              <a14:hiddenFill xmlns="" xmlns:a14="http://schemas.microsoft.com/office/drawing/2010/main">
                 <a:solidFill>
                   <a:srgbClr val="FFFFFF"/>
                 </a:solidFill>
               </a14:hiddenFill>
             </a:ext>
             <a:ext uri="{91240B29-F687-4f45-9708-019B960494DF}">
-              <a14:hiddenLine xmlns:a14="http://schemas.microsoft.com/office/drawing/2010/main" xmlns="" w="12700">
+              <a14:hiddenLine xmlns="" xmlns:a14="http://schemas.microsoft.com/office/drawing/2010/main" w="12700">
                 <a:solidFill>
                   <a:schemeClr val="tx1"/>
                 </a:solidFill>
@@ -20852,7 +20900,7 @@
             <a:effectLst/>
             <a:extLst>
               <a:ext uri="{91240B29-F687-4f45-9708-019B960494DF}">
-                <a14:hiddenLine xmlns:a14="http://schemas.microsoft.com/office/drawing/2010/main" xmlns="" w="12700" cap="flat" cmpd="sng" algn="ctr">
+                <a14:hiddenLine xmlns="" xmlns:a14="http://schemas.microsoft.com/office/drawing/2010/main" w="12700" cap="flat" cmpd="sng" algn="ctr">
                   <a:solidFill>
                     <a:srgbClr val="000000"/>
                   </a:solidFill>
@@ -20863,7 +20911,7 @@
                 </a14:hiddenLine>
               </a:ext>
               <a:ext uri="{AF507438-7753-43e0-B8FC-AC1667EBCBE1}">
-                <a14:hiddenEffects xmlns:a14="http://schemas.microsoft.com/office/drawing/2010/main" xmlns="">
+                <a14:hiddenEffects xmlns="" xmlns:a14="http://schemas.microsoft.com/office/drawing/2010/main">
                   <a:effectLst>
                     <a:outerShdw blurRad="63500" dist="38099" dir="2700000" algn="ctr" rotWithShape="0">
                       <a:schemeClr val="bg2">
@@ -21131,14 +21179,14 @@
               <ma14:placeholderFlag xmlns:ma14="http://schemas.microsoft.com/office/mac/drawingml/2011/main" val="1"/>
             </a:ext>
             <a:ext uri="{909E8E84-426E-40dd-AFC4-6F175D3DCCD1}">
-              <a14:hiddenFill xmlns:a14="http://schemas.microsoft.com/office/drawing/2010/main" xmlns="">
+              <a14:hiddenFill xmlns="" xmlns:a14="http://schemas.microsoft.com/office/drawing/2010/main">
                 <a:solidFill>
                   <a:srgbClr val="FFFFFF"/>
                 </a:solidFill>
               </a14:hiddenFill>
             </a:ext>
             <a:ext uri="{91240B29-F687-4f45-9708-019B960494DF}">
-              <a14:hiddenLine xmlns:a14="http://schemas.microsoft.com/office/drawing/2010/main" xmlns="" w="12700">
+              <a14:hiddenLine xmlns="" xmlns:a14="http://schemas.microsoft.com/office/drawing/2010/main" w="12700">
                 <a:solidFill>
                   <a:schemeClr val="tx1"/>
                 </a:solidFill>
@@ -21353,7 +21401,7 @@
           <a:effectLst/>
           <a:extLst>
             <a:ext uri="{91240B29-F687-4f45-9708-019B960494DF}">
-              <a14:hiddenLine xmlns:a14="http://schemas.microsoft.com/office/drawing/2010/main" xmlns="" w="12700" cap="flat" cmpd="sng" algn="ctr">
+              <a14:hiddenLine xmlns="" xmlns:a14="http://schemas.microsoft.com/office/drawing/2010/main" w="12700" cap="flat" cmpd="sng" algn="ctr">
                 <a:solidFill>
                   <a:srgbClr val="000000"/>
                 </a:solidFill>
@@ -21364,7 +21412,7 @@
               </a14:hiddenLine>
             </a:ext>
             <a:ext uri="{AF507438-7753-43e0-B8FC-AC1667EBCBE1}">
-              <a14:hiddenEffects xmlns:a14="http://schemas.microsoft.com/office/drawing/2010/main" xmlns="">
+              <a14:hiddenEffects xmlns="" xmlns:a14="http://schemas.microsoft.com/office/drawing/2010/main">
                 <a:effectLst>
                   <a:outerShdw blurRad="63500" dist="38099" dir="2700000" algn="ctr" rotWithShape="0">
                     <a:schemeClr val="bg2">
@@ -21402,14 +21450,14 @@
               <ma14:placeholderFlag xmlns:ma14="http://schemas.microsoft.com/office/mac/drawingml/2011/main" val="1"/>
             </a:ext>
             <a:ext uri="{909E8E84-426E-40dd-AFC4-6F175D3DCCD1}">
-              <a14:hiddenFill xmlns:a14="http://schemas.microsoft.com/office/drawing/2010/main" xmlns="">
+              <a14:hiddenFill xmlns="" xmlns:a14="http://schemas.microsoft.com/office/drawing/2010/main">
                 <a:solidFill>
                   <a:srgbClr val="FFFFFF"/>
                 </a:solidFill>
               </a14:hiddenFill>
             </a:ext>
             <a:ext uri="{91240B29-F687-4f45-9708-019B960494DF}">
-              <a14:hiddenLine xmlns:a14="http://schemas.microsoft.com/office/drawing/2010/main" xmlns="" w="12700">
+              <a14:hiddenLine xmlns="" xmlns:a14="http://schemas.microsoft.com/office/drawing/2010/main" w="12700">
                 <a:solidFill>
                   <a:schemeClr val="tx1"/>
                 </a:solidFill>
@@ -22205,14 +22253,14 @@
               <ma14:placeholderFlag xmlns:ma14="http://schemas.microsoft.com/office/mac/drawingml/2011/main" val="1"/>
             </a:ext>
             <a:ext uri="{909E8E84-426E-40dd-AFC4-6F175D3DCCD1}">
-              <a14:hiddenFill xmlns:a14="http://schemas.microsoft.com/office/drawing/2010/main" xmlns="">
+              <a14:hiddenFill xmlns="" xmlns:a14="http://schemas.microsoft.com/office/drawing/2010/main">
                 <a:solidFill>
                   <a:srgbClr val="FFFFFF"/>
                 </a:solidFill>
               </a14:hiddenFill>
             </a:ext>
             <a:ext uri="{91240B29-F687-4f45-9708-019B960494DF}">
-              <a14:hiddenLine xmlns:a14="http://schemas.microsoft.com/office/drawing/2010/main" xmlns="" w="12700">
+              <a14:hiddenLine xmlns="" xmlns:a14="http://schemas.microsoft.com/office/drawing/2010/main" w="12700">
                 <a:solidFill>
                   <a:schemeClr val="tx1"/>
                 </a:solidFill>
@@ -22427,7 +22475,7 @@
           <a:effectLst/>
           <a:extLst>
             <a:ext uri="{91240B29-F687-4f45-9708-019B960494DF}">
-              <a14:hiddenLine xmlns:a14="http://schemas.microsoft.com/office/drawing/2010/main" xmlns="" w="12700" cap="flat" cmpd="sng" algn="ctr">
+              <a14:hiddenLine xmlns="" xmlns:a14="http://schemas.microsoft.com/office/drawing/2010/main" w="12700" cap="flat" cmpd="sng" algn="ctr">
                 <a:solidFill>
                   <a:srgbClr val="000000"/>
                 </a:solidFill>
@@ -22438,7 +22486,7 @@
               </a14:hiddenLine>
             </a:ext>
             <a:ext uri="{AF507438-7753-43e0-B8FC-AC1667EBCBE1}">
-              <a14:hiddenEffects xmlns:a14="http://schemas.microsoft.com/office/drawing/2010/main" xmlns="">
+              <a14:hiddenEffects xmlns="" xmlns:a14="http://schemas.microsoft.com/office/drawing/2010/main">
                 <a:effectLst>
                   <a:outerShdw blurRad="63500" dist="38099" dir="2700000" algn="ctr" rotWithShape="0">
                     <a:schemeClr val="bg2">
@@ -22476,14 +22524,14 @@
               <ma14:placeholderFlag xmlns:ma14="http://schemas.microsoft.com/office/mac/drawingml/2011/main" val="1"/>
             </a:ext>
             <a:ext uri="{909E8E84-426E-40dd-AFC4-6F175D3DCCD1}">
-              <a14:hiddenFill xmlns:a14="http://schemas.microsoft.com/office/drawing/2010/main" xmlns="">
+              <a14:hiddenFill xmlns="" xmlns:a14="http://schemas.microsoft.com/office/drawing/2010/main">
                 <a:solidFill>
                   <a:srgbClr val="FFFFFF"/>
                 </a:solidFill>
               </a14:hiddenFill>
             </a:ext>
             <a:ext uri="{91240B29-F687-4f45-9708-019B960494DF}">
-              <a14:hiddenLine xmlns:a14="http://schemas.microsoft.com/office/drawing/2010/main" xmlns="" w="12700">
+              <a14:hiddenLine xmlns="" xmlns:a14="http://schemas.microsoft.com/office/drawing/2010/main" w="12700">
                 <a:solidFill>
                   <a:schemeClr val="tx1"/>
                 </a:solidFill>
@@ -22899,14 +22947,14 @@
               <ma14:placeholderFlag xmlns:ma14="http://schemas.microsoft.com/office/mac/drawingml/2011/main" val="1"/>
             </a:ext>
             <a:ext uri="{909E8E84-426E-40dd-AFC4-6F175D3DCCD1}">
-              <a14:hiddenFill xmlns:a14="http://schemas.microsoft.com/office/drawing/2010/main" xmlns="">
+              <a14:hiddenFill xmlns="" xmlns:a14="http://schemas.microsoft.com/office/drawing/2010/main">
                 <a:solidFill>
                   <a:srgbClr val="FFFFFF"/>
                 </a:solidFill>
               </a14:hiddenFill>
             </a:ext>
             <a:ext uri="{91240B29-F687-4f45-9708-019B960494DF}">
-              <a14:hiddenLine xmlns:a14="http://schemas.microsoft.com/office/drawing/2010/main" xmlns="" w="12700">
+              <a14:hiddenLine xmlns="" xmlns:a14="http://schemas.microsoft.com/office/drawing/2010/main" w="12700">
                 <a:solidFill>
                   <a:schemeClr val="tx1"/>
                 </a:solidFill>
@@ -23737,14 +23785,14 @@
               <ma14:placeholderFlag xmlns:ma14="http://schemas.microsoft.com/office/mac/drawingml/2011/main" val="1"/>
             </a:ext>
             <a:ext uri="{909E8E84-426E-40dd-AFC4-6F175D3DCCD1}">
-              <a14:hiddenFill xmlns:a14="http://schemas.microsoft.com/office/drawing/2010/main" xmlns="">
+              <a14:hiddenFill xmlns="" xmlns:a14="http://schemas.microsoft.com/office/drawing/2010/main">
                 <a:solidFill>
                   <a:srgbClr val="FFFFFF"/>
                 </a:solidFill>
               </a14:hiddenFill>
             </a:ext>
             <a:ext uri="{91240B29-F687-4f45-9708-019B960494DF}">
-              <a14:hiddenLine xmlns:a14="http://schemas.microsoft.com/office/drawing/2010/main" xmlns="" w="12700">
+              <a14:hiddenLine xmlns="" xmlns:a14="http://schemas.microsoft.com/office/drawing/2010/main" w="12700">
                 <a:solidFill>
                   <a:schemeClr val="tx1"/>
                 </a:solidFill>
@@ -23950,14 +23998,14 @@
               <ma14:placeholderFlag xmlns:ma14="http://schemas.microsoft.com/office/mac/drawingml/2011/main" val="1"/>
             </a:ext>
             <a:ext uri="{909E8E84-426E-40dd-AFC4-6F175D3DCCD1}">
-              <a14:hiddenFill xmlns:a14="http://schemas.microsoft.com/office/drawing/2010/main" xmlns="">
+              <a14:hiddenFill xmlns="" xmlns:a14="http://schemas.microsoft.com/office/drawing/2010/main">
                 <a:solidFill>
                   <a:srgbClr val="FFFFFF"/>
                 </a:solidFill>
               </a14:hiddenFill>
             </a:ext>
             <a:ext uri="{91240B29-F687-4f45-9708-019B960494DF}">
-              <a14:hiddenLine xmlns:a14="http://schemas.microsoft.com/office/drawing/2010/main" xmlns="" w="12700">
+              <a14:hiddenLine xmlns="" xmlns:a14="http://schemas.microsoft.com/office/drawing/2010/main" w="12700">
                 <a:solidFill>
                   <a:schemeClr val="tx1"/>
                 </a:solidFill>
@@ -24383,7 +24431,7 @@
           <a:effectLst/>
           <a:extLst>
             <a:ext uri="{91240B29-F687-4f45-9708-019B960494DF}">
-              <a14:hiddenLine xmlns:a14="http://schemas.microsoft.com/office/drawing/2010/main" xmlns="" w="12700" cap="flat" cmpd="sng" algn="ctr">
+              <a14:hiddenLine xmlns="" xmlns:a14="http://schemas.microsoft.com/office/drawing/2010/main" w="12700" cap="flat" cmpd="sng" algn="ctr">
                 <a:solidFill>
                   <a:srgbClr val="000000"/>
                 </a:solidFill>
@@ -24394,7 +24442,7 @@
               </a14:hiddenLine>
             </a:ext>
             <a:ext uri="{AF507438-7753-43e0-B8FC-AC1667EBCBE1}">
-              <a14:hiddenEffects xmlns:a14="http://schemas.microsoft.com/office/drawing/2010/main" xmlns="">
+              <a14:hiddenEffects xmlns="" xmlns:a14="http://schemas.microsoft.com/office/drawing/2010/main">
                 <a:effectLst>
                   <a:outerShdw blurRad="63500" dist="38099" dir="2700000" algn="ctr" rotWithShape="0">
                     <a:schemeClr val="bg2">
@@ -24579,14 +24627,14 @@
               <ma14:placeholderFlag xmlns:ma14="http://schemas.microsoft.com/office/mac/drawingml/2011/main" val="1"/>
             </a:ext>
             <a:ext uri="{909E8E84-426E-40dd-AFC4-6F175D3DCCD1}">
-              <a14:hiddenFill xmlns:a14="http://schemas.microsoft.com/office/drawing/2010/main" xmlns="">
+              <a14:hiddenFill xmlns="" xmlns:a14="http://schemas.microsoft.com/office/drawing/2010/main">
                 <a:solidFill>
                   <a:srgbClr val="FFFFFF"/>
                 </a:solidFill>
               </a14:hiddenFill>
             </a:ext>
             <a:ext uri="{91240B29-F687-4f45-9708-019B960494DF}">
-              <a14:hiddenLine xmlns:a14="http://schemas.microsoft.com/office/drawing/2010/main" xmlns="" w="12700">
+              <a14:hiddenLine xmlns="" xmlns:a14="http://schemas.microsoft.com/office/drawing/2010/main" w="12700">
                 <a:solidFill>
                   <a:schemeClr val="tx1"/>
                 </a:solidFill>
@@ -24801,7 +24849,7 @@
           <a:effectLst/>
           <a:extLst>
             <a:ext uri="{91240B29-F687-4f45-9708-019B960494DF}">
-              <a14:hiddenLine xmlns:a14="http://schemas.microsoft.com/office/drawing/2010/main" xmlns="" w="12700" cap="flat" cmpd="sng" algn="ctr">
+              <a14:hiddenLine xmlns="" xmlns:a14="http://schemas.microsoft.com/office/drawing/2010/main" w="12700" cap="flat" cmpd="sng" algn="ctr">
                 <a:solidFill>
                   <a:srgbClr val="000000"/>
                 </a:solidFill>
@@ -24812,7 +24860,7 @@
               </a14:hiddenLine>
             </a:ext>
             <a:ext uri="{AF507438-7753-43e0-B8FC-AC1667EBCBE1}">
-              <a14:hiddenEffects xmlns:a14="http://schemas.microsoft.com/office/drawing/2010/main" xmlns="">
+              <a14:hiddenEffects xmlns="" xmlns:a14="http://schemas.microsoft.com/office/drawing/2010/main">
                 <a:effectLst>
                   <a:outerShdw blurRad="63500" dist="38099" dir="2700000" algn="ctr" rotWithShape="0">
                     <a:schemeClr val="bg2">
@@ -24850,14 +24898,14 @@
               <ma14:placeholderFlag xmlns:ma14="http://schemas.microsoft.com/office/mac/drawingml/2011/main" val="1"/>
             </a:ext>
             <a:ext uri="{909E8E84-426E-40dd-AFC4-6F175D3DCCD1}">
-              <a14:hiddenFill xmlns:a14="http://schemas.microsoft.com/office/drawing/2010/main" xmlns="">
+              <a14:hiddenFill xmlns="" xmlns:a14="http://schemas.microsoft.com/office/drawing/2010/main">
                 <a:solidFill>
                   <a:srgbClr val="FFFFFF"/>
                 </a:solidFill>
               </a14:hiddenFill>
             </a:ext>
             <a:ext uri="{91240B29-F687-4f45-9708-019B960494DF}">
-              <a14:hiddenLine xmlns:a14="http://schemas.microsoft.com/office/drawing/2010/main" xmlns="" w="12700">
+              <a14:hiddenLine xmlns="" xmlns:a14="http://schemas.microsoft.com/office/drawing/2010/main" w="12700">
                 <a:solidFill>
                   <a:schemeClr val="tx1"/>
                 </a:solidFill>
@@ -26164,14 +26212,14 @@
               <ma14:placeholderFlag xmlns:ma14="http://schemas.microsoft.com/office/mac/drawingml/2011/main" val="1"/>
             </a:ext>
             <a:ext uri="{909E8E84-426E-40dd-AFC4-6F175D3DCCD1}">
-              <a14:hiddenFill xmlns:a14="http://schemas.microsoft.com/office/drawing/2010/main" xmlns="">
+              <a14:hiddenFill xmlns="" xmlns:a14="http://schemas.microsoft.com/office/drawing/2010/main">
                 <a:solidFill>
                   <a:srgbClr val="FFFFFF"/>
                 </a:solidFill>
               </a14:hiddenFill>
             </a:ext>
             <a:ext uri="{91240B29-F687-4f45-9708-019B960494DF}">
-              <a14:hiddenLine xmlns:a14="http://schemas.microsoft.com/office/drawing/2010/main" xmlns="" w="12700">
+              <a14:hiddenLine xmlns="" xmlns:a14="http://schemas.microsoft.com/office/drawing/2010/main" w="12700">
                 <a:solidFill>
                   <a:schemeClr val="tx1"/>
                 </a:solidFill>
@@ -26386,7 +26434,7 @@
           <a:effectLst/>
           <a:extLst>
             <a:ext uri="{91240B29-F687-4f45-9708-019B960494DF}">
-              <a14:hiddenLine xmlns:a14="http://schemas.microsoft.com/office/drawing/2010/main" xmlns="" w="12700" cap="flat" cmpd="sng" algn="ctr">
+              <a14:hiddenLine xmlns="" xmlns:a14="http://schemas.microsoft.com/office/drawing/2010/main" w="12700" cap="flat" cmpd="sng" algn="ctr">
                 <a:solidFill>
                   <a:srgbClr val="000000"/>
                 </a:solidFill>
@@ -26397,7 +26445,7 @@
               </a14:hiddenLine>
             </a:ext>
             <a:ext uri="{AF507438-7753-43e0-B8FC-AC1667EBCBE1}">
-              <a14:hiddenEffects xmlns:a14="http://schemas.microsoft.com/office/drawing/2010/main" xmlns="">
+              <a14:hiddenEffects xmlns="" xmlns:a14="http://schemas.microsoft.com/office/drawing/2010/main">
                 <a:effectLst>
                   <a:outerShdw blurRad="63500" dist="38099" dir="2700000" algn="ctr" rotWithShape="0">
                     <a:schemeClr val="bg2">
@@ -26435,14 +26483,14 @@
               <ma14:placeholderFlag xmlns:ma14="http://schemas.microsoft.com/office/mac/drawingml/2011/main" val="1"/>
             </a:ext>
             <a:ext uri="{909E8E84-426E-40dd-AFC4-6F175D3DCCD1}">
-              <a14:hiddenFill xmlns:a14="http://schemas.microsoft.com/office/drawing/2010/main" xmlns="">
+              <a14:hiddenFill xmlns="" xmlns:a14="http://schemas.microsoft.com/office/drawing/2010/main">
                 <a:solidFill>
                   <a:srgbClr val="FFFFFF"/>
                 </a:solidFill>
               </a14:hiddenFill>
             </a:ext>
             <a:ext uri="{91240B29-F687-4f45-9708-019B960494DF}">
-              <a14:hiddenLine xmlns:a14="http://schemas.microsoft.com/office/drawing/2010/main" xmlns="" w="12700">
+              <a14:hiddenLine xmlns="" xmlns:a14="http://schemas.microsoft.com/office/drawing/2010/main" w="12700">
                 <a:solidFill>
                   <a:schemeClr val="tx1"/>
                 </a:solidFill>
@@ -27837,6 +27885,118 @@
               </a:rPr>
               <a:t>word,</a:t>
             </a:r>
+            <a:r>
+              <a:rPr lang="zh-CN" altLang="en-US" sz="1400" dirty="0" smtClean="0">
+                <a:solidFill>
+                  <a:schemeClr val="tx1"/>
+                </a:solidFill>
+              </a:rPr>
+              <a:t> </a:t>
+            </a:r>
+            <a:r>
+              <a:rPr lang="en-US" altLang="zh-CN" sz="1400" dirty="0" smtClean="0">
+                <a:solidFill>
+                  <a:schemeClr val="tx1"/>
+                </a:solidFill>
+              </a:rPr>
+              <a:t>E</a:t>
+            </a:r>
+            <a:r>
+              <a:rPr lang="en-US" altLang="zh-CN" sz="1400" dirty="0" smtClean="0">
+                <a:solidFill>
+                  <a:schemeClr val="tx1"/>
+                </a:solidFill>
+              </a:rPr>
+              <a:t>:</a:t>
+            </a:r>
+            <a:r>
+              <a:rPr lang="en-US" altLang="zh-CN" sz="1400" dirty="0">
+                <a:solidFill>
+                  <a:schemeClr val="tx1"/>
+                </a:solidFill>
+              </a:rPr>
+              <a:t> the</a:t>
+            </a:r>
+            <a:r>
+              <a:rPr lang="zh-CN" altLang="en-US" sz="1400" dirty="0">
+                <a:solidFill>
+                  <a:schemeClr val="tx1"/>
+                </a:solidFill>
+              </a:rPr>
+              <a:t> </a:t>
+            </a:r>
+            <a:r>
+              <a:rPr lang="en-US" altLang="zh-CN" sz="1400" dirty="0" smtClean="0">
+                <a:solidFill>
+                  <a:schemeClr val="tx1"/>
+                </a:solidFill>
+              </a:rPr>
+              <a:t>ending</a:t>
+            </a:r>
+            <a:r>
+              <a:rPr lang="zh-CN" altLang="en-US" sz="1400" dirty="0" smtClean="0">
+                <a:solidFill>
+                  <a:schemeClr val="tx1"/>
+                </a:solidFill>
+              </a:rPr>
+              <a:t> </a:t>
+            </a:r>
+            <a:r>
+              <a:rPr lang="en-US" altLang="zh-CN" sz="1400" dirty="0">
+                <a:solidFill>
+                  <a:schemeClr val="tx1"/>
+                </a:solidFill>
+              </a:rPr>
+              <a:t>character</a:t>
+            </a:r>
+            <a:r>
+              <a:rPr lang="zh-CN" altLang="en-US" sz="1400" dirty="0">
+                <a:solidFill>
+                  <a:schemeClr val="tx1"/>
+                </a:solidFill>
+              </a:rPr>
+              <a:t> </a:t>
+            </a:r>
+            <a:r>
+              <a:rPr lang="en-US" altLang="zh-CN" sz="1400" dirty="0">
+                <a:solidFill>
+                  <a:schemeClr val="tx1"/>
+                </a:solidFill>
+              </a:rPr>
+              <a:t>of</a:t>
+            </a:r>
+            <a:r>
+              <a:rPr lang="zh-CN" altLang="en-US" sz="1400" dirty="0">
+                <a:solidFill>
+                  <a:schemeClr val="tx1"/>
+                </a:solidFill>
+              </a:rPr>
+              <a:t> </a:t>
+            </a:r>
+            <a:r>
+              <a:rPr lang="en-US" altLang="zh-CN" sz="1400" dirty="0">
+                <a:solidFill>
+                  <a:schemeClr val="tx1"/>
+                </a:solidFill>
+              </a:rPr>
+              <a:t>a</a:t>
+            </a:r>
+            <a:r>
+              <a:rPr lang="zh-CN" altLang="en-US" sz="1400" dirty="0">
+                <a:solidFill>
+                  <a:schemeClr val="tx1"/>
+                </a:solidFill>
+              </a:rPr>
+              <a:t> </a:t>
+            </a:r>
+            <a:r>
+              <a:rPr lang="en-US" altLang="zh-CN" sz="1400" dirty="0" smtClean="0">
+                <a:solidFill>
+                  <a:schemeClr val="tx1"/>
+                </a:solidFill>
+              </a:rPr>
+              <a:t>word,</a:t>
+            </a:r>
           </a:p>
           <a:p>
             <a:pPr marL="285750" lvl="1" indent="-285750">
@@ -27849,7 +28009,47 @@
                   <a:schemeClr val="tx1"/>
                 </a:solidFill>
               </a:rPr>
-              <a:t>E:</a:t>
+              <a:t>M:</a:t>
+            </a:r>
+            <a:r>
+              <a:rPr lang="zh-CN" altLang="en-US" sz="1400" dirty="0" smtClean="0">
+                <a:solidFill>
+                  <a:schemeClr val="tx1"/>
+                </a:solidFill>
+              </a:rPr>
+              <a:t> </a:t>
+            </a:r>
+            <a:r>
+              <a:rPr lang="en-US" altLang="zh-CN" sz="1400" dirty="0" smtClean="0">
+                <a:solidFill>
+                  <a:schemeClr val="tx1"/>
+                </a:solidFill>
+              </a:rPr>
+              <a:t>the</a:t>
+            </a:r>
+            <a:r>
+              <a:rPr lang="zh-CN" altLang="en-US" sz="1400" dirty="0" smtClean="0">
+                <a:solidFill>
+                  <a:schemeClr val="tx1"/>
+                </a:solidFill>
+              </a:rPr>
+              <a:t> </a:t>
+            </a:r>
+            <a:r>
+              <a:rPr lang="en-US" altLang="zh-CN" sz="1400" dirty="0" smtClean="0">
+                <a:solidFill>
+                  <a:schemeClr val="tx1"/>
+                </a:solidFill>
+              </a:rPr>
+              <a:t>medium</a:t>
+            </a:r>
+            <a:r>
+              <a:rPr lang="zh-CN" altLang="en-US" sz="1400" dirty="0" smtClean="0">
+                <a:solidFill>
+                  <a:schemeClr val="tx1"/>
+                </a:solidFill>
+              </a:rPr>
+              <a:t> </a:t>
             </a:r>
             <a:r>
               <a:rPr lang="en-US" altLang="zh-CN" sz="1400" dirty="0">
@@ -27857,7 +28057,7 @@
                   <a:schemeClr val="tx1"/>
                 </a:solidFill>
               </a:rPr>
-              <a:t> the</a:t>
+              <a:t>character</a:t>
             </a:r>
             <a:r>
               <a:rPr lang="zh-CN" altLang="en-US" sz="1400" dirty="0">
@@ -27868,12 +28068,44 @@
               <a:t> </a:t>
             </a:r>
             <a:r>
+              <a:rPr lang="en-US" altLang="zh-CN" sz="1400" dirty="0">
+                <a:solidFill>
+                  <a:schemeClr val="tx1"/>
+                </a:solidFill>
+              </a:rPr>
+              <a:t>of</a:t>
+            </a:r>
+            <a:r>
+              <a:rPr lang="zh-CN" altLang="en-US" sz="1400" dirty="0">
+                <a:solidFill>
+                  <a:schemeClr val="tx1"/>
+                </a:solidFill>
+              </a:rPr>
+              <a:t> </a:t>
+            </a:r>
+            <a:r>
+              <a:rPr lang="en-US" altLang="zh-CN" sz="1400" dirty="0">
+                <a:solidFill>
+                  <a:schemeClr val="tx1"/>
+                </a:solidFill>
+              </a:rPr>
+              <a:t>a</a:t>
+            </a:r>
+            <a:r>
+              <a:rPr lang="zh-CN" altLang="en-US" sz="1400" dirty="0">
+                <a:solidFill>
+                  <a:schemeClr val="tx1"/>
+                </a:solidFill>
+              </a:rPr>
+              <a:t> </a:t>
+            </a:r>
+            <a:r>
               <a:rPr lang="en-US" altLang="zh-CN" sz="1400" dirty="0" smtClean="0">
                 <a:solidFill>
                   <a:schemeClr val="tx1"/>
                 </a:solidFill>
               </a:rPr>
-              <a:t>ending</a:t>
+              <a:t>word,</a:t>
             </a:r>
             <a:r>
               <a:rPr lang="zh-CN" altLang="en-US" sz="1400" dirty="0" smtClean="0">
@@ -27884,6 +28116,62 @@
               <a:t> </a:t>
             </a:r>
             <a:r>
+              <a:rPr lang="en-US" altLang="zh-CN" sz="1400" dirty="0" smtClean="0">
+                <a:solidFill>
+                  <a:schemeClr val="tx1"/>
+                </a:solidFill>
+              </a:rPr>
+              <a:t>S</a:t>
+            </a:r>
+            <a:r>
+              <a:rPr lang="en-US" altLang="zh-CN" sz="1400" dirty="0" smtClean="0">
+                <a:solidFill>
+                  <a:schemeClr val="tx1"/>
+                </a:solidFill>
+              </a:rPr>
+              <a:t>:</a:t>
+            </a:r>
+            <a:r>
+              <a:rPr lang="zh-CN" altLang="en-US" sz="1400" dirty="0" smtClean="0">
+                <a:solidFill>
+                  <a:schemeClr val="tx1"/>
+                </a:solidFill>
+              </a:rPr>
+              <a:t> </a:t>
+            </a:r>
+            <a:r>
+              <a:rPr lang="en-US" altLang="zh-CN" sz="1400" dirty="0" smtClean="0">
+                <a:solidFill>
+                  <a:schemeClr val="tx1"/>
+                </a:solidFill>
+              </a:rPr>
+              <a:t>a</a:t>
+            </a:r>
+            <a:r>
+              <a:rPr lang="zh-CN" altLang="en-US" sz="1400" dirty="0" smtClean="0">
+                <a:solidFill>
+                  <a:schemeClr val="tx1"/>
+                </a:solidFill>
+              </a:rPr>
+              <a:t> </a:t>
+            </a:r>
+            <a:r>
+              <a:rPr lang="en-US" altLang="zh-CN" sz="1400" dirty="0" smtClean="0">
+                <a:solidFill>
+                  <a:schemeClr val="tx1"/>
+                </a:solidFill>
+              </a:rPr>
+              <a:t>single</a:t>
+            </a:r>
+            <a:r>
+              <a:rPr lang="zh-CN" altLang="en-US" sz="1400" dirty="0" smtClean="0">
+                <a:solidFill>
+                  <a:schemeClr val="tx1"/>
+                </a:solidFill>
+              </a:rPr>
+              <a:t> </a:t>
+            </a:r>
+            <a:r>
               <a:rPr lang="en-US" altLang="zh-CN" sz="1400" dirty="0">
                 <a:solidFill>
                   <a:schemeClr val="tx1"/>
@@ -27900,12 +28188,28 @@
               <a:t> </a:t>
             </a:r>
             <a:r>
+              <a:rPr lang="en-US" altLang="zh-CN" sz="1400" dirty="0" smtClean="0">
+                <a:solidFill>
+                  <a:schemeClr val="tx1"/>
+                </a:solidFill>
+              </a:rPr>
+              <a:t>as</a:t>
+            </a:r>
+            <a:r>
+              <a:rPr lang="zh-CN" altLang="en-US" sz="1400" dirty="0" smtClean="0">
+                <a:solidFill>
+                  <a:schemeClr val="tx1"/>
+                </a:solidFill>
+              </a:rPr>
+              <a:t> </a:t>
+            </a:r>
+            <a:r>
               <a:rPr lang="en-US" altLang="zh-CN" sz="1400" dirty="0">
                 <a:solidFill>
                   <a:schemeClr val="tx1"/>
                 </a:solidFill>
               </a:rPr>
-              <a:t>of</a:t>
+              <a:t>a</a:t>
             </a:r>
             <a:r>
               <a:rPr lang="zh-CN" altLang="en-US" sz="1400" dirty="0">
@@ -27916,28 +28220,12 @@
               <a:t> </a:t>
             </a:r>
             <a:r>
-              <a:rPr lang="en-US" altLang="zh-CN" sz="1400" dirty="0">
+              <a:rPr lang="en-US" altLang="zh-CN" sz="1400" dirty="0" smtClean="0">
                 <a:solidFill>
                   <a:schemeClr val="tx1"/>
                 </a:solidFill>
               </a:rPr>
-              <a:t>a</a:t>
-            </a:r>
-            <a:r>
-              <a:rPr lang="zh-CN" altLang="en-US" sz="1400" dirty="0">
-                <a:solidFill>
-                  <a:schemeClr val="tx1"/>
-                </a:solidFill>
-              </a:rPr>
-              <a:t> </a:t>
-            </a:r>
-            <a:r>
-              <a:rPr lang="en-US" altLang="zh-CN" sz="1400" dirty="0" smtClean="0">
-                <a:solidFill>
-                  <a:schemeClr val="tx1"/>
-                </a:solidFill>
-              </a:rPr>
-              <a:t>word,</a:t>
+              <a:t>word.</a:t>
             </a:r>
           </a:p>
           <a:p>
@@ -27951,7 +28239,7 @@
                   <a:schemeClr val="tx1"/>
                 </a:solidFill>
               </a:rPr>
-              <a:t>M:</a:t>
+              <a:t>transition probability</a:t>
             </a:r>
             <a:r>
               <a:rPr lang="zh-CN" altLang="en-US" sz="1400" dirty="0" smtClean="0">
@@ -27959,7 +28247,7 @@
                   <a:schemeClr val="tx1"/>
                 </a:solidFill>
               </a:rPr>
-              <a:t> </a:t>
+              <a:t>  </a:t>
             </a:r>
             <a:r>
               <a:rPr lang="en-US" altLang="zh-CN" sz="1400" dirty="0" smtClean="0">
@@ -27967,7 +28255,7 @@
                   <a:schemeClr val="tx1"/>
                 </a:solidFill>
               </a:rPr>
-              <a:t>the</a:t>
+              <a:t>B</a:t>
             </a:r>
             <a:r>
               <a:rPr lang="zh-CN" altLang="en-US" sz="1400" dirty="0" smtClean="0">
@@ -27975,7 +28263,7 @@
                   <a:schemeClr val="tx1"/>
                 </a:solidFill>
               </a:rPr>
-              <a:t> </a:t>
+              <a:t>→</a:t>
             </a:r>
             <a:r>
               <a:rPr lang="en-US" altLang="zh-CN" sz="1400" dirty="0" smtClean="0">
@@ -27983,7 +28271,23 @@
                   <a:schemeClr val="tx1"/>
                 </a:solidFill>
               </a:rPr>
-              <a:t>medium</a:t>
+              <a:t>B,</a:t>
+            </a:r>
+            <a:r>
+              <a:rPr lang="zh-CN" altLang="en-US" sz="1400" dirty="0">
+                <a:solidFill>
+                  <a:schemeClr val="tx1"/>
+                </a:solidFill>
+              </a:rPr>
+              <a:t> </a:t>
+            </a:r>
+            <a:r>
+              <a:rPr lang="en-US" altLang="zh-CN" sz="1400" dirty="0" smtClean="0">
+                <a:solidFill>
+                  <a:schemeClr val="tx1"/>
+                </a:solidFill>
+              </a:rPr>
+              <a:t>B</a:t>
             </a:r>
             <a:r>
               <a:rPr lang="zh-CN" altLang="en-US" sz="1400" dirty="0" smtClean="0">
@@ -27991,6 +28295,22 @@
                   <a:schemeClr val="tx1"/>
                 </a:solidFill>
               </a:rPr>
+              <a:t>→</a:t>
+            </a:r>
+            <a:r>
+              <a:rPr lang="en-US" altLang="zh-CN" sz="1400" dirty="0" smtClean="0">
+                <a:solidFill>
+                  <a:schemeClr val="tx1"/>
+                </a:solidFill>
+              </a:rPr>
+              <a:t>E,</a:t>
+            </a:r>
+            <a:r>
+              <a:rPr lang="zh-CN" altLang="en-US" sz="1400" dirty="0" smtClean="0">
+                <a:solidFill>
+                  <a:schemeClr val="tx1"/>
+                </a:solidFill>
+              </a:rPr>
               <a:t> </a:t>
             </a:r>
             <a:r>
@@ -27999,7 +28319,119 @@
                   <a:schemeClr val="tx1"/>
                 </a:solidFill>
               </a:rPr>
-              <a:t>character</a:t>
+              <a:t>B</a:t>
+            </a:r>
+            <a:r>
+              <a:rPr lang="zh-CN" altLang="en-US" sz="1400" dirty="0" smtClean="0">
+                <a:solidFill>
+                  <a:schemeClr val="tx1"/>
+                </a:solidFill>
+              </a:rPr>
+              <a:t>→</a:t>
+            </a:r>
+            <a:r>
+              <a:rPr lang="en-US" altLang="zh-CN" sz="1400" dirty="0" smtClean="0">
+                <a:solidFill>
+                  <a:schemeClr val="tx1"/>
+                </a:solidFill>
+              </a:rPr>
+              <a:t>S,</a:t>
+            </a:r>
+            <a:r>
+              <a:rPr lang="zh-CN" altLang="en-US" sz="1400" dirty="0" smtClean="0">
+                <a:solidFill>
+                  <a:schemeClr val="tx1"/>
+                </a:solidFill>
+              </a:rPr>
+              <a:t> </a:t>
+            </a:r>
+            <a:r>
+              <a:rPr lang="en-US" altLang="zh-CN" sz="1400" dirty="0">
+                <a:solidFill>
+                  <a:schemeClr val="tx1"/>
+                </a:solidFill>
+              </a:rPr>
+              <a:t>B</a:t>
+            </a:r>
+            <a:r>
+              <a:rPr lang="zh-CN" altLang="en-US" sz="1400" dirty="0" smtClean="0">
+                <a:solidFill>
+                  <a:schemeClr val="tx1"/>
+                </a:solidFill>
+              </a:rPr>
+              <a:t>→</a:t>
+            </a:r>
+            <a:r>
+              <a:rPr lang="en-US" altLang="zh-CN" sz="1400" dirty="0" smtClean="0">
+                <a:solidFill>
+                  <a:schemeClr val="tx1"/>
+                </a:solidFill>
+              </a:rPr>
+              <a:t>M,</a:t>
+            </a:r>
+            <a:r>
+              <a:rPr lang="zh-CN" altLang="en-US" sz="1400" dirty="0" smtClean="0">
+                <a:solidFill>
+                  <a:schemeClr val="tx1"/>
+                </a:solidFill>
+              </a:rPr>
+              <a:t> </a:t>
+            </a:r>
+            <a:r>
+              <a:rPr lang="en-US" altLang="zh-CN" sz="1400" dirty="0" smtClean="0">
+                <a:solidFill>
+                  <a:schemeClr val="tx1"/>
+                </a:solidFill>
+              </a:rPr>
+              <a:t>S</a:t>
+            </a:r>
+            <a:r>
+              <a:rPr lang="zh-CN" altLang="en-US" sz="1400" dirty="0" smtClean="0">
+                <a:solidFill>
+                  <a:schemeClr val="tx1"/>
+                </a:solidFill>
+              </a:rPr>
+              <a:t>→</a:t>
+            </a:r>
+            <a:r>
+              <a:rPr lang="en-US" altLang="zh-CN" sz="1400" dirty="0" smtClean="0">
+                <a:solidFill>
+                  <a:schemeClr val="tx1"/>
+                </a:solidFill>
+              </a:rPr>
+              <a:t>S,</a:t>
+            </a:r>
+            <a:r>
+              <a:rPr lang="en-US" altLang="zh-CN" sz="1400" dirty="0">
+                <a:solidFill>
+                  <a:schemeClr val="tx1"/>
+                </a:solidFill>
+              </a:rPr>
+              <a:t> </a:t>
+            </a:r>
+            <a:r>
+              <a:rPr lang="en-US" altLang="zh-CN" sz="1400" dirty="0" smtClean="0">
+                <a:solidFill>
+                  <a:schemeClr val="tx1"/>
+                </a:solidFill>
+              </a:rPr>
+              <a:t>S</a:t>
+            </a:r>
+            <a:r>
+              <a:rPr lang="zh-CN" altLang="en-US" sz="1400" dirty="0" smtClean="0">
+                <a:solidFill>
+                  <a:schemeClr val="tx1"/>
+                </a:solidFill>
+              </a:rPr>
+              <a:t>→</a:t>
+            </a:r>
+            <a:r>
+              <a:rPr lang="en-US" altLang="zh-CN" sz="1400" dirty="0">
+                <a:solidFill>
+                  <a:schemeClr val="tx1"/>
+                </a:solidFill>
+              </a:rPr>
+              <a:t>E,</a:t>
             </a:r>
             <a:r>
               <a:rPr lang="zh-CN" altLang="en-US" sz="1400" dirty="0">
@@ -28010,12 +28442,28 @@
               <a:t> </a:t>
             </a:r>
             <a:r>
+              <a:rPr lang="en-US" altLang="zh-CN" sz="1400" dirty="0" smtClean="0">
+                <a:solidFill>
+                  <a:schemeClr val="tx1"/>
+                </a:solidFill>
+              </a:rPr>
+              <a:t>S</a:t>
+            </a:r>
+            <a:r>
+              <a:rPr lang="zh-CN" altLang="en-US" sz="1400" dirty="0" smtClean="0">
+                <a:solidFill>
+                  <a:schemeClr val="tx1"/>
+                </a:solidFill>
+              </a:rPr>
+              <a:t>→</a:t>
+            </a:r>
+            <a:r>
               <a:rPr lang="en-US" altLang="zh-CN" sz="1400" dirty="0">
                 <a:solidFill>
                   <a:schemeClr val="tx1"/>
                 </a:solidFill>
               </a:rPr>
-              <a:t>of</a:t>
+              <a:t>S,</a:t>
             </a:r>
             <a:r>
               <a:rPr lang="zh-CN" altLang="en-US" sz="1400" dirty="0">
@@ -28026,28 +28474,28 @@
               <a:t> </a:t>
             </a:r>
             <a:r>
-              <a:rPr lang="en-US" altLang="zh-CN" sz="1400" dirty="0">
+              <a:rPr lang="en-US" altLang="zh-CN" sz="1400" dirty="0" smtClean="0">
                 <a:solidFill>
                   <a:schemeClr val="tx1"/>
                 </a:solidFill>
               </a:rPr>
-              <a:t>a</a:t>
-            </a:r>
-            <a:r>
-              <a:rPr lang="zh-CN" altLang="en-US" sz="1400" dirty="0">
+              <a:t>S</a:t>
+            </a:r>
+            <a:r>
+              <a:rPr lang="zh-CN" altLang="en-US" sz="1400" dirty="0" smtClean="0">
                 <a:solidFill>
                   <a:schemeClr val="tx1"/>
                 </a:solidFill>
               </a:rPr>
-              <a:t> </a:t>
-            </a:r>
-            <a:r>
-              <a:rPr lang="en-US" altLang="zh-CN" sz="1400" dirty="0">
+              <a:t>→</a:t>
+            </a:r>
+            <a:r>
+              <a:rPr lang="en-US" altLang="zh-CN" sz="1400" dirty="0" smtClean="0">
                 <a:solidFill>
                   <a:schemeClr val="tx1"/>
                 </a:solidFill>
               </a:rPr>
-              <a:t>word,</a:t>
+              <a:t>M……</a:t>
             </a:r>
           </a:p>
           <a:p>
@@ -28056,59 +28504,83 @@
               <a:buChar char="n"/>
             </a:pPr>
             <a:r>
+              <a:rPr lang="en-US" altLang="zh-CN" sz="1400" dirty="0" err="1">
+                <a:solidFill>
+                  <a:schemeClr val="tx1"/>
+                </a:solidFill>
+              </a:rPr>
+              <a:t>E.g</a:t>
+            </a:r>
+            <a:r>
+              <a:rPr lang="zh-CN" altLang="en-US" sz="1400" dirty="0">
+                <a:solidFill>
+                  <a:schemeClr val="tx1"/>
+                </a:solidFill>
+              </a:rPr>
+              <a:t> </a:t>
+            </a:r>
+            <a:r>
               <a:rPr lang="en-US" altLang="zh-CN" sz="1400" dirty="0">
                 <a:solidFill>
                   <a:schemeClr val="tx1"/>
                 </a:solidFill>
               </a:rPr>
-              <a:t>S</a:t>
-            </a:r>
-            <a:r>
-              <a:rPr lang="en-US" altLang="zh-CN" sz="1400" dirty="0" smtClean="0">
+              <a:t>ABC</a:t>
+            </a:r>
+            <a:r>
+              <a:rPr lang="zh-CN" altLang="en-US" sz="1400" dirty="0">
                 <a:solidFill>
                   <a:schemeClr val="tx1"/>
                 </a:solidFill>
               </a:rPr>
-              <a:t>:</a:t>
-            </a:r>
-            <a:r>
-              <a:rPr lang="zh-CN" altLang="en-US" sz="1400" dirty="0" smtClean="0">
+              <a:t>， </a:t>
+            </a:r>
+            <a:r>
+              <a:rPr lang="en-US" altLang="zh-CN" sz="1400" dirty="0">
                 <a:solidFill>
                   <a:schemeClr val="tx1"/>
                 </a:solidFill>
               </a:rPr>
-              <a:t> </a:t>
-            </a:r>
-            <a:r>
-              <a:rPr lang="en-US" altLang="zh-CN" sz="1400" dirty="0" smtClean="0">
+              <a:t>segmentation</a:t>
+            </a:r>
+            <a:r>
+              <a:rPr lang="zh-CN" altLang="en-US" sz="1400" dirty="0">
                 <a:solidFill>
                   <a:schemeClr val="tx1"/>
                 </a:solidFill>
               </a:rPr>
-              <a:t>a</a:t>
-            </a:r>
-            <a:r>
-              <a:rPr lang="zh-CN" altLang="en-US" sz="1400" dirty="0" smtClean="0">
+              <a:t> </a:t>
+            </a:r>
+            <a:r>
+              <a:rPr lang="en-US" altLang="zh-CN" sz="1400" dirty="0">
                 <a:solidFill>
                   <a:schemeClr val="tx1"/>
                 </a:solidFill>
               </a:rPr>
-              <a:t> </a:t>
-            </a:r>
-            <a:r>
-              <a:rPr lang="en-US" altLang="zh-CN" sz="1400" dirty="0" smtClean="0">
+              <a:t>approaches:</a:t>
+            </a:r>
+            <a:r>
+              <a:rPr lang="zh-CN" altLang="en-US" sz="1400" dirty="0">
                 <a:solidFill>
                   <a:schemeClr val="tx1"/>
                 </a:solidFill>
               </a:rPr>
-              <a:t>single</a:t>
-            </a:r>
-            <a:r>
-              <a:rPr lang="zh-CN" altLang="en-US" sz="1400" dirty="0" smtClean="0">
+              <a:t> </a:t>
+            </a:r>
+            <a:r>
+              <a:rPr lang="en-US" altLang="zh-CN" sz="1400" dirty="0">
                 <a:solidFill>
                   <a:schemeClr val="tx1"/>
                 </a:solidFill>
               </a:rPr>
+              <a:t>A/BC,</a:t>
+            </a:r>
+            <a:r>
+              <a:rPr lang="zh-CN" altLang="en-US" sz="1400" dirty="0">
+                <a:solidFill>
+                  <a:schemeClr val="tx1"/>
+                </a:solidFill>
+              </a:rPr>
               <a:t> </a:t>
             </a:r>
             <a:r>
@@ -28117,7 +28589,7 @@
                   <a:schemeClr val="tx1"/>
                 </a:solidFill>
               </a:rPr>
-              <a:t>character</a:t>
+              <a:t>AB/C,</a:t>
             </a:r>
             <a:r>
               <a:rPr lang="zh-CN" altLang="en-US" sz="1400" dirty="0">
@@ -28128,15 +28600,15 @@
               <a:t> </a:t>
             </a:r>
             <a:r>
-              <a:rPr lang="en-US" altLang="zh-CN" sz="1400" dirty="0" smtClean="0">
+              <a:rPr lang="en-US" altLang="zh-CN" sz="1400" dirty="0">
                 <a:solidFill>
                   <a:schemeClr val="tx1"/>
                 </a:solidFill>
               </a:rPr>
-              <a:t>as</a:t>
-            </a:r>
-            <a:r>
-              <a:rPr lang="zh-CN" altLang="en-US" sz="1400" dirty="0" smtClean="0">
+              <a:t>ABC,</a:t>
+            </a:r>
+            <a:r>
+              <a:rPr lang="zh-CN" altLang="en-US" sz="1400" dirty="0">
                 <a:solidFill>
                   <a:schemeClr val="tx1"/>
                 </a:solidFill>
@@ -28149,23 +28621,7 @@
                   <a:schemeClr val="tx1"/>
                 </a:solidFill>
               </a:rPr>
-              <a:t>a</a:t>
-            </a:r>
-            <a:r>
-              <a:rPr lang="zh-CN" altLang="en-US" sz="1400" dirty="0">
-                <a:solidFill>
-                  <a:schemeClr val="tx1"/>
-                </a:solidFill>
-              </a:rPr>
-              <a:t> </a:t>
-            </a:r>
-            <a:r>
-              <a:rPr lang="en-US" altLang="zh-CN" sz="1400" dirty="0" smtClean="0">
-                <a:solidFill>
-                  <a:schemeClr val="tx1"/>
-                </a:solidFill>
-              </a:rPr>
-              <a:t>word.</a:t>
+              <a:t>A/B/C</a:t>
             </a:r>
           </a:p>
           <a:p>
@@ -28174,12 +28630,12 @@
               <a:buChar char="n"/>
             </a:pPr>
             <a:r>
-              <a:rPr lang="en-US" altLang="zh-CN" sz="1400" dirty="0" err="1" smtClean="0">
+              <a:rPr lang="en-US" altLang="zh-CN" sz="1400" dirty="0" smtClean="0">
                 <a:solidFill>
                   <a:schemeClr val="tx1"/>
                 </a:solidFill>
               </a:rPr>
-              <a:t>E.g</a:t>
+              <a:t>Maximum</a:t>
             </a:r>
             <a:r>
               <a:rPr lang="zh-CN" altLang="en-US" sz="1400" dirty="0" smtClean="0">
@@ -28195,105 +28651,13 @@
                   <a:schemeClr val="tx1"/>
                 </a:solidFill>
               </a:rPr>
-              <a:t>ABC</a:t>
-            </a:r>
-            <a:r>
-              <a:rPr lang="zh-CN" altLang="en-US" sz="1400" dirty="0" smtClean="0">
-                <a:solidFill>
-                  <a:schemeClr val="tx1"/>
-                </a:solidFill>
-              </a:rPr>
-              <a:t>， </a:t>
-            </a:r>
-            <a:r>
-              <a:rPr lang="en-US" altLang="zh-CN" sz="1400" dirty="0" smtClean="0">
-                <a:solidFill>
-                  <a:schemeClr val="tx1"/>
-                </a:solidFill>
-              </a:rPr>
-              <a:t>segmentation</a:t>
-            </a:r>
-            <a:r>
-              <a:rPr lang="zh-CN" altLang="en-US" sz="1400" dirty="0">
-                <a:solidFill>
-                  <a:schemeClr val="tx1"/>
-                </a:solidFill>
-              </a:rPr>
-              <a:t> </a:t>
-            </a:r>
-            <a:r>
-              <a:rPr lang="en-US" altLang="zh-CN" sz="1400" dirty="0" smtClean="0">
-                <a:solidFill>
-                  <a:schemeClr val="tx1"/>
-                </a:solidFill>
-              </a:rPr>
-              <a:t>approaches:</a:t>
-            </a:r>
-            <a:r>
-              <a:rPr lang="zh-CN" altLang="en-US" sz="1400" dirty="0" smtClean="0">
-                <a:solidFill>
-                  <a:schemeClr val="tx1"/>
-                </a:solidFill>
-              </a:rPr>
-              <a:t> </a:t>
-            </a:r>
-            <a:r>
-              <a:rPr lang="en-US" altLang="zh-CN" sz="1400" dirty="0" smtClean="0">
-                <a:solidFill>
-                  <a:schemeClr val="tx1"/>
-                </a:solidFill>
-              </a:rPr>
-              <a:t>A/BC,</a:t>
-            </a:r>
-            <a:r>
-              <a:rPr lang="zh-CN" altLang="en-US" sz="1400" dirty="0" smtClean="0">
-                <a:solidFill>
-                  <a:schemeClr val="tx1"/>
-                </a:solidFill>
-              </a:rPr>
-              <a:t> </a:t>
-            </a:r>
-            <a:r>
-              <a:rPr lang="en-US" altLang="zh-CN" sz="1400" dirty="0" smtClean="0">
-                <a:solidFill>
-                  <a:schemeClr val="tx1"/>
-                </a:solidFill>
-              </a:rPr>
-              <a:t>AB/C,</a:t>
-            </a:r>
-            <a:r>
-              <a:rPr lang="zh-CN" altLang="en-US" sz="1400" dirty="0" smtClean="0">
-                <a:solidFill>
-                  <a:schemeClr val="tx1"/>
-                </a:solidFill>
-              </a:rPr>
-              <a:t> </a:t>
-            </a:r>
-            <a:r>
-              <a:rPr lang="en-US" altLang="zh-CN" sz="1400" dirty="0" smtClean="0">
-                <a:solidFill>
-                  <a:schemeClr val="tx1"/>
-                </a:solidFill>
-              </a:rPr>
-              <a:t>ABC,</a:t>
-            </a:r>
-            <a:r>
-              <a:rPr lang="zh-CN" altLang="en-US" sz="1400" dirty="0" smtClean="0">
-                <a:solidFill>
-                  <a:schemeClr val="tx1"/>
-                </a:solidFill>
-              </a:rPr>
-              <a:t> </a:t>
-            </a:r>
-            <a:r>
-              <a:rPr lang="en-US" altLang="zh-CN" sz="1400" dirty="0" smtClean="0">
-                <a:solidFill>
-                  <a:schemeClr val="tx1"/>
-                </a:solidFill>
-              </a:rPr>
-              <a:t>A/B/C</a:t>
-            </a:r>
-            <a:endParaRPr lang="en-US" altLang="zh-CN" dirty="0"/>
+              <a:t>probability</a:t>
+            </a:r>
+            <a:endParaRPr lang="en-US" altLang="zh-CN" sz="1400" dirty="0">
+              <a:solidFill>
+                <a:schemeClr val="tx1"/>
+              </a:solidFill>
+            </a:endParaRPr>
           </a:p>
           <a:p>
             <a:pPr marL="285750" lvl="1" indent="-285750">
@@ -28343,14 +28707,14 @@
               <ma14:placeholderFlag xmlns:ma14="http://schemas.microsoft.com/office/mac/drawingml/2011/main" val="1"/>
             </a:ext>
             <a:ext uri="{909E8E84-426E-40dd-AFC4-6F175D3DCCD1}">
-              <a14:hiddenFill xmlns:a14="http://schemas.microsoft.com/office/drawing/2010/main" xmlns="">
+              <a14:hiddenFill xmlns="" xmlns:a14="http://schemas.microsoft.com/office/drawing/2010/main">
                 <a:solidFill>
                   <a:srgbClr val="FFFFFF"/>
                 </a:solidFill>
               </a14:hiddenFill>
             </a:ext>
             <a:ext uri="{91240B29-F687-4f45-9708-019B960494DF}">
-              <a14:hiddenLine xmlns:a14="http://schemas.microsoft.com/office/drawing/2010/main" xmlns="" w="12700">
+              <a14:hiddenLine xmlns="" xmlns:a14="http://schemas.microsoft.com/office/drawing/2010/main" w="12700">
                 <a:solidFill>
                   <a:schemeClr val="tx1"/>
                 </a:solidFill>
@@ -28565,7 +28929,7 @@
           <a:effectLst/>
           <a:extLst>
             <a:ext uri="{91240B29-F687-4f45-9708-019B960494DF}">
-              <a14:hiddenLine xmlns:a14="http://schemas.microsoft.com/office/drawing/2010/main" xmlns="" w="12700" cap="flat" cmpd="sng" algn="ctr">
+              <a14:hiddenLine xmlns="" xmlns:a14="http://schemas.microsoft.com/office/drawing/2010/main" w="12700" cap="flat" cmpd="sng" algn="ctr">
                 <a:solidFill>
                   <a:srgbClr val="000000"/>
                 </a:solidFill>
@@ -28576,7 +28940,7 @@
               </a14:hiddenLine>
             </a:ext>
             <a:ext uri="{AF507438-7753-43e0-B8FC-AC1667EBCBE1}">
-              <a14:hiddenEffects xmlns:a14="http://schemas.microsoft.com/office/drawing/2010/main" xmlns="">
+              <a14:hiddenEffects xmlns="" xmlns:a14="http://schemas.microsoft.com/office/drawing/2010/main">
                 <a:effectLst>
                   <a:outerShdw blurRad="63500" dist="38099" dir="2700000" algn="ctr" rotWithShape="0">
                     <a:schemeClr val="bg2">
@@ -28614,14 +28978,14 @@
               <ma14:placeholderFlag xmlns:ma14="http://schemas.microsoft.com/office/mac/drawingml/2011/main" val="1"/>
             </a:ext>
             <a:ext uri="{909E8E84-426E-40dd-AFC4-6F175D3DCCD1}">
-              <a14:hiddenFill xmlns:a14="http://schemas.microsoft.com/office/drawing/2010/main" xmlns="">
+              <a14:hiddenFill xmlns="" xmlns:a14="http://schemas.microsoft.com/office/drawing/2010/main">
                 <a:solidFill>
                   <a:srgbClr val="FFFFFF"/>
                 </a:solidFill>
               </a14:hiddenFill>
             </a:ext>
             <a:ext uri="{91240B29-F687-4f45-9708-019B960494DF}">
-              <a14:hiddenLine xmlns:a14="http://schemas.microsoft.com/office/drawing/2010/main" xmlns="" w="12700">
+              <a14:hiddenLine xmlns="" xmlns:a14="http://schemas.microsoft.com/office/drawing/2010/main" w="12700">
                 <a:solidFill>
                   <a:schemeClr val="tx1"/>
                 </a:solidFill>
@@ -29139,14 +29503,14 @@
               <ma14:placeholderFlag xmlns:ma14="http://schemas.microsoft.com/office/mac/drawingml/2011/main" val="1"/>
             </a:ext>
             <a:ext uri="{909E8E84-426E-40dd-AFC4-6F175D3DCCD1}">
-              <a14:hiddenFill xmlns:a14="http://schemas.microsoft.com/office/drawing/2010/main" xmlns="">
+              <a14:hiddenFill xmlns="" xmlns:a14="http://schemas.microsoft.com/office/drawing/2010/main">
                 <a:solidFill>
                   <a:srgbClr val="FFFFFF"/>
                 </a:solidFill>
               </a14:hiddenFill>
             </a:ext>
             <a:ext uri="{91240B29-F687-4f45-9708-019B960494DF}">
-              <a14:hiddenLine xmlns:a14="http://schemas.microsoft.com/office/drawing/2010/main" xmlns="" w="12700">
+              <a14:hiddenLine xmlns="" xmlns:a14="http://schemas.microsoft.com/office/drawing/2010/main" w="12700">
                 <a:solidFill>
                   <a:schemeClr val="tx1"/>
                 </a:solidFill>
@@ -29361,7 +29725,7 @@
           <a:effectLst/>
           <a:extLst>
             <a:ext uri="{91240B29-F687-4f45-9708-019B960494DF}">
-              <a14:hiddenLine xmlns:a14="http://schemas.microsoft.com/office/drawing/2010/main" xmlns="" w="12700" cap="flat" cmpd="sng" algn="ctr">
+              <a14:hiddenLine xmlns="" xmlns:a14="http://schemas.microsoft.com/office/drawing/2010/main" w="12700" cap="flat" cmpd="sng" algn="ctr">
                 <a:solidFill>
                   <a:srgbClr val="000000"/>
                 </a:solidFill>
@@ -29372,7 +29736,7 @@
               </a14:hiddenLine>
             </a:ext>
             <a:ext uri="{AF507438-7753-43e0-B8FC-AC1667EBCBE1}">
-              <a14:hiddenEffects xmlns:a14="http://schemas.microsoft.com/office/drawing/2010/main" xmlns="">
+              <a14:hiddenEffects xmlns="" xmlns:a14="http://schemas.microsoft.com/office/drawing/2010/main">
                 <a:effectLst>
                   <a:outerShdw blurRad="63500" dist="38099" dir="2700000" algn="ctr" rotWithShape="0">
                     <a:schemeClr val="bg2">
@@ -29410,14 +29774,14 @@
               <ma14:placeholderFlag xmlns:ma14="http://schemas.microsoft.com/office/mac/drawingml/2011/main" val="1"/>
             </a:ext>
             <a:ext uri="{909E8E84-426E-40dd-AFC4-6F175D3DCCD1}">
-              <a14:hiddenFill xmlns:a14="http://schemas.microsoft.com/office/drawing/2010/main" xmlns="">
+              <a14:hiddenFill xmlns="" xmlns:a14="http://schemas.microsoft.com/office/drawing/2010/main">
                 <a:solidFill>
                   <a:srgbClr val="FFFFFF"/>
                 </a:solidFill>
               </a14:hiddenFill>
             </a:ext>
             <a:ext uri="{91240B29-F687-4f45-9708-019B960494DF}">
-              <a14:hiddenLine xmlns:a14="http://schemas.microsoft.com/office/drawing/2010/main" xmlns="" w="12700">
+              <a14:hiddenLine xmlns="" xmlns:a14="http://schemas.microsoft.com/office/drawing/2010/main" w="12700">
                 <a:solidFill>
                   <a:schemeClr val="tx1"/>
                 </a:solidFill>
@@ -29879,7 +30243,7 @@
             <a:effectLst/>
             <a:extLst>
               <a:ext uri="{91240B29-F687-4f45-9708-019B960494DF}">
-                <a14:hiddenLine xmlns:a14="http://schemas.microsoft.com/office/drawing/2010/main" xmlns="" w="12700" cap="flat" cmpd="sng" algn="ctr">
+                <a14:hiddenLine xmlns="" xmlns:a14="http://schemas.microsoft.com/office/drawing/2010/main" w="12700" cap="flat" cmpd="sng" algn="ctr">
                   <a:solidFill>
                     <a:srgbClr val="000000"/>
                   </a:solidFill>
@@ -29890,7 +30254,7 @@
                 </a14:hiddenLine>
               </a:ext>
               <a:ext uri="{AF507438-7753-43e0-B8FC-AC1667EBCBE1}">
-                <a14:hiddenEffects xmlns:a14="http://schemas.microsoft.com/office/drawing/2010/main" xmlns="">
+                <a14:hiddenEffects xmlns="" xmlns:a14="http://schemas.microsoft.com/office/drawing/2010/main">
                   <a:effectLst>
                     <a:outerShdw blurRad="63500" dist="38099" dir="2700000" algn="ctr" rotWithShape="0">
                       <a:schemeClr val="bg2">
@@ -30297,7 +30661,7 @@
         <a:effectLst/>
         <a:extLst>
           <a:ext uri="{91240B29-F687-4f45-9708-019B960494DF}">
-            <a14:hiddenLine xmlns:a14="http://schemas.microsoft.com/office/drawing/2010/main" xmlns="" w="12700" cap="flat" cmpd="sng" algn="ctr">
+            <a14:hiddenLine xmlns="" xmlns:a14="http://schemas.microsoft.com/office/drawing/2010/main" w="12700" cap="flat" cmpd="sng" algn="ctr">
               <a:solidFill>
                 <a:srgbClr val="000000"/>
               </a:solidFill>
@@ -30308,7 +30672,7 @@
             </a14:hiddenLine>
           </a:ext>
           <a:ext uri="{AF507438-7753-43e0-B8FC-AC1667EBCBE1}">
-            <a14:hiddenEffects xmlns:a14="http://schemas.microsoft.com/office/drawing/2010/main" xmlns="">
+            <a14:hiddenEffects xmlns="" xmlns:a14="http://schemas.microsoft.com/office/drawing/2010/main">
               <a:effectLst>
                 <a:outerShdw blurRad="63500" dist="38099" dir="2700000" algn="ctr" rotWithShape="0">
                   <a:schemeClr val="bg2">
@@ -30380,7 +30744,7 @@
         <a:effectLst/>
         <a:extLst>
           <a:ext uri="{91240B29-F687-4f45-9708-019B960494DF}">
-            <a14:hiddenLine xmlns:a14="http://schemas.microsoft.com/office/drawing/2010/main" xmlns="" w="12700" cap="flat" cmpd="sng" algn="ctr">
+            <a14:hiddenLine xmlns="" xmlns:a14="http://schemas.microsoft.com/office/drawing/2010/main" w="12700" cap="flat" cmpd="sng" algn="ctr">
               <a:solidFill>
                 <a:srgbClr val="000000"/>
               </a:solidFill>
@@ -30391,7 +30755,7 @@
             </a14:hiddenLine>
           </a:ext>
           <a:ext uri="{AF507438-7753-43e0-B8FC-AC1667EBCBE1}">
-            <a14:hiddenEffects xmlns:a14="http://schemas.microsoft.com/office/drawing/2010/main" xmlns="">
+            <a14:hiddenEffects xmlns="" xmlns:a14="http://schemas.microsoft.com/office/drawing/2010/main">
               <a:effectLst>
                 <a:outerShdw blurRad="63500" dist="38099" dir="2700000" algn="ctr" rotWithShape="0">
                   <a:schemeClr val="bg2">
@@ -30727,7 +31091,7 @@
         <a:effectLst/>
         <a:extLst>
           <a:ext uri="{91240B29-F687-4f45-9708-019B960494DF}">
-            <a14:hiddenLine xmlns:a14="http://schemas.microsoft.com/office/drawing/2010/main" xmlns="" w="12700" cap="flat" cmpd="sng" algn="ctr">
+            <a14:hiddenLine xmlns="" xmlns:a14="http://schemas.microsoft.com/office/drawing/2010/main" w="12700" cap="flat" cmpd="sng" algn="ctr">
               <a:solidFill>
                 <a:srgbClr val="000000"/>
               </a:solidFill>
@@ -30738,7 +31102,7 @@
             </a14:hiddenLine>
           </a:ext>
           <a:ext uri="{AF507438-7753-43e0-B8FC-AC1667EBCBE1}">
-            <a14:hiddenEffects xmlns:a14="http://schemas.microsoft.com/office/drawing/2010/main" xmlns="">
+            <a14:hiddenEffects xmlns="" xmlns:a14="http://schemas.microsoft.com/office/drawing/2010/main">
               <a:effectLst>
                 <a:outerShdw blurRad="63500" dist="38099" dir="2700000" algn="ctr" rotWithShape="0">
                   <a:schemeClr val="bg2">
@@ -30810,7 +31174,7 @@
         <a:effectLst/>
         <a:extLst>
           <a:ext uri="{91240B29-F687-4f45-9708-019B960494DF}">
-            <a14:hiddenLine xmlns:a14="http://schemas.microsoft.com/office/drawing/2010/main" xmlns="" w="12700" cap="flat" cmpd="sng" algn="ctr">
+            <a14:hiddenLine xmlns="" xmlns:a14="http://schemas.microsoft.com/office/drawing/2010/main" w="12700" cap="flat" cmpd="sng" algn="ctr">
               <a:solidFill>
                 <a:srgbClr val="000000"/>
               </a:solidFill>
@@ -30821,7 +31185,7 @@
             </a14:hiddenLine>
           </a:ext>
           <a:ext uri="{AF507438-7753-43e0-B8FC-AC1667EBCBE1}">
-            <a14:hiddenEffects xmlns:a14="http://schemas.microsoft.com/office/drawing/2010/main" xmlns="">
+            <a14:hiddenEffects xmlns="" xmlns:a14="http://schemas.microsoft.com/office/drawing/2010/main">
               <a:effectLst>
                 <a:outerShdw blurRad="63500" dist="38099" dir="2700000" algn="ctr" rotWithShape="0">
                   <a:schemeClr val="bg2">
@@ -31157,7 +31521,7 @@
         <a:effectLst/>
         <a:extLst>
           <a:ext uri="{91240B29-F687-4f45-9708-019B960494DF}">
-            <a14:hiddenLine xmlns:a14="http://schemas.microsoft.com/office/drawing/2010/main" xmlns="" w="12700" cap="flat" cmpd="sng" algn="ctr">
+            <a14:hiddenLine xmlns="" xmlns:a14="http://schemas.microsoft.com/office/drawing/2010/main" w="12700" cap="flat" cmpd="sng" algn="ctr">
               <a:solidFill>
                 <a:srgbClr val="000000"/>
               </a:solidFill>
@@ -31168,7 +31532,7 @@
             </a14:hiddenLine>
           </a:ext>
           <a:ext uri="{AF507438-7753-43e0-B8FC-AC1667EBCBE1}">
-            <a14:hiddenEffects xmlns:a14="http://schemas.microsoft.com/office/drawing/2010/main" xmlns="">
+            <a14:hiddenEffects xmlns="" xmlns:a14="http://schemas.microsoft.com/office/drawing/2010/main">
               <a:effectLst>
                 <a:outerShdw blurRad="63500" dist="38099" dir="2700000" algn="ctr" rotWithShape="0">
                   <a:schemeClr val="bg2">
@@ -31240,7 +31604,7 @@
         <a:effectLst/>
         <a:extLst>
           <a:ext uri="{91240B29-F687-4f45-9708-019B960494DF}">
-            <a14:hiddenLine xmlns:a14="http://schemas.microsoft.com/office/drawing/2010/main" xmlns="" w="12700" cap="flat" cmpd="sng" algn="ctr">
+            <a14:hiddenLine xmlns="" xmlns:a14="http://schemas.microsoft.com/office/drawing/2010/main" w="12700" cap="flat" cmpd="sng" algn="ctr">
               <a:solidFill>
                 <a:srgbClr val="000000"/>
               </a:solidFill>
@@ -31251,7 +31615,7 @@
             </a14:hiddenLine>
           </a:ext>
           <a:ext uri="{AF507438-7753-43e0-B8FC-AC1667EBCBE1}">
-            <a14:hiddenEffects xmlns:a14="http://schemas.microsoft.com/office/drawing/2010/main" xmlns="">
+            <a14:hiddenEffects xmlns="" xmlns:a14="http://schemas.microsoft.com/office/drawing/2010/main">
               <a:effectLst>
                 <a:outerShdw blurRad="63500" dist="38099" dir="2700000" algn="ctr" rotWithShape="0">
                   <a:schemeClr val="bg2">
@@ -31587,7 +31951,7 @@
         <a:effectLst/>
         <a:extLst>
           <a:ext uri="{91240B29-F687-4f45-9708-019B960494DF}">
-            <a14:hiddenLine xmlns:a14="http://schemas.microsoft.com/office/drawing/2010/main" xmlns="" w="12700" cap="flat" cmpd="sng" algn="ctr">
+            <a14:hiddenLine xmlns="" xmlns:a14="http://schemas.microsoft.com/office/drawing/2010/main" w="12700" cap="flat" cmpd="sng" algn="ctr">
               <a:solidFill>
                 <a:srgbClr val="000000"/>
               </a:solidFill>
@@ -31598,7 +31962,7 @@
             </a14:hiddenLine>
           </a:ext>
           <a:ext uri="{AF507438-7753-43e0-B8FC-AC1667EBCBE1}">
-            <a14:hiddenEffects xmlns:a14="http://schemas.microsoft.com/office/drawing/2010/main" xmlns="">
+            <a14:hiddenEffects xmlns="" xmlns:a14="http://schemas.microsoft.com/office/drawing/2010/main">
               <a:effectLst>
                 <a:outerShdw blurRad="63500" dist="38099" dir="2700000" algn="ctr" rotWithShape="0">
                   <a:schemeClr val="bg2">
@@ -31670,7 +32034,7 @@
         <a:effectLst/>
         <a:extLst>
           <a:ext uri="{91240B29-F687-4f45-9708-019B960494DF}">
-            <a14:hiddenLine xmlns:a14="http://schemas.microsoft.com/office/drawing/2010/main" xmlns="" w="12700" cap="flat" cmpd="sng" algn="ctr">
+            <a14:hiddenLine xmlns="" xmlns:a14="http://schemas.microsoft.com/office/drawing/2010/main" w="12700" cap="flat" cmpd="sng" algn="ctr">
               <a:solidFill>
                 <a:srgbClr val="000000"/>
               </a:solidFill>
@@ -31681,7 +32045,7 @@
             </a14:hiddenLine>
           </a:ext>
           <a:ext uri="{AF507438-7753-43e0-B8FC-AC1667EBCBE1}">
-            <a14:hiddenEffects xmlns:a14="http://schemas.microsoft.com/office/drawing/2010/main" xmlns="">
+            <a14:hiddenEffects xmlns="" xmlns:a14="http://schemas.microsoft.com/office/drawing/2010/main">
               <a:effectLst>
                 <a:outerShdw blurRad="63500" dist="38099" dir="2700000" algn="ctr" rotWithShape="0">
                   <a:schemeClr val="bg2">

--- a/pre_wangyu.pptx
+++ b/pre_wangyu.pptx
@@ -15256,8 +15256,8 @@
         </p:blipFill>
         <p:spPr>
           <a:xfrm>
-            <a:off x="1242128" y="2252094"/>
-            <a:ext cx="3648001" cy="2736000"/>
+            <a:off x="1242128" y="2135982"/>
+            <a:ext cx="3802817" cy="2852112"/>
           </a:xfrm>
           <a:prstGeom prst="rect">
             <a:avLst/>
@@ -15272,7 +15272,7 @@
           </p:cNvPicPr>
           <p:nvPr/>
         </p:nvPicPr>
-        <p:blipFill>
+        <p:blipFill rotWithShape="1">
           <a:blip r:embed="rId3">
             <a:extLst>
               <a:ext uri="{28A0092B-C50C-407E-A947-70E740481C1C}">
@@ -15280,14 +15280,13 @@
               </a:ext>
             </a:extLst>
           </a:blip>
-          <a:stretch>
-            <a:fillRect/>
-          </a:stretch>
+          <a:srcRect r="2931" b="18835"/>
+          <a:stretch/>
         </p:blipFill>
         <p:spPr>
           <a:xfrm>
             <a:off x="1503381" y="1150144"/>
-            <a:ext cx="3505200" cy="1193800"/>
+            <a:ext cx="3402448" cy="968942"/>
           </a:xfrm>
           <a:prstGeom prst="rect">
             <a:avLst/>
@@ -16832,7 +16831,7 @@
           </p:cNvPicPr>
           <p:nvPr/>
         </p:nvPicPr>
-        <p:blipFill>
+        <p:blipFill rotWithShape="1">
           <a:blip r:embed="rId2">
             <a:extLst>
               <a:ext uri="{28A0092B-C50C-407E-A947-70E740481C1C}">
@@ -16840,14 +16839,13 @@
               </a:ext>
             </a:extLst>
           </a:blip>
-          <a:stretch>
-            <a:fillRect/>
-          </a:stretch>
+          <a:srcRect l="-288" r="1512" b="16848"/>
+          <a:stretch/>
         </p:blipFill>
         <p:spPr>
           <a:xfrm>
             <a:off x="549728" y="1539423"/>
-            <a:ext cx="5041900" cy="1168400"/>
+            <a:ext cx="4980215" cy="971548"/>
           </a:xfrm>
           <a:prstGeom prst="rect">
             <a:avLst/>
@@ -18077,7 +18075,7 @@
           </p:cNvPicPr>
           <p:nvPr/>
         </p:nvPicPr>
-        <p:blipFill>
+        <p:blipFill rotWithShape="1">
           <a:blip r:embed="rId2">
             <a:extLst>
               <a:ext uri="{28A0092B-C50C-407E-A947-70E740481C1C}">
@@ -18085,14 +18083,13 @@
               </a:ext>
             </a:extLst>
           </a:blip>
-          <a:stretch>
-            <a:fillRect/>
-          </a:stretch>
+          <a:srcRect t="8523" r="2315" b="17208"/>
+          <a:stretch/>
         </p:blipFill>
         <p:spPr>
           <a:xfrm>
-            <a:off x="553357" y="1643743"/>
-            <a:ext cx="3683000" cy="1117600"/>
+            <a:off x="970699" y="1741714"/>
+            <a:ext cx="3597729" cy="830036"/>
           </a:xfrm>
           <a:prstGeom prst="rect">
             <a:avLst/>
@@ -23566,31 +23563,6 @@
               <a:rPr lang="en-US"/>
               <a:t>Thank you</a:t>
             </a:r>
-          </a:p>
-        </p:txBody>
-      </p:sp>
-      <p:sp>
-        <p:nvSpPr>
-          <p:cNvPr id="73730" name="Rectangle 2"/>
-          <p:cNvSpPr>
-            <a:spLocks noGrp="1" noChangeArrowheads="1"/>
-          </p:cNvSpPr>
-          <p:nvPr>
-            <p:ph type="body" idx="1"/>
-          </p:nvPr>
-        </p:nvSpPr>
-        <p:spPr>
-          <a:ln/>
-        </p:spPr>
-        <p:txBody>
-          <a:bodyPr/>
-          <a:lstStyle/>
-          <a:p>
-            <a:r>
-              <a:rPr lang="en-US" altLang="zh-CN" dirty="0" smtClean="0"/>
-              <a:t>Q&amp;A</a:t>
-            </a:r>
-            <a:endParaRPr lang="en-US" dirty="0"/>
           </a:p>
         </p:txBody>
       </p:sp>
@@ -27899,15 +27871,7 @@
                   <a:schemeClr val="tx1"/>
                 </a:solidFill>
               </a:rPr>
-              <a:t>E</a:t>
-            </a:r>
-            <a:r>
-              <a:rPr lang="en-US" altLang="zh-CN" sz="1400" dirty="0" smtClean="0">
-                <a:solidFill>
-                  <a:schemeClr val="tx1"/>
-                </a:solidFill>
-              </a:rPr>
-              <a:t>:</a:t>
+              <a:t>E:</a:t>
             </a:r>
             <a:r>
               <a:rPr lang="en-US" altLang="zh-CN" sz="1400" dirty="0">
@@ -28121,15 +28085,7 @@
                   <a:schemeClr val="tx1"/>
                 </a:solidFill>
               </a:rPr>
-              <a:t>S</a:t>
-            </a:r>
-            <a:r>
-              <a:rPr lang="en-US" altLang="zh-CN" sz="1400" dirty="0" smtClean="0">
-                <a:solidFill>
-                  <a:schemeClr val="tx1"/>
-                </a:solidFill>
-              </a:rPr>
-              <a:t>:</a:t>
+              <a:t>S:</a:t>
             </a:r>
             <a:r>
               <a:rPr lang="zh-CN" altLang="en-US" sz="1400" dirty="0" smtClean="0">
